--- a/07-refactoring_to_attributes.pptx
+++ b/07-refactoring_to_attributes.pptx
@@ -318,7 +318,7 @@
               <a:pPr>
                 <a:defRPr/>
               </a:pPr>
-              <a:t>2016-02-26</a:t>
+              <a:t>2016-02-27</a:t>
             </a:fld>
             <a:endParaRPr lang="en-US" dirty="0"/>
           </a:p>
@@ -501,7 +501,7 @@
               <a:pPr>
                 <a:defRPr/>
               </a:pPr>
-              <a:t>2016-02-26</a:t>
+              <a:t>2016-02-27</a:t>
             </a:fld>
             <a:endParaRPr lang="en-US" dirty="0"/>
           </a:p>
@@ -5767,7 +5767,6 @@
               <a:rPr lang="en-US" baseline="0" dirty="0" smtClean="0"/>
               <a:t>The configuration recipe defined a file resource with a path to the location for the default HTML page. This path is hard-coded for this particular platform. If we had a situation where another cookbook or environment or role wanted to use this recipe but provide a custom value we could not do that unless we talk about making the file path a node attribute.</a:t>
             </a:r>
-            <a:endParaRPr lang="en-US" baseline="0" dirty="0" smtClean="0"/>
           </a:p>
         </p:txBody>
       </p:sp>
@@ -6399,7 +6398,6 @@
               <a:rPr lang="en-US" baseline="0" dirty="0" smtClean="0"/>
               <a:t>With the resources now using node attributes we are ready to explore the last section which will challenge us to expand the scope of this cookbook to support multiple platforms.</a:t>
             </a:r>
-            <a:endParaRPr lang="en-US" baseline="0" dirty="0" smtClean="0"/>
           </a:p>
         </p:txBody>
       </p:sp>
@@ -7490,7 +7488,7 @@
               <a:buFont typeface="Arial" pitchFamily="34" charset="0"/>
               <a:buNone/>
               <a:tabLst/>
-              <a:defRPr sz="2800">
+              <a:defRPr sz="2800" b="1">
                 <a:latin typeface="Courier New" panose="02070309020205020404" pitchFamily="49" charset="0"/>
                 <a:cs typeface="Courier New" panose="02070309020205020404" pitchFamily="49" charset="0"/>
               </a:defRPr>
@@ -7803,14 +7801,14 @@
           </a:ln>
           <a:extLst>
             <a:ext uri="{909E8E84-426E-40dd-AFC4-6F175D3DCCD1}">
-              <a14:hiddenFill xmlns="" xmlns:a14="http://schemas.microsoft.com/office/drawing/2010/main">
+              <a14:hiddenFill xmlns:a14="http://schemas.microsoft.com/office/drawing/2010/main" xmlns="">
                 <a:solidFill>
                   <a:srgbClr val="FFFFFF"/>
                 </a:solidFill>
               </a14:hiddenFill>
             </a:ext>
             <a:ext uri="{91240B29-F687-4f45-9708-019B960494DF}">
-              <a14:hiddenLine xmlns="" xmlns:a14="http://schemas.microsoft.com/office/drawing/2010/main" w="9525">
+              <a14:hiddenLine xmlns:a14="http://schemas.microsoft.com/office/drawing/2010/main" xmlns="" w="9525">
                 <a:solidFill>
                   <a:srgbClr val="000000"/>
                 </a:solidFill>
@@ -7958,14 +7956,14 @@
           </a:ln>
           <a:extLst>
             <a:ext uri="{909E8E84-426E-40dd-AFC4-6F175D3DCCD1}">
-              <a14:hiddenFill xmlns="" xmlns:a14="http://schemas.microsoft.com/office/drawing/2010/main">
+              <a14:hiddenFill xmlns:a14="http://schemas.microsoft.com/office/drawing/2010/main" xmlns="">
                 <a:solidFill>
                   <a:srgbClr val="FFFFFF"/>
                 </a:solidFill>
               </a14:hiddenFill>
             </a:ext>
             <a:ext uri="{91240B29-F687-4f45-9708-019B960494DF}">
-              <a14:hiddenLine xmlns="" xmlns:a14="http://schemas.microsoft.com/office/drawing/2010/main" w="9525">
+              <a14:hiddenLine xmlns:a14="http://schemas.microsoft.com/office/drawing/2010/main" xmlns="" w="9525">
                 <a:solidFill>
                   <a:srgbClr val="000000"/>
                 </a:solidFill>
@@ -8456,14 +8454,14 @@
           </a:ln>
           <a:extLst>
             <a:ext uri="{909E8E84-426E-40dd-AFC4-6F175D3DCCD1}">
-              <a14:hiddenFill xmlns="" xmlns:a14="http://schemas.microsoft.com/office/drawing/2010/main">
+              <a14:hiddenFill xmlns:a14="http://schemas.microsoft.com/office/drawing/2010/main" xmlns="">
                 <a:solidFill>
                   <a:srgbClr val="FFFFFF"/>
                 </a:solidFill>
               </a14:hiddenFill>
             </a:ext>
             <a:ext uri="{91240B29-F687-4f45-9708-019B960494DF}">
-              <a14:hiddenLine xmlns="" xmlns:a14="http://schemas.microsoft.com/office/drawing/2010/main" w="9525">
+              <a14:hiddenLine xmlns:a14="http://schemas.microsoft.com/office/drawing/2010/main" xmlns="" w="9525">
                 <a:solidFill>
                   <a:srgbClr val="000000"/>
                 </a:solidFill>
@@ -8492,7 +8490,1217 @@
 </file>
 
 <file path=ppt/slideLayouts/slideLayout13.xml><?xml version="1.0" encoding="utf-8"?>
-<p:sldLayout xmlns:a="http://schemas.openxmlformats.org/drawingml/2006/main" xmlns:r="http://schemas.openxmlformats.org/officeDocument/2006/relationships" xmlns:p="http://schemas.openxmlformats.org/presentationml/2006/main" userDrawn="1">
+<p:sldLayout xmlns:a="http://schemas.openxmlformats.org/drawingml/2006/main" xmlns:r="http://schemas.openxmlformats.org/officeDocument/2006/relationships" xmlns:p="http://schemas.openxmlformats.org/presentationml/2006/main" preserve="1" userDrawn="1">
+  <p:cSld name="Motivation">
+    <p:spTree>
+      <p:nvGrpSpPr>
+        <p:cNvPr id="1" name=""/>
+        <p:cNvGrpSpPr/>
+        <p:nvPr/>
+      </p:nvGrpSpPr>
+      <p:grpSpPr>
+        <a:xfrm>
+          <a:off x="0" y="0"/>
+          <a:ext cx="0" cy="0"/>
+          <a:chOff x="0" y="0"/>
+          <a:chExt cx="0" cy="0"/>
+        </a:xfrm>
+      </p:grpSpPr>
+      <p:sp>
+        <p:nvSpPr>
+          <p:cNvPr id="5" name="TextBox 4"/>
+          <p:cNvSpPr txBox="1"/>
+          <p:nvPr/>
+        </p:nvSpPr>
+        <p:spPr bwMode="white">
+          <a:xfrm>
+            <a:off x="136960" y="128323"/>
+            <a:ext cx="13979932" cy="2378219"/>
+          </a:xfrm>
+          <a:prstGeom prst="rect">
+            <a:avLst/>
+          </a:prstGeom>
+          <a:noFill/>
+          <a:ln>
+            <a:noFill/>
+          </a:ln>
+          <a:effectLst/>
+        </p:spPr>
+        <p:txBody>
+          <a:bodyPr lIns="121920" tIns="121920" rIns="121920" bIns="121920" anchor="ctr"/>
+          <a:lstStyle/>
+          <a:p>
+            <a:pPr defTabSz="1219120" fontAlgn="auto">
+              <a:spcBef>
+                <a:spcPts val="0"/>
+              </a:spcBef>
+              <a:spcAft>
+                <a:spcPts val="0"/>
+              </a:spcAft>
+              <a:defRPr/>
+            </a:pPr>
+            <a:r>
+              <a:rPr lang="en-US" sz="16933" dirty="0">
+                <a:ln w="18415" cmpd="sng">
+                  <a:solidFill>
+                    <a:srgbClr val="FFFFFF"/>
+                  </a:solidFill>
+                  <a:prstDash val="solid"/>
+                </a:ln>
+                <a:solidFill>
+                  <a:schemeClr val="bg2">
+                    <a:lumMod val="95000"/>
+                    <a:alpha val="50000"/>
+                  </a:schemeClr>
+                </a:solidFill>
+                <a:latin typeface="+mn-lt"/>
+                <a:ea typeface="+mn-ea"/>
+                <a:cs typeface="+mn-cs"/>
+              </a:rPr>
+              <a:t>MOTIVATION</a:t>
+            </a:r>
+          </a:p>
+        </p:txBody>
+      </p:sp>
+      <p:pic>
+        <p:nvPicPr>
+          <p:cNvPr id="2" name="Picture 1" descr="gift.gif"/>
+          <p:cNvPicPr>
+            <a:picLocks noChangeAspect="1"/>
+          </p:cNvPicPr>
+          <p:nvPr userDrawn="1"/>
+        </p:nvPicPr>
+        <p:blipFill>
+          <a:blip r:embed="rId2">
+            <a:extLst>
+              <a:ext uri="{28A0092B-C50C-407E-A947-70E740481C1C}">
+                <a14:useLocalDpi xmlns:a14="http://schemas.microsoft.com/office/drawing/2010/main" val="0"/>
+              </a:ext>
+            </a:extLst>
+          </a:blip>
+          <a:stretch>
+            <a:fillRect/>
+          </a:stretch>
+        </p:blipFill>
+        <p:spPr>
+          <a:xfrm>
+            <a:off x="13257264" y="215274"/>
+            <a:ext cx="2441471" cy="2407901"/>
+          </a:xfrm>
+          <a:prstGeom prst="rect">
+            <a:avLst/>
+          </a:prstGeom>
+        </p:spPr>
+      </p:pic>
+      <p:sp>
+        <p:nvSpPr>
+          <p:cNvPr id="6" name="Title 1"/>
+          <p:cNvSpPr>
+            <a:spLocks noGrp="1"/>
+          </p:cNvSpPr>
+          <p:nvPr>
+            <p:ph type="ctrTitle" hasCustomPrompt="1"/>
+          </p:nvPr>
+        </p:nvSpPr>
+        <p:spPr bwMode="white">
+          <a:xfrm>
+            <a:off x="1680252" y="2304144"/>
+            <a:ext cx="12310386" cy="852712"/>
+          </a:xfrm>
+        </p:spPr>
+        <p:txBody>
+          <a:bodyPr lIns="91440" tIns="91440" rIns="91440" bIns="91440" anchor="ctr"/>
+          <a:lstStyle>
+            <a:lvl1pPr>
+              <a:lnSpc>
+                <a:spcPct val="90000"/>
+              </a:lnSpc>
+              <a:defRPr sz="6400" b="1" spc="0" baseline="0">
+                <a:solidFill>
+                  <a:schemeClr val="accent1"/>
+                </a:solidFill>
+              </a:defRPr>
+            </a:lvl1pPr>
+          </a:lstStyle>
+          <a:p>
+            <a:r>
+              <a:rPr lang="en-US" dirty="0" smtClean="0"/>
+              <a:t>Motivation</a:t>
+            </a:r>
+            <a:endParaRPr lang="en-US" dirty="0"/>
+          </a:p>
+        </p:txBody>
+      </p:sp>
+      <p:sp>
+        <p:nvSpPr>
+          <p:cNvPr id="14" name="Subtitle 2"/>
+          <p:cNvSpPr>
+            <a:spLocks noGrp="1"/>
+          </p:cNvSpPr>
+          <p:nvPr>
+            <p:ph type="subTitle" idx="1"/>
+          </p:nvPr>
+        </p:nvSpPr>
+        <p:spPr bwMode="white">
+          <a:xfrm>
+            <a:off x="1672167" y="3283868"/>
+            <a:ext cx="12315718" cy="4770049"/>
+          </a:xfrm>
+          <a:prstGeom prst="rect">
+            <a:avLst/>
+          </a:prstGeom>
+        </p:spPr>
+        <p:txBody>
+          <a:bodyPr lIns="91440" tIns="91440" rIns="91440" bIns="91440">
+            <a:noAutofit/>
+          </a:bodyPr>
+          <a:lstStyle>
+            <a:lvl1pPr marL="0" indent="0" algn="l">
+              <a:lnSpc>
+                <a:spcPct val="100000"/>
+              </a:lnSpc>
+              <a:spcBef>
+                <a:spcPts val="0"/>
+              </a:spcBef>
+              <a:buNone/>
+              <a:defRPr sz="2800" baseline="0">
+                <a:solidFill>
+                  <a:schemeClr val="accent3">
+                    <a:lumMod val="50000"/>
+                  </a:schemeClr>
+                </a:solidFill>
+              </a:defRPr>
+            </a:lvl1pPr>
+            <a:lvl2pPr marL="609561" indent="0" algn="ctr">
+              <a:buNone/>
+              <a:defRPr>
+                <a:solidFill>
+                  <a:schemeClr val="tx1">
+                    <a:tint val="75000"/>
+                  </a:schemeClr>
+                </a:solidFill>
+              </a:defRPr>
+            </a:lvl2pPr>
+            <a:lvl3pPr marL="1219120" indent="0" algn="ctr">
+              <a:buNone/>
+              <a:defRPr>
+                <a:solidFill>
+                  <a:schemeClr val="tx1">
+                    <a:tint val="75000"/>
+                  </a:schemeClr>
+                </a:solidFill>
+              </a:defRPr>
+            </a:lvl3pPr>
+            <a:lvl4pPr marL="1828681" indent="0" algn="ctr">
+              <a:buNone/>
+              <a:defRPr>
+                <a:solidFill>
+                  <a:schemeClr val="tx1">
+                    <a:tint val="75000"/>
+                  </a:schemeClr>
+                </a:solidFill>
+              </a:defRPr>
+            </a:lvl4pPr>
+            <a:lvl5pPr marL="2438242" indent="0" algn="ctr">
+              <a:buNone/>
+              <a:defRPr>
+                <a:solidFill>
+                  <a:schemeClr val="tx1">
+                    <a:tint val="75000"/>
+                  </a:schemeClr>
+                </a:solidFill>
+              </a:defRPr>
+            </a:lvl5pPr>
+            <a:lvl6pPr marL="3047802" indent="0" algn="ctr">
+              <a:buNone/>
+              <a:defRPr>
+                <a:solidFill>
+                  <a:schemeClr val="tx1">
+                    <a:tint val="75000"/>
+                  </a:schemeClr>
+                </a:solidFill>
+              </a:defRPr>
+            </a:lvl6pPr>
+            <a:lvl7pPr marL="3657362" indent="0" algn="ctr">
+              <a:buNone/>
+              <a:defRPr>
+                <a:solidFill>
+                  <a:schemeClr val="tx1">
+                    <a:tint val="75000"/>
+                  </a:schemeClr>
+                </a:solidFill>
+              </a:defRPr>
+            </a:lvl7pPr>
+            <a:lvl8pPr marL="4266923" indent="0" algn="ctr">
+              <a:buNone/>
+              <a:defRPr>
+                <a:solidFill>
+                  <a:schemeClr val="tx1">
+                    <a:tint val="75000"/>
+                  </a:schemeClr>
+                </a:solidFill>
+              </a:defRPr>
+            </a:lvl8pPr>
+            <a:lvl9pPr marL="4876483" indent="0" algn="ctr">
+              <a:buNone/>
+              <a:defRPr>
+                <a:solidFill>
+                  <a:schemeClr val="tx1">
+                    <a:tint val="75000"/>
+                  </a:schemeClr>
+                </a:solidFill>
+              </a:defRPr>
+            </a:lvl9pPr>
+          </a:lstStyle>
+          <a:p>
+            <a:r>
+              <a:rPr lang="en-US" dirty="0" smtClean="0"/>
+              <a:t>Click to edit Master subtitle style</a:t>
+            </a:r>
+          </a:p>
+        </p:txBody>
+      </p:sp>
+    </p:spTree>
+    <p:extLst>
+      <p:ext uri="{BB962C8B-B14F-4D97-AF65-F5344CB8AC3E}">
+        <p14:creationId xmlns:p14="http://schemas.microsoft.com/office/powerpoint/2010/main" val="2947928335"/>
+      </p:ext>
+    </p:extLst>
+  </p:cSld>
+  <p:clrMapOvr>
+    <a:masterClrMapping/>
+  </p:clrMapOvr>
+  <p:transition spd="med">
+    <p:fade/>
+  </p:transition>
+</p:sldLayout>
+</file>
+
+<file path=ppt/slideLayouts/slideLayout14.xml><?xml version="1.0" encoding="utf-8"?>
+<p:sldLayout xmlns:a="http://schemas.openxmlformats.org/drawingml/2006/main" xmlns:r="http://schemas.openxmlformats.org/officeDocument/2006/relationships" xmlns:p="http://schemas.openxmlformats.org/presentationml/2006/main" preserve="1" userDrawn="1">
+  <p:cSld name="Problem">
+    <p:spTree>
+      <p:nvGrpSpPr>
+        <p:cNvPr id="1" name=""/>
+        <p:cNvGrpSpPr/>
+        <p:nvPr/>
+      </p:nvGrpSpPr>
+      <p:grpSpPr>
+        <a:xfrm>
+          <a:off x="0" y="0"/>
+          <a:ext cx="0" cy="0"/>
+          <a:chOff x="0" y="0"/>
+          <a:chExt cx="0" cy="0"/>
+        </a:xfrm>
+      </p:grpSpPr>
+      <p:sp>
+        <p:nvSpPr>
+          <p:cNvPr id="5" name="TextBox 4"/>
+          <p:cNvSpPr txBox="1"/>
+          <p:nvPr/>
+        </p:nvSpPr>
+        <p:spPr bwMode="white">
+          <a:xfrm>
+            <a:off x="136960" y="149489"/>
+            <a:ext cx="11781799" cy="2378219"/>
+          </a:xfrm>
+          <a:prstGeom prst="rect">
+            <a:avLst/>
+          </a:prstGeom>
+          <a:noFill/>
+          <a:ln>
+            <a:noFill/>
+          </a:ln>
+          <a:effectLst/>
+        </p:spPr>
+        <p:txBody>
+          <a:bodyPr lIns="121920" tIns="121920" rIns="121920" bIns="121920" anchor="ctr"/>
+          <a:lstStyle/>
+          <a:p>
+            <a:pPr defTabSz="1219120" fontAlgn="auto">
+              <a:spcBef>
+                <a:spcPts val="0"/>
+              </a:spcBef>
+              <a:spcAft>
+                <a:spcPts val="0"/>
+              </a:spcAft>
+              <a:defRPr/>
+            </a:pPr>
+            <a:r>
+              <a:rPr lang="en-US" sz="16933" dirty="0">
+                <a:ln w="18415" cmpd="sng">
+                  <a:solidFill>
+                    <a:srgbClr val="FFFFFF"/>
+                  </a:solidFill>
+                  <a:prstDash val="solid"/>
+                </a:ln>
+                <a:solidFill>
+                  <a:schemeClr val="bg2">
+                    <a:lumMod val="95000"/>
+                    <a:alpha val="50000"/>
+                  </a:schemeClr>
+                </a:solidFill>
+                <a:latin typeface="+mn-lt"/>
+                <a:ea typeface="+mn-ea"/>
+                <a:cs typeface="+mn-cs"/>
+              </a:rPr>
+              <a:t>PROBLEM</a:t>
+            </a:r>
+          </a:p>
+        </p:txBody>
+      </p:sp>
+      <p:pic>
+        <p:nvPicPr>
+          <p:cNvPr id="2" name="Picture 1" descr="splat.gif"/>
+          <p:cNvPicPr>
+            <a:picLocks noChangeAspect="1"/>
+          </p:cNvPicPr>
+          <p:nvPr userDrawn="1"/>
+        </p:nvPicPr>
+        <p:blipFill>
+          <a:blip r:embed="rId2">
+            <a:extLst>
+              <a:ext uri="{28A0092B-C50C-407E-A947-70E740481C1C}">
+                <a14:useLocalDpi xmlns:a14="http://schemas.microsoft.com/office/drawing/2010/main" val="0"/>
+              </a:ext>
+            </a:extLst>
+          </a:blip>
+          <a:stretch>
+            <a:fillRect/>
+          </a:stretch>
+        </p:blipFill>
+        <p:spPr>
+          <a:xfrm>
+            <a:off x="13153654" y="94879"/>
+            <a:ext cx="2648691" cy="2648691"/>
+          </a:xfrm>
+          <a:prstGeom prst="rect">
+            <a:avLst/>
+          </a:prstGeom>
+        </p:spPr>
+      </p:pic>
+      <p:sp>
+        <p:nvSpPr>
+          <p:cNvPr id="6" name="Title 1"/>
+          <p:cNvSpPr>
+            <a:spLocks noGrp="1"/>
+          </p:cNvSpPr>
+          <p:nvPr>
+            <p:ph type="ctrTitle" hasCustomPrompt="1"/>
+          </p:nvPr>
+        </p:nvSpPr>
+        <p:spPr bwMode="white">
+          <a:xfrm>
+            <a:off x="1671638" y="2294619"/>
+            <a:ext cx="12319000" cy="852712"/>
+          </a:xfrm>
+        </p:spPr>
+        <p:txBody>
+          <a:bodyPr lIns="91440" tIns="91440" rIns="91440" bIns="91440" anchor="ctr"/>
+          <a:lstStyle>
+            <a:lvl1pPr>
+              <a:lnSpc>
+                <a:spcPct val="90000"/>
+              </a:lnSpc>
+              <a:defRPr sz="6400" b="1" spc="0" baseline="0">
+                <a:solidFill>
+                  <a:schemeClr val="accent1"/>
+                </a:solidFill>
+              </a:defRPr>
+            </a:lvl1pPr>
+          </a:lstStyle>
+          <a:p>
+            <a:r>
+              <a:rPr lang="en-US" dirty="0" smtClean="0"/>
+              <a:t>Problem</a:t>
+            </a:r>
+            <a:endParaRPr lang="en-US" dirty="0"/>
+          </a:p>
+        </p:txBody>
+      </p:sp>
+      <p:sp>
+        <p:nvSpPr>
+          <p:cNvPr id="10" name="Subtitle 2"/>
+          <p:cNvSpPr>
+            <a:spLocks noGrp="1"/>
+          </p:cNvSpPr>
+          <p:nvPr>
+            <p:ph type="subTitle" idx="1"/>
+          </p:nvPr>
+        </p:nvSpPr>
+        <p:spPr bwMode="white">
+          <a:xfrm>
+            <a:off x="1671638" y="3271838"/>
+            <a:ext cx="12319000" cy="3346421"/>
+          </a:xfrm>
+          <a:prstGeom prst="rect">
+            <a:avLst/>
+          </a:prstGeom>
+        </p:spPr>
+        <p:txBody>
+          <a:bodyPr lIns="91440" tIns="91440" rIns="91440" bIns="91440">
+            <a:noAutofit/>
+          </a:bodyPr>
+          <a:lstStyle>
+            <a:lvl1pPr marL="0" indent="0" algn="l">
+              <a:lnSpc>
+                <a:spcPct val="100000"/>
+              </a:lnSpc>
+              <a:spcBef>
+                <a:spcPts val="0"/>
+              </a:spcBef>
+              <a:buNone/>
+              <a:defRPr sz="2800" baseline="0">
+                <a:solidFill>
+                  <a:schemeClr val="accent3">
+                    <a:lumMod val="50000"/>
+                  </a:schemeClr>
+                </a:solidFill>
+              </a:defRPr>
+            </a:lvl1pPr>
+            <a:lvl2pPr marL="609561" indent="0" algn="ctr">
+              <a:buNone/>
+              <a:defRPr>
+                <a:solidFill>
+                  <a:schemeClr val="tx1">
+                    <a:tint val="75000"/>
+                  </a:schemeClr>
+                </a:solidFill>
+              </a:defRPr>
+            </a:lvl2pPr>
+            <a:lvl3pPr marL="1219120" indent="0" algn="ctr">
+              <a:buNone/>
+              <a:defRPr>
+                <a:solidFill>
+                  <a:schemeClr val="tx1">
+                    <a:tint val="75000"/>
+                  </a:schemeClr>
+                </a:solidFill>
+              </a:defRPr>
+            </a:lvl3pPr>
+            <a:lvl4pPr marL="1828681" indent="0" algn="ctr">
+              <a:buNone/>
+              <a:defRPr>
+                <a:solidFill>
+                  <a:schemeClr val="tx1">
+                    <a:tint val="75000"/>
+                  </a:schemeClr>
+                </a:solidFill>
+              </a:defRPr>
+            </a:lvl4pPr>
+            <a:lvl5pPr marL="2438242" indent="0" algn="ctr">
+              <a:buNone/>
+              <a:defRPr>
+                <a:solidFill>
+                  <a:schemeClr val="tx1">
+                    <a:tint val="75000"/>
+                  </a:schemeClr>
+                </a:solidFill>
+              </a:defRPr>
+            </a:lvl5pPr>
+            <a:lvl6pPr marL="3047802" indent="0" algn="ctr">
+              <a:buNone/>
+              <a:defRPr>
+                <a:solidFill>
+                  <a:schemeClr val="tx1">
+                    <a:tint val="75000"/>
+                  </a:schemeClr>
+                </a:solidFill>
+              </a:defRPr>
+            </a:lvl6pPr>
+            <a:lvl7pPr marL="3657362" indent="0" algn="ctr">
+              <a:buNone/>
+              <a:defRPr>
+                <a:solidFill>
+                  <a:schemeClr val="tx1">
+                    <a:tint val="75000"/>
+                  </a:schemeClr>
+                </a:solidFill>
+              </a:defRPr>
+            </a:lvl7pPr>
+            <a:lvl8pPr marL="4266923" indent="0" algn="ctr">
+              <a:buNone/>
+              <a:defRPr>
+                <a:solidFill>
+                  <a:schemeClr val="tx1">
+                    <a:tint val="75000"/>
+                  </a:schemeClr>
+                </a:solidFill>
+              </a:defRPr>
+            </a:lvl8pPr>
+            <a:lvl9pPr marL="4876483" indent="0" algn="ctr">
+              <a:buNone/>
+              <a:defRPr>
+                <a:solidFill>
+                  <a:schemeClr val="tx1">
+                    <a:tint val="75000"/>
+                  </a:schemeClr>
+                </a:solidFill>
+              </a:defRPr>
+            </a:lvl9pPr>
+          </a:lstStyle>
+          <a:p>
+            <a:r>
+              <a:rPr lang="en-US" dirty="0" smtClean="0"/>
+              <a:t>Click to edit Master subtitle style</a:t>
+            </a:r>
+          </a:p>
+        </p:txBody>
+      </p:sp>
+    </p:spTree>
+    <p:extLst>
+      <p:ext uri="{BB962C8B-B14F-4D97-AF65-F5344CB8AC3E}">
+        <p14:creationId xmlns:p14="http://schemas.microsoft.com/office/powerpoint/2010/main" val="247207333"/>
+      </p:ext>
+    </p:extLst>
+  </p:cSld>
+  <p:clrMapOvr>
+    <a:masterClrMapping/>
+  </p:clrMapOvr>
+  <p:transition spd="med">
+    <p:fade/>
+  </p:transition>
+</p:sldLayout>
+</file>
+
+<file path=ppt/slideLayouts/slideLayout15.xml><?xml version="1.0" encoding="utf-8"?>
+<p:sldLayout xmlns:a="http://schemas.openxmlformats.org/drawingml/2006/main" xmlns:r="http://schemas.openxmlformats.org/officeDocument/2006/relationships" xmlns:p="http://schemas.openxmlformats.org/presentationml/2006/main" preserve="1" userDrawn="1">
+  <p:cSld name="Docs">
+    <p:spTree>
+      <p:nvGrpSpPr>
+        <p:cNvPr id="1" name=""/>
+        <p:cNvGrpSpPr/>
+        <p:nvPr/>
+      </p:nvGrpSpPr>
+      <p:grpSpPr>
+        <a:xfrm>
+          <a:off x="0" y="0"/>
+          <a:ext cx="0" cy="0"/>
+          <a:chOff x="0" y="0"/>
+          <a:chExt cx="0" cy="0"/>
+        </a:xfrm>
+      </p:grpSpPr>
+      <p:sp>
+        <p:nvSpPr>
+          <p:cNvPr id="7" name="TextBox 6"/>
+          <p:cNvSpPr txBox="1"/>
+          <p:nvPr/>
+        </p:nvSpPr>
+        <p:spPr bwMode="white">
+          <a:xfrm>
+            <a:off x="136960" y="160072"/>
+            <a:ext cx="13917707" cy="2378219"/>
+          </a:xfrm>
+          <a:prstGeom prst="rect">
+            <a:avLst/>
+          </a:prstGeom>
+          <a:noFill/>
+          <a:ln>
+            <a:noFill/>
+          </a:ln>
+          <a:effectLst/>
+        </p:spPr>
+        <p:txBody>
+          <a:bodyPr lIns="121920" tIns="121920" rIns="121920" bIns="121920" anchor="ctr"/>
+          <a:lstStyle/>
+          <a:p>
+            <a:pPr defTabSz="1219120" fontAlgn="auto">
+              <a:spcBef>
+                <a:spcPts val="0"/>
+              </a:spcBef>
+              <a:spcAft>
+                <a:spcPts val="0"/>
+              </a:spcAft>
+              <a:defRPr/>
+            </a:pPr>
+            <a:r>
+              <a:rPr lang="en-US" sz="16933" dirty="0" smtClean="0">
+                <a:ln w="18415" cmpd="sng">
+                  <a:solidFill>
+                    <a:srgbClr val="FFFFFF"/>
+                  </a:solidFill>
+                  <a:prstDash val="solid"/>
+                </a:ln>
+                <a:solidFill>
+                  <a:schemeClr val="bg2">
+                    <a:lumMod val="95000"/>
+                    <a:alpha val="50000"/>
+                  </a:schemeClr>
+                </a:solidFill>
+                <a:latin typeface="+mn-lt"/>
+                <a:ea typeface="+mn-ea"/>
+                <a:cs typeface="+mn-cs"/>
+              </a:rPr>
+              <a:t>REFERENCE</a:t>
+            </a:r>
+            <a:endParaRPr lang="en-US" sz="16933" dirty="0">
+              <a:ln w="18415" cmpd="sng">
+                <a:solidFill>
+                  <a:srgbClr val="FFFFFF"/>
+                </a:solidFill>
+                <a:prstDash val="solid"/>
+              </a:ln>
+              <a:solidFill>
+                <a:schemeClr val="bg2">
+                  <a:lumMod val="95000"/>
+                  <a:alpha val="50000"/>
+                </a:schemeClr>
+              </a:solidFill>
+              <a:latin typeface="+mn-lt"/>
+              <a:ea typeface="+mn-ea"/>
+              <a:cs typeface="+mn-cs"/>
+            </a:endParaRPr>
+          </a:p>
+        </p:txBody>
+      </p:sp>
+      <p:pic>
+        <p:nvPicPr>
+          <p:cNvPr id="2" name="Picture 1" descr="reference.gif"/>
+          <p:cNvPicPr>
+            <a:picLocks noChangeAspect="1"/>
+          </p:cNvPicPr>
+          <p:nvPr userDrawn="1"/>
+        </p:nvPicPr>
+        <p:blipFill>
+          <a:blip r:embed="rId2">
+            <a:extLst>
+              <a:ext uri="{28A0092B-C50C-407E-A947-70E740481C1C}">
+                <a14:useLocalDpi xmlns:a14="http://schemas.microsoft.com/office/drawing/2010/main" val="0"/>
+              </a:ext>
+            </a:extLst>
+          </a:blip>
+          <a:stretch>
+            <a:fillRect/>
+          </a:stretch>
+        </p:blipFill>
+        <p:spPr>
+          <a:xfrm>
+            <a:off x="13383499" y="324724"/>
+            <a:ext cx="2189001" cy="2189001"/>
+          </a:xfrm>
+          <a:prstGeom prst="rect">
+            <a:avLst/>
+          </a:prstGeom>
+        </p:spPr>
+      </p:pic>
+      <p:sp>
+        <p:nvSpPr>
+          <p:cNvPr id="6" name="Title 1"/>
+          <p:cNvSpPr>
+            <a:spLocks noGrp="1"/>
+          </p:cNvSpPr>
+          <p:nvPr>
+            <p:ph type="ctrTitle" hasCustomPrompt="1"/>
+          </p:nvPr>
+        </p:nvSpPr>
+        <p:spPr bwMode="white">
+          <a:xfrm>
+            <a:off x="1671638" y="2294619"/>
+            <a:ext cx="12319000" cy="852712"/>
+          </a:xfrm>
+        </p:spPr>
+        <p:txBody>
+          <a:bodyPr lIns="91440" tIns="91440" rIns="91440" bIns="91440" anchor="ctr"/>
+          <a:lstStyle>
+            <a:lvl1pPr>
+              <a:lnSpc>
+                <a:spcPct val="90000"/>
+              </a:lnSpc>
+              <a:defRPr sz="6400" b="1" spc="0" baseline="0">
+                <a:solidFill>
+                  <a:schemeClr val="accent1"/>
+                </a:solidFill>
+              </a:defRPr>
+            </a:lvl1pPr>
+          </a:lstStyle>
+          <a:p>
+            <a:r>
+              <a:rPr lang="en-US" dirty="0" smtClean="0"/>
+              <a:t>Documentation</a:t>
+            </a:r>
+            <a:endParaRPr lang="en-US" dirty="0"/>
+          </a:p>
+        </p:txBody>
+      </p:sp>
+      <p:sp>
+        <p:nvSpPr>
+          <p:cNvPr id="12" name="Subtitle 2"/>
+          <p:cNvSpPr>
+            <a:spLocks noGrp="1"/>
+          </p:cNvSpPr>
+          <p:nvPr>
+            <p:ph type="subTitle" idx="1"/>
+          </p:nvPr>
+        </p:nvSpPr>
+        <p:spPr bwMode="white">
+          <a:xfrm>
+            <a:off x="1671638" y="3271838"/>
+            <a:ext cx="12319000" cy="3346421"/>
+          </a:xfrm>
+          <a:prstGeom prst="rect">
+            <a:avLst/>
+          </a:prstGeom>
+        </p:spPr>
+        <p:txBody>
+          <a:bodyPr lIns="91440" tIns="91440" rIns="91440" bIns="91440">
+            <a:noAutofit/>
+          </a:bodyPr>
+          <a:lstStyle>
+            <a:lvl1pPr marL="0" indent="0" algn="l">
+              <a:lnSpc>
+                <a:spcPct val="100000"/>
+              </a:lnSpc>
+              <a:spcBef>
+                <a:spcPts val="0"/>
+              </a:spcBef>
+              <a:buNone/>
+              <a:defRPr sz="2800" baseline="0">
+                <a:solidFill>
+                  <a:schemeClr val="accent3">
+                    <a:lumMod val="50000"/>
+                  </a:schemeClr>
+                </a:solidFill>
+              </a:defRPr>
+            </a:lvl1pPr>
+            <a:lvl2pPr marL="609561" indent="0" algn="ctr">
+              <a:buNone/>
+              <a:defRPr>
+                <a:solidFill>
+                  <a:schemeClr val="tx1">
+                    <a:tint val="75000"/>
+                  </a:schemeClr>
+                </a:solidFill>
+              </a:defRPr>
+            </a:lvl2pPr>
+            <a:lvl3pPr marL="1219120" indent="0" algn="ctr">
+              <a:buNone/>
+              <a:defRPr>
+                <a:solidFill>
+                  <a:schemeClr val="tx1">
+                    <a:tint val="75000"/>
+                  </a:schemeClr>
+                </a:solidFill>
+              </a:defRPr>
+            </a:lvl3pPr>
+            <a:lvl4pPr marL="1828681" indent="0" algn="ctr">
+              <a:buNone/>
+              <a:defRPr>
+                <a:solidFill>
+                  <a:schemeClr val="tx1">
+                    <a:tint val="75000"/>
+                  </a:schemeClr>
+                </a:solidFill>
+              </a:defRPr>
+            </a:lvl4pPr>
+            <a:lvl5pPr marL="2438242" indent="0" algn="ctr">
+              <a:buNone/>
+              <a:defRPr>
+                <a:solidFill>
+                  <a:schemeClr val="tx1">
+                    <a:tint val="75000"/>
+                  </a:schemeClr>
+                </a:solidFill>
+              </a:defRPr>
+            </a:lvl5pPr>
+            <a:lvl6pPr marL="3047802" indent="0" algn="ctr">
+              <a:buNone/>
+              <a:defRPr>
+                <a:solidFill>
+                  <a:schemeClr val="tx1">
+                    <a:tint val="75000"/>
+                  </a:schemeClr>
+                </a:solidFill>
+              </a:defRPr>
+            </a:lvl6pPr>
+            <a:lvl7pPr marL="3657362" indent="0" algn="ctr">
+              <a:buNone/>
+              <a:defRPr>
+                <a:solidFill>
+                  <a:schemeClr val="tx1">
+                    <a:tint val="75000"/>
+                  </a:schemeClr>
+                </a:solidFill>
+              </a:defRPr>
+            </a:lvl7pPr>
+            <a:lvl8pPr marL="4266923" indent="0" algn="ctr">
+              <a:buNone/>
+              <a:defRPr>
+                <a:solidFill>
+                  <a:schemeClr val="tx1">
+                    <a:tint val="75000"/>
+                  </a:schemeClr>
+                </a:solidFill>
+              </a:defRPr>
+            </a:lvl8pPr>
+            <a:lvl9pPr marL="4876483" indent="0" algn="ctr">
+              <a:buNone/>
+              <a:defRPr>
+                <a:solidFill>
+                  <a:schemeClr val="tx1">
+                    <a:tint val="75000"/>
+                  </a:schemeClr>
+                </a:solidFill>
+              </a:defRPr>
+            </a:lvl9pPr>
+          </a:lstStyle>
+          <a:p>
+            <a:r>
+              <a:rPr lang="en-US" dirty="0" smtClean="0"/>
+              <a:t>Click to edit Master subtitle style</a:t>
+            </a:r>
+          </a:p>
+        </p:txBody>
+      </p:sp>
+      <p:sp>
+        <p:nvSpPr>
+          <p:cNvPr id="10" name="Content Placeholder 3"/>
+          <p:cNvSpPr>
+            <a:spLocks noGrp="1"/>
+          </p:cNvSpPr>
+          <p:nvPr>
+            <p:ph sz="quarter" idx="13" hasCustomPrompt="1"/>
+          </p:nvPr>
+        </p:nvSpPr>
+        <p:spPr>
+          <a:xfrm>
+            <a:off x="3921498" y="7164200"/>
+            <a:ext cx="8917577" cy="524133"/>
+          </a:xfrm>
+          <a:prstGeom prst="rect">
+            <a:avLst/>
+          </a:prstGeom>
+        </p:spPr>
+        <p:txBody>
+          <a:bodyPr anchor="ctr"/>
+          <a:lstStyle>
+            <a:lvl1pPr marL="0" indent="0" algn="ctr">
+              <a:buNone/>
+              <a:defRPr sz="2400">
+                <a:solidFill>
+                  <a:schemeClr val="tx1"/>
+                </a:solidFill>
+              </a:defRPr>
+            </a:lvl1pPr>
+          </a:lstStyle>
+          <a:p>
+            <a:pPr lvl="0"/>
+            <a:r>
+              <a:rPr lang="en-US" dirty="0" smtClean="0"/>
+              <a:t>http://</a:t>
+            </a:r>
+            <a:r>
+              <a:rPr lang="en-US" dirty="0" err="1" smtClean="0"/>
+              <a:t>docs.chef.io</a:t>
+            </a:r>
+            <a:endParaRPr lang="en-US" dirty="0" smtClean="0"/>
+          </a:p>
+        </p:txBody>
+      </p:sp>
+    </p:spTree>
+    <p:extLst>
+      <p:ext uri="{BB962C8B-B14F-4D97-AF65-F5344CB8AC3E}">
+        <p14:creationId xmlns:p14="http://schemas.microsoft.com/office/powerpoint/2010/main" val="1970238568"/>
+      </p:ext>
+    </p:extLst>
+  </p:cSld>
+  <p:clrMapOvr>
+    <a:masterClrMapping/>
+  </p:clrMapOvr>
+  <p:transition spd="med">
+    <p:fade/>
+  </p:transition>
+</p:sldLayout>
+</file>
+
+<file path=ppt/slideLayouts/slideLayout16.xml><?xml version="1.0" encoding="utf-8"?>
+<p:sldLayout xmlns:a="http://schemas.openxmlformats.org/drawingml/2006/main" xmlns:r="http://schemas.openxmlformats.org/officeDocument/2006/relationships" xmlns:p="http://schemas.openxmlformats.org/presentationml/2006/main" preserve="1" userDrawn="1">
+  <p:cSld name="Concept">
+    <p:spTree>
+      <p:nvGrpSpPr>
+        <p:cNvPr id="1" name=""/>
+        <p:cNvGrpSpPr/>
+        <p:nvPr/>
+      </p:nvGrpSpPr>
+      <p:grpSpPr>
+        <a:xfrm>
+          <a:off x="0" y="0"/>
+          <a:ext cx="0" cy="0"/>
+          <a:chOff x="0" y="0"/>
+          <a:chExt cx="0" cy="0"/>
+        </a:xfrm>
+      </p:grpSpPr>
+      <p:sp>
+        <p:nvSpPr>
+          <p:cNvPr id="5" name="TextBox 4"/>
+          <p:cNvSpPr txBox="1"/>
+          <p:nvPr/>
+        </p:nvSpPr>
+        <p:spPr bwMode="white">
+          <a:xfrm>
+            <a:off x="136961" y="144390"/>
+            <a:ext cx="11554287" cy="2378219"/>
+          </a:xfrm>
+          <a:prstGeom prst="rect">
+            <a:avLst/>
+          </a:prstGeom>
+          <a:noFill/>
+          <a:ln>
+            <a:noFill/>
+          </a:ln>
+          <a:effectLst/>
+        </p:spPr>
+        <p:txBody>
+          <a:bodyPr lIns="121920" tIns="121920" rIns="121920" bIns="121920" anchor="ctr"/>
+          <a:lstStyle/>
+          <a:p>
+            <a:pPr defTabSz="1219120" fontAlgn="auto">
+              <a:spcBef>
+                <a:spcPts val="0"/>
+              </a:spcBef>
+              <a:spcAft>
+                <a:spcPts val="0"/>
+              </a:spcAft>
+              <a:defRPr/>
+            </a:pPr>
+            <a:r>
+              <a:rPr lang="en-US" sz="16933" dirty="0">
+                <a:ln w="18415" cmpd="sng">
+                  <a:solidFill>
+                    <a:srgbClr val="FFFFFF"/>
+                  </a:solidFill>
+                  <a:prstDash val="solid"/>
+                </a:ln>
+                <a:solidFill>
+                  <a:schemeClr val="bg2">
+                    <a:lumMod val="95000"/>
+                    <a:alpha val="50000"/>
+                  </a:schemeClr>
+                </a:solidFill>
+                <a:latin typeface="+mn-lt"/>
+                <a:ea typeface="+mn-ea"/>
+                <a:cs typeface="+mn-cs"/>
+              </a:rPr>
+              <a:t>CONCEPT</a:t>
+            </a:r>
+          </a:p>
+        </p:txBody>
+      </p:sp>
+      <p:pic>
+        <p:nvPicPr>
+          <p:cNvPr id="2" name="Picture 1" descr="concept.gif"/>
+          <p:cNvPicPr>
+            <a:picLocks noChangeAspect="1"/>
+          </p:cNvPicPr>
+          <p:nvPr userDrawn="1"/>
+        </p:nvPicPr>
+        <p:blipFill>
+          <a:blip r:embed="rId2">
+            <a:extLst>
+              <a:ext uri="{28A0092B-C50C-407E-A947-70E740481C1C}">
+                <a14:useLocalDpi xmlns:a14="http://schemas.microsoft.com/office/drawing/2010/main" val="0"/>
+              </a:ext>
+            </a:extLst>
+          </a:blip>
+          <a:stretch>
+            <a:fillRect/>
+          </a:stretch>
+        </p:blipFill>
+        <p:spPr>
+          <a:xfrm>
+            <a:off x="13119426" y="324724"/>
+            <a:ext cx="2717146" cy="2189001"/>
+          </a:xfrm>
+          <a:prstGeom prst="rect">
+            <a:avLst/>
+          </a:prstGeom>
+        </p:spPr>
+      </p:pic>
+      <p:sp>
+        <p:nvSpPr>
+          <p:cNvPr id="6" name="Title 1"/>
+          <p:cNvSpPr>
+            <a:spLocks noGrp="1"/>
+          </p:cNvSpPr>
+          <p:nvPr>
+            <p:ph type="ctrTitle" hasCustomPrompt="1"/>
+          </p:nvPr>
+        </p:nvSpPr>
+        <p:spPr bwMode="white">
+          <a:xfrm>
+            <a:off x="1671638" y="2294619"/>
+            <a:ext cx="12319000" cy="852712"/>
+          </a:xfrm>
+        </p:spPr>
+        <p:txBody>
+          <a:bodyPr lIns="91440" tIns="91440" rIns="91440" bIns="91440" anchor="ctr"/>
+          <a:lstStyle>
+            <a:lvl1pPr>
+              <a:lnSpc>
+                <a:spcPct val="90000"/>
+              </a:lnSpc>
+              <a:defRPr sz="6400" b="1" spc="0" baseline="0">
+                <a:solidFill>
+                  <a:schemeClr val="accent1"/>
+                </a:solidFill>
+              </a:defRPr>
+            </a:lvl1pPr>
+          </a:lstStyle>
+          <a:p>
+            <a:r>
+              <a:rPr lang="en-US" dirty="0" smtClean="0"/>
+              <a:t>Concept</a:t>
+            </a:r>
+            <a:endParaRPr lang="en-US" dirty="0"/>
+          </a:p>
+        </p:txBody>
+      </p:sp>
+      <p:sp>
+        <p:nvSpPr>
+          <p:cNvPr id="10" name="Subtitle 2"/>
+          <p:cNvSpPr>
+            <a:spLocks noGrp="1"/>
+          </p:cNvSpPr>
+          <p:nvPr>
+            <p:ph type="subTitle" idx="1"/>
+          </p:nvPr>
+        </p:nvSpPr>
+        <p:spPr bwMode="white">
+          <a:xfrm>
+            <a:off x="1671638" y="3271838"/>
+            <a:ext cx="12319000" cy="3346421"/>
+          </a:xfrm>
+          <a:prstGeom prst="rect">
+            <a:avLst/>
+          </a:prstGeom>
+        </p:spPr>
+        <p:txBody>
+          <a:bodyPr lIns="91440" tIns="91440" rIns="91440" bIns="91440">
+            <a:noAutofit/>
+          </a:bodyPr>
+          <a:lstStyle>
+            <a:lvl1pPr marL="0" indent="0" algn="l">
+              <a:lnSpc>
+                <a:spcPct val="100000"/>
+              </a:lnSpc>
+              <a:spcBef>
+                <a:spcPts val="0"/>
+              </a:spcBef>
+              <a:buNone/>
+              <a:defRPr sz="2800" baseline="0">
+                <a:solidFill>
+                  <a:schemeClr val="accent3">
+                    <a:lumMod val="50000"/>
+                  </a:schemeClr>
+                </a:solidFill>
+              </a:defRPr>
+            </a:lvl1pPr>
+            <a:lvl2pPr marL="609561" indent="0" algn="ctr">
+              <a:buNone/>
+              <a:defRPr>
+                <a:solidFill>
+                  <a:schemeClr val="tx1">
+                    <a:tint val="75000"/>
+                  </a:schemeClr>
+                </a:solidFill>
+              </a:defRPr>
+            </a:lvl2pPr>
+            <a:lvl3pPr marL="1219120" indent="0" algn="ctr">
+              <a:buNone/>
+              <a:defRPr>
+                <a:solidFill>
+                  <a:schemeClr val="tx1">
+                    <a:tint val="75000"/>
+                  </a:schemeClr>
+                </a:solidFill>
+              </a:defRPr>
+            </a:lvl3pPr>
+            <a:lvl4pPr marL="1828681" indent="0" algn="ctr">
+              <a:buNone/>
+              <a:defRPr>
+                <a:solidFill>
+                  <a:schemeClr val="tx1">
+                    <a:tint val="75000"/>
+                  </a:schemeClr>
+                </a:solidFill>
+              </a:defRPr>
+            </a:lvl4pPr>
+            <a:lvl5pPr marL="2438242" indent="0" algn="ctr">
+              <a:buNone/>
+              <a:defRPr>
+                <a:solidFill>
+                  <a:schemeClr val="tx1">
+                    <a:tint val="75000"/>
+                  </a:schemeClr>
+                </a:solidFill>
+              </a:defRPr>
+            </a:lvl5pPr>
+            <a:lvl6pPr marL="3047802" indent="0" algn="ctr">
+              <a:buNone/>
+              <a:defRPr>
+                <a:solidFill>
+                  <a:schemeClr val="tx1">
+                    <a:tint val="75000"/>
+                  </a:schemeClr>
+                </a:solidFill>
+              </a:defRPr>
+            </a:lvl6pPr>
+            <a:lvl7pPr marL="3657362" indent="0" algn="ctr">
+              <a:buNone/>
+              <a:defRPr>
+                <a:solidFill>
+                  <a:schemeClr val="tx1">
+                    <a:tint val="75000"/>
+                  </a:schemeClr>
+                </a:solidFill>
+              </a:defRPr>
+            </a:lvl7pPr>
+            <a:lvl8pPr marL="4266923" indent="0" algn="ctr">
+              <a:buNone/>
+              <a:defRPr>
+                <a:solidFill>
+                  <a:schemeClr val="tx1">
+                    <a:tint val="75000"/>
+                  </a:schemeClr>
+                </a:solidFill>
+              </a:defRPr>
+            </a:lvl8pPr>
+            <a:lvl9pPr marL="4876483" indent="0" algn="ctr">
+              <a:buNone/>
+              <a:defRPr>
+                <a:solidFill>
+                  <a:schemeClr val="tx1">
+                    <a:tint val="75000"/>
+                  </a:schemeClr>
+                </a:solidFill>
+              </a:defRPr>
+            </a:lvl9pPr>
+          </a:lstStyle>
+          <a:p>
+            <a:r>
+              <a:rPr lang="en-US" dirty="0" smtClean="0"/>
+              <a:t>Click to edit Master subtitle style</a:t>
+            </a:r>
+          </a:p>
+        </p:txBody>
+      </p:sp>
+    </p:spTree>
+    <p:extLst>
+      <p:ext uri="{BB962C8B-B14F-4D97-AF65-F5344CB8AC3E}">
+        <p14:creationId xmlns:p14="http://schemas.microsoft.com/office/powerpoint/2010/main" val="1995748560"/>
+      </p:ext>
+    </p:extLst>
+  </p:cSld>
+  <p:clrMapOvr>
+    <a:masterClrMapping/>
+  </p:clrMapOvr>
+  <p:transition spd="med">
+    <p:fade/>
+  </p:transition>
+</p:sldLayout>
+</file>
+
+<file path=ppt/slideLayouts/slideLayout17.xml><?xml version="1.0" encoding="utf-8"?>
+<p:sldLayout xmlns:a="http://schemas.openxmlformats.org/drawingml/2006/main" xmlns:r="http://schemas.openxmlformats.org/officeDocument/2006/relationships" xmlns:p="http://schemas.openxmlformats.org/presentationml/2006/main" preserve="1" userDrawn="1">
   <p:cSld name="Group Exercise">
     <p:spTree>
       <p:nvGrpSpPr>
@@ -8702,14 +9910,14 @@
           </a:ln>
           <a:extLst>
             <a:ext uri="{909E8E84-426E-40dd-AFC4-6F175D3DCCD1}">
-              <a14:hiddenFill xmlns="" xmlns:a14="http://schemas.microsoft.com/office/drawing/2010/main">
+              <a14:hiddenFill xmlns:a14="http://schemas.microsoft.com/office/drawing/2010/main" xmlns="">
                 <a:solidFill>
                   <a:srgbClr val="FFFFFF"/>
                 </a:solidFill>
               </a14:hiddenFill>
             </a:ext>
             <a:ext uri="{91240B29-F687-4f45-9708-019B960494DF}">
-              <a14:hiddenLine xmlns="" xmlns:a14="http://schemas.microsoft.com/office/drawing/2010/main" w="9525">
+              <a14:hiddenLine xmlns:a14="http://schemas.microsoft.com/office/drawing/2010/main" xmlns="" w="9525">
                 <a:solidFill>
                   <a:srgbClr val="000000"/>
                 </a:solidFill>
@@ -8899,7 +10107,7 @@
     </p:spTree>
     <p:extLst>
       <p:ext uri="{BB962C8B-B14F-4D97-AF65-F5344CB8AC3E}">
-        <p14:creationId xmlns:p14="http://schemas.microsoft.com/office/powerpoint/2010/main" val="1935267719"/>
+        <p14:creationId xmlns:p14="http://schemas.microsoft.com/office/powerpoint/2010/main" val="1211677136"/>
       </p:ext>
     </p:extLst>
   </p:cSld>
@@ -8912,295 +10120,8 @@
 </p:sldLayout>
 </file>
 
-<file path=ppt/slideLayouts/slideLayout14.xml><?xml version="1.0" encoding="utf-8"?>
-<p:sldLayout xmlns:a="http://schemas.openxmlformats.org/drawingml/2006/main" xmlns:r="http://schemas.openxmlformats.org/officeDocument/2006/relationships" xmlns:p="http://schemas.openxmlformats.org/presentationml/2006/main" userDrawn="1">
-  <p:cSld name="Concept">
-    <p:spTree>
-      <p:nvGrpSpPr>
-        <p:cNvPr id="1" name=""/>
-        <p:cNvGrpSpPr/>
-        <p:nvPr/>
-      </p:nvGrpSpPr>
-      <p:grpSpPr>
-        <a:xfrm>
-          <a:off x="0" y="0"/>
-          <a:ext cx="0" cy="0"/>
-          <a:chOff x="0" y="0"/>
-          <a:chExt cx="0" cy="0"/>
-        </a:xfrm>
-      </p:grpSpPr>
-      <p:sp>
-        <p:nvSpPr>
-          <p:cNvPr id="5" name="TextBox 4"/>
-          <p:cNvSpPr txBox="1"/>
-          <p:nvPr/>
-        </p:nvSpPr>
-        <p:spPr bwMode="white">
-          <a:xfrm>
-            <a:off x="136961" y="144390"/>
-            <a:ext cx="11554287" cy="2378219"/>
-          </a:xfrm>
-          <a:prstGeom prst="rect">
-            <a:avLst/>
-          </a:prstGeom>
-          <a:noFill/>
-          <a:ln>
-            <a:noFill/>
-          </a:ln>
-          <a:effectLst/>
-        </p:spPr>
-        <p:txBody>
-          <a:bodyPr lIns="121920" tIns="121920" rIns="121920" bIns="121920" anchor="ctr"/>
-          <a:lstStyle/>
-          <a:p>
-            <a:pPr defTabSz="1219120" fontAlgn="auto">
-              <a:spcBef>
-                <a:spcPts val="0"/>
-              </a:spcBef>
-              <a:spcAft>
-                <a:spcPts val="0"/>
-              </a:spcAft>
-              <a:defRPr/>
-            </a:pPr>
-            <a:r>
-              <a:rPr lang="en-US" sz="16933" dirty="0">
-                <a:ln w="18415" cmpd="sng">
-                  <a:solidFill>
-                    <a:srgbClr val="FFFFFF"/>
-                  </a:solidFill>
-                  <a:prstDash val="solid"/>
-                </a:ln>
-                <a:solidFill>
-                  <a:schemeClr val="bg2">
-                    <a:lumMod val="95000"/>
-                    <a:alpha val="50000"/>
-                  </a:schemeClr>
-                </a:solidFill>
-                <a:latin typeface="+mn-lt"/>
-                <a:ea typeface="+mn-ea"/>
-                <a:cs typeface="+mn-cs"/>
-              </a:rPr>
-              <a:t>CONCEPT</a:t>
-            </a:r>
-          </a:p>
-        </p:txBody>
-      </p:sp>
-      <p:pic>
-        <p:nvPicPr>
-          <p:cNvPr id="2" name="Picture 1" descr="concept.gif"/>
-          <p:cNvPicPr>
-            <a:picLocks noChangeAspect="1"/>
-          </p:cNvPicPr>
-          <p:nvPr userDrawn="1"/>
-        </p:nvPicPr>
-        <p:blipFill>
-          <a:blip r:embed="rId2">
-            <a:extLst>
-              <a:ext uri="{28A0092B-C50C-407E-A947-70E740481C1C}">
-                <a14:useLocalDpi xmlns:a14="http://schemas.microsoft.com/office/drawing/2010/main" val="0"/>
-              </a:ext>
-            </a:extLst>
-          </a:blip>
-          <a:stretch>
-            <a:fillRect/>
-          </a:stretch>
-        </p:blipFill>
-        <p:spPr>
-          <a:xfrm>
-            <a:off x="13119426" y="324724"/>
-            <a:ext cx="2717146" cy="2189001"/>
-          </a:xfrm>
-          <a:prstGeom prst="rect">
-            <a:avLst/>
-          </a:prstGeom>
-        </p:spPr>
-      </p:pic>
-      <p:sp>
-        <p:nvSpPr>
-          <p:cNvPr id="6" name="Title 1"/>
-          <p:cNvSpPr>
-            <a:spLocks noGrp="1"/>
-          </p:cNvSpPr>
-          <p:nvPr>
-            <p:ph type="ctrTitle" hasCustomPrompt="1"/>
-          </p:nvPr>
-        </p:nvSpPr>
-        <p:spPr bwMode="white">
-          <a:xfrm>
-            <a:off x="1671638" y="2294619"/>
-            <a:ext cx="12319000" cy="852712"/>
-          </a:xfrm>
-        </p:spPr>
-        <p:txBody>
-          <a:bodyPr lIns="91440" tIns="91440" rIns="91440" bIns="91440" anchor="ctr"/>
-          <a:lstStyle>
-            <a:lvl1pPr>
-              <a:lnSpc>
-                <a:spcPct val="90000"/>
-              </a:lnSpc>
-              <a:defRPr sz="6400" b="1" spc="0" baseline="0">
-                <a:solidFill>
-                  <a:schemeClr val="accent1"/>
-                </a:solidFill>
-              </a:defRPr>
-            </a:lvl1pPr>
-          </a:lstStyle>
-          <a:p>
-            <a:r>
-              <a:rPr lang="en-US" dirty="0" smtClean="0"/>
-              <a:t>Concept</a:t>
-            </a:r>
-            <a:endParaRPr lang="en-US" dirty="0"/>
-          </a:p>
-        </p:txBody>
-      </p:sp>
-      <p:sp>
-        <p:nvSpPr>
-          <p:cNvPr id="10" name="Subtitle 2"/>
-          <p:cNvSpPr>
-            <a:spLocks noGrp="1"/>
-          </p:cNvSpPr>
-          <p:nvPr>
-            <p:ph type="subTitle" idx="1"/>
-          </p:nvPr>
-        </p:nvSpPr>
-        <p:spPr bwMode="white">
-          <a:xfrm>
-            <a:off x="1671638" y="3271838"/>
-            <a:ext cx="12319000" cy="3346421"/>
-          </a:xfrm>
-          <a:prstGeom prst="rect">
-            <a:avLst/>
-          </a:prstGeom>
-        </p:spPr>
-        <p:txBody>
-          <a:bodyPr lIns="91440" tIns="91440" rIns="91440" bIns="91440">
-            <a:noAutofit/>
-          </a:bodyPr>
-          <a:lstStyle>
-            <a:lvl1pPr marL="0" indent="0" algn="l">
-              <a:lnSpc>
-                <a:spcPct val="100000"/>
-              </a:lnSpc>
-              <a:spcBef>
-                <a:spcPts val="0"/>
-              </a:spcBef>
-              <a:buNone/>
-              <a:defRPr sz="2800" baseline="0">
-                <a:solidFill>
-                  <a:schemeClr val="accent3">
-                    <a:lumMod val="50000"/>
-                  </a:schemeClr>
-                </a:solidFill>
-              </a:defRPr>
-            </a:lvl1pPr>
-            <a:lvl2pPr marL="609561" indent="0" algn="ctr">
-              <a:buNone/>
-              <a:defRPr>
-                <a:solidFill>
-                  <a:schemeClr val="tx1">
-                    <a:tint val="75000"/>
-                  </a:schemeClr>
-                </a:solidFill>
-              </a:defRPr>
-            </a:lvl2pPr>
-            <a:lvl3pPr marL="1219120" indent="0" algn="ctr">
-              <a:buNone/>
-              <a:defRPr>
-                <a:solidFill>
-                  <a:schemeClr val="tx1">
-                    <a:tint val="75000"/>
-                  </a:schemeClr>
-                </a:solidFill>
-              </a:defRPr>
-            </a:lvl3pPr>
-            <a:lvl4pPr marL="1828681" indent="0" algn="ctr">
-              <a:buNone/>
-              <a:defRPr>
-                <a:solidFill>
-                  <a:schemeClr val="tx1">
-                    <a:tint val="75000"/>
-                  </a:schemeClr>
-                </a:solidFill>
-              </a:defRPr>
-            </a:lvl4pPr>
-            <a:lvl5pPr marL="2438242" indent="0" algn="ctr">
-              <a:buNone/>
-              <a:defRPr>
-                <a:solidFill>
-                  <a:schemeClr val="tx1">
-                    <a:tint val="75000"/>
-                  </a:schemeClr>
-                </a:solidFill>
-              </a:defRPr>
-            </a:lvl5pPr>
-            <a:lvl6pPr marL="3047802" indent="0" algn="ctr">
-              <a:buNone/>
-              <a:defRPr>
-                <a:solidFill>
-                  <a:schemeClr val="tx1">
-                    <a:tint val="75000"/>
-                  </a:schemeClr>
-                </a:solidFill>
-              </a:defRPr>
-            </a:lvl6pPr>
-            <a:lvl7pPr marL="3657362" indent="0" algn="ctr">
-              <a:buNone/>
-              <a:defRPr>
-                <a:solidFill>
-                  <a:schemeClr val="tx1">
-                    <a:tint val="75000"/>
-                  </a:schemeClr>
-                </a:solidFill>
-              </a:defRPr>
-            </a:lvl7pPr>
-            <a:lvl8pPr marL="4266923" indent="0" algn="ctr">
-              <a:buNone/>
-              <a:defRPr>
-                <a:solidFill>
-                  <a:schemeClr val="tx1">
-                    <a:tint val="75000"/>
-                  </a:schemeClr>
-                </a:solidFill>
-              </a:defRPr>
-            </a:lvl8pPr>
-            <a:lvl9pPr marL="4876483" indent="0" algn="ctr">
-              <a:buNone/>
-              <a:defRPr>
-                <a:solidFill>
-                  <a:schemeClr val="tx1">
-                    <a:tint val="75000"/>
-                  </a:schemeClr>
-                </a:solidFill>
-              </a:defRPr>
-            </a:lvl9pPr>
-          </a:lstStyle>
-          <a:p>
-            <a:r>
-              <a:rPr lang="en-US" dirty="0" smtClean="0"/>
-              <a:t>Click to edit Master subtitle style</a:t>
-            </a:r>
-          </a:p>
-        </p:txBody>
-      </p:sp>
-    </p:spTree>
-    <p:extLst>
-      <p:ext uri="{BB962C8B-B14F-4D97-AF65-F5344CB8AC3E}">
-        <p14:creationId xmlns:p14="http://schemas.microsoft.com/office/powerpoint/2010/main" val="1510828009"/>
-      </p:ext>
-    </p:extLst>
-  </p:cSld>
-  <p:clrMapOvr>
-    <a:masterClrMapping/>
-  </p:clrMapOvr>
-  <p:transition spd="med">
-    <p:fade/>
-  </p:transition>
-</p:sldLayout>
-</file>
-
-<file path=ppt/slideLayouts/slideLayout15.xml><?xml version="1.0" encoding="utf-8"?>
-<p:sldLayout xmlns:a="http://schemas.openxmlformats.org/drawingml/2006/main" xmlns:r="http://schemas.openxmlformats.org/officeDocument/2006/relationships" xmlns:p="http://schemas.openxmlformats.org/presentationml/2006/main" userDrawn="1">
+<file path=ppt/slideLayouts/slideLayout18.xml><?xml version="1.0" encoding="utf-8"?>
+<p:sldLayout xmlns:a="http://schemas.openxmlformats.org/drawingml/2006/main" xmlns:r="http://schemas.openxmlformats.org/officeDocument/2006/relationships" xmlns:p="http://schemas.openxmlformats.org/presentationml/2006/main" preserve="1" userDrawn="1">
   <p:cSld name="Lab">
     <p:spTree>
       <p:nvGrpSpPr>
@@ -9474,930 +10395,7 @@
     </p:spTree>
     <p:extLst>
       <p:ext uri="{BB962C8B-B14F-4D97-AF65-F5344CB8AC3E}">
-        <p14:creationId xmlns:p14="http://schemas.microsoft.com/office/powerpoint/2010/main" val="1321355789"/>
-      </p:ext>
-    </p:extLst>
-  </p:cSld>
-  <p:clrMapOvr>
-    <a:masterClrMapping/>
-  </p:clrMapOvr>
-  <p:transition spd="med">
-    <p:fade/>
-  </p:transition>
-</p:sldLayout>
-</file>
-
-<file path=ppt/slideLayouts/slideLayout16.xml><?xml version="1.0" encoding="utf-8"?>
-<p:sldLayout xmlns:a="http://schemas.openxmlformats.org/drawingml/2006/main" xmlns:r="http://schemas.openxmlformats.org/officeDocument/2006/relationships" xmlns:p="http://schemas.openxmlformats.org/presentationml/2006/main" preserve="1" userDrawn="1">
-  <p:cSld name="Motivation">
-    <p:spTree>
-      <p:nvGrpSpPr>
-        <p:cNvPr id="1" name=""/>
-        <p:cNvGrpSpPr/>
-        <p:nvPr/>
-      </p:nvGrpSpPr>
-      <p:grpSpPr>
-        <a:xfrm>
-          <a:off x="0" y="0"/>
-          <a:ext cx="0" cy="0"/>
-          <a:chOff x="0" y="0"/>
-          <a:chExt cx="0" cy="0"/>
-        </a:xfrm>
-      </p:grpSpPr>
-      <p:sp>
-        <p:nvSpPr>
-          <p:cNvPr id="5" name="TextBox 4"/>
-          <p:cNvSpPr txBox="1"/>
-          <p:nvPr/>
-        </p:nvSpPr>
-        <p:spPr bwMode="white">
-          <a:xfrm>
-            <a:off x="136960" y="128323"/>
-            <a:ext cx="13979932" cy="2378219"/>
-          </a:xfrm>
-          <a:prstGeom prst="rect">
-            <a:avLst/>
-          </a:prstGeom>
-          <a:noFill/>
-          <a:ln>
-            <a:noFill/>
-          </a:ln>
-          <a:effectLst/>
-        </p:spPr>
-        <p:txBody>
-          <a:bodyPr lIns="121920" tIns="121920" rIns="121920" bIns="121920" anchor="ctr"/>
-          <a:lstStyle/>
-          <a:p>
-            <a:pPr defTabSz="1219120" fontAlgn="auto">
-              <a:spcBef>
-                <a:spcPts val="0"/>
-              </a:spcBef>
-              <a:spcAft>
-                <a:spcPts val="0"/>
-              </a:spcAft>
-              <a:defRPr/>
-            </a:pPr>
-            <a:r>
-              <a:rPr lang="en-US" sz="16933" dirty="0">
-                <a:ln w="18415" cmpd="sng">
-                  <a:solidFill>
-                    <a:srgbClr val="FFFFFF"/>
-                  </a:solidFill>
-                  <a:prstDash val="solid"/>
-                </a:ln>
-                <a:solidFill>
-                  <a:schemeClr val="bg2">
-                    <a:lumMod val="95000"/>
-                    <a:alpha val="50000"/>
-                  </a:schemeClr>
-                </a:solidFill>
-                <a:latin typeface="+mn-lt"/>
-                <a:ea typeface="+mn-ea"/>
-                <a:cs typeface="+mn-cs"/>
-              </a:rPr>
-              <a:t>MOTIVATION</a:t>
-            </a:r>
-          </a:p>
-        </p:txBody>
-      </p:sp>
-      <p:pic>
-        <p:nvPicPr>
-          <p:cNvPr id="2" name="Picture 1" descr="gift.gif"/>
-          <p:cNvPicPr>
-            <a:picLocks noChangeAspect="1"/>
-          </p:cNvPicPr>
-          <p:nvPr userDrawn="1"/>
-        </p:nvPicPr>
-        <p:blipFill>
-          <a:blip r:embed="rId2">
-            <a:extLst>
-              <a:ext uri="{28A0092B-C50C-407E-A947-70E740481C1C}">
-                <a14:useLocalDpi xmlns:a14="http://schemas.microsoft.com/office/drawing/2010/main" val="0"/>
-              </a:ext>
-            </a:extLst>
-          </a:blip>
-          <a:stretch>
-            <a:fillRect/>
-          </a:stretch>
-        </p:blipFill>
-        <p:spPr>
-          <a:xfrm>
-            <a:off x="13257264" y="215274"/>
-            <a:ext cx="2441471" cy="2407901"/>
-          </a:xfrm>
-          <a:prstGeom prst="rect">
-            <a:avLst/>
-          </a:prstGeom>
-        </p:spPr>
-      </p:pic>
-      <p:sp>
-        <p:nvSpPr>
-          <p:cNvPr id="6" name="Title 1"/>
-          <p:cNvSpPr>
-            <a:spLocks noGrp="1"/>
-          </p:cNvSpPr>
-          <p:nvPr>
-            <p:ph type="ctrTitle" hasCustomPrompt="1"/>
-          </p:nvPr>
-        </p:nvSpPr>
-        <p:spPr bwMode="white">
-          <a:xfrm>
-            <a:off x="1680252" y="2304144"/>
-            <a:ext cx="12310386" cy="852712"/>
-          </a:xfrm>
-        </p:spPr>
-        <p:txBody>
-          <a:bodyPr lIns="91440" tIns="91440" rIns="91440" bIns="91440" anchor="ctr"/>
-          <a:lstStyle>
-            <a:lvl1pPr>
-              <a:lnSpc>
-                <a:spcPct val="90000"/>
-              </a:lnSpc>
-              <a:defRPr sz="6400" b="1" spc="0" baseline="0">
-                <a:solidFill>
-                  <a:schemeClr val="accent1"/>
-                </a:solidFill>
-              </a:defRPr>
-            </a:lvl1pPr>
-          </a:lstStyle>
-          <a:p>
-            <a:r>
-              <a:rPr lang="en-US" dirty="0" smtClean="0"/>
-              <a:t>Motivation</a:t>
-            </a:r>
-            <a:endParaRPr lang="en-US" dirty="0"/>
-          </a:p>
-        </p:txBody>
-      </p:sp>
-      <p:sp>
-        <p:nvSpPr>
-          <p:cNvPr id="14" name="Subtitle 2"/>
-          <p:cNvSpPr>
-            <a:spLocks noGrp="1"/>
-          </p:cNvSpPr>
-          <p:nvPr>
-            <p:ph type="subTitle" idx="1"/>
-          </p:nvPr>
-        </p:nvSpPr>
-        <p:spPr bwMode="white">
-          <a:xfrm>
-            <a:off x="1672167" y="3283868"/>
-            <a:ext cx="12315718" cy="4770049"/>
-          </a:xfrm>
-          <a:prstGeom prst="rect">
-            <a:avLst/>
-          </a:prstGeom>
-        </p:spPr>
-        <p:txBody>
-          <a:bodyPr lIns="91440" tIns="91440" rIns="91440" bIns="91440">
-            <a:noAutofit/>
-          </a:bodyPr>
-          <a:lstStyle>
-            <a:lvl1pPr marL="0" indent="0" algn="l">
-              <a:lnSpc>
-                <a:spcPct val="100000"/>
-              </a:lnSpc>
-              <a:spcBef>
-                <a:spcPts val="0"/>
-              </a:spcBef>
-              <a:buNone/>
-              <a:defRPr sz="2800" baseline="0">
-                <a:solidFill>
-                  <a:schemeClr val="accent3">
-                    <a:lumMod val="50000"/>
-                  </a:schemeClr>
-                </a:solidFill>
-              </a:defRPr>
-            </a:lvl1pPr>
-            <a:lvl2pPr marL="609561" indent="0" algn="ctr">
-              <a:buNone/>
-              <a:defRPr>
-                <a:solidFill>
-                  <a:schemeClr val="tx1">
-                    <a:tint val="75000"/>
-                  </a:schemeClr>
-                </a:solidFill>
-              </a:defRPr>
-            </a:lvl2pPr>
-            <a:lvl3pPr marL="1219120" indent="0" algn="ctr">
-              <a:buNone/>
-              <a:defRPr>
-                <a:solidFill>
-                  <a:schemeClr val="tx1">
-                    <a:tint val="75000"/>
-                  </a:schemeClr>
-                </a:solidFill>
-              </a:defRPr>
-            </a:lvl3pPr>
-            <a:lvl4pPr marL="1828681" indent="0" algn="ctr">
-              <a:buNone/>
-              <a:defRPr>
-                <a:solidFill>
-                  <a:schemeClr val="tx1">
-                    <a:tint val="75000"/>
-                  </a:schemeClr>
-                </a:solidFill>
-              </a:defRPr>
-            </a:lvl4pPr>
-            <a:lvl5pPr marL="2438242" indent="0" algn="ctr">
-              <a:buNone/>
-              <a:defRPr>
-                <a:solidFill>
-                  <a:schemeClr val="tx1">
-                    <a:tint val="75000"/>
-                  </a:schemeClr>
-                </a:solidFill>
-              </a:defRPr>
-            </a:lvl5pPr>
-            <a:lvl6pPr marL="3047802" indent="0" algn="ctr">
-              <a:buNone/>
-              <a:defRPr>
-                <a:solidFill>
-                  <a:schemeClr val="tx1">
-                    <a:tint val="75000"/>
-                  </a:schemeClr>
-                </a:solidFill>
-              </a:defRPr>
-            </a:lvl6pPr>
-            <a:lvl7pPr marL="3657362" indent="0" algn="ctr">
-              <a:buNone/>
-              <a:defRPr>
-                <a:solidFill>
-                  <a:schemeClr val="tx1">
-                    <a:tint val="75000"/>
-                  </a:schemeClr>
-                </a:solidFill>
-              </a:defRPr>
-            </a:lvl7pPr>
-            <a:lvl8pPr marL="4266923" indent="0" algn="ctr">
-              <a:buNone/>
-              <a:defRPr>
-                <a:solidFill>
-                  <a:schemeClr val="tx1">
-                    <a:tint val="75000"/>
-                  </a:schemeClr>
-                </a:solidFill>
-              </a:defRPr>
-            </a:lvl8pPr>
-            <a:lvl9pPr marL="4876483" indent="0" algn="ctr">
-              <a:buNone/>
-              <a:defRPr>
-                <a:solidFill>
-                  <a:schemeClr val="tx1">
-                    <a:tint val="75000"/>
-                  </a:schemeClr>
-                </a:solidFill>
-              </a:defRPr>
-            </a:lvl9pPr>
-          </a:lstStyle>
-          <a:p>
-            <a:r>
-              <a:rPr lang="en-US" dirty="0" smtClean="0"/>
-              <a:t>Click to edit Master subtitle style</a:t>
-            </a:r>
-          </a:p>
-        </p:txBody>
-      </p:sp>
-    </p:spTree>
-    <p:extLst>
-      <p:ext uri="{BB962C8B-B14F-4D97-AF65-F5344CB8AC3E}">
-        <p14:creationId xmlns:p14="http://schemas.microsoft.com/office/powerpoint/2010/main" val="2947928335"/>
-      </p:ext>
-    </p:extLst>
-  </p:cSld>
-  <p:clrMapOvr>
-    <a:masterClrMapping/>
-  </p:clrMapOvr>
-  <p:transition spd="med">
-    <p:fade/>
-  </p:transition>
-</p:sldLayout>
-</file>
-
-<file path=ppt/slideLayouts/slideLayout17.xml><?xml version="1.0" encoding="utf-8"?>
-<p:sldLayout xmlns:a="http://schemas.openxmlformats.org/drawingml/2006/main" xmlns:r="http://schemas.openxmlformats.org/officeDocument/2006/relationships" xmlns:p="http://schemas.openxmlformats.org/presentationml/2006/main" preserve="1" userDrawn="1">
-  <p:cSld name="Problem">
-    <p:spTree>
-      <p:nvGrpSpPr>
-        <p:cNvPr id="1" name=""/>
-        <p:cNvGrpSpPr/>
-        <p:nvPr/>
-      </p:nvGrpSpPr>
-      <p:grpSpPr>
-        <a:xfrm>
-          <a:off x="0" y="0"/>
-          <a:ext cx="0" cy="0"/>
-          <a:chOff x="0" y="0"/>
-          <a:chExt cx="0" cy="0"/>
-        </a:xfrm>
-      </p:grpSpPr>
-      <p:sp>
-        <p:nvSpPr>
-          <p:cNvPr id="5" name="TextBox 4"/>
-          <p:cNvSpPr txBox="1"/>
-          <p:nvPr/>
-        </p:nvSpPr>
-        <p:spPr bwMode="white">
-          <a:xfrm>
-            <a:off x="136960" y="149489"/>
-            <a:ext cx="11781799" cy="2378219"/>
-          </a:xfrm>
-          <a:prstGeom prst="rect">
-            <a:avLst/>
-          </a:prstGeom>
-          <a:noFill/>
-          <a:ln>
-            <a:noFill/>
-          </a:ln>
-          <a:effectLst/>
-        </p:spPr>
-        <p:txBody>
-          <a:bodyPr lIns="121920" tIns="121920" rIns="121920" bIns="121920" anchor="ctr"/>
-          <a:lstStyle/>
-          <a:p>
-            <a:pPr defTabSz="1219120" fontAlgn="auto">
-              <a:spcBef>
-                <a:spcPts val="0"/>
-              </a:spcBef>
-              <a:spcAft>
-                <a:spcPts val="0"/>
-              </a:spcAft>
-              <a:defRPr/>
-            </a:pPr>
-            <a:r>
-              <a:rPr lang="en-US" sz="16933" dirty="0">
-                <a:ln w="18415" cmpd="sng">
-                  <a:solidFill>
-                    <a:srgbClr val="FFFFFF"/>
-                  </a:solidFill>
-                  <a:prstDash val="solid"/>
-                </a:ln>
-                <a:solidFill>
-                  <a:schemeClr val="bg2">
-                    <a:lumMod val="95000"/>
-                    <a:alpha val="50000"/>
-                  </a:schemeClr>
-                </a:solidFill>
-                <a:latin typeface="+mn-lt"/>
-                <a:ea typeface="+mn-ea"/>
-                <a:cs typeface="+mn-cs"/>
-              </a:rPr>
-              <a:t>PROBLEM</a:t>
-            </a:r>
-          </a:p>
-        </p:txBody>
-      </p:sp>
-      <p:pic>
-        <p:nvPicPr>
-          <p:cNvPr id="2" name="Picture 1" descr="splat.gif"/>
-          <p:cNvPicPr>
-            <a:picLocks noChangeAspect="1"/>
-          </p:cNvPicPr>
-          <p:nvPr userDrawn="1"/>
-        </p:nvPicPr>
-        <p:blipFill>
-          <a:blip r:embed="rId2">
-            <a:extLst>
-              <a:ext uri="{28A0092B-C50C-407E-A947-70E740481C1C}">
-                <a14:useLocalDpi xmlns:a14="http://schemas.microsoft.com/office/drawing/2010/main" val="0"/>
-              </a:ext>
-            </a:extLst>
-          </a:blip>
-          <a:stretch>
-            <a:fillRect/>
-          </a:stretch>
-        </p:blipFill>
-        <p:spPr>
-          <a:xfrm>
-            <a:off x="13153654" y="94879"/>
-            <a:ext cx="2648691" cy="2648691"/>
-          </a:xfrm>
-          <a:prstGeom prst="rect">
-            <a:avLst/>
-          </a:prstGeom>
-        </p:spPr>
-      </p:pic>
-      <p:sp>
-        <p:nvSpPr>
-          <p:cNvPr id="6" name="Title 1"/>
-          <p:cNvSpPr>
-            <a:spLocks noGrp="1"/>
-          </p:cNvSpPr>
-          <p:nvPr>
-            <p:ph type="ctrTitle" hasCustomPrompt="1"/>
-          </p:nvPr>
-        </p:nvSpPr>
-        <p:spPr bwMode="white">
-          <a:xfrm>
-            <a:off x="1671638" y="2294619"/>
-            <a:ext cx="12319000" cy="852712"/>
-          </a:xfrm>
-        </p:spPr>
-        <p:txBody>
-          <a:bodyPr lIns="91440" tIns="91440" rIns="91440" bIns="91440" anchor="ctr"/>
-          <a:lstStyle>
-            <a:lvl1pPr>
-              <a:lnSpc>
-                <a:spcPct val="90000"/>
-              </a:lnSpc>
-              <a:defRPr sz="6400" b="1" spc="0" baseline="0">
-                <a:solidFill>
-                  <a:schemeClr val="accent1"/>
-                </a:solidFill>
-              </a:defRPr>
-            </a:lvl1pPr>
-          </a:lstStyle>
-          <a:p>
-            <a:r>
-              <a:rPr lang="en-US" dirty="0" smtClean="0"/>
-              <a:t>Problem</a:t>
-            </a:r>
-            <a:endParaRPr lang="en-US" dirty="0"/>
-          </a:p>
-        </p:txBody>
-      </p:sp>
-      <p:sp>
-        <p:nvSpPr>
-          <p:cNvPr id="10" name="Subtitle 2"/>
-          <p:cNvSpPr>
-            <a:spLocks noGrp="1"/>
-          </p:cNvSpPr>
-          <p:nvPr>
-            <p:ph type="subTitle" idx="1"/>
-          </p:nvPr>
-        </p:nvSpPr>
-        <p:spPr bwMode="white">
-          <a:xfrm>
-            <a:off x="1671638" y="3271838"/>
-            <a:ext cx="12319000" cy="3346421"/>
-          </a:xfrm>
-          <a:prstGeom prst="rect">
-            <a:avLst/>
-          </a:prstGeom>
-        </p:spPr>
-        <p:txBody>
-          <a:bodyPr lIns="91440" tIns="91440" rIns="91440" bIns="91440">
-            <a:noAutofit/>
-          </a:bodyPr>
-          <a:lstStyle>
-            <a:lvl1pPr marL="0" indent="0" algn="l">
-              <a:lnSpc>
-                <a:spcPct val="100000"/>
-              </a:lnSpc>
-              <a:spcBef>
-                <a:spcPts val="0"/>
-              </a:spcBef>
-              <a:buNone/>
-              <a:defRPr sz="2800" baseline="0">
-                <a:solidFill>
-                  <a:schemeClr val="accent3">
-                    <a:lumMod val="50000"/>
-                  </a:schemeClr>
-                </a:solidFill>
-              </a:defRPr>
-            </a:lvl1pPr>
-            <a:lvl2pPr marL="609561" indent="0" algn="ctr">
-              <a:buNone/>
-              <a:defRPr>
-                <a:solidFill>
-                  <a:schemeClr val="tx1">
-                    <a:tint val="75000"/>
-                  </a:schemeClr>
-                </a:solidFill>
-              </a:defRPr>
-            </a:lvl2pPr>
-            <a:lvl3pPr marL="1219120" indent="0" algn="ctr">
-              <a:buNone/>
-              <a:defRPr>
-                <a:solidFill>
-                  <a:schemeClr val="tx1">
-                    <a:tint val="75000"/>
-                  </a:schemeClr>
-                </a:solidFill>
-              </a:defRPr>
-            </a:lvl3pPr>
-            <a:lvl4pPr marL="1828681" indent="0" algn="ctr">
-              <a:buNone/>
-              <a:defRPr>
-                <a:solidFill>
-                  <a:schemeClr val="tx1">
-                    <a:tint val="75000"/>
-                  </a:schemeClr>
-                </a:solidFill>
-              </a:defRPr>
-            </a:lvl4pPr>
-            <a:lvl5pPr marL="2438242" indent="0" algn="ctr">
-              <a:buNone/>
-              <a:defRPr>
-                <a:solidFill>
-                  <a:schemeClr val="tx1">
-                    <a:tint val="75000"/>
-                  </a:schemeClr>
-                </a:solidFill>
-              </a:defRPr>
-            </a:lvl5pPr>
-            <a:lvl6pPr marL="3047802" indent="0" algn="ctr">
-              <a:buNone/>
-              <a:defRPr>
-                <a:solidFill>
-                  <a:schemeClr val="tx1">
-                    <a:tint val="75000"/>
-                  </a:schemeClr>
-                </a:solidFill>
-              </a:defRPr>
-            </a:lvl6pPr>
-            <a:lvl7pPr marL="3657362" indent="0" algn="ctr">
-              <a:buNone/>
-              <a:defRPr>
-                <a:solidFill>
-                  <a:schemeClr val="tx1">
-                    <a:tint val="75000"/>
-                  </a:schemeClr>
-                </a:solidFill>
-              </a:defRPr>
-            </a:lvl7pPr>
-            <a:lvl8pPr marL="4266923" indent="0" algn="ctr">
-              <a:buNone/>
-              <a:defRPr>
-                <a:solidFill>
-                  <a:schemeClr val="tx1">
-                    <a:tint val="75000"/>
-                  </a:schemeClr>
-                </a:solidFill>
-              </a:defRPr>
-            </a:lvl8pPr>
-            <a:lvl9pPr marL="4876483" indent="0" algn="ctr">
-              <a:buNone/>
-              <a:defRPr>
-                <a:solidFill>
-                  <a:schemeClr val="tx1">
-                    <a:tint val="75000"/>
-                  </a:schemeClr>
-                </a:solidFill>
-              </a:defRPr>
-            </a:lvl9pPr>
-          </a:lstStyle>
-          <a:p>
-            <a:r>
-              <a:rPr lang="en-US" dirty="0" smtClean="0"/>
-              <a:t>Click to edit Master subtitle style</a:t>
-            </a:r>
-          </a:p>
-        </p:txBody>
-      </p:sp>
-    </p:spTree>
-    <p:extLst>
-      <p:ext uri="{BB962C8B-B14F-4D97-AF65-F5344CB8AC3E}">
-        <p14:creationId xmlns:p14="http://schemas.microsoft.com/office/powerpoint/2010/main" val="247207333"/>
-      </p:ext>
-    </p:extLst>
-  </p:cSld>
-  <p:clrMapOvr>
-    <a:masterClrMapping/>
-  </p:clrMapOvr>
-  <p:transition spd="med">
-    <p:fade/>
-  </p:transition>
-</p:sldLayout>
-</file>
-
-<file path=ppt/slideLayouts/slideLayout18.xml><?xml version="1.0" encoding="utf-8"?>
-<p:sldLayout xmlns:a="http://schemas.openxmlformats.org/drawingml/2006/main" xmlns:r="http://schemas.openxmlformats.org/officeDocument/2006/relationships" xmlns:p="http://schemas.openxmlformats.org/presentationml/2006/main" preserve="1" userDrawn="1">
-  <p:cSld name="Docs">
-    <p:spTree>
-      <p:nvGrpSpPr>
-        <p:cNvPr id="1" name=""/>
-        <p:cNvGrpSpPr/>
-        <p:nvPr/>
-      </p:nvGrpSpPr>
-      <p:grpSpPr>
-        <a:xfrm>
-          <a:off x="0" y="0"/>
-          <a:ext cx="0" cy="0"/>
-          <a:chOff x="0" y="0"/>
-          <a:chExt cx="0" cy="0"/>
-        </a:xfrm>
-      </p:grpSpPr>
-      <p:sp>
-        <p:nvSpPr>
-          <p:cNvPr id="7" name="TextBox 6"/>
-          <p:cNvSpPr txBox="1"/>
-          <p:nvPr/>
-        </p:nvSpPr>
-        <p:spPr bwMode="white">
-          <a:xfrm>
-            <a:off x="136960" y="160072"/>
-            <a:ext cx="13917707" cy="2378219"/>
-          </a:xfrm>
-          <a:prstGeom prst="rect">
-            <a:avLst/>
-          </a:prstGeom>
-          <a:noFill/>
-          <a:ln>
-            <a:noFill/>
-          </a:ln>
-          <a:effectLst/>
-        </p:spPr>
-        <p:txBody>
-          <a:bodyPr lIns="121920" tIns="121920" rIns="121920" bIns="121920" anchor="ctr"/>
-          <a:lstStyle/>
-          <a:p>
-            <a:pPr defTabSz="1219120" fontAlgn="auto">
-              <a:spcBef>
-                <a:spcPts val="0"/>
-              </a:spcBef>
-              <a:spcAft>
-                <a:spcPts val="0"/>
-              </a:spcAft>
-              <a:defRPr/>
-            </a:pPr>
-            <a:r>
-              <a:rPr lang="en-US" sz="16933" dirty="0" smtClean="0">
-                <a:ln w="18415" cmpd="sng">
-                  <a:solidFill>
-                    <a:srgbClr val="FFFFFF"/>
-                  </a:solidFill>
-                  <a:prstDash val="solid"/>
-                </a:ln>
-                <a:solidFill>
-                  <a:schemeClr val="bg2">
-                    <a:lumMod val="95000"/>
-                    <a:alpha val="50000"/>
-                  </a:schemeClr>
-                </a:solidFill>
-                <a:latin typeface="+mn-lt"/>
-                <a:ea typeface="+mn-ea"/>
-                <a:cs typeface="+mn-cs"/>
-              </a:rPr>
-              <a:t>REFERENCE</a:t>
-            </a:r>
-            <a:endParaRPr lang="en-US" sz="16933" dirty="0">
-              <a:ln w="18415" cmpd="sng">
-                <a:solidFill>
-                  <a:srgbClr val="FFFFFF"/>
-                </a:solidFill>
-                <a:prstDash val="solid"/>
-              </a:ln>
-              <a:solidFill>
-                <a:schemeClr val="bg2">
-                  <a:lumMod val="95000"/>
-                  <a:alpha val="50000"/>
-                </a:schemeClr>
-              </a:solidFill>
-              <a:latin typeface="+mn-lt"/>
-              <a:ea typeface="+mn-ea"/>
-              <a:cs typeface="+mn-cs"/>
-            </a:endParaRPr>
-          </a:p>
-        </p:txBody>
-      </p:sp>
-      <p:pic>
-        <p:nvPicPr>
-          <p:cNvPr id="2" name="Picture 1" descr="reference.gif"/>
-          <p:cNvPicPr>
-            <a:picLocks noChangeAspect="1"/>
-          </p:cNvPicPr>
-          <p:nvPr userDrawn="1"/>
-        </p:nvPicPr>
-        <p:blipFill>
-          <a:blip r:embed="rId2">
-            <a:extLst>
-              <a:ext uri="{28A0092B-C50C-407E-A947-70E740481C1C}">
-                <a14:useLocalDpi xmlns:a14="http://schemas.microsoft.com/office/drawing/2010/main" val="0"/>
-              </a:ext>
-            </a:extLst>
-          </a:blip>
-          <a:stretch>
-            <a:fillRect/>
-          </a:stretch>
-        </p:blipFill>
-        <p:spPr>
-          <a:xfrm>
-            <a:off x="13383499" y="324724"/>
-            <a:ext cx="2189001" cy="2189001"/>
-          </a:xfrm>
-          <a:prstGeom prst="rect">
-            <a:avLst/>
-          </a:prstGeom>
-        </p:spPr>
-      </p:pic>
-      <p:sp>
-        <p:nvSpPr>
-          <p:cNvPr id="6" name="Title 1"/>
-          <p:cNvSpPr>
-            <a:spLocks noGrp="1"/>
-          </p:cNvSpPr>
-          <p:nvPr>
-            <p:ph type="ctrTitle" hasCustomPrompt="1"/>
-          </p:nvPr>
-        </p:nvSpPr>
-        <p:spPr bwMode="white">
-          <a:xfrm>
-            <a:off x="1671638" y="2294619"/>
-            <a:ext cx="12319000" cy="852712"/>
-          </a:xfrm>
-        </p:spPr>
-        <p:txBody>
-          <a:bodyPr lIns="91440" tIns="91440" rIns="91440" bIns="91440" anchor="ctr"/>
-          <a:lstStyle>
-            <a:lvl1pPr>
-              <a:lnSpc>
-                <a:spcPct val="90000"/>
-              </a:lnSpc>
-              <a:defRPr sz="6400" b="1" spc="0" baseline="0">
-                <a:solidFill>
-                  <a:schemeClr val="accent1"/>
-                </a:solidFill>
-              </a:defRPr>
-            </a:lvl1pPr>
-          </a:lstStyle>
-          <a:p>
-            <a:r>
-              <a:rPr lang="en-US" dirty="0" smtClean="0"/>
-              <a:t>Documentation</a:t>
-            </a:r>
-            <a:endParaRPr lang="en-US" dirty="0"/>
-          </a:p>
-        </p:txBody>
-      </p:sp>
-      <p:sp>
-        <p:nvSpPr>
-          <p:cNvPr id="12" name="Subtitle 2"/>
-          <p:cNvSpPr>
-            <a:spLocks noGrp="1"/>
-          </p:cNvSpPr>
-          <p:nvPr>
-            <p:ph type="subTitle" idx="1"/>
-          </p:nvPr>
-        </p:nvSpPr>
-        <p:spPr bwMode="white">
-          <a:xfrm>
-            <a:off x="1671638" y="3271838"/>
-            <a:ext cx="12319000" cy="3346421"/>
-          </a:xfrm>
-          <a:prstGeom prst="rect">
-            <a:avLst/>
-          </a:prstGeom>
-        </p:spPr>
-        <p:txBody>
-          <a:bodyPr lIns="91440" tIns="91440" rIns="91440" bIns="91440">
-            <a:noAutofit/>
-          </a:bodyPr>
-          <a:lstStyle>
-            <a:lvl1pPr marL="0" indent="0" algn="l">
-              <a:lnSpc>
-                <a:spcPct val="100000"/>
-              </a:lnSpc>
-              <a:spcBef>
-                <a:spcPts val="0"/>
-              </a:spcBef>
-              <a:buNone/>
-              <a:defRPr sz="2800" baseline="0">
-                <a:solidFill>
-                  <a:schemeClr val="accent3">
-                    <a:lumMod val="50000"/>
-                  </a:schemeClr>
-                </a:solidFill>
-              </a:defRPr>
-            </a:lvl1pPr>
-            <a:lvl2pPr marL="609561" indent="0" algn="ctr">
-              <a:buNone/>
-              <a:defRPr>
-                <a:solidFill>
-                  <a:schemeClr val="tx1">
-                    <a:tint val="75000"/>
-                  </a:schemeClr>
-                </a:solidFill>
-              </a:defRPr>
-            </a:lvl2pPr>
-            <a:lvl3pPr marL="1219120" indent="0" algn="ctr">
-              <a:buNone/>
-              <a:defRPr>
-                <a:solidFill>
-                  <a:schemeClr val="tx1">
-                    <a:tint val="75000"/>
-                  </a:schemeClr>
-                </a:solidFill>
-              </a:defRPr>
-            </a:lvl3pPr>
-            <a:lvl4pPr marL="1828681" indent="0" algn="ctr">
-              <a:buNone/>
-              <a:defRPr>
-                <a:solidFill>
-                  <a:schemeClr val="tx1">
-                    <a:tint val="75000"/>
-                  </a:schemeClr>
-                </a:solidFill>
-              </a:defRPr>
-            </a:lvl4pPr>
-            <a:lvl5pPr marL="2438242" indent="0" algn="ctr">
-              <a:buNone/>
-              <a:defRPr>
-                <a:solidFill>
-                  <a:schemeClr val="tx1">
-                    <a:tint val="75000"/>
-                  </a:schemeClr>
-                </a:solidFill>
-              </a:defRPr>
-            </a:lvl5pPr>
-            <a:lvl6pPr marL="3047802" indent="0" algn="ctr">
-              <a:buNone/>
-              <a:defRPr>
-                <a:solidFill>
-                  <a:schemeClr val="tx1">
-                    <a:tint val="75000"/>
-                  </a:schemeClr>
-                </a:solidFill>
-              </a:defRPr>
-            </a:lvl6pPr>
-            <a:lvl7pPr marL="3657362" indent="0" algn="ctr">
-              <a:buNone/>
-              <a:defRPr>
-                <a:solidFill>
-                  <a:schemeClr val="tx1">
-                    <a:tint val="75000"/>
-                  </a:schemeClr>
-                </a:solidFill>
-              </a:defRPr>
-            </a:lvl7pPr>
-            <a:lvl8pPr marL="4266923" indent="0" algn="ctr">
-              <a:buNone/>
-              <a:defRPr>
-                <a:solidFill>
-                  <a:schemeClr val="tx1">
-                    <a:tint val="75000"/>
-                  </a:schemeClr>
-                </a:solidFill>
-              </a:defRPr>
-            </a:lvl8pPr>
-            <a:lvl9pPr marL="4876483" indent="0" algn="ctr">
-              <a:buNone/>
-              <a:defRPr>
-                <a:solidFill>
-                  <a:schemeClr val="tx1">
-                    <a:tint val="75000"/>
-                  </a:schemeClr>
-                </a:solidFill>
-              </a:defRPr>
-            </a:lvl9pPr>
-          </a:lstStyle>
-          <a:p>
-            <a:r>
-              <a:rPr lang="en-US" dirty="0" smtClean="0"/>
-              <a:t>Click to edit Master subtitle style</a:t>
-            </a:r>
-          </a:p>
-        </p:txBody>
-      </p:sp>
-      <p:sp>
-        <p:nvSpPr>
-          <p:cNvPr id="10" name="Content Placeholder 3"/>
-          <p:cNvSpPr>
-            <a:spLocks noGrp="1"/>
-          </p:cNvSpPr>
-          <p:nvPr>
-            <p:ph sz="quarter" idx="13" hasCustomPrompt="1"/>
-          </p:nvPr>
-        </p:nvSpPr>
-        <p:spPr>
-          <a:xfrm>
-            <a:off x="3921498" y="7164200"/>
-            <a:ext cx="8917577" cy="524133"/>
-          </a:xfrm>
-          <a:prstGeom prst="rect">
-            <a:avLst/>
-          </a:prstGeom>
-        </p:spPr>
-        <p:txBody>
-          <a:bodyPr anchor="ctr"/>
-          <a:lstStyle>
-            <a:lvl1pPr marL="0" indent="0" algn="ctr">
-              <a:buNone/>
-              <a:defRPr sz="2400">
-                <a:solidFill>
-                  <a:schemeClr val="tx1"/>
-                </a:solidFill>
-              </a:defRPr>
-            </a:lvl1pPr>
-          </a:lstStyle>
-          <a:p>
-            <a:pPr lvl="0"/>
-            <a:r>
-              <a:rPr lang="en-US" dirty="0" smtClean="0"/>
-              <a:t>http://</a:t>
-            </a:r>
-            <a:r>
-              <a:rPr lang="en-US" dirty="0" err="1" smtClean="0"/>
-              <a:t>docs.chef.io</a:t>
-            </a:r>
-            <a:endParaRPr lang="en-US" dirty="0" smtClean="0"/>
-          </a:p>
-        </p:txBody>
-      </p:sp>
-    </p:spTree>
-    <p:extLst>
-      <p:ext uri="{BB962C8B-B14F-4D97-AF65-F5344CB8AC3E}">
-        <p14:creationId xmlns:p14="http://schemas.microsoft.com/office/powerpoint/2010/main" val="1970238568"/>
+        <p14:creationId xmlns:p14="http://schemas.microsoft.com/office/powerpoint/2010/main" val="952892369"/>
       </p:ext>
     </p:extLst>
   </p:cSld>
@@ -10411,1179 +10409,6 @@
 </file>
 
 <file path=ppt/slideLayouts/slideLayout19.xml><?xml version="1.0" encoding="utf-8"?>
-<p:sldLayout xmlns:a="http://schemas.openxmlformats.org/drawingml/2006/main" xmlns:r="http://schemas.openxmlformats.org/officeDocument/2006/relationships" xmlns:p="http://schemas.openxmlformats.org/presentationml/2006/main" preserve="1" userDrawn="1">
-  <p:cSld name="Concept">
-    <p:spTree>
-      <p:nvGrpSpPr>
-        <p:cNvPr id="1" name=""/>
-        <p:cNvGrpSpPr/>
-        <p:nvPr/>
-      </p:nvGrpSpPr>
-      <p:grpSpPr>
-        <a:xfrm>
-          <a:off x="0" y="0"/>
-          <a:ext cx="0" cy="0"/>
-          <a:chOff x="0" y="0"/>
-          <a:chExt cx="0" cy="0"/>
-        </a:xfrm>
-      </p:grpSpPr>
-      <p:sp>
-        <p:nvSpPr>
-          <p:cNvPr id="5" name="TextBox 4"/>
-          <p:cNvSpPr txBox="1"/>
-          <p:nvPr/>
-        </p:nvSpPr>
-        <p:spPr bwMode="white">
-          <a:xfrm>
-            <a:off x="136961" y="144390"/>
-            <a:ext cx="11554287" cy="2378219"/>
-          </a:xfrm>
-          <a:prstGeom prst="rect">
-            <a:avLst/>
-          </a:prstGeom>
-          <a:noFill/>
-          <a:ln>
-            <a:noFill/>
-          </a:ln>
-          <a:effectLst/>
-        </p:spPr>
-        <p:txBody>
-          <a:bodyPr lIns="121920" tIns="121920" rIns="121920" bIns="121920" anchor="ctr"/>
-          <a:lstStyle/>
-          <a:p>
-            <a:pPr defTabSz="1219120" fontAlgn="auto">
-              <a:spcBef>
-                <a:spcPts val="0"/>
-              </a:spcBef>
-              <a:spcAft>
-                <a:spcPts val="0"/>
-              </a:spcAft>
-              <a:defRPr/>
-            </a:pPr>
-            <a:r>
-              <a:rPr lang="en-US" sz="16933" dirty="0">
-                <a:ln w="18415" cmpd="sng">
-                  <a:solidFill>
-                    <a:srgbClr val="FFFFFF"/>
-                  </a:solidFill>
-                  <a:prstDash val="solid"/>
-                </a:ln>
-                <a:solidFill>
-                  <a:schemeClr val="bg2">
-                    <a:lumMod val="95000"/>
-                    <a:alpha val="50000"/>
-                  </a:schemeClr>
-                </a:solidFill>
-                <a:latin typeface="+mn-lt"/>
-                <a:ea typeface="+mn-ea"/>
-                <a:cs typeface="+mn-cs"/>
-              </a:rPr>
-              <a:t>CONCEPT</a:t>
-            </a:r>
-          </a:p>
-        </p:txBody>
-      </p:sp>
-      <p:pic>
-        <p:nvPicPr>
-          <p:cNvPr id="2" name="Picture 1" descr="concept.gif"/>
-          <p:cNvPicPr>
-            <a:picLocks noChangeAspect="1"/>
-          </p:cNvPicPr>
-          <p:nvPr userDrawn="1"/>
-        </p:nvPicPr>
-        <p:blipFill>
-          <a:blip r:embed="rId2">
-            <a:extLst>
-              <a:ext uri="{28A0092B-C50C-407E-A947-70E740481C1C}">
-                <a14:useLocalDpi xmlns:a14="http://schemas.microsoft.com/office/drawing/2010/main" val="0"/>
-              </a:ext>
-            </a:extLst>
-          </a:blip>
-          <a:stretch>
-            <a:fillRect/>
-          </a:stretch>
-        </p:blipFill>
-        <p:spPr>
-          <a:xfrm>
-            <a:off x="13119426" y="324724"/>
-            <a:ext cx="2717146" cy="2189001"/>
-          </a:xfrm>
-          <a:prstGeom prst="rect">
-            <a:avLst/>
-          </a:prstGeom>
-        </p:spPr>
-      </p:pic>
-      <p:sp>
-        <p:nvSpPr>
-          <p:cNvPr id="6" name="Title 1"/>
-          <p:cNvSpPr>
-            <a:spLocks noGrp="1"/>
-          </p:cNvSpPr>
-          <p:nvPr>
-            <p:ph type="ctrTitle" hasCustomPrompt="1"/>
-          </p:nvPr>
-        </p:nvSpPr>
-        <p:spPr bwMode="white">
-          <a:xfrm>
-            <a:off x="1671638" y="2294619"/>
-            <a:ext cx="12319000" cy="852712"/>
-          </a:xfrm>
-        </p:spPr>
-        <p:txBody>
-          <a:bodyPr lIns="91440" tIns="91440" rIns="91440" bIns="91440" anchor="ctr"/>
-          <a:lstStyle>
-            <a:lvl1pPr>
-              <a:lnSpc>
-                <a:spcPct val="90000"/>
-              </a:lnSpc>
-              <a:defRPr sz="6400" b="1" spc="0" baseline="0">
-                <a:solidFill>
-                  <a:schemeClr val="accent1"/>
-                </a:solidFill>
-              </a:defRPr>
-            </a:lvl1pPr>
-          </a:lstStyle>
-          <a:p>
-            <a:r>
-              <a:rPr lang="en-US" dirty="0" smtClean="0"/>
-              <a:t>Concept</a:t>
-            </a:r>
-            <a:endParaRPr lang="en-US" dirty="0"/>
-          </a:p>
-        </p:txBody>
-      </p:sp>
-      <p:sp>
-        <p:nvSpPr>
-          <p:cNvPr id="10" name="Subtitle 2"/>
-          <p:cNvSpPr>
-            <a:spLocks noGrp="1"/>
-          </p:cNvSpPr>
-          <p:nvPr>
-            <p:ph type="subTitle" idx="1"/>
-          </p:nvPr>
-        </p:nvSpPr>
-        <p:spPr bwMode="white">
-          <a:xfrm>
-            <a:off x="1671638" y="3271838"/>
-            <a:ext cx="12319000" cy="3346421"/>
-          </a:xfrm>
-          <a:prstGeom prst="rect">
-            <a:avLst/>
-          </a:prstGeom>
-        </p:spPr>
-        <p:txBody>
-          <a:bodyPr lIns="91440" tIns="91440" rIns="91440" bIns="91440">
-            <a:noAutofit/>
-          </a:bodyPr>
-          <a:lstStyle>
-            <a:lvl1pPr marL="0" indent="0" algn="l">
-              <a:lnSpc>
-                <a:spcPct val="100000"/>
-              </a:lnSpc>
-              <a:spcBef>
-                <a:spcPts val="0"/>
-              </a:spcBef>
-              <a:buNone/>
-              <a:defRPr sz="2800" baseline="0">
-                <a:solidFill>
-                  <a:schemeClr val="accent3">
-                    <a:lumMod val="50000"/>
-                  </a:schemeClr>
-                </a:solidFill>
-              </a:defRPr>
-            </a:lvl1pPr>
-            <a:lvl2pPr marL="609561" indent="0" algn="ctr">
-              <a:buNone/>
-              <a:defRPr>
-                <a:solidFill>
-                  <a:schemeClr val="tx1">
-                    <a:tint val="75000"/>
-                  </a:schemeClr>
-                </a:solidFill>
-              </a:defRPr>
-            </a:lvl2pPr>
-            <a:lvl3pPr marL="1219120" indent="0" algn="ctr">
-              <a:buNone/>
-              <a:defRPr>
-                <a:solidFill>
-                  <a:schemeClr val="tx1">
-                    <a:tint val="75000"/>
-                  </a:schemeClr>
-                </a:solidFill>
-              </a:defRPr>
-            </a:lvl3pPr>
-            <a:lvl4pPr marL="1828681" indent="0" algn="ctr">
-              <a:buNone/>
-              <a:defRPr>
-                <a:solidFill>
-                  <a:schemeClr val="tx1">
-                    <a:tint val="75000"/>
-                  </a:schemeClr>
-                </a:solidFill>
-              </a:defRPr>
-            </a:lvl4pPr>
-            <a:lvl5pPr marL="2438242" indent="0" algn="ctr">
-              <a:buNone/>
-              <a:defRPr>
-                <a:solidFill>
-                  <a:schemeClr val="tx1">
-                    <a:tint val="75000"/>
-                  </a:schemeClr>
-                </a:solidFill>
-              </a:defRPr>
-            </a:lvl5pPr>
-            <a:lvl6pPr marL="3047802" indent="0" algn="ctr">
-              <a:buNone/>
-              <a:defRPr>
-                <a:solidFill>
-                  <a:schemeClr val="tx1">
-                    <a:tint val="75000"/>
-                  </a:schemeClr>
-                </a:solidFill>
-              </a:defRPr>
-            </a:lvl6pPr>
-            <a:lvl7pPr marL="3657362" indent="0" algn="ctr">
-              <a:buNone/>
-              <a:defRPr>
-                <a:solidFill>
-                  <a:schemeClr val="tx1">
-                    <a:tint val="75000"/>
-                  </a:schemeClr>
-                </a:solidFill>
-              </a:defRPr>
-            </a:lvl7pPr>
-            <a:lvl8pPr marL="4266923" indent="0" algn="ctr">
-              <a:buNone/>
-              <a:defRPr>
-                <a:solidFill>
-                  <a:schemeClr val="tx1">
-                    <a:tint val="75000"/>
-                  </a:schemeClr>
-                </a:solidFill>
-              </a:defRPr>
-            </a:lvl8pPr>
-            <a:lvl9pPr marL="4876483" indent="0" algn="ctr">
-              <a:buNone/>
-              <a:defRPr>
-                <a:solidFill>
-                  <a:schemeClr val="tx1">
-                    <a:tint val="75000"/>
-                  </a:schemeClr>
-                </a:solidFill>
-              </a:defRPr>
-            </a:lvl9pPr>
-          </a:lstStyle>
-          <a:p>
-            <a:r>
-              <a:rPr lang="en-US" dirty="0" smtClean="0"/>
-              <a:t>Click to edit Master subtitle style</a:t>
-            </a:r>
-          </a:p>
-        </p:txBody>
-      </p:sp>
-    </p:spTree>
-    <p:extLst>
-      <p:ext uri="{BB962C8B-B14F-4D97-AF65-F5344CB8AC3E}">
-        <p14:creationId xmlns:p14="http://schemas.microsoft.com/office/powerpoint/2010/main" val="1995748560"/>
-      </p:ext>
-    </p:extLst>
-  </p:cSld>
-  <p:clrMapOvr>
-    <a:masterClrMapping/>
-  </p:clrMapOvr>
-  <p:transition spd="med">
-    <p:fade/>
-  </p:transition>
-</p:sldLayout>
-</file>
-
-<file path=ppt/slideLayouts/slideLayout2.xml><?xml version="1.0" encoding="utf-8"?>
-<p:sldLayout xmlns:a="http://schemas.openxmlformats.org/drawingml/2006/main" xmlns:r="http://schemas.openxmlformats.org/officeDocument/2006/relationships" xmlns:p="http://schemas.openxmlformats.org/presentationml/2006/main" preserve="1" userDrawn="1">
-  <p:cSld name="Standard">
-    <p:bg>
-      <p:bgPr>
-        <a:gradFill rotWithShape="0">
-          <a:gsLst>
-            <a:gs pos="0">
-              <a:schemeClr val="bg1"/>
-            </a:gs>
-            <a:gs pos="100000">
-              <a:schemeClr val="bg2"/>
-            </a:gs>
-          </a:gsLst>
-          <a:lin ang="5400000" scaled="1"/>
-        </a:gradFill>
-        <a:effectLst/>
-      </p:bgPr>
-    </p:bg>
-    <p:spTree>
-      <p:nvGrpSpPr>
-        <p:cNvPr id="1" name=""/>
-        <p:cNvGrpSpPr/>
-        <p:nvPr/>
-      </p:nvGrpSpPr>
-      <p:grpSpPr>
-        <a:xfrm>
-          <a:off x="0" y="0"/>
-          <a:ext cx="0" cy="0"/>
-          <a:chOff x="0" y="0"/>
-          <a:chExt cx="0" cy="0"/>
-        </a:xfrm>
-      </p:grpSpPr>
-      <p:sp>
-        <p:nvSpPr>
-          <p:cNvPr id="13" name="Title 12"/>
-          <p:cNvSpPr>
-            <a:spLocks noGrp="1"/>
-          </p:cNvSpPr>
-          <p:nvPr>
-            <p:ph type="title"/>
-          </p:nvPr>
-        </p:nvSpPr>
-        <p:spPr/>
-        <p:txBody>
-          <a:bodyPr/>
-          <a:lstStyle/>
-          <a:p>
-            <a:r>
-              <a:rPr lang="en-US" smtClean="0"/>
-              <a:t>Click to edit Master title style</a:t>
-            </a:r>
-            <a:endParaRPr lang="en-US" dirty="0"/>
-          </a:p>
-        </p:txBody>
-      </p:sp>
-      <p:sp>
-        <p:nvSpPr>
-          <p:cNvPr id="17" name="Text Placeholder 4"/>
-          <p:cNvSpPr>
-            <a:spLocks noGrp="1"/>
-          </p:cNvSpPr>
-          <p:nvPr>
-            <p:ph type="body" sz="quarter" idx="12"/>
-          </p:nvPr>
-        </p:nvSpPr>
-        <p:spPr>
-          <a:xfrm>
-            <a:off x="650040" y="1856198"/>
-            <a:ext cx="14898624" cy="5345953"/>
-          </a:xfrm>
-        </p:spPr>
-        <p:txBody>
-          <a:bodyPr>
-            <a:noAutofit/>
-          </a:bodyPr>
-          <a:lstStyle>
-            <a:lvl1pPr>
-              <a:spcAft>
-                <a:spcPts val="800"/>
-              </a:spcAft>
-              <a:defRPr baseline="0">
-                <a:solidFill>
-                  <a:schemeClr val="accent3">
-                    <a:lumMod val="50000"/>
-                  </a:schemeClr>
-                </a:solidFill>
-              </a:defRPr>
-            </a:lvl1pPr>
-            <a:lvl2pPr>
-              <a:spcAft>
-                <a:spcPts val="800"/>
-              </a:spcAft>
-              <a:defRPr baseline="0">
-                <a:solidFill>
-                  <a:schemeClr val="accent3">
-                    <a:lumMod val="50000"/>
-                  </a:schemeClr>
-                </a:solidFill>
-              </a:defRPr>
-            </a:lvl2pPr>
-            <a:lvl3pPr>
-              <a:spcAft>
-                <a:spcPts val="800"/>
-              </a:spcAft>
-              <a:defRPr baseline="0">
-                <a:solidFill>
-                  <a:schemeClr val="accent3">
-                    <a:lumMod val="50000"/>
-                  </a:schemeClr>
-                </a:solidFill>
-              </a:defRPr>
-            </a:lvl3pPr>
-            <a:lvl4pPr>
-              <a:spcAft>
-                <a:spcPts val="800"/>
-              </a:spcAft>
-              <a:defRPr baseline="0">
-                <a:solidFill>
-                  <a:schemeClr val="accent3">
-                    <a:lumMod val="50000"/>
-                  </a:schemeClr>
-                </a:solidFill>
-              </a:defRPr>
-            </a:lvl4pPr>
-            <a:lvl5pPr>
-              <a:spcAft>
-                <a:spcPts val="800"/>
-              </a:spcAft>
-              <a:defRPr baseline="0">
-                <a:solidFill>
-                  <a:schemeClr val="accent3">
-                    <a:lumMod val="50000"/>
-                  </a:schemeClr>
-                </a:solidFill>
-              </a:defRPr>
-            </a:lvl5pPr>
-          </a:lstStyle>
-          <a:p>
-            <a:pPr lvl="0"/>
-            <a:r>
-              <a:rPr lang="en-US" smtClean="0"/>
-              <a:t>Click to edit Master text styles</a:t>
-            </a:r>
-          </a:p>
-          <a:p>
-            <a:pPr lvl="1"/>
-            <a:r>
-              <a:rPr lang="en-US" smtClean="0"/>
-              <a:t>Second level</a:t>
-            </a:r>
-          </a:p>
-          <a:p>
-            <a:pPr lvl="2"/>
-            <a:r>
-              <a:rPr lang="en-US" smtClean="0"/>
-              <a:t>Third level</a:t>
-            </a:r>
-          </a:p>
-        </p:txBody>
-      </p:sp>
-    </p:spTree>
-    <p:extLst>
-      <p:ext uri="{BB962C8B-B14F-4D97-AF65-F5344CB8AC3E}">
-        <p14:creationId xmlns:p14="http://schemas.microsoft.com/office/powerpoint/2010/main" val="2747942789"/>
-      </p:ext>
-    </p:extLst>
-  </p:cSld>
-  <p:clrMapOvr>
-    <a:masterClrMapping/>
-  </p:clrMapOvr>
-  <p:transition spd="med">
-    <p:fade/>
-  </p:transition>
-</p:sldLayout>
-</file>
-
-<file path=ppt/slideLayouts/slideLayout20.xml><?xml version="1.0" encoding="utf-8"?>
-<p:sldLayout xmlns:a="http://schemas.openxmlformats.org/drawingml/2006/main" xmlns:r="http://schemas.openxmlformats.org/officeDocument/2006/relationships" xmlns:p="http://schemas.openxmlformats.org/presentationml/2006/main" preserve="1" userDrawn="1">
-  <p:cSld name="Group Exercise">
-    <p:spTree>
-      <p:nvGrpSpPr>
-        <p:cNvPr id="1" name=""/>
-        <p:cNvGrpSpPr/>
-        <p:nvPr/>
-      </p:nvGrpSpPr>
-      <p:grpSpPr>
-        <a:xfrm>
-          <a:off x="0" y="0"/>
-          <a:ext cx="0" cy="0"/>
-          <a:chOff x="0" y="0"/>
-          <a:chExt cx="0" cy="0"/>
-        </a:xfrm>
-      </p:grpSpPr>
-      <p:sp>
-        <p:nvSpPr>
-          <p:cNvPr id="7" name="TextBox 6"/>
-          <p:cNvSpPr txBox="1"/>
-          <p:nvPr userDrawn="1"/>
-        </p:nvSpPr>
-        <p:spPr bwMode="white">
-          <a:xfrm>
-            <a:off x="136960" y="144390"/>
-            <a:ext cx="12628487" cy="2378219"/>
-          </a:xfrm>
-          <a:prstGeom prst="rect">
-            <a:avLst/>
-          </a:prstGeom>
-          <a:noFill/>
-          <a:ln>
-            <a:noFill/>
-          </a:ln>
-          <a:effectLst/>
-        </p:spPr>
-        <p:txBody>
-          <a:bodyPr lIns="121920" tIns="121920" rIns="121920" bIns="121920" anchor="ctr"/>
-          <a:lstStyle/>
-          <a:p>
-            <a:pPr defTabSz="1219120" fontAlgn="auto">
-              <a:spcBef>
-                <a:spcPts val="0"/>
-              </a:spcBef>
-              <a:spcAft>
-                <a:spcPts val="0"/>
-              </a:spcAft>
-              <a:defRPr/>
-            </a:pPr>
-            <a:r>
-              <a:rPr lang="en-US" sz="16933" dirty="0">
-                <a:ln w="18415" cmpd="sng">
-                  <a:solidFill>
-                    <a:srgbClr val="FFFFFF"/>
-                  </a:solidFill>
-                  <a:prstDash val="solid"/>
-                </a:ln>
-                <a:solidFill>
-                  <a:schemeClr val="bg2">
-                    <a:lumMod val="95000"/>
-                    <a:alpha val="50000"/>
-                  </a:schemeClr>
-                </a:solidFill>
-                <a:latin typeface="+mn-lt"/>
-                <a:ea typeface="+mn-ea"/>
-                <a:cs typeface="+mn-cs"/>
-              </a:rPr>
-              <a:t>EXERCISE</a:t>
-            </a:r>
-          </a:p>
-        </p:txBody>
-      </p:sp>
-      <p:pic>
-        <p:nvPicPr>
-          <p:cNvPr id="3" name="Picture 2" descr="chef.gif"/>
-          <p:cNvPicPr>
-            <a:picLocks noChangeAspect="1"/>
-          </p:cNvPicPr>
-          <p:nvPr userDrawn="1"/>
-        </p:nvPicPr>
-        <p:blipFill>
-          <a:blip r:embed="rId2">
-            <a:extLst>
-              <a:ext uri="{28A0092B-C50C-407E-A947-70E740481C1C}">
-                <a14:useLocalDpi xmlns:a14="http://schemas.microsoft.com/office/drawing/2010/main" val="0"/>
-              </a:ext>
-            </a:extLst>
-          </a:blip>
-          <a:stretch>
-            <a:fillRect/>
-          </a:stretch>
-        </p:blipFill>
-        <p:spPr>
-          <a:xfrm>
-            <a:off x="13399010" y="324724"/>
-            <a:ext cx="2157980" cy="2189001"/>
-          </a:xfrm>
-          <a:prstGeom prst="rect">
-            <a:avLst/>
-          </a:prstGeom>
-        </p:spPr>
-      </p:pic>
-      <p:sp>
-        <p:nvSpPr>
-          <p:cNvPr id="6" name="Title 1"/>
-          <p:cNvSpPr>
-            <a:spLocks noGrp="1"/>
-          </p:cNvSpPr>
-          <p:nvPr>
-            <p:ph type="ctrTitle" hasCustomPrompt="1"/>
-          </p:nvPr>
-        </p:nvSpPr>
-        <p:spPr bwMode="white">
-          <a:xfrm>
-            <a:off x="1671637" y="2292126"/>
-            <a:ext cx="12319001" cy="852712"/>
-          </a:xfrm>
-        </p:spPr>
-        <p:txBody>
-          <a:bodyPr lIns="91440" tIns="91440" rIns="91440" bIns="91440" anchor="ctr"/>
-          <a:lstStyle>
-            <a:lvl1pPr>
-              <a:lnSpc>
-                <a:spcPct val="90000"/>
-              </a:lnSpc>
-              <a:defRPr sz="6400" b="1" spc="0" baseline="0">
-                <a:solidFill>
-                  <a:schemeClr val="accent1"/>
-                </a:solidFill>
-              </a:defRPr>
-            </a:lvl1pPr>
-          </a:lstStyle>
-          <a:p>
-            <a:r>
-              <a:rPr lang="en-US" dirty="0" smtClean="0"/>
-              <a:t>Group Exercise</a:t>
-            </a:r>
-            <a:endParaRPr lang="en-US" dirty="0"/>
-          </a:p>
-        </p:txBody>
-      </p:sp>
-      <p:sp>
-        <p:nvSpPr>
-          <p:cNvPr id="13" name="Content Placeholder 12"/>
-          <p:cNvSpPr>
-            <a:spLocks noGrp="1"/>
-          </p:cNvSpPr>
-          <p:nvPr>
-            <p:ph sz="quarter" idx="11"/>
-          </p:nvPr>
-        </p:nvSpPr>
-        <p:spPr>
-          <a:xfrm>
-            <a:off x="1671638" y="3260725"/>
-            <a:ext cx="12319000" cy="1528233"/>
-          </a:xfrm>
-          <a:prstGeom prst="rect">
-            <a:avLst/>
-          </a:prstGeom>
-        </p:spPr>
-        <p:txBody>
-          <a:bodyPr anchor="ctr">
-            <a:normAutofit/>
-          </a:bodyPr>
-          <a:lstStyle>
-            <a:lvl1pPr marL="121917" indent="0">
-              <a:spcBef>
-                <a:spcPts val="800"/>
-              </a:spcBef>
-              <a:buNone/>
-              <a:defRPr sz="2800" i="1" baseline="0">
-                <a:solidFill>
-                  <a:schemeClr val="bg1">
-                    <a:lumMod val="50000"/>
-                  </a:schemeClr>
-                </a:solidFill>
-              </a:defRPr>
-            </a:lvl1pPr>
-          </a:lstStyle>
-          <a:p>
-            <a:pPr lvl="0"/>
-            <a:r>
-              <a:rPr lang="en-US" dirty="0" smtClean="0"/>
-              <a:t>Click to edit Master text styles</a:t>
-            </a:r>
-          </a:p>
-        </p:txBody>
-      </p:sp>
-      <p:sp>
-        <p:nvSpPr>
-          <p:cNvPr id="10" name="TextBox 11"/>
-          <p:cNvSpPr txBox="1">
-            <a:spLocks noChangeArrowheads="1"/>
-          </p:cNvSpPr>
-          <p:nvPr/>
-        </p:nvSpPr>
-        <p:spPr bwMode="white">
-          <a:xfrm>
-            <a:off x="1671638" y="4917547"/>
-            <a:ext cx="11777663" cy="785812"/>
-          </a:xfrm>
-          <a:prstGeom prst="rect">
-            <a:avLst/>
-          </a:prstGeom>
-          <a:noFill/>
-          <a:ln>
-            <a:noFill/>
-          </a:ln>
-          <a:extLst>
-            <a:ext uri="{909E8E84-426E-40dd-AFC4-6F175D3DCCD1}">
-              <a14:hiddenFill xmlns="" xmlns:a14="http://schemas.microsoft.com/office/drawing/2010/main">
-                <a:solidFill>
-                  <a:srgbClr val="FFFFFF"/>
-                </a:solidFill>
-              </a14:hiddenFill>
-            </a:ext>
-            <a:ext uri="{91240B29-F687-4f45-9708-019B960494DF}">
-              <a14:hiddenLine xmlns="" xmlns:a14="http://schemas.microsoft.com/office/drawing/2010/main" w="9525">
-                <a:solidFill>
-                  <a:srgbClr val="000000"/>
-                </a:solidFill>
-                <a:miter lim="800000"/>
-                <a:headEnd/>
-                <a:tailEnd/>
-              </a14:hiddenLine>
-            </a:ext>
-          </a:extLst>
-        </p:spPr>
-        <p:txBody>
-          <a:bodyPr lIns="121920" tIns="121920" rIns="121920" bIns="121920"/>
-          <a:lstStyle>
-            <a:lvl1pPr>
-              <a:defRPr sz="2400">
-                <a:solidFill>
-                  <a:schemeClr val="tx1"/>
-                </a:solidFill>
-                <a:latin typeface="Arial" charset="0"/>
-                <a:ea typeface="ＭＳ Ｐゴシック" charset="0"/>
-                <a:cs typeface="ＭＳ Ｐゴシック" charset="0"/>
-              </a:defRPr>
-            </a:lvl1pPr>
-            <a:lvl2pPr marL="742950" indent="-285750">
-              <a:defRPr sz="2400">
-                <a:solidFill>
-                  <a:schemeClr val="tx1"/>
-                </a:solidFill>
-                <a:latin typeface="Arial" charset="0"/>
-                <a:ea typeface="ＭＳ Ｐゴシック" charset="0"/>
-              </a:defRPr>
-            </a:lvl2pPr>
-            <a:lvl3pPr marL="1143000" indent="-228600">
-              <a:defRPr sz="2400">
-                <a:solidFill>
-                  <a:schemeClr val="tx1"/>
-                </a:solidFill>
-                <a:latin typeface="Arial" charset="0"/>
-                <a:ea typeface="ＭＳ Ｐゴシック" charset="0"/>
-              </a:defRPr>
-            </a:lvl3pPr>
-            <a:lvl4pPr marL="1600200" indent="-228600">
-              <a:defRPr sz="2400">
-                <a:solidFill>
-                  <a:schemeClr val="tx1"/>
-                </a:solidFill>
-                <a:latin typeface="Arial" charset="0"/>
-                <a:ea typeface="ＭＳ Ｐゴシック" charset="0"/>
-              </a:defRPr>
-            </a:lvl4pPr>
-            <a:lvl5pPr marL="2057400" indent="-228600">
-              <a:defRPr sz="2400">
-                <a:solidFill>
-                  <a:schemeClr val="tx1"/>
-                </a:solidFill>
-                <a:latin typeface="Arial" charset="0"/>
-                <a:ea typeface="ＭＳ Ｐゴシック" charset="0"/>
-              </a:defRPr>
-            </a:lvl5pPr>
-            <a:lvl6pPr marL="2514600" indent="-228600" defTabSz="1217613" fontAlgn="base">
-              <a:spcBef>
-                <a:spcPct val="0"/>
-              </a:spcBef>
-              <a:spcAft>
-                <a:spcPct val="0"/>
-              </a:spcAft>
-              <a:defRPr sz="2400">
-                <a:solidFill>
-                  <a:schemeClr val="tx1"/>
-                </a:solidFill>
-                <a:latin typeface="Arial" charset="0"/>
-                <a:ea typeface="ＭＳ Ｐゴシック" charset="0"/>
-              </a:defRPr>
-            </a:lvl6pPr>
-            <a:lvl7pPr marL="2971800" indent="-228600" defTabSz="1217613" fontAlgn="base">
-              <a:spcBef>
-                <a:spcPct val="0"/>
-              </a:spcBef>
-              <a:spcAft>
-                <a:spcPct val="0"/>
-              </a:spcAft>
-              <a:defRPr sz="2400">
-                <a:solidFill>
-                  <a:schemeClr val="tx1"/>
-                </a:solidFill>
-                <a:latin typeface="Arial" charset="0"/>
-                <a:ea typeface="ＭＳ Ｐゴシック" charset="0"/>
-              </a:defRPr>
-            </a:lvl7pPr>
-            <a:lvl8pPr marL="3429000" indent="-228600" defTabSz="1217613" fontAlgn="base">
-              <a:spcBef>
-                <a:spcPct val="0"/>
-              </a:spcBef>
-              <a:spcAft>
-                <a:spcPct val="0"/>
-              </a:spcAft>
-              <a:defRPr sz="2400">
-                <a:solidFill>
-                  <a:schemeClr val="tx1"/>
-                </a:solidFill>
-                <a:latin typeface="Arial" charset="0"/>
-                <a:ea typeface="ＭＳ Ｐゴシック" charset="0"/>
-              </a:defRPr>
-            </a:lvl8pPr>
-            <a:lvl9pPr marL="3886200" indent="-228600" defTabSz="1217613" fontAlgn="base">
-              <a:spcBef>
-                <a:spcPct val="0"/>
-              </a:spcBef>
-              <a:spcAft>
-                <a:spcPct val="0"/>
-              </a:spcAft>
-              <a:defRPr sz="2400">
-                <a:solidFill>
-                  <a:schemeClr val="tx1"/>
-                </a:solidFill>
-                <a:latin typeface="Arial" charset="0"/>
-                <a:ea typeface="ＭＳ Ｐゴシック" charset="0"/>
-              </a:defRPr>
-            </a:lvl9pPr>
-          </a:lstStyle>
-          <a:p>
-            <a:r>
-              <a:rPr lang="en-US" sz="3200" b="1" dirty="0"/>
-              <a:t>Objective:</a:t>
-            </a:r>
-          </a:p>
-        </p:txBody>
-      </p:sp>
-      <p:sp>
-        <p:nvSpPr>
-          <p:cNvPr id="9" name="Text Placeholder 8"/>
-          <p:cNvSpPr>
-            <a:spLocks noGrp="1"/>
-          </p:cNvSpPr>
-          <p:nvPr>
-            <p:ph type="body" sz="quarter" idx="10"/>
-          </p:nvPr>
-        </p:nvSpPr>
-        <p:spPr>
-          <a:xfrm>
-            <a:off x="1671638" y="5650764"/>
-            <a:ext cx="12319000" cy="2445486"/>
-          </a:xfrm>
-          <a:prstGeom prst="rect">
-            <a:avLst/>
-          </a:prstGeom>
-        </p:spPr>
-        <p:txBody>
-          <a:bodyPr/>
-          <a:lstStyle>
-            <a:lvl1pPr marL="0" indent="0">
-              <a:buFont typeface="Wingdings" charset="2"/>
-              <a:buNone/>
-              <a:defRPr sz="2400" baseline="0"/>
-            </a:lvl1pPr>
-          </a:lstStyle>
-          <a:p>
-            <a:pPr lvl="0"/>
-            <a:r>
-              <a:rPr lang="en-US" dirty="0" smtClean="0"/>
-              <a:t>Click to edit Master text styles</a:t>
-            </a:r>
-          </a:p>
-          <a:p>
-            <a:pPr lvl="1"/>
-            <a:r>
-              <a:rPr lang="en-US" dirty="0" smtClean="0"/>
-              <a:t>Second level</a:t>
-            </a:r>
-          </a:p>
-          <a:p>
-            <a:pPr lvl="2"/>
-            <a:r>
-              <a:rPr lang="en-US" dirty="0" smtClean="0"/>
-              <a:t>Third level</a:t>
-            </a:r>
-          </a:p>
-          <a:p>
-            <a:pPr lvl="3"/>
-            <a:r>
-              <a:rPr lang="en-US" dirty="0" smtClean="0"/>
-              <a:t>Fourth level</a:t>
-            </a:r>
-          </a:p>
-        </p:txBody>
-      </p:sp>
-    </p:spTree>
-    <p:extLst>
-      <p:ext uri="{BB962C8B-B14F-4D97-AF65-F5344CB8AC3E}">
-        <p14:creationId xmlns:p14="http://schemas.microsoft.com/office/powerpoint/2010/main" val="1211677136"/>
-      </p:ext>
-    </p:extLst>
-  </p:cSld>
-  <p:clrMapOvr>
-    <a:masterClrMapping/>
-  </p:clrMapOvr>
-  <p:transition spd="med">
-    <p:fade/>
-  </p:transition>
-</p:sldLayout>
-</file>
-
-<file path=ppt/slideLayouts/slideLayout21.xml><?xml version="1.0" encoding="utf-8"?>
-<p:sldLayout xmlns:a="http://schemas.openxmlformats.org/drawingml/2006/main" xmlns:r="http://schemas.openxmlformats.org/officeDocument/2006/relationships" xmlns:p="http://schemas.openxmlformats.org/presentationml/2006/main" preserve="1" userDrawn="1">
-  <p:cSld name="Lab">
-    <p:spTree>
-      <p:nvGrpSpPr>
-        <p:cNvPr id="1" name=""/>
-        <p:cNvGrpSpPr/>
-        <p:nvPr/>
-      </p:nvGrpSpPr>
-      <p:grpSpPr>
-        <a:xfrm>
-          <a:off x="0" y="0"/>
-          <a:ext cx="0" cy="0"/>
-          <a:chOff x="0" y="0"/>
-          <a:chExt cx="0" cy="0"/>
-        </a:xfrm>
-      </p:grpSpPr>
-      <p:sp>
-        <p:nvSpPr>
-          <p:cNvPr id="5" name="TextBox 4"/>
-          <p:cNvSpPr txBox="1"/>
-          <p:nvPr/>
-        </p:nvSpPr>
-        <p:spPr bwMode="white">
-          <a:xfrm>
-            <a:off x="136961" y="144390"/>
-            <a:ext cx="12824551" cy="2378219"/>
-          </a:xfrm>
-          <a:prstGeom prst="rect">
-            <a:avLst/>
-          </a:prstGeom>
-          <a:noFill/>
-          <a:ln>
-            <a:noFill/>
-          </a:ln>
-          <a:effectLst/>
-        </p:spPr>
-        <p:txBody>
-          <a:bodyPr lIns="121920" tIns="121920" rIns="121920" bIns="121920" anchor="ctr"/>
-          <a:lstStyle/>
-          <a:p>
-            <a:pPr defTabSz="1219120" fontAlgn="auto">
-              <a:spcBef>
-                <a:spcPts val="0"/>
-              </a:spcBef>
-              <a:spcAft>
-                <a:spcPts val="0"/>
-              </a:spcAft>
-              <a:defRPr/>
-            </a:pPr>
-            <a:r>
-              <a:rPr lang="en-US" sz="16933" dirty="0">
-                <a:ln w="18415" cmpd="sng">
-                  <a:solidFill>
-                    <a:srgbClr val="FFFFFF"/>
-                  </a:solidFill>
-                  <a:prstDash val="solid"/>
-                </a:ln>
-                <a:solidFill>
-                  <a:schemeClr val="bg2">
-                    <a:lumMod val="95000"/>
-                    <a:alpha val="50000"/>
-                  </a:schemeClr>
-                </a:solidFill>
-                <a:latin typeface="+mn-lt"/>
-                <a:ea typeface="+mn-ea"/>
-                <a:cs typeface="+mn-cs"/>
-              </a:rPr>
-              <a:t>LAB</a:t>
-            </a:r>
-          </a:p>
-        </p:txBody>
-      </p:sp>
-      <p:pic>
-        <p:nvPicPr>
-          <p:cNvPr id="2" name="Picture 1" descr="lab.gif"/>
-          <p:cNvPicPr>
-            <a:picLocks noChangeAspect="1"/>
-          </p:cNvPicPr>
-          <p:nvPr userDrawn="1"/>
-        </p:nvPicPr>
-        <p:blipFill>
-          <a:blip r:embed="rId2">
-            <a:extLst>
-              <a:ext uri="{28A0092B-C50C-407E-A947-70E740481C1C}">
-                <a14:useLocalDpi xmlns:a14="http://schemas.microsoft.com/office/drawing/2010/main" val="0"/>
-              </a:ext>
-            </a:extLst>
-          </a:blip>
-          <a:stretch>
-            <a:fillRect/>
-          </a:stretch>
-        </p:blipFill>
-        <p:spPr>
-          <a:xfrm>
-            <a:off x="13274049" y="215274"/>
-            <a:ext cx="2407901" cy="2407901"/>
-          </a:xfrm>
-          <a:prstGeom prst="rect">
-            <a:avLst/>
-          </a:prstGeom>
-        </p:spPr>
-      </p:pic>
-      <p:sp>
-        <p:nvSpPr>
-          <p:cNvPr id="6" name="Title 1"/>
-          <p:cNvSpPr>
-            <a:spLocks noGrp="1"/>
-          </p:cNvSpPr>
-          <p:nvPr>
-            <p:ph type="ctrTitle" hasCustomPrompt="1"/>
-          </p:nvPr>
-        </p:nvSpPr>
-        <p:spPr bwMode="white">
-          <a:xfrm>
-            <a:off x="1660524" y="2294619"/>
-            <a:ext cx="12330113" cy="852712"/>
-          </a:xfrm>
-        </p:spPr>
-        <p:txBody>
-          <a:bodyPr lIns="91440" tIns="91440" rIns="91440" bIns="91440" anchor="ctr"/>
-          <a:lstStyle>
-            <a:lvl1pPr>
-              <a:lnSpc>
-                <a:spcPct val="90000"/>
-              </a:lnSpc>
-              <a:defRPr sz="6400" b="1" spc="0" baseline="0">
-                <a:solidFill>
-                  <a:schemeClr val="accent1"/>
-                </a:solidFill>
-              </a:defRPr>
-            </a:lvl1pPr>
-          </a:lstStyle>
-          <a:p>
-            <a:r>
-              <a:rPr lang="en-US" dirty="0" smtClean="0"/>
-              <a:t>Lab</a:t>
-            </a:r>
-            <a:endParaRPr lang="en-US" dirty="0"/>
-          </a:p>
-        </p:txBody>
-      </p:sp>
-      <p:sp>
-        <p:nvSpPr>
-          <p:cNvPr id="10" name="Subtitle 2"/>
-          <p:cNvSpPr>
-            <a:spLocks noGrp="1"/>
-          </p:cNvSpPr>
-          <p:nvPr>
-            <p:ph type="subTitle" idx="1"/>
-          </p:nvPr>
-        </p:nvSpPr>
-        <p:spPr bwMode="white">
-          <a:xfrm>
-            <a:off x="1671638" y="3260725"/>
-            <a:ext cx="12319000" cy="3346421"/>
-          </a:xfrm>
-          <a:prstGeom prst="rect">
-            <a:avLst/>
-          </a:prstGeom>
-        </p:spPr>
-        <p:txBody>
-          <a:bodyPr lIns="91440" tIns="91440" rIns="91440" bIns="91440">
-            <a:noAutofit/>
-          </a:bodyPr>
-          <a:lstStyle>
-            <a:lvl1pPr marL="571500" indent="-571500" algn="l">
-              <a:lnSpc>
-                <a:spcPct val="100000"/>
-              </a:lnSpc>
-              <a:spcBef>
-                <a:spcPts val="0"/>
-              </a:spcBef>
-              <a:buFont typeface="Wingdings" charset="2"/>
-              <a:buChar char="q"/>
-              <a:defRPr sz="2800" baseline="0">
-                <a:solidFill>
-                  <a:schemeClr val="accent3">
-                    <a:lumMod val="50000"/>
-                  </a:schemeClr>
-                </a:solidFill>
-              </a:defRPr>
-            </a:lvl1pPr>
-            <a:lvl2pPr marL="609561" indent="0" algn="ctr">
-              <a:buNone/>
-              <a:defRPr>
-                <a:solidFill>
-                  <a:schemeClr val="tx1">
-                    <a:tint val="75000"/>
-                  </a:schemeClr>
-                </a:solidFill>
-              </a:defRPr>
-            </a:lvl2pPr>
-            <a:lvl3pPr marL="1219120" indent="0" algn="ctr">
-              <a:buNone/>
-              <a:defRPr>
-                <a:solidFill>
-                  <a:schemeClr val="tx1">
-                    <a:tint val="75000"/>
-                  </a:schemeClr>
-                </a:solidFill>
-              </a:defRPr>
-            </a:lvl3pPr>
-            <a:lvl4pPr marL="1828681" indent="0" algn="ctr">
-              <a:buNone/>
-              <a:defRPr>
-                <a:solidFill>
-                  <a:schemeClr val="tx1">
-                    <a:tint val="75000"/>
-                  </a:schemeClr>
-                </a:solidFill>
-              </a:defRPr>
-            </a:lvl4pPr>
-            <a:lvl5pPr marL="2438242" indent="0" algn="ctr">
-              <a:buNone/>
-              <a:defRPr>
-                <a:solidFill>
-                  <a:schemeClr val="tx1">
-                    <a:tint val="75000"/>
-                  </a:schemeClr>
-                </a:solidFill>
-              </a:defRPr>
-            </a:lvl5pPr>
-            <a:lvl6pPr marL="3047802" indent="0" algn="ctr">
-              <a:buNone/>
-              <a:defRPr>
-                <a:solidFill>
-                  <a:schemeClr val="tx1">
-                    <a:tint val="75000"/>
-                  </a:schemeClr>
-                </a:solidFill>
-              </a:defRPr>
-            </a:lvl6pPr>
-            <a:lvl7pPr marL="3657362" indent="0" algn="ctr">
-              <a:buNone/>
-              <a:defRPr>
-                <a:solidFill>
-                  <a:schemeClr val="tx1">
-                    <a:tint val="75000"/>
-                  </a:schemeClr>
-                </a:solidFill>
-              </a:defRPr>
-            </a:lvl7pPr>
-            <a:lvl8pPr marL="4266923" indent="0" algn="ctr">
-              <a:buNone/>
-              <a:defRPr>
-                <a:solidFill>
-                  <a:schemeClr val="tx1">
-                    <a:tint val="75000"/>
-                  </a:schemeClr>
-                </a:solidFill>
-              </a:defRPr>
-            </a:lvl8pPr>
-            <a:lvl9pPr marL="4876483" indent="0" algn="ctr">
-              <a:buNone/>
-              <a:defRPr>
-                <a:solidFill>
-                  <a:schemeClr val="tx1">
-                    <a:tint val="75000"/>
-                  </a:schemeClr>
-                </a:solidFill>
-              </a:defRPr>
-            </a:lvl9pPr>
-          </a:lstStyle>
-          <a:p>
-            <a:r>
-              <a:rPr lang="en-US" dirty="0" smtClean="0"/>
-              <a:t>Click to edit Master subtitle style</a:t>
-            </a:r>
-          </a:p>
-        </p:txBody>
-      </p:sp>
-    </p:spTree>
-    <p:extLst>
-      <p:ext uri="{BB962C8B-B14F-4D97-AF65-F5344CB8AC3E}">
-        <p14:creationId xmlns:p14="http://schemas.microsoft.com/office/powerpoint/2010/main" val="952892369"/>
-      </p:ext>
-    </p:extLst>
-  </p:cSld>
-  <p:clrMapOvr>
-    <a:masterClrMapping/>
-  </p:clrMapOvr>
-  <p:transition spd="med">
-    <p:fade/>
-  </p:transition>
-</p:sldLayout>
-</file>
-
-<file path=ppt/slideLayouts/slideLayout22.xml><?xml version="1.0" encoding="utf-8"?>
 <p:sldLayout xmlns:a="http://schemas.openxmlformats.org/drawingml/2006/main" xmlns:r="http://schemas.openxmlformats.org/officeDocument/2006/relationships" xmlns:p="http://schemas.openxmlformats.org/presentationml/2006/main" preserve="1" userDrawn="1">
   <p:cSld name="Version Control">
     <p:spTree>
@@ -11895,7 +10720,184 @@
 </p:sldLayout>
 </file>
 
-<file path=ppt/slideLayouts/slideLayout23.xml><?xml version="1.0" encoding="utf-8"?>
+<file path=ppt/slideLayouts/slideLayout2.xml><?xml version="1.0" encoding="utf-8"?>
+<p:sldLayout xmlns:a="http://schemas.openxmlformats.org/drawingml/2006/main" xmlns:r="http://schemas.openxmlformats.org/officeDocument/2006/relationships" xmlns:p="http://schemas.openxmlformats.org/presentationml/2006/main" preserve="1" userDrawn="1">
+  <p:cSld name="Standard">
+    <p:bg>
+      <p:bgPr>
+        <a:gradFill rotWithShape="0">
+          <a:gsLst>
+            <a:gs pos="0">
+              <a:schemeClr val="bg1"/>
+            </a:gs>
+            <a:gs pos="100000">
+              <a:schemeClr val="bg2"/>
+            </a:gs>
+          </a:gsLst>
+          <a:lin ang="5400000" scaled="1"/>
+        </a:gradFill>
+        <a:effectLst/>
+      </p:bgPr>
+    </p:bg>
+    <p:spTree>
+      <p:nvGrpSpPr>
+        <p:cNvPr id="1" name=""/>
+        <p:cNvGrpSpPr/>
+        <p:nvPr/>
+      </p:nvGrpSpPr>
+      <p:grpSpPr>
+        <a:xfrm>
+          <a:off x="0" y="0"/>
+          <a:ext cx="0" cy="0"/>
+          <a:chOff x="0" y="0"/>
+          <a:chExt cx="0" cy="0"/>
+        </a:xfrm>
+      </p:grpSpPr>
+      <p:sp>
+        <p:nvSpPr>
+          <p:cNvPr id="13" name="Title 12"/>
+          <p:cNvSpPr>
+            <a:spLocks noGrp="1"/>
+          </p:cNvSpPr>
+          <p:nvPr>
+            <p:ph type="title"/>
+          </p:nvPr>
+        </p:nvSpPr>
+        <p:spPr/>
+        <p:txBody>
+          <a:bodyPr/>
+          <a:lstStyle/>
+          <a:p>
+            <a:r>
+              <a:rPr lang="en-US" smtClean="0"/>
+              <a:t>Click to edit Master title style</a:t>
+            </a:r>
+            <a:endParaRPr lang="en-US" dirty="0"/>
+          </a:p>
+        </p:txBody>
+      </p:sp>
+      <p:sp>
+        <p:nvSpPr>
+          <p:cNvPr id="17" name="Text Placeholder 4"/>
+          <p:cNvSpPr>
+            <a:spLocks noGrp="1"/>
+          </p:cNvSpPr>
+          <p:nvPr>
+            <p:ph type="body" sz="quarter" idx="12"/>
+          </p:nvPr>
+        </p:nvSpPr>
+        <p:spPr>
+          <a:xfrm>
+            <a:off x="650040" y="1856198"/>
+            <a:ext cx="14898624" cy="5345953"/>
+          </a:xfrm>
+        </p:spPr>
+        <p:txBody>
+          <a:bodyPr>
+            <a:noAutofit/>
+          </a:bodyPr>
+          <a:lstStyle>
+            <a:lvl1pPr>
+              <a:spcAft>
+                <a:spcPts val="800"/>
+              </a:spcAft>
+              <a:defRPr baseline="0">
+                <a:solidFill>
+                  <a:schemeClr val="accent3">
+                    <a:lumMod val="50000"/>
+                  </a:schemeClr>
+                </a:solidFill>
+              </a:defRPr>
+            </a:lvl1pPr>
+            <a:lvl2pPr>
+              <a:spcAft>
+                <a:spcPts val="800"/>
+              </a:spcAft>
+              <a:defRPr baseline="0">
+                <a:solidFill>
+                  <a:schemeClr val="accent3">
+                    <a:lumMod val="50000"/>
+                  </a:schemeClr>
+                </a:solidFill>
+              </a:defRPr>
+            </a:lvl2pPr>
+            <a:lvl3pPr>
+              <a:spcAft>
+                <a:spcPts val="800"/>
+              </a:spcAft>
+              <a:defRPr baseline="0">
+                <a:solidFill>
+                  <a:schemeClr val="accent3">
+                    <a:lumMod val="50000"/>
+                  </a:schemeClr>
+                </a:solidFill>
+              </a:defRPr>
+            </a:lvl3pPr>
+            <a:lvl4pPr>
+              <a:spcAft>
+                <a:spcPts val="800"/>
+              </a:spcAft>
+              <a:defRPr baseline="0">
+                <a:solidFill>
+                  <a:schemeClr val="accent3">
+                    <a:lumMod val="50000"/>
+                  </a:schemeClr>
+                </a:solidFill>
+              </a:defRPr>
+            </a:lvl4pPr>
+            <a:lvl5pPr>
+              <a:spcAft>
+                <a:spcPts val="800"/>
+              </a:spcAft>
+              <a:defRPr baseline="0">
+                <a:solidFill>
+                  <a:schemeClr val="accent3">
+                    <a:lumMod val="50000"/>
+                  </a:schemeClr>
+                </a:solidFill>
+              </a:defRPr>
+            </a:lvl5pPr>
+          </a:lstStyle>
+          <a:p>
+            <a:pPr lvl="0"/>
+            <a:r>
+              <a:rPr lang="en-US" smtClean="0"/>
+              <a:t>Click to edit Master text styles</a:t>
+            </a:r>
+          </a:p>
+          <a:p>
+            <a:pPr lvl="1"/>
+            <a:r>
+              <a:rPr lang="en-US" smtClean="0"/>
+              <a:t>Second level</a:t>
+            </a:r>
+          </a:p>
+          <a:p>
+            <a:pPr lvl="2"/>
+            <a:r>
+              <a:rPr lang="en-US" smtClean="0"/>
+              <a:t>Third level</a:t>
+            </a:r>
+          </a:p>
+        </p:txBody>
+      </p:sp>
+    </p:spTree>
+    <p:extLst>
+      <p:ext uri="{BB962C8B-B14F-4D97-AF65-F5344CB8AC3E}">
+        <p14:creationId xmlns:p14="http://schemas.microsoft.com/office/powerpoint/2010/main" val="2747942789"/>
+      </p:ext>
+    </p:extLst>
+  </p:cSld>
+  <p:clrMapOvr>
+    <a:masterClrMapping/>
+  </p:clrMapOvr>
+  <p:transition spd="med">
+    <p:fade/>
+  </p:transition>
+</p:sldLayout>
+</file>
+
+<file path=ppt/slideLayouts/slideLayout20.xml><?xml version="1.0" encoding="utf-8"?>
 <p:sldLayout xmlns:a="http://schemas.openxmlformats.org/drawingml/2006/main" xmlns:r="http://schemas.openxmlformats.org/officeDocument/2006/relationships" xmlns:p="http://schemas.openxmlformats.org/presentationml/2006/main" preserve="1" userDrawn="1">
   <p:cSld name="Discussion">
     <p:spTree>
@@ -12199,1074 +11201,6 @@
 </p:sldLayout>
 </file>
 
-<file path=ppt/slideLayouts/slideLayout24.xml><?xml version="1.0" encoding="utf-8"?>
-<p:sldLayout xmlns:a="http://schemas.openxmlformats.org/drawingml/2006/main" xmlns:r="http://schemas.openxmlformats.org/officeDocument/2006/relationships" xmlns:p="http://schemas.openxmlformats.org/presentationml/2006/main" userDrawn="1">
-  <p:cSld name="File">
-    <p:bg>
-      <p:bgPr>
-        <a:gradFill>
-          <a:gsLst>
-            <a:gs pos="0">
-              <a:schemeClr val="bg2">
-                <a:lumMod val="95000"/>
-              </a:schemeClr>
-            </a:gs>
-            <a:gs pos="100000">
-              <a:schemeClr val="bg2"/>
-            </a:gs>
-          </a:gsLst>
-          <a:lin ang="5400000" scaled="1"/>
-        </a:gradFill>
-        <a:effectLst/>
-      </p:bgPr>
-    </p:bg>
-    <p:spTree>
-      <p:nvGrpSpPr>
-        <p:cNvPr id="1" name=""/>
-        <p:cNvGrpSpPr/>
-        <p:nvPr/>
-      </p:nvGrpSpPr>
-      <p:grpSpPr>
-        <a:xfrm>
-          <a:off x="0" y="0"/>
-          <a:ext cx="0" cy="0"/>
-          <a:chOff x="0" y="0"/>
-          <a:chExt cx="0" cy="0"/>
-        </a:xfrm>
-      </p:grpSpPr>
-      <p:pic>
-        <p:nvPicPr>
-          <p:cNvPr id="7" name="Picture 8"/>
-          <p:cNvPicPr>
-            <a:picLocks noChangeAspect="1"/>
-          </p:cNvPicPr>
-          <p:nvPr/>
-        </p:nvPicPr>
-        <p:blipFill>
-          <a:blip r:embed="rId2">
-            <a:extLst>
-              <a:ext uri="{28A0092B-C50C-407E-A947-70E740481C1C}">
-                <a14:useLocalDpi xmlns:a14="http://schemas.microsoft.com/office/drawing/2010/main" val="0"/>
-              </a:ext>
-            </a:extLst>
-          </a:blip>
-          <a:srcRect/>
-          <a:stretch>
-            <a:fillRect/>
-          </a:stretch>
-        </p:blipFill>
-        <p:spPr bwMode="auto">
-          <a:xfrm>
-            <a:off x="603250" y="1336675"/>
-            <a:ext cx="412750" cy="571500"/>
-          </a:xfrm>
-          <a:prstGeom prst="rect">
-            <a:avLst/>
-          </a:prstGeom>
-          <a:noFill/>
-          <a:ln>
-            <a:noFill/>
-          </a:ln>
-          <a:extLst>
-            <a:ext uri="{909E8E84-426E-40dd-AFC4-6F175D3DCCD1}">
-              <a14:hiddenFill xmlns="" xmlns:a14="http://schemas.microsoft.com/office/drawing/2010/main">
-                <a:solidFill>
-                  <a:srgbClr val="FFFFFF"/>
-                </a:solidFill>
-              </a14:hiddenFill>
-            </a:ext>
-            <a:ext uri="{91240B29-F687-4f45-9708-019B960494DF}">
-              <a14:hiddenLine xmlns="" xmlns:a14="http://schemas.microsoft.com/office/drawing/2010/main" w="9525">
-                <a:solidFill>
-                  <a:srgbClr val="000000"/>
-                </a:solidFill>
-                <a:miter lim="800000"/>
-                <a:headEnd/>
-                <a:tailEnd/>
-              </a14:hiddenLine>
-            </a:ext>
-          </a:extLst>
-        </p:spPr>
-      </p:pic>
-      <p:sp>
-        <p:nvSpPr>
-          <p:cNvPr id="2" name="Title 1"/>
-          <p:cNvSpPr>
-            <a:spLocks noGrp="1"/>
-          </p:cNvSpPr>
-          <p:nvPr>
-            <p:ph type="title"/>
-          </p:nvPr>
-        </p:nvSpPr>
-        <p:spPr>
-          <a:xfrm>
-            <a:off x="609600" y="304800"/>
-            <a:ext cx="14935200" cy="827577"/>
-          </a:xfrm>
-        </p:spPr>
-        <p:txBody>
-          <a:bodyPr/>
-          <a:lstStyle>
-            <a:lvl1pPr>
-              <a:defRPr sz="5867"/>
-            </a:lvl1pPr>
-          </a:lstStyle>
-          <a:p>
-            <a:r>
-              <a:rPr lang="en-US" smtClean="0"/>
-              <a:t>Click to edit Master title style</a:t>
-            </a:r>
-            <a:endParaRPr lang="en-US" dirty="0"/>
-          </a:p>
-        </p:txBody>
-      </p:sp>
-      <p:sp>
-        <p:nvSpPr>
-          <p:cNvPr id="16" name="Content Placeholder 3"/>
-          <p:cNvSpPr>
-            <a:spLocks noGrp="1"/>
-          </p:cNvSpPr>
-          <p:nvPr>
-            <p:ph sz="quarter" idx="10" hasCustomPrompt="1"/>
-          </p:nvPr>
-        </p:nvSpPr>
-        <p:spPr>
-          <a:xfrm>
-            <a:off x="1121104" y="2113747"/>
-            <a:ext cx="14423693" cy="5951611"/>
-          </a:xfrm>
-          <a:prstGeom prst="rect">
-            <a:avLst/>
-          </a:prstGeom>
-          <a:ln w="12700">
-            <a:solidFill>
-              <a:schemeClr val="tx2"/>
-            </a:solidFill>
-            <a:prstDash val="dash"/>
-          </a:ln>
-        </p:spPr>
-        <p:txBody>
-          <a:bodyPr lIns="91440" tIns="45720" rIns="91440" bIns="45720">
-            <a:normAutofit/>
-          </a:bodyPr>
-          <a:lstStyle>
-            <a:lvl1pPr marL="0" marR="0" indent="0" algn="l" defTabSz="1219120" rtl="0" eaLnBrk="1" fontAlgn="auto" latinLnBrk="0" hangingPunct="1">
-              <a:lnSpc>
-                <a:spcPct val="100000"/>
-              </a:lnSpc>
-              <a:spcBef>
-                <a:spcPts val="800"/>
-              </a:spcBef>
-              <a:spcAft>
-                <a:spcPts val="0"/>
-              </a:spcAft>
-              <a:buClrTx/>
-              <a:buSzPct val="90000"/>
-              <a:buFont typeface="Arial" pitchFamily="34" charset="0"/>
-              <a:buNone/>
-              <a:tabLst/>
-              <a:defRPr sz="2800">
-                <a:latin typeface="Courier New" panose="02070309020205020404" pitchFamily="49" charset="0"/>
-                <a:cs typeface="Courier New" panose="02070309020205020404" pitchFamily="49" charset="0"/>
-              </a:defRPr>
-            </a:lvl1pPr>
-            <a:lvl2pPr>
-              <a:defRPr sz="3200"/>
-            </a:lvl2pPr>
-            <a:lvl3pPr>
-              <a:defRPr sz="3200"/>
-            </a:lvl3pPr>
-            <a:lvl4pPr>
-              <a:defRPr sz="3200"/>
-            </a:lvl4pPr>
-            <a:lvl5pPr>
-              <a:defRPr sz="3200"/>
-            </a:lvl5pPr>
-          </a:lstStyle>
-          <a:p>
-            <a:pPr lvl="0"/>
-            <a:r>
-              <a:rPr lang="en-US" dirty="0" smtClean="0"/>
-              <a:t>SOURCE</a:t>
-            </a:r>
-          </a:p>
-        </p:txBody>
-      </p:sp>
-      <p:sp>
-        <p:nvSpPr>
-          <p:cNvPr id="5" name="Text Placeholder 4"/>
-          <p:cNvSpPr>
-            <a:spLocks noGrp="1"/>
-          </p:cNvSpPr>
-          <p:nvPr>
-            <p:ph type="body" sz="quarter" idx="11" hasCustomPrompt="1"/>
-          </p:nvPr>
-        </p:nvSpPr>
-        <p:spPr>
-          <a:xfrm>
-            <a:off x="1121104" y="1337150"/>
-            <a:ext cx="14422528" cy="566391"/>
-          </a:xfrm>
-          <a:prstGeom prst="rect">
-            <a:avLst/>
-          </a:prstGeom>
-          <a:solidFill>
-            <a:schemeClr val="bg1">
-              <a:lumMod val="85000"/>
-              <a:alpha val="50000"/>
-            </a:schemeClr>
-          </a:solidFill>
-        </p:spPr>
-        <p:txBody>
-          <a:bodyPr lIns="91440" bIns="91440" anchor="ctr" anchorCtr="0">
-            <a:noAutofit/>
-          </a:bodyPr>
-          <a:lstStyle>
-            <a:lvl1pPr marL="0" indent="0">
-              <a:buNone/>
-              <a:defRPr sz="2800" b="1">
-                <a:latin typeface="Courier New" panose="02070309020205020404" pitchFamily="49" charset="0"/>
-                <a:cs typeface="Courier New" panose="02070309020205020404" pitchFamily="49" charset="0"/>
-              </a:defRPr>
-            </a:lvl1pPr>
-          </a:lstStyle>
-          <a:p>
-            <a:pPr lvl="0"/>
-            <a:r>
-              <a:rPr lang="en-US" dirty="0" smtClean="0"/>
-              <a:t>/</a:t>
-            </a:r>
-            <a:r>
-              <a:rPr lang="en-US" dirty="0" err="1" smtClean="0"/>
-              <a:t>filepath</a:t>
-            </a:r>
-            <a:r>
-              <a:rPr lang="en-US" dirty="0" smtClean="0"/>
-              <a:t>/</a:t>
-            </a:r>
-            <a:r>
-              <a:rPr lang="en-US" dirty="0" err="1" smtClean="0"/>
-              <a:t>file.rb</a:t>
-            </a:r>
-            <a:endParaRPr lang="en-US" dirty="0" smtClean="0"/>
-          </a:p>
-        </p:txBody>
-      </p:sp>
-      <p:sp>
-        <p:nvSpPr>
-          <p:cNvPr id="19" name="Text Placeholder 13"/>
-          <p:cNvSpPr>
-            <a:spLocks noGrp="1"/>
-          </p:cNvSpPr>
-          <p:nvPr>
-            <p:ph type="body" sz="quarter" idx="12" hasCustomPrompt="1"/>
-          </p:nvPr>
-        </p:nvSpPr>
-        <p:spPr>
-          <a:xfrm>
-            <a:off x="1124446" y="3538306"/>
-            <a:ext cx="14404273" cy="659007"/>
-          </a:xfrm>
-          <a:prstGeom prst="rect">
-            <a:avLst/>
-          </a:prstGeom>
-          <a:solidFill>
-            <a:srgbClr val="FF0000">
-              <a:alpha val="25000"/>
-            </a:srgbClr>
-          </a:solidFill>
-        </p:spPr>
-        <p:txBody>
-          <a:bodyPr rIns="91440" bIns="594360">
-            <a:noAutofit/>
-          </a:bodyPr>
-          <a:lstStyle>
-            <a:lvl1pPr marL="0" indent="0" algn="r">
-              <a:buFontTx/>
-              <a:buNone/>
-              <a:defRPr sz="4267">
-                <a:latin typeface="Courier New"/>
-                <a:cs typeface="Courier New"/>
-              </a:defRPr>
-            </a:lvl1pPr>
-          </a:lstStyle>
-          <a:p>
-            <a:pPr lvl="0"/>
-            <a:r>
-              <a:rPr lang="en-US" dirty="0" smtClean="0"/>
-              <a:t>-</a:t>
-            </a:r>
-          </a:p>
-        </p:txBody>
-      </p:sp>
-      <p:sp>
-        <p:nvSpPr>
-          <p:cNvPr id="20" name="Text Placeholder 13"/>
-          <p:cNvSpPr>
-            <a:spLocks noGrp="1"/>
-          </p:cNvSpPr>
-          <p:nvPr>
-            <p:ph type="body" sz="quarter" idx="13" hasCustomPrompt="1"/>
-          </p:nvPr>
-        </p:nvSpPr>
-        <p:spPr>
-          <a:xfrm>
-            <a:off x="1135042" y="4206982"/>
-            <a:ext cx="14404273" cy="626533"/>
-          </a:xfrm>
-          <a:prstGeom prst="rect">
-            <a:avLst/>
-          </a:prstGeom>
-          <a:solidFill>
-            <a:srgbClr val="008000">
-              <a:alpha val="25000"/>
-            </a:srgbClr>
-          </a:solidFill>
-        </p:spPr>
-        <p:txBody>
-          <a:bodyPr rIns="91440" bIns="594360">
-            <a:noAutofit/>
-          </a:bodyPr>
-          <a:lstStyle>
-            <a:lvl1pPr marL="0" indent="0" algn="r">
-              <a:buFontTx/>
-              <a:buNone/>
-              <a:defRPr sz="4267">
-                <a:latin typeface="Courier New"/>
-                <a:cs typeface="Courier New"/>
-              </a:defRPr>
-            </a:lvl1pPr>
-          </a:lstStyle>
-          <a:p>
-            <a:pPr lvl="0"/>
-            <a:r>
-              <a:rPr lang="en-US" dirty="0" smtClean="0"/>
-              <a:t>+</a:t>
-            </a:r>
-          </a:p>
-        </p:txBody>
-      </p:sp>
-    </p:spTree>
-    <p:extLst>
-      <p:ext uri="{BB962C8B-B14F-4D97-AF65-F5344CB8AC3E}">
-        <p14:creationId xmlns:p14="http://schemas.microsoft.com/office/powerpoint/2010/main" val="840416838"/>
-      </p:ext>
-    </p:extLst>
-  </p:cSld>
-  <p:clrMapOvr>
-    <a:overrideClrMapping bg1="lt1" tx1="dk1" bg2="lt2" tx2="dk2" accent1="accent1" accent2="accent2" accent3="accent3" accent4="accent4" accent5="accent5" accent6="accent6" hlink="hlink" folHlink="folHlink"/>
-  </p:clrMapOvr>
-  <p:transition spd="med">
-    <p:fade/>
-  </p:transition>
-</p:sldLayout>
-</file>
-
-<file path=ppt/slideLayouts/slideLayout25.xml><?xml version="1.0" encoding="utf-8"?>
-<p:sldLayout xmlns:a="http://schemas.openxmlformats.org/drawingml/2006/main" xmlns:r="http://schemas.openxmlformats.org/officeDocument/2006/relationships" xmlns:p="http://schemas.openxmlformats.org/presentationml/2006/main" userDrawn="1">
-  <p:cSld name="Comparison">
-    <p:bg>
-      <p:bgPr>
-        <a:gradFill>
-          <a:gsLst>
-            <a:gs pos="0">
-              <a:schemeClr val="bg2">
-                <a:lumMod val="95000"/>
-              </a:schemeClr>
-            </a:gs>
-            <a:gs pos="100000">
-              <a:schemeClr val="bg2"/>
-            </a:gs>
-          </a:gsLst>
-          <a:lin ang="5400000" scaled="1"/>
-        </a:gradFill>
-        <a:effectLst/>
-      </p:bgPr>
-    </p:bg>
-    <p:spTree>
-      <p:nvGrpSpPr>
-        <p:cNvPr id="1" name=""/>
-        <p:cNvGrpSpPr/>
-        <p:nvPr/>
-      </p:nvGrpSpPr>
-      <p:grpSpPr>
-        <a:xfrm>
-          <a:off x="0" y="0"/>
-          <a:ext cx="0" cy="0"/>
-          <a:chOff x="0" y="0"/>
-          <a:chExt cx="0" cy="0"/>
-        </a:xfrm>
-      </p:grpSpPr>
-      <p:sp>
-        <p:nvSpPr>
-          <p:cNvPr id="6" name="Rectangle 5"/>
-          <p:cNvSpPr/>
-          <p:nvPr/>
-        </p:nvSpPr>
-        <p:spPr bwMode="auto">
-          <a:xfrm>
-            <a:off x="0" y="0"/>
-            <a:ext cx="8089900" cy="9144000"/>
-          </a:xfrm>
-          <a:prstGeom prst="rect">
-            <a:avLst/>
-          </a:prstGeom>
-          <a:solidFill>
-            <a:schemeClr val="bg1">
-              <a:lumMod val="85000"/>
-              <a:alpha val="25000"/>
-            </a:schemeClr>
-          </a:solidFill>
-          <a:ln>
-            <a:noFill/>
-            <a:headEnd type="none" w="med" len="med"/>
-            <a:tailEnd type="none" w="med" len="med"/>
-          </a:ln>
-          <a:effectLst/>
-        </p:spPr>
-        <p:style>
-          <a:lnRef idx="1">
-            <a:schemeClr val="accent4"/>
-          </a:lnRef>
-          <a:fillRef idx="3">
-            <a:schemeClr val="accent4"/>
-          </a:fillRef>
-          <a:effectRef idx="2">
-            <a:schemeClr val="accent4"/>
-          </a:effectRef>
-          <a:fontRef idx="minor">
-            <a:schemeClr val="lt1"/>
-          </a:fontRef>
-        </p:style>
-        <p:txBody>
-          <a:bodyPr lIns="121915" tIns="60957" rIns="121915" bIns="60957" anchor="ctr"/>
-          <a:lstStyle/>
-          <a:p>
-            <a:pPr algn="ctr" defTabSz="1218768" fontAlgn="auto">
-              <a:spcBef>
-                <a:spcPts val="0"/>
-              </a:spcBef>
-              <a:spcAft>
-                <a:spcPts val="0"/>
-              </a:spcAft>
-              <a:defRPr/>
-            </a:pPr>
-            <a:endParaRPr lang="en-US" sz="3200" dirty="0">
-              <a:gradFill>
-                <a:gsLst>
-                  <a:gs pos="0">
-                    <a:srgbClr val="FFFFFF"/>
-                  </a:gs>
-                  <a:gs pos="100000">
-                    <a:srgbClr val="FFFFFF"/>
-                  </a:gs>
-                </a:gsLst>
-                <a:lin ang="5400000" scaled="0"/>
-              </a:gradFill>
-            </a:endParaRPr>
-          </a:p>
-        </p:txBody>
-      </p:sp>
-      <p:sp>
-        <p:nvSpPr>
-          <p:cNvPr id="8" name="TextBox 9"/>
-          <p:cNvSpPr txBox="1">
-            <a:spLocks noChangeArrowheads="1"/>
-          </p:cNvSpPr>
-          <p:nvPr/>
-        </p:nvSpPr>
-        <p:spPr bwMode="white">
-          <a:xfrm>
-            <a:off x="5602288" y="554038"/>
-            <a:ext cx="1219200" cy="1219200"/>
-          </a:xfrm>
-          <a:prstGeom prst="rect">
-            <a:avLst/>
-          </a:prstGeom>
-          <a:noFill/>
-          <a:ln>
-            <a:noFill/>
-          </a:ln>
-          <a:extLst>
-            <a:ext uri="{909E8E84-426E-40dd-AFC4-6F175D3DCCD1}">
-              <a14:hiddenFill xmlns="" xmlns:a14="http://schemas.microsoft.com/office/drawing/2010/main">
-                <a:solidFill>
-                  <a:srgbClr val="FFFFFF"/>
-                </a:solidFill>
-              </a14:hiddenFill>
-            </a:ext>
-            <a:ext uri="{91240B29-F687-4f45-9708-019B960494DF}">
-              <a14:hiddenLine xmlns="" xmlns:a14="http://schemas.microsoft.com/office/drawing/2010/main" w="9525">
-                <a:solidFill>
-                  <a:srgbClr val="000000"/>
-                </a:solidFill>
-                <a:miter lim="800000"/>
-                <a:headEnd/>
-                <a:tailEnd/>
-              </a14:hiddenLine>
-            </a:ext>
-          </a:extLst>
-        </p:spPr>
-        <p:txBody>
-          <a:bodyPr wrap="none" lIns="121920" tIns="121920" rIns="121920" bIns="121920"/>
-          <a:lstStyle>
-            <a:lvl1pPr>
-              <a:defRPr sz="2400">
-                <a:solidFill>
-                  <a:schemeClr val="tx1"/>
-                </a:solidFill>
-                <a:latin typeface="Arial" charset="0"/>
-                <a:ea typeface="ＭＳ Ｐゴシック" charset="0"/>
-                <a:cs typeface="ＭＳ Ｐゴシック" charset="0"/>
-              </a:defRPr>
-            </a:lvl1pPr>
-            <a:lvl2pPr marL="742950" indent="-285750">
-              <a:defRPr sz="2400">
-                <a:solidFill>
-                  <a:schemeClr val="tx1"/>
-                </a:solidFill>
-                <a:latin typeface="Arial" charset="0"/>
-                <a:ea typeface="ＭＳ Ｐゴシック" charset="0"/>
-              </a:defRPr>
-            </a:lvl2pPr>
-            <a:lvl3pPr marL="1143000" indent="-228600">
-              <a:defRPr sz="2400">
-                <a:solidFill>
-                  <a:schemeClr val="tx1"/>
-                </a:solidFill>
-                <a:latin typeface="Arial" charset="0"/>
-                <a:ea typeface="ＭＳ Ｐゴシック" charset="0"/>
-              </a:defRPr>
-            </a:lvl3pPr>
-            <a:lvl4pPr marL="1600200" indent="-228600">
-              <a:defRPr sz="2400">
-                <a:solidFill>
-                  <a:schemeClr val="tx1"/>
-                </a:solidFill>
-                <a:latin typeface="Arial" charset="0"/>
-                <a:ea typeface="ＭＳ Ｐゴシック" charset="0"/>
-              </a:defRPr>
-            </a:lvl4pPr>
-            <a:lvl5pPr marL="2057400" indent="-228600">
-              <a:defRPr sz="2400">
-                <a:solidFill>
-                  <a:schemeClr val="tx1"/>
-                </a:solidFill>
-                <a:latin typeface="Arial" charset="0"/>
-                <a:ea typeface="ＭＳ Ｐゴシック" charset="0"/>
-              </a:defRPr>
-            </a:lvl5pPr>
-            <a:lvl6pPr marL="2514600" indent="-228600" defTabSz="1217613" fontAlgn="base">
-              <a:spcBef>
-                <a:spcPct val="0"/>
-              </a:spcBef>
-              <a:spcAft>
-                <a:spcPct val="0"/>
-              </a:spcAft>
-              <a:defRPr sz="2400">
-                <a:solidFill>
-                  <a:schemeClr val="tx1"/>
-                </a:solidFill>
-                <a:latin typeface="Arial" charset="0"/>
-                <a:ea typeface="ＭＳ Ｐゴシック" charset="0"/>
-              </a:defRPr>
-            </a:lvl6pPr>
-            <a:lvl7pPr marL="2971800" indent="-228600" defTabSz="1217613" fontAlgn="base">
-              <a:spcBef>
-                <a:spcPct val="0"/>
-              </a:spcBef>
-              <a:spcAft>
-                <a:spcPct val="0"/>
-              </a:spcAft>
-              <a:defRPr sz="2400">
-                <a:solidFill>
-                  <a:schemeClr val="tx1"/>
-                </a:solidFill>
-                <a:latin typeface="Arial" charset="0"/>
-                <a:ea typeface="ＭＳ Ｐゴシック" charset="0"/>
-              </a:defRPr>
-            </a:lvl7pPr>
-            <a:lvl8pPr marL="3429000" indent="-228600" defTabSz="1217613" fontAlgn="base">
-              <a:spcBef>
-                <a:spcPct val="0"/>
-              </a:spcBef>
-              <a:spcAft>
-                <a:spcPct val="0"/>
-              </a:spcAft>
-              <a:defRPr sz="2400">
-                <a:solidFill>
-                  <a:schemeClr val="tx1"/>
-                </a:solidFill>
-                <a:latin typeface="Arial" charset="0"/>
-                <a:ea typeface="ＭＳ Ｐゴシック" charset="0"/>
-              </a:defRPr>
-            </a:lvl8pPr>
-            <a:lvl9pPr marL="3886200" indent="-228600" defTabSz="1217613" fontAlgn="base">
-              <a:spcBef>
-                <a:spcPct val="0"/>
-              </a:spcBef>
-              <a:spcAft>
-                <a:spcPct val="0"/>
-              </a:spcAft>
-              <a:defRPr sz="2400">
-                <a:solidFill>
-                  <a:schemeClr val="tx1"/>
-                </a:solidFill>
-                <a:latin typeface="Arial" charset="0"/>
-                <a:ea typeface="ＭＳ Ｐゴシック" charset="0"/>
-              </a:defRPr>
-            </a:lvl9pPr>
-          </a:lstStyle>
-          <a:p>
-            <a:endParaRPr lang="en-US" sz="3200"/>
-          </a:p>
-        </p:txBody>
-      </p:sp>
-      <p:sp>
-        <p:nvSpPr>
-          <p:cNvPr id="10" name="TextBox 10"/>
-          <p:cNvSpPr txBox="1">
-            <a:spLocks noChangeArrowheads="1"/>
-          </p:cNvSpPr>
-          <p:nvPr/>
-        </p:nvSpPr>
-        <p:spPr bwMode="white">
-          <a:xfrm>
-            <a:off x="8610600" y="530225"/>
-            <a:ext cx="1219200" cy="1219200"/>
-          </a:xfrm>
-          <a:prstGeom prst="rect">
-            <a:avLst/>
-          </a:prstGeom>
-          <a:noFill/>
-          <a:ln>
-            <a:noFill/>
-          </a:ln>
-          <a:extLst>
-            <a:ext uri="{909E8E84-426E-40dd-AFC4-6F175D3DCCD1}">
-              <a14:hiddenFill xmlns="" xmlns:a14="http://schemas.microsoft.com/office/drawing/2010/main">
-                <a:solidFill>
-                  <a:srgbClr val="FFFFFF"/>
-                </a:solidFill>
-              </a14:hiddenFill>
-            </a:ext>
-            <a:ext uri="{91240B29-F687-4f45-9708-019B960494DF}">
-              <a14:hiddenLine xmlns="" xmlns:a14="http://schemas.microsoft.com/office/drawing/2010/main" w="9525">
-                <a:solidFill>
-                  <a:srgbClr val="000000"/>
-                </a:solidFill>
-                <a:miter lim="800000"/>
-                <a:headEnd/>
-                <a:tailEnd/>
-              </a14:hiddenLine>
-            </a:ext>
-          </a:extLst>
-        </p:spPr>
-        <p:txBody>
-          <a:bodyPr wrap="none" lIns="121920" tIns="121920" rIns="121920" bIns="121920"/>
-          <a:lstStyle>
-            <a:lvl1pPr>
-              <a:defRPr sz="2400">
-                <a:solidFill>
-                  <a:schemeClr val="tx1"/>
-                </a:solidFill>
-                <a:latin typeface="Arial" charset="0"/>
-                <a:ea typeface="ＭＳ Ｐゴシック" charset="0"/>
-                <a:cs typeface="ＭＳ Ｐゴシック" charset="0"/>
-              </a:defRPr>
-            </a:lvl1pPr>
-            <a:lvl2pPr marL="742950" indent="-285750">
-              <a:defRPr sz="2400">
-                <a:solidFill>
-                  <a:schemeClr val="tx1"/>
-                </a:solidFill>
-                <a:latin typeface="Arial" charset="0"/>
-                <a:ea typeface="ＭＳ Ｐゴシック" charset="0"/>
-              </a:defRPr>
-            </a:lvl2pPr>
-            <a:lvl3pPr marL="1143000" indent="-228600">
-              <a:defRPr sz="2400">
-                <a:solidFill>
-                  <a:schemeClr val="tx1"/>
-                </a:solidFill>
-                <a:latin typeface="Arial" charset="0"/>
-                <a:ea typeface="ＭＳ Ｐゴシック" charset="0"/>
-              </a:defRPr>
-            </a:lvl3pPr>
-            <a:lvl4pPr marL="1600200" indent="-228600">
-              <a:defRPr sz="2400">
-                <a:solidFill>
-                  <a:schemeClr val="tx1"/>
-                </a:solidFill>
-                <a:latin typeface="Arial" charset="0"/>
-                <a:ea typeface="ＭＳ Ｐゴシック" charset="0"/>
-              </a:defRPr>
-            </a:lvl4pPr>
-            <a:lvl5pPr marL="2057400" indent="-228600">
-              <a:defRPr sz="2400">
-                <a:solidFill>
-                  <a:schemeClr val="tx1"/>
-                </a:solidFill>
-                <a:latin typeface="Arial" charset="0"/>
-                <a:ea typeface="ＭＳ Ｐゴシック" charset="0"/>
-              </a:defRPr>
-            </a:lvl5pPr>
-            <a:lvl6pPr marL="2514600" indent="-228600" defTabSz="1217613" fontAlgn="base">
-              <a:spcBef>
-                <a:spcPct val="0"/>
-              </a:spcBef>
-              <a:spcAft>
-                <a:spcPct val="0"/>
-              </a:spcAft>
-              <a:defRPr sz="2400">
-                <a:solidFill>
-                  <a:schemeClr val="tx1"/>
-                </a:solidFill>
-                <a:latin typeface="Arial" charset="0"/>
-                <a:ea typeface="ＭＳ Ｐゴシック" charset="0"/>
-              </a:defRPr>
-            </a:lvl6pPr>
-            <a:lvl7pPr marL="2971800" indent="-228600" defTabSz="1217613" fontAlgn="base">
-              <a:spcBef>
-                <a:spcPct val="0"/>
-              </a:spcBef>
-              <a:spcAft>
-                <a:spcPct val="0"/>
-              </a:spcAft>
-              <a:defRPr sz="2400">
-                <a:solidFill>
-                  <a:schemeClr val="tx1"/>
-                </a:solidFill>
-                <a:latin typeface="Arial" charset="0"/>
-                <a:ea typeface="ＭＳ Ｐゴシック" charset="0"/>
-              </a:defRPr>
-            </a:lvl7pPr>
-            <a:lvl8pPr marL="3429000" indent="-228600" defTabSz="1217613" fontAlgn="base">
-              <a:spcBef>
-                <a:spcPct val="0"/>
-              </a:spcBef>
-              <a:spcAft>
-                <a:spcPct val="0"/>
-              </a:spcAft>
-              <a:defRPr sz="2400">
-                <a:solidFill>
-                  <a:schemeClr val="tx1"/>
-                </a:solidFill>
-                <a:latin typeface="Arial" charset="0"/>
-                <a:ea typeface="ＭＳ Ｐゴシック" charset="0"/>
-              </a:defRPr>
-            </a:lvl8pPr>
-            <a:lvl9pPr marL="3886200" indent="-228600" defTabSz="1217613" fontAlgn="base">
-              <a:spcBef>
-                <a:spcPct val="0"/>
-              </a:spcBef>
-              <a:spcAft>
-                <a:spcPct val="0"/>
-              </a:spcAft>
-              <a:defRPr sz="2400">
-                <a:solidFill>
-                  <a:schemeClr val="tx1"/>
-                </a:solidFill>
-                <a:latin typeface="Arial" charset="0"/>
-                <a:ea typeface="ＭＳ Ｐゴシック" charset="0"/>
-              </a:defRPr>
-            </a:lvl9pPr>
-          </a:lstStyle>
-          <a:p>
-            <a:endParaRPr lang="en-US" sz="3200"/>
-          </a:p>
-        </p:txBody>
-      </p:sp>
-      <p:cxnSp>
-        <p:nvCxnSpPr>
-          <p:cNvPr id="11" name="Straight Connector 10"/>
-          <p:cNvCxnSpPr/>
-          <p:nvPr/>
-        </p:nvCxnSpPr>
-        <p:spPr>
-          <a:xfrm flipV="1">
-            <a:off x="617538" y="1171575"/>
-            <a:ext cx="7312025" cy="9525"/>
-          </a:xfrm>
-          <a:prstGeom prst="line">
-            <a:avLst/>
-          </a:prstGeom>
-          <a:effectLst/>
-        </p:spPr>
-        <p:style>
-          <a:lnRef idx="2">
-            <a:schemeClr val="accent1"/>
-          </a:lnRef>
-          <a:fillRef idx="0">
-            <a:schemeClr val="accent1"/>
-          </a:fillRef>
-          <a:effectRef idx="1">
-            <a:schemeClr val="accent1"/>
-          </a:effectRef>
-          <a:fontRef idx="minor">
-            <a:schemeClr val="tx1"/>
-          </a:fontRef>
-        </p:style>
-      </p:cxnSp>
-      <p:cxnSp>
-        <p:nvCxnSpPr>
-          <p:cNvPr id="12" name="Straight Connector 11"/>
-          <p:cNvCxnSpPr/>
-          <p:nvPr/>
-        </p:nvCxnSpPr>
-        <p:spPr>
-          <a:xfrm flipV="1">
-            <a:off x="8235950" y="1179513"/>
-            <a:ext cx="7308850" cy="1587"/>
-          </a:xfrm>
-          <a:prstGeom prst="line">
-            <a:avLst/>
-          </a:prstGeom>
-          <a:effectLst/>
-        </p:spPr>
-        <p:style>
-          <a:lnRef idx="2">
-            <a:schemeClr val="accent1"/>
-          </a:lnRef>
-          <a:fillRef idx="0">
-            <a:schemeClr val="accent1"/>
-          </a:fillRef>
-          <a:effectRef idx="1">
-            <a:schemeClr val="accent1"/>
-          </a:effectRef>
-          <a:fontRef idx="minor">
-            <a:schemeClr val="tx1"/>
-          </a:fontRef>
-        </p:style>
-      </p:cxnSp>
-      <p:sp>
-        <p:nvSpPr>
-          <p:cNvPr id="7" name="Content Placeholder 5"/>
-          <p:cNvSpPr>
-            <a:spLocks noGrp="1"/>
-          </p:cNvSpPr>
-          <p:nvPr>
-            <p:ph sz="quarter" idx="14"/>
-          </p:nvPr>
-        </p:nvSpPr>
-        <p:spPr>
-          <a:xfrm>
-            <a:off x="612485" y="1358867"/>
-            <a:ext cx="7310968" cy="6667827"/>
-          </a:xfrm>
-          <a:prstGeom prst="rect">
-            <a:avLst/>
-          </a:prstGeom>
-        </p:spPr>
-        <p:txBody>
-          <a:bodyPr lIns="91440" tIns="91440">
-            <a:normAutofit/>
-          </a:bodyPr>
-          <a:lstStyle>
-            <a:lvl1pPr>
-              <a:defRPr sz="3200"/>
-            </a:lvl1pPr>
-            <a:lvl2pPr>
-              <a:defRPr sz="2800"/>
-            </a:lvl2pPr>
-            <a:lvl3pPr>
-              <a:defRPr sz="2400"/>
-            </a:lvl3pPr>
-            <a:lvl4pPr>
-              <a:defRPr sz="3200"/>
-            </a:lvl4pPr>
-            <a:lvl5pPr>
-              <a:defRPr sz="3200"/>
-            </a:lvl5pPr>
-          </a:lstStyle>
-          <a:p>
-            <a:pPr lvl="0"/>
-            <a:r>
-              <a:rPr lang="en-US" smtClean="0"/>
-              <a:t>Click to edit Master text styles</a:t>
-            </a:r>
-          </a:p>
-          <a:p>
-            <a:pPr lvl="1"/>
-            <a:r>
-              <a:rPr lang="en-US" smtClean="0"/>
-              <a:t>Second level</a:t>
-            </a:r>
-          </a:p>
-          <a:p>
-            <a:pPr lvl="2"/>
-            <a:r>
-              <a:rPr lang="en-US" smtClean="0"/>
-              <a:t>Third level</a:t>
-            </a:r>
-          </a:p>
-        </p:txBody>
-      </p:sp>
-      <p:sp>
-        <p:nvSpPr>
-          <p:cNvPr id="9" name="Content Placeholder 5"/>
-          <p:cNvSpPr>
-            <a:spLocks noGrp="1"/>
-          </p:cNvSpPr>
-          <p:nvPr>
-            <p:ph sz="quarter" idx="12"/>
-          </p:nvPr>
-        </p:nvSpPr>
-        <p:spPr>
-          <a:xfrm>
-            <a:off x="8233833" y="1348277"/>
-            <a:ext cx="7310968" cy="6662136"/>
-          </a:xfrm>
-          <a:prstGeom prst="rect">
-            <a:avLst/>
-          </a:prstGeom>
-        </p:spPr>
-        <p:txBody>
-          <a:bodyPr lIns="91440" tIns="91440">
-            <a:normAutofit/>
-          </a:bodyPr>
-          <a:lstStyle>
-            <a:lvl1pPr>
-              <a:defRPr sz="3200"/>
-            </a:lvl1pPr>
-            <a:lvl2pPr>
-              <a:defRPr sz="2800"/>
-            </a:lvl2pPr>
-            <a:lvl3pPr>
-              <a:defRPr sz="2400"/>
-            </a:lvl3pPr>
-            <a:lvl4pPr>
-              <a:defRPr sz="3200"/>
-            </a:lvl4pPr>
-            <a:lvl5pPr>
-              <a:defRPr sz="3200"/>
-            </a:lvl5pPr>
-          </a:lstStyle>
-          <a:p>
-            <a:pPr lvl="0"/>
-            <a:r>
-              <a:rPr lang="en-US" smtClean="0"/>
-              <a:t>Click to edit Master text styles</a:t>
-            </a:r>
-          </a:p>
-          <a:p>
-            <a:pPr lvl="1"/>
-            <a:r>
-              <a:rPr lang="en-US" smtClean="0"/>
-              <a:t>Second level</a:t>
-            </a:r>
-          </a:p>
-          <a:p>
-            <a:pPr lvl="2"/>
-            <a:r>
-              <a:rPr lang="en-US" smtClean="0"/>
-              <a:t>Third level</a:t>
-            </a:r>
-          </a:p>
-        </p:txBody>
-      </p:sp>
-      <p:sp>
-        <p:nvSpPr>
-          <p:cNvPr id="15" name="Text Placeholder 14"/>
-          <p:cNvSpPr>
-            <a:spLocks noGrp="1"/>
-          </p:cNvSpPr>
-          <p:nvPr>
-            <p:ph type="body" sz="quarter" idx="15" hasCustomPrompt="1"/>
-          </p:nvPr>
-        </p:nvSpPr>
-        <p:spPr>
-          <a:xfrm>
-            <a:off x="593330" y="268017"/>
-            <a:ext cx="7376583" cy="836083"/>
-          </a:xfrm>
-          <a:prstGeom prst="rect">
-            <a:avLst/>
-          </a:prstGeom>
-        </p:spPr>
-        <p:txBody>
-          <a:bodyPr anchor="ctr">
-            <a:noAutofit/>
-          </a:bodyPr>
-          <a:lstStyle>
-            <a:lvl1pPr marL="0" indent="0" algn="ctr">
-              <a:buFontTx/>
-              <a:buNone/>
-              <a:defRPr sz="5867" b="1" i="0" baseline="0">
-                <a:solidFill>
-                  <a:schemeClr val="accent1"/>
-                </a:solidFill>
-              </a:defRPr>
-            </a:lvl1pPr>
-          </a:lstStyle>
-          <a:p>
-            <a:pPr lvl="0"/>
-            <a:r>
-              <a:rPr lang="en-US" dirty="0" smtClean="0"/>
-              <a:t>A</a:t>
-            </a:r>
-          </a:p>
-        </p:txBody>
-      </p:sp>
-      <p:sp>
-        <p:nvSpPr>
-          <p:cNvPr id="19" name="Text Placeholder 14"/>
-          <p:cNvSpPr>
-            <a:spLocks noGrp="1"/>
-          </p:cNvSpPr>
-          <p:nvPr>
-            <p:ph type="body" sz="quarter" idx="16" hasCustomPrompt="1"/>
-          </p:nvPr>
-        </p:nvSpPr>
-        <p:spPr>
-          <a:xfrm>
-            <a:off x="8204722" y="259541"/>
-            <a:ext cx="7376583" cy="836083"/>
-          </a:xfrm>
-          <a:prstGeom prst="rect">
-            <a:avLst/>
-          </a:prstGeom>
-        </p:spPr>
-        <p:txBody>
-          <a:bodyPr anchor="ctr">
-            <a:noAutofit/>
-          </a:bodyPr>
-          <a:lstStyle>
-            <a:lvl1pPr marL="0" indent="0" algn="ctr">
-              <a:buFontTx/>
-              <a:buNone/>
-              <a:defRPr sz="5867" b="1" i="0" baseline="0">
-                <a:solidFill>
-                  <a:schemeClr val="accent1"/>
-                </a:solidFill>
-              </a:defRPr>
-            </a:lvl1pPr>
-          </a:lstStyle>
-          <a:p>
-            <a:pPr lvl="0"/>
-            <a:r>
-              <a:rPr lang="en-US" dirty="0" smtClean="0"/>
-              <a:t>B</a:t>
-            </a:r>
-          </a:p>
-        </p:txBody>
-      </p:sp>
-    </p:spTree>
-    <p:extLst>
-      <p:ext uri="{BB962C8B-B14F-4D97-AF65-F5344CB8AC3E}">
-        <p14:creationId xmlns:p14="http://schemas.microsoft.com/office/powerpoint/2010/main" val="609591619"/>
-      </p:ext>
-    </p:extLst>
-  </p:cSld>
-  <p:clrMapOvr>
-    <a:overrideClrMapping bg1="lt1" tx1="dk1" bg2="lt2" tx2="dk2" accent1="accent1" accent2="accent2" accent3="accent3" accent4="accent4" accent5="accent5" accent6="accent6" hlink="hlink" folHlink="folHlink"/>
-  </p:clrMapOvr>
-  <p:transition spd="med">
-    <p:fade/>
-  </p:transition>
-</p:sldLayout>
-</file>
-
 <file path=ppt/slideLayouts/slideLayout3.xml><?xml version="1.0" encoding="utf-8"?>
 <p:sldLayout xmlns:a="http://schemas.openxmlformats.org/drawingml/2006/main" xmlns:r="http://schemas.openxmlformats.org/officeDocument/2006/relationships" xmlns:p="http://schemas.openxmlformats.org/presentationml/2006/main" preserve="1" userDrawn="1">
   <p:cSld name="Command - Black">
@@ -13337,14 +11271,14 @@
           </a:ln>
           <a:extLst>
             <a:ext uri="{909E8E84-426E-40dd-AFC4-6F175D3DCCD1}">
-              <a14:hiddenFill xmlns="" xmlns:a14="http://schemas.microsoft.com/office/drawing/2010/main">
+              <a14:hiddenFill xmlns:a14="http://schemas.microsoft.com/office/drawing/2010/main" xmlns="">
                 <a:solidFill>
                   <a:srgbClr val="FFFFFF"/>
                 </a:solidFill>
               </a14:hiddenFill>
             </a:ext>
             <a:ext uri="{91240B29-F687-4f45-9708-019B960494DF}">
-              <a14:hiddenLine xmlns="" xmlns:a14="http://schemas.microsoft.com/office/drawing/2010/main" w="9525">
+              <a14:hiddenLine xmlns:a14="http://schemas.microsoft.com/office/drawing/2010/main" xmlns="" w="9525">
                 <a:solidFill>
                   <a:srgbClr val="000000"/>
                 </a:solidFill>
@@ -13436,7 +11370,7 @@
               <a:buFont typeface="Arial" pitchFamily="34" charset="0"/>
               <a:buNone/>
               <a:tabLst/>
-              <a:defRPr sz="2800">
+              <a:defRPr sz="2800" b="1">
                 <a:solidFill>
                   <a:srgbClr val="FFFFFF"/>
                 </a:solidFill>
@@ -13738,7 +11672,7 @@
               <a:buFont typeface="Wingdings" charset="0"/>
               <a:buNone/>
               <a:tabLst/>
-              <a:defRPr sz="2800" baseline="0">
+              <a:defRPr sz="2800" b="1" baseline="0">
                 <a:solidFill>
                   <a:schemeClr val="bg1"/>
                 </a:solidFill>
@@ -13902,14 +11836,14 @@
           </a:ln>
           <a:extLst>
             <a:ext uri="{909E8E84-426E-40dd-AFC4-6F175D3DCCD1}">
-              <a14:hiddenFill xmlns="" xmlns:a14="http://schemas.microsoft.com/office/drawing/2010/main">
+              <a14:hiddenFill xmlns:a14="http://schemas.microsoft.com/office/drawing/2010/main" xmlns="">
                 <a:solidFill>
                   <a:srgbClr val="FFFFFF"/>
                 </a:solidFill>
               </a14:hiddenFill>
             </a:ext>
             <a:ext uri="{91240B29-F687-4f45-9708-019B960494DF}">
-              <a14:hiddenLine xmlns="" xmlns:a14="http://schemas.microsoft.com/office/drawing/2010/main" w="9525">
+              <a14:hiddenLine xmlns:a14="http://schemas.microsoft.com/office/drawing/2010/main" xmlns="" w="9525">
                 <a:solidFill>
                   <a:srgbClr val="000000"/>
                 </a:solidFill>
@@ -14035,7 +11969,7 @@
               <a:buFont typeface="Arial" pitchFamily="34" charset="0"/>
               <a:buNone/>
               <a:tabLst/>
-              <a:defRPr sz="2800">
+              <a:defRPr sz="2800" b="1">
                 <a:solidFill>
                   <a:srgbClr val="FFFFFF"/>
                 </a:solidFill>
@@ -14312,7 +12246,7 @@
               <a:buFont typeface="Arial" pitchFamily="34" charset="0"/>
               <a:buNone/>
               <a:tabLst/>
-              <a:defRPr sz="3200" baseline="0">
+              <a:defRPr sz="3200" b="1" baseline="0">
                 <a:solidFill>
                   <a:schemeClr val="bg1"/>
                 </a:solidFill>
@@ -14476,14 +12410,14 @@
           </a:ln>
           <a:extLst>
             <a:ext uri="{909E8E84-426E-40dd-AFC4-6F175D3DCCD1}">
-              <a14:hiddenFill xmlns="" xmlns:a14="http://schemas.microsoft.com/office/drawing/2010/main">
+              <a14:hiddenFill xmlns:a14="http://schemas.microsoft.com/office/drawing/2010/main" xmlns="">
                 <a:solidFill>
                   <a:srgbClr val="FFFFFF"/>
                 </a:solidFill>
               </a14:hiddenFill>
             </a:ext>
             <a:ext uri="{91240B29-F687-4f45-9708-019B960494DF}">
-              <a14:hiddenLine xmlns="" xmlns:a14="http://schemas.microsoft.com/office/drawing/2010/main" w="9525">
+              <a14:hiddenLine xmlns:a14="http://schemas.microsoft.com/office/drawing/2010/main" xmlns="" w="9525">
                 <a:solidFill>
                   <a:srgbClr val="000000"/>
                 </a:solidFill>
@@ -14569,7 +12503,7 @@
               <a:buFont typeface="Arial" pitchFamily="34" charset="0"/>
               <a:buNone/>
               <a:tabLst/>
-              <a:defRPr sz="2800">
+              <a:defRPr sz="2800" b="1">
                 <a:latin typeface="Courier New" panose="02070309020205020404" pitchFamily="49" charset="0"/>
                 <a:cs typeface="Courier New" panose="02070309020205020404" pitchFamily="49" charset="0"/>
               </a:defRPr>
@@ -14866,7 +12800,7 @@
               <a:buFont typeface="Arial" pitchFamily="34" charset="0"/>
               <a:buNone/>
               <a:tabLst/>
-              <a:defRPr sz="2800" baseline="0">
+              <a:defRPr sz="2800" b="1" baseline="0">
                 <a:latin typeface="Courier New" panose="02070309020205020404" pitchFamily="49" charset="0"/>
                 <a:cs typeface="Courier New" panose="02070309020205020404" pitchFamily="49" charset="0"/>
               </a:defRPr>
@@ -15094,7 +13028,7 @@
               <a:buFont typeface="Arial" pitchFamily="34" charset="0"/>
               <a:buNone/>
               <a:tabLst/>
-              <a:defRPr sz="2800">
+              <a:defRPr sz="2800" b="1">
                 <a:latin typeface="Courier New" panose="02070309020205020404" pitchFamily="49" charset="0"/>
                 <a:cs typeface="Courier New" panose="02070309020205020404" pitchFamily="49" charset="0"/>
               </a:defRPr>
@@ -15397,7 +13331,7 @@
           <p:nvPr/>
         </p:nvPicPr>
         <p:blipFill>
-          <a:blip r:embed="rId17">
+          <a:blip r:embed="rId14">
             <a:extLst>
               <a:ext uri="{28A0092B-C50C-407E-A947-70E740481C1C}">
                 <a14:useLocalDpi xmlns:a14="http://schemas.microsoft.com/office/drawing/2010/main" val="0"/>
@@ -15423,14 +13357,14 @@
           </a:ln>
           <a:extLst>
             <a:ext uri="{909E8E84-426E-40dd-AFC4-6F175D3DCCD1}">
-              <a14:hiddenFill xmlns="" xmlns:a14="http://schemas.microsoft.com/office/drawing/2010/main">
+              <a14:hiddenFill xmlns:a14="http://schemas.microsoft.com/office/drawing/2010/main" xmlns="">
                 <a:solidFill>
                   <a:srgbClr val="FFFFFF"/>
                 </a:solidFill>
               </a14:hiddenFill>
             </a:ext>
             <a:ext uri="{91240B29-F687-4f45-9708-019B960494DF}">
-              <a14:hiddenLine xmlns="" xmlns:a14="http://schemas.microsoft.com/office/drawing/2010/main" w="9525">
+              <a14:hiddenLine xmlns:a14="http://schemas.microsoft.com/office/drawing/2010/main" xmlns="" w="9525">
                 <a:solidFill>
                   <a:srgbClr val="000000"/>
                 </a:solidFill>
@@ -15679,9 +13613,6 @@
     <p:sldLayoutId id="2147483840" r:id="rId10"/>
     <p:sldLayoutId id="2147483841" r:id="rId11"/>
     <p:sldLayoutId id="2147483843" r:id="rId12"/>
-    <p:sldLayoutId id="2147483867" r:id="rId13"/>
-    <p:sldLayoutId id="2147483868" r:id="rId14"/>
-    <p:sldLayoutId id="2147483870" r:id="rId15"/>
   </p:sldLayoutIdLst>
   <p:transition spd="med">
     <p:fade/>
@@ -16191,7 +14122,7 @@
           <p:nvPr/>
         </p:nvPicPr>
         <p:blipFill>
-          <a:blip r:embed="rId12">
+          <a:blip r:embed="rId10">
             <a:extLst>
               <a:ext uri="{28A0092B-C50C-407E-A947-70E740481C1C}">
                 <a14:useLocalDpi xmlns:a14="http://schemas.microsoft.com/office/drawing/2010/main" val="0"/>
@@ -16217,14 +14148,14 @@
           </a:ln>
           <a:extLst>
             <a:ext uri="{909E8E84-426E-40dd-AFC4-6F175D3DCCD1}">
-              <a14:hiddenFill xmlns="" xmlns:a14="http://schemas.microsoft.com/office/drawing/2010/main">
+              <a14:hiddenFill xmlns:a14="http://schemas.microsoft.com/office/drawing/2010/main" xmlns="">
                 <a:solidFill>
                   <a:srgbClr val="FFFFFF"/>
                 </a:solidFill>
               </a14:hiddenFill>
             </a:ext>
             <a:ext uri="{91240B29-F687-4f45-9708-019B960494DF}">
-              <a14:hiddenLine xmlns="" xmlns:a14="http://schemas.microsoft.com/office/drawing/2010/main" w="9525">
+              <a14:hiddenLine xmlns:a14="http://schemas.microsoft.com/office/drawing/2010/main" xmlns="" w="9525">
                 <a:solidFill>
                   <a:srgbClr val="000000"/>
                 </a:solidFill>
@@ -16544,8 +14475,6 @@
     <p:sldLayoutId id="2147483855" r:id="rId6"/>
     <p:sldLayoutId id="2147483856" r:id="rId7"/>
     <p:sldLayoutId id="2147483866" r:id="rId8"/>
-    <p:sldLayoutId id="2147483869" r:id="rId9"/>
-    <p:sldLayoutId id="2147483871" r:id="rId10"/>
   </p:sldLayoutIdLst>
   <p:transition spd="med">
     <p:fade/>
@@ -17012,7 +14941,11 @@
           <a:p>
             <a:r>
               <a:rPr lang="en-US" dirty="0" smtClean="0"/>
-              <a:t>Testing While Refactoring to Attributes</a:t>
+              <a:t>Testing </a:t>
+            </a:r>
+            <a:r>
+              <a:rPr lang="en-US" dirty="0" smtClean="0"/>
+              <a:t>While Refactoring to Attributes</a:t>
             </a:r>
             <a:endParaRPr lang="en-US" dirty="0"/>
           </a:p>
@@ -17076,7 +15009,7 @@
             </a:solidFill>
           </a:ln>
           <a:effectLst>
-            <a:outerShdw blurRad="50800" dist="38100" dir="2700000" algn="tl" rotWithShape="0">
+            <a:outerShdw blurRad="50800" dist="76200" dir="2700000" algn="tl" rotWithShape="0">
               <a:prstClr val="black">
                 <a:alpha val="40000"/>
               </a:prstClr>
@@ -18863,15 +16796,7 @@
             </a:pPr>
             <a:r>
               <a:rPr lang="en-US" dirty="0" smtClean="0"/>
-              <a:t>Use Pry </a:t>
-            </a:r>
-            <a:r>
-              <a:rPr lang="en-US" dirty="0" smtClean="0"/>
-              <a:t>to </a:t>
-            </a:r>
-            <a:r>
-              <a:rPr lang="en-US" dirty="0" smtClean="0"/>
-              <a:t>explore the current state of execution</a:t>
+              <a:t>Use Pry to explore the current state of execution</a:t>
             </a:r>
           </a:p>
           <a:p>
@@ -19233,7 +17158,6 @@
               <a:rPr lang="en-US" dirty="0"/>
               <a:t>Remove the breakpoint and restore the code</a:t>
             </a:r>
-            <a:endParaRPr lang="en-US" dirty="0"/>
           </a:p>
         </p:txBody>
       </p:sp>
@@ -19788,7 +17712,6 @@
               <a:rPr lang="en-US" dirty="0"/>
               <a:t>Remove the breakpoint and restore the code</a:t>
             </a:r>
-            <a:endParaRPr lang="en-US" dirty="0"/>
           </a:p>
         </p:txBody>
       </p:sp>
@@ -20604,11 +18527,6 @@
               </a:rPr>
               <a:t> :q</a:t>
             </a:r>
-            <a:endParaRPr lang="en-US" sz="2800" dirty="0" smtClean="0">
-              <a:solidFill>
-                <a:schemeClr val="bg1"/>
-              </a:solidFill>
-            </a:endParaRPr>
           </a:p>
         </p:txBody>
       </p:sp>
@@ -22972,11 +20890,7 @@
           <a:p>
             <a:r>
               <a:rPr lang="en-US" dirty="0" smtClean="0"/>
-              <a:t>Refactor </a:t>
-            </a:r>
-            <a:r>
-              <a:rPr lang="en-US" dirty="0" smtClean="0"/>
-              <a:t>Remaining Resources</a:t>
+              <a:t>Refactor Remaining Resources</a:t>
             </a:r>
             <a:endParaRPr lang="en-US" dirty="0"/>
           </a:p>
@@ -23019,21 +20933,8 @@
           <a:p>
             <a:r>
               <a:rPr lang="en-US" dirty="0" smtClean="0"/>
-              <a:t>Add </a:t>
-            </a:r>
-            <a:r>
-              <a:rPr lang="en-US" dirty="0" smtClean="0"/>
-              <a:t>the new </a:t>
-            </a:r>
-            <a:r>
-              <a:rPr lang="en-US" dirty="0" smtClean="0"/>
-              <a:t>Node </a:t>
-            </a:r>
-            <a:r>
-              <a:rPr lang="en-US" dirty="0" smtClean="0"/>
-              <a:t>attribute</a:t>
-            </a:r>
-            <a:endParaRPr lang="en-US" dirty="0" smtClean="0"/>
+              <a:t>Add the new Node attribute</a:t>
+            </a:r>
           </a:p>
           <a:p>
             <a:r>
@@ -24866,7 +22767,7 @@
           </a:lstStyle>
           <a:p>
             <a:r>
-              <a:rPr lang="en-US" sz="2400" dirty="0" smtClean="0">
+              <a:rPr lang="en-US" sz="2400" b="1" dirty="0" smtClean="0">
                 <a:latin typeface="Courier New" charset="0"/>
                 <a:ea typeface="Courier New" charset="0"/>
                 <a:cs typeface="Courier New" charset="0"/>
@@ -24874,7 +22775,7 @@
               <a:t>file '/</a:t>
             </a:r>
             <a:r>
-              <a:rPr lang="en-US" sz="2400" dirty="0" err="1" smtClean="0">
+              <a:rPr lang="en-US" sz="2400" b="1" dirty="0" err="1" smtClean="0">
                 <a:latin typeface="Courier New" charset="0"/>
                 <a:ea typeface="Courier New" charset="0"/>
                 <a:cs typeface="Courier New" charset="0"/>
@@ -24882,7 +22783,7 @@
               <a:t>var</a:t>
             </a:r>
             <a:r>
-              <a:rPr lang="en-US" sz="2400" dirty="0" smtClean="0">
+              <a:rPr lang="en-US" sz="2400" b="1" dirty="0" smtClean="0">
                 <a:latin typeface="Courier New" charset="0"/>
                 <a:ea typeface="Courier New" charset="0"/>
                 <a:cs typeface="Courier New" charset="0"/>
@@ -24890,7 +22791,7 @@
               <a:t>/www/html/</a:t>
             </a:r>
             <a:r>
-              <a:rPr lang="en-US" sz="2400" dirty="0" err="1" smtClean="0">
+              <a:rPr lang="en-US" sz="2400" b="1" dirty="0" err="1" smtClean="0">
                 <a:latin typeface="Courier New" charset="0"/>
                 <a:ea typeface="Courier New" charset="0"/>
                 <a:cs typeface="Courier New" charset="0"/>
@@ -24898,7 +22799,7 @@
               <a:t>index.html</a:t>
             </a:r>
             <a:r>
-              <a:rPr lang="en-US" sz="2400" dirty="0" smtClean="0">
+              <a:rPr lang="en-US" sz="2400" b="1" dirty="0" smtClean="0">
                 <a:latin typeface="Courier New" charset="0"/>
                 <a:ea typeface="Courier New" charset="0"/>
                 <a:cs typeface="Courier New" charset="0"/>
@@ -24908,14 +22809,14 @@
           </a:p>
           <a:p>
             <a:r>
-              <a:rPr lang="en-US" sz="2400" dirty="0" smtClean="0">
+              <a:rPr lang="en-US" sz="2400" b="1" dirty="0" smtClean="0">
                 <a:latin typeface="Courier New" charset="0"/>
                 <a:ea typeface="Courier New" charset="0"/>
                 <a:cs typeface="Courier New" charset="0"/>
               </a:rPr>
               <a:t>  content '&lt;h1&gt;Welcome Home&lt;/h1&gt;'</a:t>
             </a:r>
-            <a:endParaRPr lang="en-US" sz="2400" dirty="0">
+            <a:endParaRPr lang="en-US" sz="2400" b="1" dirty="0">
               <a:latin typeface="Courier New" charset="0"/>
               <a:ea typeface="Courier New" charset="0"/>
               <a:cs typeface="Courier New" charset="0"/>
@@ -24923,14 +22824,14 @@
           </a:p>
           <a:p>
             <a:r>
-              <a:rPr lang="en-US" sz="2400" dirty="0" smtClean="0">
+              <a:rPr lang="en-US" sz="2400" b="1" dirty="0" smtClean="0">
                 <a:latin typeface="Courier New" charset="0"/>
                 <a:ea typeface="Courier New" charset="0"/>
                 <a:cs typeface="Courier New" charset="0"/>
               </a:rPr>
               <a:t>end</a:t>
             </a:r>
-            <a:endParaRPr lang="en-US" sz="2400" dirty="0">
+            <a:endParaRPr lang="en-US" sz="2400" b="1" dirty="0">
               <a:latin typeface="Courier New" charset="0"/>
               <a:ea typeface="Courier New" charset="0"/>
               <a:cs typeface="Courier New" charset="0"/>
@@ -25517,21 +23418,8 @@
             </a:pPr>
             <a:r>
               <a:rPr lang="en-US" dirty="0" smtClean="0"/>
-              <a:t>Add </a:t>
-            </a:r>
-            <a:r>
-              <a:rPr lang="en-US" dirty="0" smtClean="0"/>
-              <a:t>the new </a:t>
-            </a:r>
-            <a:r>
-              <a:rPr lang="en-US" dirty="0" smtClean="0"/>
-              <a:t>Node </a:t>
-            </a:r>
-            <a:r>
-              <a:rPr lang="en-US" dirty="0" smtClean="0"/>
-              <a:t>attribute</a:t>
-            </a:r>
-            <a:endParaRPr lang="en-US" dirty="0" smtClean="0"/>
+              <a:t>Add the new Node attribute</a:t>
+            </a:r>
           </a:p>
           <a:p>
             <a:pPr>
@@ -26707,19 +24595,6 @@
               </a:rPr>
               <a:t>Load Cookbooks</a:t>
             </a:r>
-            <a:endParaRPr lang="en-US" sz="2000" b="1" dirty="0" smtClean="0">
-              <a:gradFill>
-                <a:gsLst>
-                  <a:gs pos="0">
-                    <a:srgbClr val="FFFFFF"/>
-                  </a:gs>
-                  <a:gs pos="100000">
-                    <a:srgbClr val="FFFFFF"/>
-                  </a:gs>
-                </a:gsLst>
-                <a:lin ang="5400000" scaled="0"/>
-              </a:gradFill>
-            </a:endParaRPr>
           </a:p>
         </p:txBody>
       </p:sp>
@@ -26941,19 +24816,6 @@
               </a:rPr>
               <a:t>cookbook defined attributes</a:t>
             </a:r>
-            <a:endParaRPr lang="en-US" sz="2000" dirty="0" smtClean="0">
-              <a:gradFill>
-                <a:gsLst>
-                  <a:gs pos="0">
-                    <a:srgbClr val="FFFFFF"/>
-                  </a:gs>
-                  <a:gs pos="100000">
-                    <a:srgbClr val="FFFFFF"/>
-                  </a:gs>
-                </a:gsLst>
-                <a:lin ang="5400000" scaled="0"/>
-              </a:gradFill>
-            </a:endParaRPr>
           </a:p>
         </p:txBody>
       </p:sp>

--- a/07-refactoring_to_attributes.pptx
+++ b/07-refactoring_to_attributes.pptx
@@ -7801,14 +7801,14 @@
           </a:ln>
           <a:extLst>
             <a:ext uri="{909E8E84-426E-40dd-AFC4-6F175D3DCCD1}">
-              <a14:hiddenFill xmlns:a14="http://schemas.microsoft.com/office/drawing/2010/main" xmlns="">
+              <a14:hiddenFill xmlns="" xmlns:a14="http://schemas.microsoft.com/office/drawing/2010/main">
                 <a:solidFill>
                   <a:srgbClr val="FFFFFF"/>
                 </a:solidFill>
               </a14:hiddenFill>
             </a:ext>
             <a:ext uri="{91240B29-F687-4f45-9708-019B960494DF}">
-              <a14:hiddenLine xmlns:a14="http://schemas.microsoft.com/office/drawing/2010/main" xmlns="" w="9525">
+              <a14:hiddenLine xmlns="" xmlns:a14="http://schemas.microsoft.com/office/drawing/2010/main" w="9525">
                 <a:solidFill>
                   <a:srgbClr val="000000"/>
                 </a:solidFill>
@@ -7956,14 +7956,14 @@
           </a:ln>
           <a:extLst>
             <a:ext uri="{909E8E84-426E-40dd-AFC4-6F175D3DCCD1}">
-              <a14:hiddenFill xmlns:a14="http://schemas.microsoft.com/office/drawing/2010/main" xmlns="">
+              <a14:hiddenFill xmlns="" xmlns:a14="http://schemas.microsoft.com/office/drawing/2010/main">
                 <a:solidFill>
                   <a:srgbClr val="FFFFFF"/>
                 </a:solidFill>
               </a14:hiddenFill>
             </a:ext>
             <a:ext uri="{91240B29-F687-4f45-9708-019B960494DF}">
-              <a14:hiddenLine xmlns:a14="http://schemas.microsoft.com/office/drawing/2010/main" xmlns="" w="9525">
+              <a14:hiddenLine xmlns="" xmlns:a14="http://schemas.microsoft.com/office/drawing/2010/main" w="9525">
                 <a:solidFill>
                   <a:srgbClr val="000000"/>
                 </a:solidFill>
@@ -8454,14 +8454,14 @@
           </a:ln>
           <a:extLst>
             <a:ext uri="{909E8E84-426E-40dd-AFC4-6F175D3DCCD1}">
-              <a14:hiddenFill xmlns:a14="http://schemas.microsoft.com/office/drawing/2010/main" xmlns="">
+              <a14:hiddenFill xmlns="" xmlns:a14="http://schemas.microsoft.com/office/drawing/2010/main">
                 <a:solidFill>
                   <a:srgbClr val="FFFFFF"/>
                 </a:solidFill>
               </a14:hiddenFill>
             </a:ext>
             <a:ext uri="{91240B29-F687-4f45-9708-019B960494DF}">
-              <a14:hiddenLine xmlns:a14="http://schemas.microsoft.com/office/drawing/2010/main" xmlns="" w="9525">
+              <a14:hiddenLine xmlns="" xmlns:a14="http://schemas.microsoft.com/office/drawing/2010/main" w="9525">
                 <a:solidFill>
                   <a:srgbClr val="000000"/>
                 </a:solidFill>
@@ -9910,14 +9910,14 @@
           </a:ln>
           <a:extLst>
             <a:ext uri="{909E8E84-426E-40dd-AFC4-6F175D3DCCD1}">
-              <a14:hiddenFill xmlns:a14="http://schemas.microsoft.com/office/drawing/2010/main" xmlns="">
+              <a14:hiddenFill xmlns="" xmlns:a14="http://schemas.microsoft.com/office/drawing/2010/main">
                 <a:solidFill>
                   <a:srgbClr val="FFFFFF"/>
                 </a:solidFill>
               </a14:hiddenFill>
             </a:ext>
             <a:ext uri="{91240B29-F687-4f45-9708-019B960494DF}">
-              <a14:hiddenLine xmlns:a14="http://schemas.microsoft.com/office/drawing/2010/main" xmlns="" w="9525">
+              <a14:hiddenLine xmlns="" xmlns:a14="http://schemas.microsoft.com/office/drawing/2010/main" w="9525">
                 <a:solidFill>
                   <a:srgbClr val="000000"/>
                 </a:solidFill>
@@ -11271,14 +11271,14 @@
           </a:ln>
           <a:extLst>
             <a:ext uri="{909E8E84-426E-40dd-AFC4-6F175D3DCCD1}">
-              <a14:hiddenFill xmlns:a14="http://schemas.microsoft.com/office/drawing/2010/main" xmlns="">
+              <a14:hiddenFill xmlns="" xmlns:a14="http://schemas.microsoft.com/office/drawing/2010/main">
                 <a:solidFill>
                   <a:srgbClr val="FFFFFF"/>
                 </a:solidFill>
               </a14:hiddenFill>
             </a:ext>
             <a:ext uri="{91240B29-F687-4f45-9708-019B960494DF}">
-              <a14:hiddenLine xmlns:a14="http://schemas.microsoft.com/office/drawing/2010/main" xmlns="" w="9525">
+              <a14:hiddenLine xmlns="" xmlns:a14="http://schemas.microsoft.com/office/drawing/2010/main" w="9525">
                 <a:solidFill>
                   <a:srgbClr val="000000"/>
                 </a:solidFill>
@@ -11836,14 +11836,14 @@
           </a:ln>
           <a:extLst>
             <a:ext uri="{909E8E84-426E-40dd-AFC4-6F175D3DCCD1}">
-              <a14:hiddenFill xmlns:a14="http://schemas.microsoft.com/office/drawing/2010/main" xmlns="">
+              <a14:hiddenFill xmlns="" xmlns:a14="http://schemas.microsoft.com/office/drawing/2010/main">
                 <a:solidFill>
                   <a:srgbClr val="FFFFFF"/>
                 </a:solidFill>
               </a14:hiddenFill>
             </a:ext>
             <a:ext uri="{91240B29-F687-4f45-9708-019B960494DF}">
-              <a14:hiddenLine xmlns:a14="http://schemas.microsoft.com/office/drawing/2010/main" xmlns="" w="9525">
+              <a14:hiddenLine xmlns="" xmlns:a14="http://schemas.microsoft.com/office/drawing/2010/main" w="9525">
                 <a:solidFill>
                   <a:srgbClr val="000000"/>
                 </a:solidFill>
@@ -12410,14 +12410,14 @@
           </a:ln>
           <a:extLst>
             <a:ext uri="{909E8E84-426E-40dd-AFC4-6F175D3DCCD1}">
-              <a14:hiddenFill xmlns:a14="http://schemas.microsoft.com/office/drawing/2010/main" xmlns="">
+              <a14:hiddenFill xmlns="" xmlns:a14="http://schemas.microsoft.com/office/drawing/2010/main">
                 <a:solidFill>
                   <a:srgbClr val="FFFFFF"/>
                 </a:solidFill>
               </a14:hiddenFill>
             </a:ext>
             <a:ext uri="{91240B29-F687-4f45-9708-019B960494DF}">
-              <a14:hiddenLine xmlns:a14="http://schemas.microsoft.com/office/drawing/2010/main" xmlns="" w="9525">
+              <a14:hiddenLine xmlns="" xmlns:a14="http://schemas.microsoft.com/office/drawing/2010/main" w="9525">
                 <a:solidFill>
                   <a:srgbClr val="000000"/>
                 </a:solidFill>
@@ -13357,14 +13357,14 @@
           </a:ln>
           <a:extLst>
             <a:ext uri="{909E8E84-426E-40dd-AFC4-6F175D3DCCD1}">
-              <a14:hiddenFill xmlns:a14="http://schemas.microsoft.com/office/drawing/2010/main" xmlns="">
+              <a14:hiddenFill xmlns="" xmlns:a14="http://schemas.microsoft.com/office/drawing/2010/main">
                 <a:solidFill>
                   <a:srgbClr val="FFFFFF"/>
                 </a:solidFill>
               </a14:hiddenFill>
             </a:ext>
             <a:ext uri="{91240B29-F687-4f45-9708-019B960494DF}">
-              <a14:hiddenLine xmlns:a14="http://schemas.microsoft.com/office/drawing/2010/main" xmlns="" w="9525">
+              <a14:hiddenLine xmlns="" xmlns:a14="http://schemas.microsoft.com/office/drawing/2010/main" w="9525">
                 <a:solidFill>
                   <a:srgbClr val="000000"/>
                 </a:solidFill>
@@ -14148,14 +14148,14 @@
           </a:ln>
           <a:extLst>
             <a:ext uri="{909E8E84-426E-40dd-AFC4-6F175D3DCCD1}">
-              <a14:hiddenFill xmlns:a14="http://schemas.microsoft.com/office/drawing/2010/main" xmlns="">
+              <a14:hiddenFill xmlns="" xmlns:a14="http://schemas.microsoft.com/office/drawing/2010/main">
                 <a:solidFill>
                   <a:srgbClr val="FFFFFF"/>
                 </a:solidFill>
               </a14:hiddenFill>
             </a:ext>
             <a:ext uri="{91240B29-F687-4f45-9708-019B960494DF}">
-              <a14:hiddenLine xmlns:a14="http://schemas.microsoft.com/office/drawing/2010/main" xmlns="" w="9525">
+              <a14:hiddenLine xmlns="" xmlns:a14="http://schemas.microsoft.com/office/drawing/2010/main" w="9525">
                 <a:solidFill>
                   <a:srgbClr val="000000"/>
                 </a:solidFill>
@@ -14941,11 +14941,7 @@
           <a:p>
             <a:r>
               <a:rPr lang="en-US" dirty="0" smtClean="0"/>
-              <a:t>Testing </a:t>
-            </a:r>
-            <a:r>
-              <a:rPr lang="en-US" dirty="0" smtClean="0"/>
-              <a:t>While Refactoring to Attributes</a:t>
+              <a:t>Testing While Refactoring to Attributes</a:t>
             </a:r>
             <a:endParaRPr lang="en-US" dirty="0"/>
           </a:p>

--- a/07-refactoring_to_attributes.pptx
+++ b/07-refactoring_to_attributes.pptx
@@ -318,7 +318,7 @@
               <a:pPr>
                 <a:defRPr/>
               </a:pPr>
-              <a:t>2016-02-27</a:t>
+              <a:t>2016-02-28</a:t>
             </a:fld>
             <a:endParaRPr lang="en-US" dirty="0"/>
           </a:p>
@@ -501,7 +501,7 @@
               <a:pPr>
                 <a:defRPr/>
               </a:pPr>
-              <a:t>2016-02-27</a:t>
+              <a:t>2016-02-28</a:t>
             </a:fld>
             <a:endParaRPr lang="en-US" dirty="0"/>
           </a:p>
@@ -7801,14 +7801,14 @@
           </a:ln>
           <a:extLst>
             <a:ext uri="{909E8E84-426E-40dd-AFC4-6F175D3DCCD1}">
-              <a14:hiddenFill xmlns="" xmlns:a14="http://schemas.microsoft.com/office/drawing/2010/main">
+              <a14:hiddenFill xmlns:a14="http://schemas.microsoft.com/office/drawing/2010/main" xmlns="">
                 <a:solidFill>
                   <a:srgbClr val="FFFFFF"/>
                 </a:solidFill>
               </a14:hiddenFill>
             </a:ext>
             <a:ext uri="{91240B29-F687-4f45-9708-019B960494DF}">
-              <a14:hiddenLine xmlns="" xmlns:a14="http://schemas.microsoft.com/office/drawing/2010/main" w="9525">
+              <a14:hiddenLine xmlns:a14="http://schemas.microsoft.com/office/drawing/2010/main" xmlns="" w="9525">
                 <a:solidFill>
                   <a:srgbClr val="000000"/>
                 </a:solidFill>
@@ -7956,14 +7956,14 @@
           </a:ln>
           <a:extLst>
             <a:ext uri="{909E8E84-426E-40dd-AFC4-6F175D3DCCD1}">
-              <a14:hiddenFill xmlns="" xmlns:a14="http://schemas.microsoft.com/office/drawing/2010/main">
+              <a14:hiddenFill xmlns:a14="http://schemas.microsoft.com/office/drawing/2010/main" xmlns="">
                 <a:solidFill>
                   <a:srgbClr val="FFFFFF"/>
                 </a:solidFill>
               </a14:hiddenFill>
             </a:ext>
             <a:ext uri="{91240B29-F687-4f45-9708-019B960494DF}">
-              <a14:hiddenLine xmlns="" xmlns:a14="http://schemas.microsoft.com/office/drawing/2010/main" w="9525">
+              <a14:hiddenLine xmlns:a14="http://schemas.microsoft.com/office/drawing/2010/main" xmlns="" w="9525">
                 <a:solidFill>
                   <a:srgbClr val="000000"/>
                 </a:solidFill>
@@ -8454,14 +8454,14 @@
           </a:ln>
           <a:extLst>
             <a:ext uri="{909E8E84-426E-40dd-AFC4-6F175D3DCCD1}">
-              <a14:hiddenFill xmlns="" xmlns:a14="http://schemas.microsoft.com/office/drawing/2010/main">
+              <a14:hiddenFill xmlns:a14="http://schemas.microsoft.com/office/drawing/2010/main" xmlns="">
                 <a:solidFill>
                   <a:srgbClr val="FFFFFF"/>
                 </a:solidFill>
               </a14:hiddenFill>
             </a:ext>
             <a:ext uri="{91240B29-F687-4f45-9708-019B960494DF}">
-              <a14:hiddenLine xmlns="" xmlns:a14="http://schemas.microsoft.com/office/drawing/2010/main" w="9525">
+              <a14:hiddenLine xmlns:a14="http://schemas.microsoft.com/office/drawing/2010/main" xmlns="" w="9525">
                 <a:solidFill>
                   <a:srgbClr val="000000"/>
                 </a:solidFill>
@@ -9910,14 +9910,14 @@
           </a:ln>
           <a:extLst>
             <a:ext uri="{909E8E84-426E-40dd-AFC4-6F175D3DCCD1}">
-              <a14:hiddenFill xmlns="" xmlns:a14="http://schemas.microsoft.com/office/drawing/2010/main">
+              <a14:hiddenFill xmlns:a14="http://schemas.microsoft.com/office/drawing/2010/main" xmlns="">
                 <a:solidFill>
                   <a:srgbClr val="FFFFFF"/>
                 </a:solidFill>
               </a14:hiddenFill>
             </a:ext>
             <a:ext uri="{91240B29-F687-4f45-9708-019B960494DF}">
-              <a14:hiddenLine xmlns="" xmlns:a14="http://schemas.microsoft.com/office/drawing/2010/main" w="9525">
+              <a14:hiddenLine xmlns:a14="http://schemas.microsoft.com/office/drawing/2010/main" xmlns="" w="9525">
                 <a:solidFill>
                   <a:srgbClr val="000000"/>
                 </a:solidFill>
@@ -11271,14 +11271,14 @@
           </a:ln>
           <a:extLst>
             <a:ext uri="{909E8E84-426E-40dd-AFC4-6F175D3DCCD1}">
-              <a14:hiddenFill xmlns="" xmlns:a14="http://schemas.microsoft.com/office/drawing/2010/main">
+              <a14:hiddenFill xmlns:a14="http://schemas.microsoft.com/office/drawing/2010/main" xmlns="">
                 <a:solidFill>
                   <a:srgbClr val="FFFFFF"/>
                 </a:solidFill>
               </a14:hiddenFill>
             </a:ext>
             <a:ext uri="{91240B29-F687-4f45-9708-019B960494DF}">
-              <a14:hiddenLine xmlns="" xmlns:a14="http://schemas.microsoft.com/office/drawing/2010/main" w="9525">
+              <a14:hiddenLine xmlns:a14="http://schemas.microsoft.com/office/drawing/2010/main" xmlns="" w="9525">
                 <a:solidFill>
                   <a:srgbClr val="000000"/>
                 </a:solidFill>
@@ -11836,14 +11836,14 @@
           </a:ln>
           <a:extLst>
             <a:ext uri="{909E8E84-426E-40dd-AFC4-6F175D3DCCD1}">
-              <a14:hiddenFill xmlns="" xmlns:a14="http://schemas.microsoft.com/office/drawing/2010/main">
+              <a14:hiddenFill xmlns:a14="http://schemas.microsoft.com/office/drawing/2010/main" xmlns="">
                 <a:solidFill>
                   <a:srgbClr val="FFFFFF"/>
                 </a:solidFill>
               </a14:hiddenFill>
             </a:ext>
             <a:ext uri="{91240B29-F687-4f45-9708-019B960494DF}">
-              <a14:hiddenLine xmlns="" xmlns:a14="http://schemas.microsoft.com/office/drawing/2010/main" w="9525">
+              <a14:hiddenLine xmlns:a14="http://schemas.microsoft.com/office/drawing/2010/main" xmlns="" w="9525">
                 <a:solidFill>
                   <a:srgbClr val="000000"/>
                 </a:solidFill>
@@ -12410,14 +12410,14 @@
           </a:ln>
           <a:extLst>
             <a:ext uri="{909E8E84-426E-40dd-AFC4-6F175D3DCCD1}">
-              <a14:hiddenFill xmlns="" xmlns:a14="http://schemas.microsoft.com/office/drawing/2010/main">
+              <a14:hiddenFill xmlns:a14="http://schemas.microsoft.com/office/drawing/2010/main" xmlns="">
                 <a:solidFill>
                   <a:srgbClr val="FFFFFF"/>
                 </a:solidFill>
               </a14:hiddenFill>
             </a:ext>
             <a:ext uri="{91240B29-F687-4f45-9708-019B960494DF}">
-              <a14:hiddenLine xmlns="" xmlns:a14="http://schemas.microsoft.com/office/drawing/2010/main" w="9525">
+              <a14:hiddenLine xmlns:a14="http://schemas.microsoft.com/office/drawing/2010/main" xmlns="" w="9525">
                 <a:solidFill>
                   <a:srgbClr val="000000"/>
                 </a:solidFill>
@@ -13357,14 +13357,14 @@
           </a:ln>
           <a:extLst>
             <a:ext uri="{909E8E84-426E-40dd-AFC4-6F175D3DCCD1}">
-              <a14:hiddenFill xmlns="" xmlns:a14="http://schemas.microsoft.com/office/drawing/2010/main">
+              <a14:hiddenFill xmlns:a14="http://schemas.microsoft.com/office/drawing/2010/main" xmlns="">
                 <a:solidFill>
                   <a:srgbClr val="FFFFFF"/>
                 </a:solidFill>
               </a14:hiddenFill>
             </a:ext>
             <a:ext uri="{91240B29-F687-4f45-9708-019B960494DF}">
-              <a14:hiddenLine xmlns="" xmlns:a14="http://schemas.microsoft.com/office/drawing/2010/main" w="9525">
+              <a14:hiddenLine xmlns:a14="http://schemas.microsoft.com/office/drawing/2010/main" xmlns="" w="9525">
                 <a:solidFill>
                   <a:srgbClr val="000000"/>
                 </a:solidFill>
@@ -14148,14 +14148,14 @@
           </a:ln>
           <a:extLst>
             <a:ext uri="{909E8E84-426E-40dd-AFC4-6F175D3DCCD1}">
-              <a14:hiddenFill xmlns="" xmlns:a14="http://schemas.microsoft.com/office/drawing/2010/main">
+              <a14:hiddenFill xmlns:a14="http://schemas.microsoft.com/office/drawing/2010/main" xmlns="">
                 <a:solidFill>
                   <a:srgbClr val="FFFFFF"/>
                 </a:solidFill>
               </a14:hiddenFill>
             </a:ext>
             <a:ext uri="{91240B29-F687-4f45-9708-019B960494DF}">
-              <a14:hiddenLine xmlns="" xmlns:a14="http://schemas.microsoft.com/office/drawing/2010/main" w="9525">
+              <a14:hiddenLine xmlns:a14="http://schemas.microsoft.com/office/drawing/2010/main" xmlns="" w="9525">
                 <a:solidFill>
                   <a:srgbClr val="000000"/>
                 </a:solidFill>

--- a/07-refactoring_to_attributes.pptx
+++ b/07-refactoring_to_attributes.pptx
@@ -187,7 +187,7 @@
   </p:defaultTextStyle>
   <p:extLst>
     <p:ext uri="{EFAFB233-063F-42B5-8137-9DF3F51BA10A}">
-      <p15:sldGuideLst xmlns:p15="http://schemas.microsoft.com/office/powerpoint/2012/main">
+      <p15:sldGuideLst xmlns:p15="http://schemas.microsoft.com/office/powerpoint/2012/main" xmlns="">
         <p15:guide id="1" orient="horz" pos="894">
           <p15:clr>
             <a:srgbClr val="A4A3A4"/>
@@ -201,7 +201,7 @@
       </p15:sldGuideLst>
     </p:ext>
     <p:ext uri="{2D200454-40CA-4A62-9FC3-DE9A4176ACB9}">
-      <p15:notesGuideLst xmlns:p15="http://schemas.microsoft.com/office/powerpoint/2012/main"/>
+      <p15:notesGuideLst xmlns:p15="http://schemas.microsoft.com/office/powerpoint/2012/main" xmlns=""/>
     </p:ext>
   </p:extLst>
 </p:presentation>
@@ -318,7 +318,7 @@
               <a:pPr>
                 <a:defRPr/>
               </a:pPr>
-              <a:t>2016-02-28</a:t>
+              <a:t>4/12/16</a:t>
             </a:fld>
             <a:endParaRPr lang="en-US" dirty="0"/>
           </a:p>
@@ -501,7 +501,7 @@
               <a:pPr>
                 <a:defRPr/>
               </a:pPr>
-              <a:t>2016-02-28</a:t>
+              <a:t>4/12/16</a:t>
             </a:fld>
             <a:endParaRPr lang="en-US" dirty="0"/>
           </a:p>
@@ -7373,7 +7373,7 @@
   <p:clrMapOvr>
     <a:masterClrMapping/>
   </p:clrMapOvr>
-  <p:transition spd="med">
+  <p:transition xmlns:p14="http://schemas.microsoft.com/office/powerpoint/2010/main" spd="med">
     <p:fade/>
   </p:transition>
 </p:sldLayout>
@@ -7668,7 +7668,7 @@
   <p:clrMapOvr>
     <a:overrideClrMapping bg1="lt1" tx1="dk1" bg2="lt2" tx2="dk2" accent1="accent1" accent2="accent2" accent3="accent3" accent4="accent4" accent5="accent5" accent6="accent6" hlink="hlink" folHlink="folHlink"/>
   </p:clrMapOvr>
-  <p:transition spd="med">
+  <p:transition xmlns:p14="http://schemas.microsoft.com/office/powerpoint/2010/main" spd="med">
     <p:fade/>
   </p:transition>
 </p:sldLayout>
@@ -7801,14 +7801,14 @@
           </a:ln>
           <a:extLst>
             <a:ext uri="{909E8E84-426E-40dd-AFC4-6F175D3DCCD1}">
-              <a14:hiddenFill xmlns:a14="http://schemas.microsoft.com/office/drawing/2010/main" xmlns="">
+              <a14:hiddenFill xmlns:a14="http://schemas.microsoft.com/office/drawing/2010/main">
                 <a:solidFill>
                   <a:srgbClr val="FFFFFF"/>
                 </a:solidFill>
               </a14:hiddenFill>
             </a:ext>
             <a:ext uri="{91240B29-F687-4f45-9708-019B960494DF}">
-              <a14:hiddenLine xmlns:a14="http://schemas.microsoft.com/office/drawing/2010/main" xmlns="" w="9525">
+              <a14:hiddenLine xmlns:a14="http://schemas.microsoft.com/office/drawing/2010/main" w="9525">
                 <a:solidFill>
                   <a:srgbClr val="000000"/>
                 </a:solidFill>
@@ -7956,14 +7956,14 @@
           </a:ln>
           <a:extLst>
             <a:ext uri="{909E8E84-426E-40dd-AFC4-6F175D3DCCD1}">
-              <a14:hiddenFill xmlns:a14="http://schemas.microsoft.com/office/drawing/2010/main" xmlns="">
+              <a14:hiddenFill xmlns:a14="http://schemas.microsoft.com/office/drawing/2010/main">
                 <a:solidFill>
                   <a:srgbClr val="FFFFFF"/>
                 </a:solidFill>
               </a14:hiddenFill>
             </a:ext>
             <a:ext uri="{91240B29-F687-4f45-9708-019B960494DF}">
-              <a14:hiddenLine xmlns:a14="http://schemas.microsoft.com/office/drawing/2010/main" xmlns="" w="9525">
+              <a14:hiddenLine xmlns:a14="http://schemas.microsoft.com/office/drawing/2010/main" w="9525">
                 <a:solidFill>
                   <a:srgbClr val="000000"/>
                 </a:solidFill>
@@ -8361,7 +8361,7 @@
   <p:clrMapOvr>
     <a:overrideClrMapping bg1="lt1" tx1="dk1" bg2="lt2" tx2="dk2" accent1="accent1" accent2="accent2" accent3="accent3" accent4="accent4" accent5="accent5" accent6="accent6" hlink="hlink" folHlink="folHlink"/>
   </p:clrMapOvr>
-  <p:transition spd="med">
+  <p:transition xmlns:p14="http://schemas.microsoft.com/office/powerpoint/2010/main" spd="med">
     <p:fade/>
   </p:transition>
 </p:sldLayout>
@@ -8454,14 +8454,14 @@
           </a:ln>
           <a:extLst>
             <a:ext uri="{909E8E84-426E-40dd-AFC4-6F175D3DCCD1}">
-              <a14:hiddenFill xmlns:a14="http://schemas.microsoft.com/office/drawing/2010/main" xmlns="">
+              <a14:hiddenFill xmlns:a14="http://schemas.microsoft.com/office/drawing/2010/main">
                 <a:solidFill>
                   <a:srgbClr val="FFFFFF"/>
                 </a:solidFill>
               </a14:hiddenFill>
             </a:ext>
             <a:ext uri="{91240B29-F687-4f45-9708-019B960494DF}">
-              <a14:hiddenLine xmlns:a14="http://schemas.microsoft.com/office/drawing/2010/main" xmlns="" w="9525">
+              <a14:hiddenLine xmlns:a14="http://schemas.microsoft.com/office/drawing/2010/main" w="9525">
                 <a:solidFill>
                   <a:srgbClr val="000000"/>
                 </a:solidFill>
@@ -8483,7 +8483,7 @@
   <p:clrMapOvr>
     <a:masterClrMapping/>
   </p:clrMapOvr>
-  <p:transition spd="med">
+  <p:transition xmlns:p14="http://schemas.microsoft.com/office/powerpoint/2010/main" spd="med">
     <p:fade/>
   </p:transition>
 </p:sldLayout>
@@ -8770,7 +8770,7 @@
   <p:clrMapOvr>
     <a:masterClrMapping/>
   </p:clrMapOvr>
-  <p:transition spd="med">
+  <p:transition xmlns:p14="http://schemas.microsoft.com/office/powerpoint/2010/main" spd="med">
     <p:fade/>
   </p:transition>
 </p:sldLayout>
@@ -9057,7 +9057,7 @@
   <p:clrMapOvr>
     <a:masterClrMapping/>
   </p:clrMapOvr>
-  <p:transition spd="med">
+  <p:transition xmlns:p14="http://schemas.microsoft.com/office/powerpoint/2010/main" spd="med">
     <p:fade/>
   </p:transition>
 </p:sldLayout>
@@ -9406,7 +9406,7 @@
   <p:clrMapOvr>
     <a:masterClrMapping/>
   </p:clrMapOvr>
-  <p:transition spd="med">
+  <p:transition xmlns:p14="http://schemas.microsoft.com/office/powerpoint/2010/main" spd="med">
     <p:fade/>
   </p:transition>
 </p:sldLayout>
@@ -9693,7 +9693,7 @@
   <p:clrMapOvr>
     <a:masterClrMapping/>
   </p:clrMapOvr>
-  <p:transition spd="med">
+  <p:transition xmlns:p14="http://schemas.microsoft.com/office/powerpoint/2010/main" spd="med">
     <p:fade/>
   </p:transition>
 </p:sldLayout>
@@ -9910,14 +9910,14 @@
           </a:ln>
           <a:extLst>
             <a:ext uri="{909E8E84-426E-40dd-AFC4-6F175D3DCCD1}">
-              <a14:hiddenFill xmlns:a14="http://schemas.microsoft.com/office/drawing/2010/main" xmlns="">
+              <a14:hiddenFill xmlns:a14="http://schemas.microsoft.com/office/drawing/2010/main">
                 <a:solidFill>
                   <a:srgbClr val="FFFFFF"/>
                 </a:solidFill>
               </a14:hiddenFill>
             </a:ext>
             <a:ext uri="{91240B29-F687-4f45-9708-019B960494DF}">
-              <a14:hiddenLine xmlns:a14="http://schemas.microsoft.com/office/drawing/2010/main" xmlns="" w="9525">
+              <a14:hiddenLine xmlns:a14="http://schemas.microsoft.com/office/drawing/2010/main" w="9525">
                 <a:solidFill>
                   <a:srgbClr val="000000"/>
                 </a:solidFill>
@@ -10114,7 +10114,7 @@
   <p:clrMapOvr>
     <a:masterClrMapping/>
   </p:clrMapOvr>
-  <p:transition spd="med">
+  <p:transition xmlns:p14="http://schemas.microsoft.com/office/powerpoint/2010/main" spd="med">
     <p:fade/>
   </p:transition>
 </p:sldLayout>
@@ -10402,7 +10402,7 @@
   <p:clrMapOvr>
     <a:masterClrMapping/>
   </p:clrMapOvr>
-  <p:transition spd="med">
+  <p:transition xmlns:p14="http://schemas.microsoft.com/office/powerpoint/2010/main" spd="med">
     <p:fade/>
   </p:transition>
 </p:sldLayout>
@@ -10714,7 +10714,7 @@
   <p:clrMapOvr>
     <a:masterClrMapping/>
   </p:clrMapOvr>
-  <p:transition spd="med">
+  <p:transition xmlns:p14="http://schemas.microsoft.com/office/powerpoint/2010/main" spd="med">
     <p:fade/>
   </p:transition>
 </p:sldLayout>
@@ -10891,7 +10891,7 @@
   <p:clrMapOvr>
     <a:masterClrMapping/>
   </p:clrMapOvr>
-  <p:transition spd="med">
+  <p:transition xmlns:p14="http://schemas.microsoft.com/office/powerpoint/2010/main" spd="med">
     <p:fade/>
   </p:transition>
 </p:sldLayout>
@@ -11195,7 +11195,7 @@
   <p:clrMapOvr>
     <a:masterClrMapping/>
   </p:clrMapOvr>
-  <p:transition spd="med">
+  <p:transition xmlns:p14="http://schemas.microsoft.com/office/powerpoint/2010/main" spd="med">
     <p:fade/>
   </p:transition>
 </p:sldLayout>
@@ -11271,14 +11271,14 @@
           </a:ln>
           <a:extLst>
             <a:ext uri="{909E8E84-426E-40dd-AFC4-6F175D3DCCD1}">
-              <a14:hiddenFill xmlns:a14="http://schemas.microsoft.com/office/drawing/2010/main" xmlns="">
+              <a14:hiddenFill xmlns:a14="http://schemas.microsoft.com/office/drawing/2010/main">
                 <a:solidFill>
                   <a:srgbClr val="FFFFFF"/>
                 </a:solidFill>
               </a14:hiddenFill>
             </a:ext>
             <a:ext uri="{91240B29-F687-4f45-9708-019B960494DF}">
-              <a14:hiddenLine xmlns:a14="http://schemas.microsoft.com/office/drawing/2010/main" xmlns="" w="9525">
+              <a14:hiddenLine xmlns:a14="http://schemas.microsoft.com/office/drawing/2010/main" w="9525">
                 <a:solidFill>
                   <a:srgbClr val="000000"/>
                 </a:solidFill>
@@ -11554,7 +11554,7 @@
   <p:clrMapOvr>
     <a:overrideClrMapping bg1="lt1" tx1="dk1" bg2="lt2" tx2="dk2" accent1="accent1" accent2="accent2" accent3="accent3" accent4="accent4" accent5="accent5" accent6="accent6" hlink="hlink" folHlink="folHlink"/>
   </p:clrMapOvr>
-  <p:transition spd="med">
+  <p:transition xmlns:p14="http://schemas.microsoft.com/office/powerpoint/2010/main" spd="med">
     <p:fade/>
   </p:transition>
 </p:sldLayout>
@@ -11760,7 +11760,7 @@
   <p:clrMapOvr>
     <a:overrideClrMapping bg1="lt1" tx1="dk1" bg2="lt2" tx2="dk2" accent1="accent1" accent2="accent2" accent3="accent3" accent4="accent4" accent5="accent5" accent6="accent6" hlink="hlink" folHlink="folHlink"/>
   </p:clrMapOvr>
-  <p:transition spd="med">
+  <p:transition xmlns:p14="http://schemas.microsoft.com/office/powerpoint/2010/main" spd="med">
     <p:fade/>
   </p:transition>
 </p:sldLayout>
@@ -11836,14 +11836,14 @@
           </a:ln>
           <a:extLst>
             <a:ext uri="{909E8E84-426E-40dd-AFC4-6F175D3DCCD1}">
-              <a14:hiddenFill xmlns:a14="http://schemas.microsoft.com/office/drawing/2010/main" xmlns="">
+              <a14:hiddenFill xmlns:a14="http://schemas.microsoft.com/office/drawing/2010/main">
                 <a:solidFill>
                   <a:srgbClr val="FFFFFF"/>
                 </a:solidFill>
               </a14:hiddenFill>
             </a:ext>
             <a:ext uri="{91240B29-F687-4f45-9708-019B960494DF}">
-              <a14:hiddenLine xmlns:a14="http://schemas.microsoft.com/office/drawing/2010/main" xmlns="" w="9525">
+              <a14:hiddenLine xmlns:a14="http://schemas.microsoft.com/office/drawing/2010/main" w="9525">
                 <a:solidFill>
                   <a:srgbClr val="000000"/>
                 </a:solidFill>
@@ -12126,7 +12126,7 @@
   <p:clrMapOvr>
     <a:overrideClrMapping bg1="lt1" tx1="dk1" bg2="lt2" tx2="dk2" accent1="accent1" accent2="accent2" accent3="accent3" accent4="accent4" accent5="accent5" accent6="accent6" hlink="hlink" folHlink="folHlink"/>
   </p:clrMapOvr>
-  <p:transition spd="med">
+  <p:transition xmlns:p14="http://schemas.microsoft.com/office/powerpoint/2010/main" spd="med">
     <p:fade/>
   </p:transition>
 </p:sldLayout>
@@ -12334,7 +12334,7 @@
   <p:clrMapOvr>
     <a:overrideClrMapping bg1="lt1" tx1="dk1" bg2="lt2" tx2="dk2" accent1="accent1" accent2="accent2" accent3="accent3" accent4="accent4" accent5="accent5" accent6="accent6" hlink="hlink" folHlink="folHlink"/>
   </p:clrMapOvr>
-  <p:transition spd="med">
+  <p:transition xmlns:p14="http://schemas.microsoft.com/office/powerpoint/2010/main" spd="med">
     <p:fade/>
   </p:transition>
 </p:sldLayout>
@@ -12410,14 +12410,14 @@
           </a:ln>
           <a:extLst>
             <a:ext uri="{909E8E84-426E-40dd-AFC4-6F175D3DCCD1}">
-              <a14:hiddenFill xmlns:a14="http://schemas.microsoft.com/office/drawing/2010/main" xmlns="">
+              <a14:hiddenFill xmlns:a14="http://schemas.microsoft.com/office/drawing/2010/main">
                 <a:solidFill>
                   <a:srgbClr val="FFFFFF"/>
                 </a:solidFill>
               </a14:hiddenFill>
             </a:ext>
             <a:ext uri="{91240B29-F687-4f45-9708-019B960494DF}">
-              <a14:hiddenLine xmlns:a14="http://schemas.microsoft.com/office/drawing/2010/main" xmlns="" w="9525">
+              <a14:hiddenLine xmlns:a14="http://schemas.microsoft.com/office/drawing/2010/main" w="9525">
                 <a:solidFill>
                   <a:srgbClr val="000000"/>
                 </a:solidFill>
@@ -12685,7 +12685,7 @@
   <p:clrMapOvr>
     <a:overrideClrMapping bg1="lt1" tx1="dk1" bg2="lt2" tx2="dk2" accent1="accent1" accent2="accent2" accent3="accent3" accent4="accent4" accent5="accent5" accent6="accent6" hlink="hlink" folHlink="folHlink"/>
   </p:clrMapOvr>
-  <p:transition spd="med">
+  <p:transition xmlns:p14="http://schemas.microsoft.com/office/powerpoint/2010/main" spd="med">
     <p:fade/>
   </p:transition>
 </p:sldLayout>
@@ -12913,7 +12913,7 @@
   <p:clrMapOvr>
     <a:overrideClrMapping bg1="lt1" tx1="dk1" bg2="lt2" tx2="dk2" accent1="accent1" accent2="accent2" accent3="accent3" accent4="accent4" accent5="accent5" accent6="accent6" hlink="hlink" folHlink="folHlink"/>
   </p:clrMapOvr>
-  <p:transition spd="med">
+  <p:transition xmlns:p14="http://schemas.microsoft.com/office/powerpoint/2010/main" spd="med">
     <p:fade/>
   </p:transition>
 </p:sldLayout>
@@ -13201,7 +13201,7 @@
   <p:clrMapOvr>
     <a:overrideClrMapping bg1="lt1" tx1="dk1" bg2="lt2" tx2="dk2" accent1="accent1" accent2="accent2" accent3="accent3" accent4="accent4" accent5="accent5" accent6="accent6" hlink="hlink" folHlink="folHlink"/>
   </p:clrMapOvr>
-  <p:transition spd="med">
+  <p:transition xmlns:p14="http://schemas.microsoft.com/office/powerpoint/2010/main" spd="med">
     <p:fade/>
   </p:transition>
 </p:sldLayout>
@@ -13357,14 +13357,14 @@
           </a:ln>
           <a:extLst>
             <a:ext uri="{909E8E84-426E-40dd-AFC4-6F175D3DCCD1}">
-              <a14:hiddenFill xmlns:a14="http://schemas.microsoft.com/office/drawing/2010/main" xmlns="">
+              <a14:hiddenFill xmlns:a14="http://schemas.microsoft.com/office/drawing/2010/main">
                 <a:solidFill>
                   <a:srgbClr val="FFFFFF"/>
                 </a:solidFill>
               </a14:hiddenFill>
             </a:ext>
             <a:ext uri="{91240B29-F687-4f45-9708-019B960494DF}">
-              <a14:hiddenLine xmlns:a14="http://schemas.microsoft.com/office/drawing/2010/main" xmlns="" w="9525">
+              <a14:hiddenLine xmlns:a14="http://schemas.microsoft.com/office/drawing/2010/main" w="9525">
                 <a:solidFill>
                   <a:srgbClr val="000000"/>
                 </a:solidFill>
@@ -13614,13 +13614,13 @@
     <p:sldLayoutId id="2147483841" r:id="rId11"/>
     <p:sldLayoutId id="2147483843" r:id="rId12"/>
   </p:sldLayoutIdLst>
-  <p:transition spd="med">
+  <p:transition xmlns:p14="http://schemas.microsoft.com/office/powerpoint/2010/main" spd="med">
     <p:fade/>
   </p:transition>
   <p:timing>
     <p:tnLst>
       <p:par>
-        <p:cTn id="1" dur="indefinite" restart="never" nodeType="tmRoot"/>
+        <p:cTn xmlns:p14="http://schemas.microsoft.com/office/powerpoint/2010/main" id="1" dur="indefinite" restart="never" nodeType="tmRoot"/>
       </p:par>
     </p:tnLst>
   </p:timing>
@@ -14148,14 +14148,14 @@
           </a:ln>
           <a:extLst>
             <a:ext uri="{909E8E84-426E-40dd-AFC4-6F175D3DCCD1}">
-              <a14:hiddenFill xmlns:a14="http://schemas.microsoft.com/office/drawing/2010/main" xmlns="">
+              <a14:hiddenFill xmlns:a14="http://schemas.microsoft.com/office/drawing/2010/main">
                 <a:solidFill>
                   <a:srgbClr val="FFFFFF"/>
                 </a:solidFill>
               </a14:hiddenFill>
             </a:ext>
             <a:ext uri="{91240B29-F687-4f45-9708-019B960494DF}">
-              <a14:hiddenLine xmlns:a14="http://schemas.microsoft.com/office/drawing/2010/main" xmlns="" w="9525">
+              <a14:hiddenLine xmlns:a14="http://schemas.microsoft.com/office/drawing/2010/main" w="9525">
                 <a:solidFill>
                   <a:srgbClr val="000000"/>
                 </a:solidFill>
@@ -14476,13 +14476,13 @@
     <p:sldLayoutId id="2147483856" r:id="rId7"/>
     <p:sldLayoutId id="2147483866" r:id="rId8"/>
   </p:sldLayoutIdLst>
-  <p:transition spd="med">
+  <p:transition xmlns:p14="http://schemas.microsoft.com/office/powerpoint/2010/main" spd="med">
     <p:fade/>
   </p:transition>
   <p:timing>
     <p:tnLst>
       <p:par>
-        <p:cTn id="1" dur="indefinite" restart="never" nodeType="tmRoot"/>
+        <p:cTn xmlns:p14="http://schemas.microsoft.com/office/powerpoint/2010/main" id="1" dur="indefinite" restart="never" nodeType="tmRoot"/>
       </p:par>
     </p:tnLst>
   </p:timing>
@@ -15035,13 +15035,13 @@
   <p:clrMapOvr>
     <a:masterClrMapping/>
   </p:clrMapOvr>
-  <p:transition spd="med">
+  <p:transition xmlns:p14="http://schemas.microsoft.com/office/powerpoint/2010/main" spd="med">
     <p:fade/>
   </p:transition>
   <p:timing>
     <p:tnLst>
       <p:par>
-        <p:cTn id="1" dur="indefinite" restart="never" nodeType="tmRoot"/>
+        <p:cTn xmlns:p14="http://schemas.microsoft.com/office/powerpoint/2010/main" id="1" dur="indefinite" restart="never" nodeType="tmRoot"/>
       </p:par>
     </p:tnLst>
   </p:timing>
@@ -15179,13 +15179,13 @@
   <p:clrMapOvr>
     <a:masterClrMapping/>
   </p:clrMapOvr>
-  <p:transition spd="med">
+  <p:transition xmlns:p14="http://schemas.microsoft.com/office/powerpoint/2010/main" spd="med">
     <p:fade/>
   </p:transition>
   <p:timing>
     <p:tnLst>
       <p:par>
-        <p:cTn id="1" dur="indefinite" restart="never" nodeType="tmRoot"/>
+        <p:cTn xmlns:p14="http://schemas.microsoft.com/office/powerpoint/2010/main" id="1" dur="indefinite" restart="never" nodeType="tmRoot"/>
       </p:par>
     </p:tnLst>
   </p:timing>
@@ -15398,13 +15398,13 @@
   <p:clrMapOvr>
     <a:masterClrMapping/>
   </p:clrMapOvr>
-  <p:transition spd="med">
+  <p:transition xmlns:p14="http://schemas.microsoft.com/office/powerpoint/2010/main" spd="med">
     <p:fade/>
   </p:transition>
   <p:timing>
     <p:tnLst>
       <p:par>
-        <p:cTn id="1" dur="indefinite" restart="never" nodeType="tmRoot"/>
+        <p:cTn xmlns:p14="http://schemas.microsoft.com/office/powerpoint/2010/main" id="1" dur="indefinite" restart="never" nodeType="tmRoot"/>
       </p:par>
     </p:tnLst>
   </p:timing>
@@ -15651,13 +15651,13 @@
   <p:clrMapOvr>
     <a:masterClrMapping/>
   </p:clrMapOvr>
-  <p:transition spd="med">
+  <p:transition xmlns:p14="http://schemas.microsoft.com/office/powerpoint/2010/main" spd="med">
     <p:fade/>
   </p:transition>
   <p:timing>
     <p:tnLst>
       <p:par>
-        <p:cTn id="1" dur="indefinite" restart="never" nodeType="tmRoot"/>
+        <p:cTn xmlns:p14="http://schemas.microsoft.com/office/powerpoint/2010/main" id="1" dur="indefinite" restart="never" nodeType="tmRoot"/>
       </p:par>
     </p:tnLst>
   </p:timing>
@@ -15803,13 +15803,13 @@
   <p:clrMapOvr>
     <a:masterClrMapping/>
   </p:clrMapOvr>
-  <p:transition spd="med">
+  <p:transition xmlns:p14="http://schemas.microsoft.com/office/powerpoint/2010/main" spd="med">
     <p:fade/>
   </p:transition>
   <p:timing>
     <p:tnLst>
       <p:par>
-        <p:cTn id="1" dur="indefinite" restart="never" nodeType="tmRoot"/>
+        <p:cTn xmlns:p14="http://schemas.microsoft.com/office/powerpoint/2010/main" id="1" dur="indefinite" restart="never" nodeType="tmRoot"/>
       </p:par>
     </p:tnLst>
   </p:timing>
@@ -15972,13 +15972,13 @@
   <p:clrMapOvr>
     <a:masterClrMapping/>
   </p:clrMapOvr>
-  <p:transition spd="med">
+  <p:transition xmlns:p14="http://schemas.microsoft.com/office/powerpoint/2010/main" spd="med">
     <p:fade/>
   </p:transition>
   <p:timing>
     <p:tnLst>
       <p:par>
-        <p:cTn id="1" dur="indefinite" restart="never" nodeType="tmRoot"/>
+        <p:cTn xmlns:p14="http://schemas.microsoft.com/office/powerpoint/2010/main" id="1" dur="indefinite" restart="never" nodeType="tmRoot"/>
       </p:par>
     </p:tnLst>
   </p:timing>
@@ -16116,13 +16116,13 @@
   <p:clrMapOvr>
     <a:masterClrMapping/>
   </p:clrMapOvr>
-  <p:transition spd="med">
+  <p:transition xmlns:p14="http://schemas.microsoft.com/office/powerpoint/2010/main" spd="med">
     <p:fade/>
   </p:transition>
   <p:timing>
     <p:tnLst>
       <p:par>
-        <p:cTn id="1" dur="indefinite" restart="never" nodeType="tmRoot"/>
+        <p:cTn xmlns:p14="http://schemas.microsoft.com/office/powerpoint/2010/main" id="1" dur="indefinite" restart="never" nodeType="tmRoot"/>
       </p:par>
     </p:tnLst>
   </p:timing>
@@ -16276,13 +16276,13 @@
   <p:clrMapOvr>
     <a:masterClrMapping/>
   </p:clrMapOvr>
-  <p:transition spd="med">
+  <p:transition xmlns:p14="http://schemas.microsoft.com/office/powerpoint/2010/main" spd="med">
     <p:fade/>
   </p:transition>
   <p:timing>
     <p:tnLst>
       <p:par>
-        <p:cTn id="1" dur="indefinite" restart="never" nodeType="tmRoot"/>
+        <p:cTn xmlns:p14="http://schemas.microsoft.com/office/powerpoint/2010/main" id="1" dur="indefinite" restart="never" nodeType="tmRoot"/>
       </p:par>
     </p:tnLst>
   </p:timing>
@@ -16420,13 +16420,13 @@
   <p:clrMapOvr>
     <a:masterClrMapping/>
   </p:clrMapOvr>
-  <p:transition spd="med">
+  <p:transition xmlns:p14="http://schemas.microsoft.com/office/powerpoint/2010/main" spd="med">
     <p:fade/>
   </p:transition>
   <p:timing>
     <p:tnLst>
       <p:par>
-        <p:cTn id="1" dur="indefinite" restart="never" nodeType="tmRoot"/>
+        <p:cTn xmlns:p14="http://schemas.microsoft.com/office/powerpoint/2010/main" id="1" dur="indefinite" restart="never" nodeType="tmRoot"/>
       </p:par>
     </p:tnLst>
   </p:timing>
@@ -16512,13 +16512,13 @@
   <p:clrMapOvr>
     <a:masterClrMapping/>
   </p:clrMapOvr>
-  <p:transition spd="med">
+  <p:transition xmlns:p14="http://schemas.microsoft.com/office/powerpoint/2010/main" spd="med">
     <p:fade/>
   </p:transition>
   <p:timing>
     <p:tnLst>
       <p:par>
-        <p:cTn id="1" dur="indefinite" restart="never" nodeType="tmRoot"/>
+        <p:cTn xmlns:p14="http://schemas.microsoft.com/office/powerpoint/2010/main" id="1" dur="indefinite" restart="never" nodeType="tmRoot"/>
       </p:par>
     </p:tnLst>
   </p:timing>
@@ -16699,13 +16699,13 @@
   <p:clrMapOvr>
     <a:masterClrMapping/>
   </p:clrMapOvr>
-  <p:transition spd="med">
+  <p:transition xmlns:p14="http://schemas.microsoft.com/office/powerpoint/2010/main" spd="med">
     <p:fade/>
   </p:transition>
   <p:timing>
     <p:tnLst>
       <p:par>
-        <p:cTn id="1" dur="indefinite" restart="never" nodeType="tmRoot"/>
+        <p:cTn xmlns:p14="http://schemas.microsoft.com/office/powerpoint/2010/main" id="1" dur="indefinite" restart="never" nodeType="tmRoot"/>
       </p:par>
     </p:tnLst>
   </p:timing>
@@ -16818,13 +16818,13 @@
   <p:clrMapOvr>
     <a:masterClrMapping/>
   </p:clrMapOvr>
-  <p:transition spd="med">
+  <p:transition xmlns:p14="http://schemas.microsoft.com/office/powerpoint/2010/main" spd="med">
     <p:fade/>
   </p:transition>
   <p:timing>
     <p:tnLst>
       <p:par>
-        <p:cTn id="1" dur="indefinite" restart="never" nodeType="tmRoot"/>
+        <p:cTn xmlns:p14="http://schemas.microsoft.com/office/powerpoint/2010/main" id="1" dur="indefinite" restart="never" nodeType="tmRoot"/>
       </p:par>
     </p:tnLst>
   </p:timing>
@@ -16906,9 +16906,16 @@
   <p:clrMapOvr>
     <a:masterClrMapping/>
   </p:clrMapOvr>
-  <p:transition spd="med">
+  <p:transition xmlns:p14="http://schemas.microsoft.com/office/powerpoint/2010/main" spd="med">
     <p:fade/>
   </p:transition>
+  <p:timing>
+    <p:tnLst>
+      <p:par>
+        <p:cTn xmlns:p14="http://schemas.microsoft.com/office/powerpoint/2010/main" id="1" dur="indefinite" restart="never" nodeType="tmRoot"/>
+      </p:par>
+    </p:tnLst>
+  </p:timing>
 </p:sld>
 </file>
 
@@ -17024,13 +17031,13 @@
   <p:clrMapOvr>
     <a:masterClrMapping/>
   </p:clrMapOvr>
-  <p:transition spd="med">
+  <p:transition xmlns:p14="http://schemas.microsoft.com/office/powerpoint/2010/main" spd="med">
     <p:fade/>
   </p:transition>
   <p:timing>
     <p:tnLst>
       <p:par>
-        <p:cTn id="1" dur="indefinite" restart="never" nodeType="tmRoot"/>
+        <p:cTn xmlns:p14="http://schemas.microsoft.com/office/powerpoint/2010/main" id="1" dur="indefinite" restart="never" nodeType="tmRoot"/>
       </p:par>
     </p:tnLst>
   </p:timing>
@@ -17167,9 +17174,16 @@
   <p:clrMapOvr>
     <a:masterClrMapping/>
   </p:clrMapOvr>
-  <p:transition spd="med">
+  <p:transition xmlns:p14="http://schemas.microsoft.com/office/powerpoint/2010/main" spd="med">
     <p:fade/>
   </p:transition>
+  <p:timing>
+    <p:tnLst>
+      <p:par>
+        <p:cTn xmlns:p14="http://schemas.microsoft.com/office/powerpoint/2010/main" id="1" dur="indefinite" restart="never" nodeType="tmRoot"/>
+      </p:par>
+    </p:tnLst>
+  </p:timing>
 </p:sld>
 </file>
 
@@ -17347,13 +17361,13 @@
   <p:clrMapOvr>
     <a:masterClrMapping/>
   </p:clrMapOvr>
-  <p:transition spd="med">
+  <p:transition xmlns:p14="http://schemas.microsoft.com/office/powerpoint/2010/main" spd="med">
     <p:fade/>
   </p:transition>
   <p:timing>
     <p:tnLst>
       <p:par>
-        <p:cTn id="1" dur="indefinite" restart="never" nodeType="tmRoot"/>
+        <p:cTn xmlns:p14="http://schemas.microsoft.com/office/powerpoint/2010/main" id="1" dur="indefinite" restart="never" nodeType="tmRoot"/>
       </p:par>
     </p:tnLst>
   </p:timing>
@@ -17578,13 +17592,13 @@
   <p:clrMapOvr>
     <a:masterClrMapping/>
   </p:clrMapOvr>
-  <p:transition spd="med">
+  <p:transition xmlns:p14="http://schemas.microsoft.com/office/powerpoint/2010/main" spd="med">
     <p:fade/>
   </p:transition>
   <p:timing>
     <p:tnLst>
       <p:par>
-        <p:cTn id="1" dur="indefinite" restart="never" nodeType="tmRoot"/>
+        <p:cTn xmlns:p14="http://schemas.microsoft.com/office/powerpoint/2010/main" id="1" dur="indefinite" restart="never" nodeType="tmRoot"/>
       </p:par>
     </p:tnLst>
   </p:timing>
@@ -17721,9 +17735,16 @@
   <p:clrMapOvr>
     <a:masterClrMapping/>
   </p:clrMapOvr>
-  <p:transition spd="med">
+  <p:transition xmlns:p14="http://schemas.microsoft.com/office/powerpoint/2010/main" spd="med">
     <p:fade/>
   </p:transition>
+  <p:timing>
+    <p:tnLst>
+      <p:par>
+        <p:cTn xmlns:p14="http://schemas.microsoft.com/office/powerpoint/2010/main" id="1" dur="indefinite" restart="never" nodeType="tmRoot"/>
+      </p:par>
+    </p:tnLst>
+  </p:timing>
 </p:sld>
 </file>
 
@@ -18018,13 +18039,13 @@
   <p:clrMapOvr>
     <a:masterClrMapping/>
   </p:clrMapOvr>
-  <p:transition spd="med">
+  <p:transition xmlns:p14="http://schemas.microsoft.com/office/powerpoint/2010/main" spd="med">
     <p:fade/>
   </p:transition>
   <p:timing>
     <p:tnLst>
       <p:par>
-        <p:cTn id="1" dur="indefinite" restart="never" nodeType="tmRoot"/>
+        <p:cTn xmlns:p14="http://schemas.microsoft.com/office/powerpoint/2010/main" id="1" dur="indefinite" restart="never" nodeType="tmRoot"/>
       </p:par>
     </p:tnLst>
   </p:timing>
@@ -18254,13 +18275,13 @@
   <p:clrMapOvr>
     <a:masterClrMapping/>
   </p:clrMapOvr>
-  <p:transition spd="med">
+  <p:transition xmlns:p14="http://schemas.microsoft.com/office/powerpoint/2010/main" spd="med">
     <p:fade/>
   </p:transition>
   <p:timing>
     <p:tnLst>
       <p:par>
-        <p:cTn id="1" dur="indefinite" restart="never" nodeType="tmRoot"/>
+        <p:cTn xmlns:p14="http://schemas.microsoft.com/office/powerpoint/2010/main" id="1" dur="indefinite" restart="never" nodeType="tmRoot"/>
       </p:par>
     </p:tnLst>
   </p:timing>
@@ -18536,13 +18557,13 @@
   <p:clrMapOvr>
     <a:masterClrMapping/>
   </p:clrMapOvr>
-  <p:transition spd="med">
+  <p:transition xmlns:p14="http://schemas.microsoft.com/office/powerpoint/2010/main" spd="med">
     <p:fade/>
   </p:transition>
   <p:timing>
     <p:tnLst>
       <p:par>
-        <p:cTn id="1" dur="indefinite" restart="never" nodeType="tmRoot"/>
+        <p:cTn xmlns:p14="http://schemas.microsoft.com/office/powerpoint/2010/main" id="1" dur="indefinite" restart="never" nodeType="tmRoot"/>
       </p:par>
     </p:tnLst>
   </p:timing>
@@ -18663,13 +18684,13 @@
   <p:clrMapOvr>
     <a:masterClrMapping/>
   </p:clrMapOvr>
-  <p:transition spd="med">
+  <p:transition xmlns:p14="http://schemas.microsoft.com/office/powerpoint/2010/main" spd="med">
     <p:fade/>
   </p:transition>
   <p:timing>
     <p:tnLst>
       <p:par>
-        <p:cTn id="1" dur="indefinite" restart="never" nodeType="tmRoot"/>
+        <p:cTn xmlns:p14="http://schemas.microsoft.com/office/powerpoint/2010/main" id="1" dur="indefinite" restart="never" nodeType="tmRoot"/>
       </p:par>
     </p:tnLst>
   </p:timing>
@@ -19905,13 +19926,13 @@
   <p:clrMapOvr>
     <a:masterClrMapping/>
   </p:clrMapOvr>
-  <p:transition spd="med">
+  <p:transition xmlns:p14="http://schemas.microsoft.com/office/powerpoint/2010/main" spd="med">
     <p:fade/>
   </p:transition>
   <p:timing>
     <p:tnLst>
       <p:par>
-        <p:cTn id="1" dur="indefinite" restart="never" nodeType="tmRoot"/>
+        <p:cTn xmlns:p14="http://schemas.microsoft.com/office/powerpoint/2010/main" id="1" dur="indefinite" restart="never" nodeType="tmRoot"/>
       </p:par>
     </p:tnLst>
   </p:timing>
@@ -20045,13 +20066,13 @@
   <p:clrMapOvr>
     <a:masterClrMapping/>
   </p:clrMapOvr>
-  <p:transition spd="med">
+  <p:transition xmlns:p14="http://schemas.microsoft.com/office/powerpoint/2010/main" spd="med">
     <p:fade/>
   </p:transition>
   <p:timing>
     <p:tnLst>
       <p:par>
-        <p:cTn id="1" dur="indefinite" restart="never" nodeType="tmRoot"/>
+        <p:cTn xmlns:p14="http://schemas.microsoft.com/office/powerpoint/2010/main" id="1" dur="indefinite" restart="never" nodeType="tmRoot"/>
       </p:par>
     </p:tnLst>
   </p:timing>
@@ -20158,13 +20179,13 @@
   <p:clrMapOvr>
     <a:masterClrMapping/>
   </p:clrMapOvr>
-  <p:transition spd="med">
+  <p:transition xmlns:p14="http://schemas.microsoft.com/office/powerpoint/2010/main" spd="med">
     <p:fade/>
   </p:transition>
   <p:timing>
     <p:tnLst>
       <p:par>
-        <p:cTn id="1" dur="indefinite" restart="never" nodeType="tmRoot"/>
+        <p:cTn xmlns:p14="http://schemas.microsoft.com/office/powerpoint/2010/main" id="1" dur="indefinite" restart="never" nodeType="tmRoot"/>
       </p:par>
     </p:tnLst>
   </p:timing>
@@ -20302,9 +20323,16 @@
   <p:clrMapOvr>
     <a:masterClrMapping/>
   </p:clrMapOvr>
-  <p:transition spd="med">
+  <p:transition xmlns:p14="http://schemas.microsoft.com/office/powerpoint/2010/main" spd="med">
     <p:fade/>
   </p:transition>
+  <p:timing>
+    <p:tnLst>
+      <p:par>
+        <p:cTn xmlns:p14="http://schemas.microsoft.com/office/powerpoint/2010/main" id="1" dur="indefinite" restart="never" nodeType="tmRoot"/>
+      </p:par>
+    </p:tnLst>
+  </p:timing>
 </p:sld>
 </file>
 
@@ -20524,13 +20552,13 @@
   <p:clrMapOvr>
     <a:masterClrMapping/>
   </p:clrMapOvr>
-  <p:transition spd="med">
+  <p:transition xmlns:p14="http://schemas.microsoft.com/office/powerpoint/2010/main" spd="med">
     <p:fade/>
   </p:transition>
   <p:timing>
     <p:tnLst>
       <p:par>
-        <p:cTn id="1" dur="indefinite" restart="never" nodeType="tmRoot"/>
+        <p:cTn xmlns:p14="http://schemas.microsoft.com/office/powerpoint/2010/main" id="1" dur="indefinite" restart="never" nodeType="tmRoot"/>
       </p:par>
     </p:tnLst>
   </p:timing>
@@ -20704,13 +20732,13 @@
   <p:clrMapOvr>
     <a:masterClrMapping/>
   </p:clrMapOvr>
-  <p:transition spd="med">
+  <p:transition xmlns:p14="http://schemas.microsoft.com/office/powerpoint/2010/main" spd="med">
     <p:fade/>
   </p:transition>
   <p:timing>
     <p:tnLst>
       <p:par>
-        <p:cTn id="1" dur="indefinite" restart="never" nodeType="tmRoot"/>
+        <p:cTn xmlns:p14="http://schemas.microsoft.com/office/powerpoint/2010/main" id="1" dur="indefinite" restart="never" nodeType="tmRoot"/>
       </p:par>
     </p:tnLst>
   </p:timing>
@@ -20844,9 +20872,16 @@
   <p:clrMapOvr>
     <a:masterClrMapping/>
   </p:clrMapOvr>
-  <p:transition spd="med">
+  <p:transition xmlns:p14="http://schemas.microsoft.com/office/powerpoint/2010/main" spd="med">
     <p:fade/>
   </p:transition>
+  <p:timing>
+    <p:tnLst>
+      <p:par>
+        <p:cTn xmlns:p14="http://schemas.microsoft.com/office/powerpoint/2010/main" id="1" dur="indefinite" restart="never" nodeType="tmRoot"/>
+      </p:par>
+    </p:tnLst>
+  </p:timing>
 </p:sld>
 </file>
 
@@ -21042,13 +21077,13 @@
   <p:clrMapOvr>
     <a:masterClrMapping/>
   </p:clrMapOvr>
-  <p:transition spd="med">
+  <p:transition xmlns:p14="http://schemas.microsoft.com/office/powerpoint/2010/main" spd="med">
     <p:fade/>
   </p:transition>
   <p:timing>
     <p:tnLst>
       <p:par>
-        <p:cTn id="1" dur="indefinite" restart="never" nodeType="tmRoot"/>
+        <p:cTn xmlns:p14="http://schemas.microsoft.com/office/powerpoint/2010/main" id="1" dur="indefinite" restart="never" nodeType="tmRoot"/>
       </p:par>
     </p:tnLst>
   </p:timing>
@@ -21267,13 +21302,13 @@
   <p:clrMapOvr>
     <a:masterClrMapping/>
   </p:clrMapOvr>
-  <p:transition spd="med">
+  <p:transition xmlns:p14="http://schemas.microsoft.com/office/powerpoint/2010/main" spd="med">
     <p:fade/>
   </p:transition>
   <p:timing>
     <p:tnLst>
       <p:par>
-        <p:cTn id="1" dur="indefinite" restart="never" nodeType="tmRoot"/>
+        <p:cTn xmlns:p14="http://schemas.microsoft.com/office/powerpoint/2010/main" id="1" dur="indefinite" restart="never" nodeType="tmRoot"/>
       </p:par>
     </p:tnLst>
   </p:timing>
@@ -21537,13 +21572,13 @@
   <p:clrMapOvr>
     <a:masterClrMapping/>
   </p:clrMapOvr>
-  <p:transition spd="med">
+  <p:transition xmlns:p14="http://schemas.microsoft.com/office/powerpoint/2010/main" spd="med">
     <p:fade/>
   </p:transition>
   <p:timing>
     <p:tnLst>
       <p:par>
-        <p:cTn id="1" dur="indefinite" restart="never" nodeType="tmRoot"/>
+        <p:cTn xmlns:p14="http://schemas.microsoft.com/office/powerpoint/2010/main" id="1" dur="indefinite" restart="never" nodeType="tmRoot"/>
       </p:par>
     </p:tnLst>
   </p:timing>
@@ -21746,13 +21781,13 @@
   <p:clrMapOvr>
     <a:masterClrMapping/>
   </p:clrMapOvr>
-  <p:transition spd="med">
+  <p:transition xmlns:p14="http://schemas.microsoft.com/office/powerpoint/2010/main" spd="med">
     <p:fade/>
   </p:transition>
   <p:timing>
     <p:tnLst>
       <p:par>
-        <p:cTn id="1" dur="indefinite" restart="never" nodeType="tmRoot"/>
+        <p:cTn xmlns:p14="http://schemas.microsoft.com/office/powerpoint/2010/main" id="1" dur="indefinite" restart="never" nodeType="tmRoot"/>
       </p:par>
     </p:tnLst>
   </p:timing>
@@ -23143,13 +23178,13 @@
   <p:clrMapOvr>
     <a:masterClrMapping/>
   </p:clrMapOvr>
-  <p:transition spd="med">
+  <p:transition xmlns:p14="http://schemas.microsoft.com/office/powerpoint/2010/main" spd="med">
     <p:fade/>
   </p:transition>
   <p:timing>
     <p:tnLst>
       <p:par>
-        <p:cTn id="1" dur="indefinite" restart="never" nodeType="tmRoot"/>
+        <p:cTn xmlns:p14="http://schemas.microsoft.com/office/powerpoint/2010/main" id="1" dur="indefinite" restart="never" nodeType="tmRoot"/>
       </p:par>
     </p:tnLst>
   </p:timing>
@@ -23306,13 +23341,13 @@
   <p:clrMapOvr>
     <a:masterClrMapping/>
   </p:clrMapOvr>
-  <p:transition spd="med">
+  <p:transition xmlns:p14="http://schemas.microsoft.com/office/powerpoint/2010/main" spd="med">
     <p:fade/>
   </p:transition>
   <p:timing>
     <p:tnLst>
       <p:par>
-        <p:cTn id="1" dur="indefinite" restart="never" nodeType="tmRoot"/>
+        <p:cTn xmlns:p14="http://schemas.microsoft.com/office/powerpoint/2010/main" id="1" dur="indefinite" restart="never" nodeType="tmRoot"/>
       </p:par>
     </p:tnLst>
   </p:timing>
@@ -23531,13 +23566,13 @@
   <p:clrMapOvr>
     <a:masterClrMapping/>
   </p:clrMapOvr>
-  <p:transition spd="med">
+  <p:transition xmlns:p14="http://schemas.microsoft.com/office/powerpoint/2010/main" spd="med">
     <p:fade/>
   </p:transition>
   <p:timing>
     <p:tnLst>
       <p:par>
-        <p:cTn id="1" dur="indefinite" restart="never" nodeType="tmRoot"/>
+        <p:cTn xmlns:p14="http://schemas.microsoft.com/office/powerpoint/2010/main" id="1" dur="indefinite" restart="never" nodeType="tmRoot"/>
       </p:par>
     </p:tnLst>
   </p:timing>
@@ -23632,13 +23667,13 @@
   <p:clrMapOvr>
     <a:masterClrMapping/>
   </p:clrMapOvr>
-  <p:transition spd="med">
+  <p:transition xmlns:p14="http://schemas.microsoft.com/office/powerpoint/2010/main" spd="med">
     <p:fade/>
   </p:transition>
   <p:timing>
     <p:tnLst>
       <p:par>
-        <p:cTn id="1" dur="indefinite" restart="never" nodeType="tmRoot"/>
+        <p:cTn xmlns:p14="http://schemas.microsoft.com/office/powerpoint/2010/main" id="1" dur="indefinite" restart="never" nodeType="tmRoot"/>
       </p:par>
     </p:tnLst>
   </p:timing>
@@ -23724,13 +23759,13 @@
   <p:clrMapOvr>
     <a:masterClrMapping/>
   </p:clrMapOvr>
-  <p:transition spd="med">
+  <p:transition xmlns:p14="http://schemas.microsoft.com/office/powerpoint/2010/main" spd="med">
     <p:fade/>
   </p:transition>
   <p:timing>
     <p:tnLst>
       <p:par>
-        <p:cTn id="1" dur="indefinite" restart="never" nodeType="tmRoot"/>
+        <p:cTn xmlns:p14="http://schemas.microsoft.com/office/powerpoint/2010/main" id="1" dur="indefinite" restart="never" nodeType="tmRoot"/>
       </p:par>
     </p:tnLst>
   </p:timing>
@@ -23894,13 +23929,13 @@
   <p:clrMapOvr>
     <a:masterClrMapping/>
   </p:clrMapOvr>
-  <p:transition spd="med">
+  <p:transition xmlns:p14="http://schemas.microsoft.com/office/powerpoint/2010/main" spd="med">
     <p:fade/>
   </p:transition>
   <p:timing>
     <p:tnLst>
       <p:par>
-        <p:cTn id="1" dur="indefinite" restart="never" nodeType="tmRoot"/>
+        <p:cTn xmlns:p14="http://schemas.microsoft.com/office/powerpoint/2010/main" id="1" dur="indefinite" restart="never" nodeType="tmRoot"/>
       </p:par>
     </p:tnLst>
   </p:timing>
@@ -23934,13 +23969,13 @@
   <p:clrMapOvr>
     <a:masterClrMapping/>
   </p:clrMapOvr>
-  <p:transition spd="med">
+  <p:transition xmlns:p14="http://schemas.microsoft.com/office/powerpoint/2010/main" spd="med">
     <p:fade/>
   </p:transition>
   <p:timing>
     <p:tnLst>
       <p:par>
-        <p:cTn id="1" dur="indefinite" restart="never" nodeType="tmRoot"/>
+        <p:cTn xmlns:p14="http://schemas.microsoft.com/office/powerpoint/2010/main" id="1" dur="indefinite" restart="never" nodeType="tmRoot"/>
       </p:par>
     </p:tnLst>
   </p:timing>
@@ -24976,9 +25011,16 @@
   <p:clrMapOvr>
     <a:masterClrMapping/>
   </p:clrMapOvr>
-  <p:transition spd="med">
+  <p:transition xmlns:p14="http://schemas.microsoft.com/office/powerpoint/2010/main" spd="med">
     <p:fade/>
   </p:transition>
+  <p:timing>
+    <p:tnLst>
+      <p:par>
+        <p:cTn xmlns:p14="http://schemas.microsoft.com/office/powerpoint/2010/main" id="1" dur="indefinite" restart="never" nodeType="tmRoot"/>
+      </p:par>
+    </p:tnLst>
+  </p:timing>
 </p:sld>
 </file>
 
@@ -25114,13 +25156,13 @@
   <p:clrMapOvr>
     <a:masterClrMapping/>
   </p:clrMapOvr>
-  <p:transition spd="med">
+  <p:transition xmlns:p14="http://schemas.microsoft.com/office/powerpoint/2010/main" spd="med">
     <p:fade/>
   </p:transition>
   <p:timing>
     <p:tnLst>
       <p:par>
-        <p:cTn id="1" dur="indefinite" restart="never" nodeType="tmRoot"/>
+        <p:cTn xmlns:p14="http://schemas.microsoft.com/office/powerpoint/2010/main" id="1" dur="indefinite" restart="never" nodeType="tmRoot"/>
       </p:par>
     </p:tnLst>
   </p:timing>
@@ -25322,13 +25364,13 @@
   <p:clrMapOvr>
     <a:masterClrMapping/>
   </p:clrMapOvr>
-  <p:transition spd="med">
+  <p:transition xmlns:p14="http://schemas.microsoft.com/office/powerpoint/2010/main" spd="med">
     <p:fade/>
   </p:transition>
   <p:timing>
     <p:tnLst>
       <p:par>
-        <p:cTn id="1" dur="indefinite" restart="never" nodeType="tmRoot"/>
+        <p:cTn xmlns:p14="http://schemas.microsoft.com/office/powerpoint/2010/main" id="1" dur="indefinite" restart="never" nodeType="tmRoot"/>
       </p:par>
     </p:tnLst>
   </p:timing>
@@ -25466,13 +25508,13 @@
   <p:clrMapOvr>
     <a:masterClrMapping/>
   </p:clrMapOvr>
-  <p:transition spd="med">
+  <p:transition xmlns:p14="http://schemas.microsoft.com/office/powerpoint/2010/main" spd="med">
     <p:fade/>
   </p:transition>
   <p:timing>
     <p:tnLst>
       <p:par>
-        <p:cTn id="1" dur="indefinite" restart="never" nodeType="tmRoot"/>
+        <p:cTn xmlns:p14="http://schemas.microsoft.com/office/powerpoint/2010/main" id="1" dur="indefinite" restart="never" nodeType="tmRoot"/>
       </p:par>
     </p:tnLst>
   </p:timing>
@@ -25732,13 +25774,13 @@
   <p:clrMapOvr>
     <a:masterClrMapping/>
   </p:clrMapOvr>
-  <p:transition spd="med">
+  <p:transition xmlns:p14="http://schemas.microsoft.com/office/powerpoint/2010/main" spd="med">
     <p:fade/>
   </p:transition>
   <p:timing>
     <p:tnLst>
       <p:par>
-        <p:cTn id="1" dur="indefinite" restart="never" nodeType="tmRoot"/>
+        <p:cTn xmlns:p14="http://schemas.microsoft.com/office/powerpoint/2010/main" id="1" dur="indefinite" restart="never" nodeType="tmRoot"/>
       </p:par>
     </p:tnLst>
   </p:timing>
@@ -26121,7 +26163,7 @@
   <a:extraClrSchemeLst/>
   <a:extLst>
     <a:ext uri="{05A4C25C-085E-4340-85A3-A5531E510DB2}">
-      <thm15:themeFamily xmlns:thm15="http://schemas.microsoft.com/office/thememl/2012/main" name="Chef-TemplateComps_v09-16x9-Light.potx" id="{078CEFDB-FA7A-4E36-9964-13EF367585CB}" vid="{8B87B0F3-7308-43D5-8388-E1B49EA02652}"/>
+      <thm15:themeFamily xmlns:thm15="http://schemas.microsoft.com/office/thememl/2012/main" xmlns="" name="Chef-TemplateComps_v09-16x9-Light.potx" id="{078CEFDB-FA7A-4E36-9964-13EF367585CB}" vid="{8B87B0F3-7308-43D5-8388-E1B49EA02652}"/>
     </a:ext>
   </a:extLst>
 </a:theme>
@@ -26503,7 +26545,7 @@
   <a:extraClrSchemeLst/>
   <a:extLst>
     <a:ext uri="{05A4C25C-085E-4340-85A3-A5531E510DB2}">
-      <thm15:themeFamily xmlns:thm15="http://schemas.microsoft.com/office/thememl/2012/main" name="Chef-TemplateComps_v09-16x9-Light.potx" id="{078CEFDB-FA7A-4E36-9964-13EF367585CB}" vid="{8B87B0F3-7308-43D5-8388-E1B49EA02652}"/>
+      <thm15:themeFamily xmlns:thm15="http://schemas.microsoft.com/office/thememl/2012/main" xmlns="" name="Chef-TemplateComps_v09-16x9-Light.potx" id="{078CEFDB-FA7A-4E36-9964-13EF367585CB}" vid="{8B87B0F3-7308-43D5-8388-E1B49EA02652}"/>
     </a:ext>
   </a:extLst>
 </a:theme>

--- a/07-refactoring_to_attributes.pptx
+++ b/07-refactoring_to_attributes.pptx
@@ -187,7 +187,7 @@
   </p:defaultTextStyle>
   <p:extLst>
     <p:ext uri="{EFAFB233-063F-42B5-8137-9DF3F51BA10A}">
-      <p15:sldGuideLst xmlns:p15="http://schemas.microsoft.com/office/powerpoint/2012/main" xmlns="">
+      <p15:sldGuideLst xmlns:p15="http://schemas.microsoft.com/office/powerpoint/2012/main">
         <p15:guide id="1" orient="horz" pos="894">
           <p15:clr>
             <a:srgbClr val="A4A3A4"/>
@@ -201,7 +201,7 @@
       </p15:sldGuideLst>
     </p:ext>
     <p:ext uri="{2D200454-40CA-4A62-9FC3-DE9A4176ACB9}">
-      <p15:notesGuideLst xmlns:p15="http://schemas.microsoft.com/office/powerpoint/2012/main" xmlns=""/>
+      <p15:notesGuideLst xmlns:p15="http://schemas.microsoft.com/office/powerpoint/2012/main"/>
     </p:ext>
   </p:extLst>
 </p:presentation>
@@ -269,6 +269,10 @@
             <a:pPr>
               <a:defRPr/>
             </a:pPr>
+            <a:r>
+              <a:rPr lang="en-US" smtClean="0"/>
+              <a:t>Test Driven Cookbook Development</a:t>
+            </a:r>
             <a:endParaRPr lang="en-US"/>
           </a:p>
         </p:txBody>
@@ -313,13 +317,10 @@
             <a:pPr>
               <a:defRPr/>
             </a:pPr>
-            <a:fld id="{04CB1577-BF96-2D40-B4CA-2BF6DA80CBA7}" type="datetime1">
-              <a:rPr lang="en-CA"/>
-              <a:pPr>
-                <a:defRPr/>
-              </a:pPr>
-              <a:t>4/12/16</a:t>
-            </a:fld>
+            <a:r>
+              <a:rPr lang="en-US" smtClean="0"/>
+              <a:t>Chef Software, Inc.</a:t>
+            </a:r>
             <a:endParaRPr lang="en-US" dirty="0"/>
           </a:p>
         </p:txBody>
@@ -430,7 +431,7 @@
     </p:extLst>
   </p:cSld>
   <p:clrMap bg1="lt1" tx1="dk1" bg2="lt2" tx2="dk2" accent1="accent1" accent2="accent2" accent3="accent3" accent4="accent4" accent5="accent5" accent6="accent6" hlink="hlink" folHlink="folHlink"/>
-  <p:hf dt="0"/>
+  <p:hf sldNum="0" ftr="0"/>
 </p:handoutMaster>
 </file>
 
@@ -468,7 +469,7 @@
         </p:nvSpPr>
         <p:spPr>
           <a:xfrm>
-            <a:off x="3884613" y="0"/>
+            <a:off x="3884613" y="108860"/>
             <a:ext cx="2971800" cy="457200"/>
           </a:xfrm>
           <a:prstGeom prst="rect">
@@ -496,13 +497,10 @@
             <a:pPr>
               <a:defRPr/>
             </a:pPr>
-            <a:fld id="{72FDBE47-C34F-CF4A-9709-1411AD5B3286}" type="datetime1">
-              <a:rPr lang="en-CA"/>
-              <a:pPr>
-                <a:defRPr/>
-              </a:pPr>
-              <a:t>4/12/16</a:t>
-            </a:fld>
+            <a:r>
+              <a:rPr lang="en-US" smtClean="0"/>
+              <a:t>Chef Software, Inc.</a:t>
+            </a:r>
             <a:endParaRPr lang="en-US" dirty="0"/>
           </a:p>
         </p:txBody>
@@ -553,8 +551,8 @@
         </p:nvSpPr>
         <p:spPr>
           <a:xfrm>
-            <a:off x="685800" y="4343400"/>
-            <a:ext cx="5486400" cy="4114800"/>
+            <a:off x="381000" y="4343399"/>
+            <a:ext cx="6096000" cy="4474029"/>
           </a:xfrm>
           <a:prstGeom prst="rect">
             <a:avLst/>
@@ -605,68 +603,17 @@
       </p:sp>
       <p:sp>
         <p:nvSpPr>
-          <p:cNvPr id="7" name="Slide Number Placeholder 6"/>
-          <p:cNvSpPr>
-            <a:spLocks noGrp="1"/>
-          </p:cNvSpPr>
-          <p:nvPr>
-            <p:ph type="sldNum" sz="quarter" idx="5"/>
+          <p:cNvPr id="8" name="Header Placeholder 1"/>
+          <p:cNvSpPr>
+            <a:spLocks noGrp="1"/>
+          </p:cNvSpPr>
+          <p:nvPr>
+            <p:ph type="hdr" sz="quarter"/>
           </p:nvPr>
         </p:nvSpPr>
         <p:spPr>
           <a:xfrm>
-            <a:off x="6172200" y="8685213"/>
-            <a:ext cx="684213" cy="457200"/>
-          </a:xfrm>
-          <a:prstGeom prst="rect">
-            <a:avLst/>
-          </a:prstGeom>
-        </p:spPr>
-        <p:txBody>
-          <a:bodyPr vert="horz" lIns="91440" tIns="45720" rIns="91440" bIns="45720" rtlCol="0" anchor="b"/>
-          <a:lstStyle>
-            <a:lvl1pPr algn="r" defTabSz="1219120" fontAlgn="auto">
-              <a:spcBef>
-                <a:spcPts val="0"/>
-              </a:spcBef>
-              <a:spcAft>
-                <a:spcPts val="0"/>
-              </a:spcAft>
-              <a:defRPr sz="1200" smtClean="0">
-                <a:latin typeface="Arial" panose="020B0604020202020204" pitchFamily="34" charset="0"/>
-                <a:ea typeface="+mn-ea"/>
-                <a:cs typeface="Arial" panose="020B0604020202020204" pitchFamily="34" charset="0"/>
-              </a:defRPr>
-            </a:lvl1pPr>
-          </a:lstStyle>
-          <a:p>
-            <a:pPr>
-              <a:defRPr/>
-            </a:pPr>
-            <a:fld id="{DC3734AA-3150-D947-AC52-2F5DF48BFCD5}" type="slidenum">
-              <a:rPr lang="en-US"/>
-              <a:pPr>
-                <a:defRPr/>
-              </a:pPr>
-              <a:t>‹#›</a:t>
-            </a:fld>
-            <a:endParaRPr lang="en-US" dirty="0"/>
-          </a:p>
-        </p:txBody>
-      </p:sp>
-      <p:sp>
-        <p:nvSpPr>
-          <p:cNvPr id="8" name="Header Placeholder 1"/>
-          <p:cNvSpPr>
-            <a:spLocks noGrp="1"/>
-          </p:cNvSpPr>
-          <p:nvPr>
-            <p:ph type="hdr" sz="quarter"/>
-          </p:nvPr>
-        </p:nvSpPr>
-        <p:spPr>
-          <a:xfrm>
-            <a:off x="0" y="0"/>
+            <a:off x="0" y="108860"/>
             <a:ext cx="2971800" cy="457200"/>
           </a:xfrm>
           <a:prstGeom prst="rect">
@@ -694,53 +641,10 @@
             <a:pPr>
               <a:defRPr/>
             </a:pPr>
-            <a:endParaRPr lang="en-US"/>
-          </a:p>
-        </p:txBody>
-      </p:sp>
-      <p:sp>
-        <p:nvSpPr>
-          <p:cNvPr id="9" name="Footer Placeholder 3"/>
-          <p:cNvSpPr>
-            <a:spLocks noGrp="1"/>
-          </p:cNvSpPr>
-          <p:nvPr>
-            <p:ph type="ftr" sz="quarter" idx="4"/>
-          </p:nvPr>
-        </p:nvSpPr>
-        <p:spPr>
-          <a:xfrm>
-            <a:off x="0" y="8685213"/>
-            <a:ext cx="6248400" cy="457200"/>
-          </a:xfrm>
-          <a:prstGeom prst="rect">
-            <a:avLst/>
-          </a:prstGeom>
-        </p:spPr>
-        <p:txBody>
-          <a:bodyPr vert="horz" lIns="91440" tIns="45720" rIns="91440" bIns="45720" rtlCol="0" anchor="b"/>
-          <a:lstStyle>
-            <a:lvl1pPr algn="l" defTabSz="1219120" fontAlgn="auto">
-              <a:spcBef>
-                <a:spcPts val="0"/>
-              </a:spcBef>
-              <a:spcAft>
-                <a:spcPts val="0"/>
-              </a:spcAft>
-              <a:defRPr sz="900" dirty="0" smtClean="0">
-                <a:solidFill>
-                  <a:srgbClr val="000000"/>
-                </a:solidFill>
-                <a:latin typeface="Arial" panose="020B0604020202020204" pitchFamily="34" charset="0"/>
-                <a:ea typeface="+mn-ea"/>
-                <a:cs typeface="Arial" panose="020B0604020202020204" pitchFamily="34" charset="0"/>
-              </a:defRPr>
-            </a:lvl1pPr>
-          </a:lstStyle>
-          <a:p>
-            <a:pPr>
-              <a:defRPr/>
-            </a:pPr>
+            <a:r>
+              <a:rPr lang="en-US" smtClean="0"/>
+              <a:t>Test Driven Cookbook Development</a:t>
+            </a:r>
             <a:endParaRPr lang="en-US"/>
           </a:p>
         </p:txBody>
@@ -753,7 +657,7 @@
     </p:extLst>
   </p:cSld>
   <p:clrMap bg1="lt1" tx1="dk1" bg2="lt2" tx2="dk2" accent1="accent1" accent2="accent2" accent3="accent3" accent4="accent4" accent5="accent5" accent6="accent6" hlink="hlink" folHlink="folHlink"/>
-  <p:hf dt="0"/>
+  <p:hf sldNum="0" ftr="0"/>
   <p:notesStyle>
     <a:lvl1pPr algn="l" defTabSz="1217613" rtl="0" fontAlgn="base">
       <a:lnSpc>
@@ -960,12 +864,12 @@
       </p:sp>
       <p:sp>
         <p:nvSpPr>
-          <p:cNvPr id="4" name="Slide Number Placeholder 3"/>
-          <p:cNvSpPr>
-            <a:spLocks noGrp="1"/>
-          </p:cNvSpPr>
-          <p:nvPr>
-            <p:ph type="sldNum" sz="quarter" idx="10"/>
+          <p:cNvPr id="5" name="Header Placeholder 4"/>
+          <p:cNvSpPr>
+            <a:spLocks noGrp="1"/>
+          </p:cNvSpPr>
+          <p:nvPr>
+            <p:ph type="hdr" sz="quarter" idx="11"/>
           </p:nvPr>
         </p:nvSpPr>
         <p:spPr/>
@@ -976,25 +880,22 @@
             <a:pPr>
               <a:defRPr/>
             </a:pPr>
-            <a:fld id="{DC3734AA-3150-D947-AC52-2F5DF48BFCD5}" type="slidenum">
+            <a:r>
               <a:rPr lang="en-US" smtClean="0"/>
-              <a:pPr>
-                <a:defRPr/>
-              </a:pPr>
-              <a:t>1</a:t>
-            </a:fld>
-            <a:endParaRPr lang="en-US" dirty="0"/>
-          </a:p>
-        </p:txBody>
-      </p:sp>
-      <p:sp>
-        <p:nvSpPr>
-          <p:cNvPr id="5" name="Header Placeholder 4"/>
-          <p:cNvSpPr>
-            <a:spLocks noGrp="1"/>
-          </p:cNvSpPr>
-          <p:nvPr>
-            <p:ph type="hdr" sz="quarter" idx="11"/>
+              <a:t>Test Driven Cookbook Development</a:t>
+            </a:r>
+            <a:endParaRPr lang="en-US"/>
+          </a:p>
+        </p:txBody>
+      </p:sp>
+      <p:sp>
+        <p:nvSpPr>
+          <p:cNvPr id="7" name="Date Placeholder 6"/>
+          <p:cNvSpPr>
+            <a:spLocks noGrp="1"/>
+          </p:cNvSpPr>
+          <p:nvPr>
+            <p:ph type="dt" idx="13"/>
           </p:nvPr>
         </p:nvSpPr>
         <p:spPr/>
@@ -1005,29 +906,11 @@
             <a:pPr>
               <a:defRPr/>
             </a:pPr>
-            <a:endParaRPr lang="en-US"/>
-          </a:p>
-        </p:txBody>
-      </p:sp>
-      <p:sp>
-        <p:nvSpPr>
-          <p:cNvPr id="6" name="Footer Placeholder 5"/>
-          <p:cNvSpPr>
-            <a:spLocks noGrp="1"/>
-          </p:cNvSpPr>
-          <p:nvPr>
-            <p:ph type="ftr" sz="quarter" idx="12"/>
-          </p:nvPr>
-        </p:nvSpPr>
-        <p:spPr/>
-        <p:txBody>
-          <a:bodyPr/>
-          <a:lstStyle/>
-          <a:p>
-            <a:pPr>
-              <a:defRPr/>
-            </a:pPr>
-            <a:endParaRPr lang="en-US"/>
+            <a:r>
+              <a:rPr lang="en-US" smtClean="0"/>
+              <a:t>Chef Software, Inc.</a:t>
+            </a:r>
+            <a:endParaRPr lang="en-US" dirty="0"/>
           </a:p>
         </p:txBody>
       </p:sp>
@@ -1102,12 +985,12 @@
       </p:sp>
       <p:sp>
         <p:nvSpPr>
-          <p:cNvPr id="4" name="Slide Number Placeholder 3"/>
-          <p:cNvSpPr>
-            <a:spLocks noGrp="1"/>
-          </p:cNvSpPr>
-          <p:nvPr>
-            <p:ph type="sldNum" sz="quarter" idx="10"/>
+          <p:cNvPr id="5" name="Header Placeholder 4"/>
+          <p:cNvSpPr>
+            <a:spLocks noGrp="1"/>
+          </p:cNvSpPr>
+          <p:nvPr>
+            <p:ph type="hdr" sz="quarter" idx="11"/>
           </p:nvPr>
         </p:nvSpPr>
         <p:spPr/>
@@ -1118,25 +1001,22 @@
             <a:pPr>
               <a:defRPr/>
             </a:pPr>
-            <a:fld id="{DC3734AA-3150-D947-AC52-2F5DF48BFCD5}" type="slidenum">
+            <a:r>
               <a:rPr lang="en-US" smtClean="0"/>
-              <a:pPr>
-                <a:defRPr/>
-              </a:pPr>
-              <a:t>10</a:t>
-            </a:fld>
-            <a:endParaRPr lang="en-US" dirty="0"/>
-          </a:p>
-        </p:txBody>
-      </p:sp>
-      <p:sp>
-        <p:nvSpPr>
-          <p:cNvPr id="5" name="Header Placeholder 4"/>
-          <p:cNvSpPr>
-            <a:spLocks noGrp="1"/>
-          </p:cNvSpPr>
-          <p:nvPr>
-            <p:ph type="hdr" sz="quarter" idx="11"/>
+              <a:t>Test Driven Cookbook Development</a:t>
+            </a:r>
+            <a:endParaRPr lang="en-US"/>
+          </a:p>
+        </p:txBody>
+      </p:sp>
+      <p:sp>
+        <p:nvSpPr>
+          <p:cNvPr id="7" name="Date Placeholder 6"/>
+          <p:cNvSpPr>
+            <a:spLocks noGrp="1"/>
+          </p:cNvSpPr>
+          <p:nvPr>
+            <p:ph type="dt" idx="13"/>
           </p:nvPr>
         </p:nvSpPr>
         <p:spPr/>
@@ -1147,29 +1027,11 @@
             <a:pPr>
               <a:defRPr/>
             </a:pPr>
-            <a:endParaRPr lang="en-US"/>
-          </a:p>
-        </p:txBody>
-      </p:sp>
-      <p:sp>
-        <p:nvSpPr>
-          <p:cNvPr id="6" name="Footer Placeholder 5"/>
-          <p:cNvSpPr>
-            <a:spLocks noGrp="1"/>
-          </p:cNvSpPr>
-          <p:nvPr>
-            <p:ph type="ftr" sz="quarter" idx="12"/>
-          </p:nvPr>
-        </p:nvSpPr>
-        <p:spPr/>
-        <p:txBody>
-          <a:bodyPr/>
-          <a:lstStyle/>
-          <a:p>
-            <a:pPr>
-              <a:defRPr/>
-            </a:pPr>
-            <a:endParaRPr lang="en-US"/>
+            <a:r>
+              <a:rPr lang="en-US" smtClean="0"/>
+              <a:t>Chef Software, Inc.</a:t>
+            </a:r>
+            <a:endParaRPr lang="en-US" dirty="0"/>
           </a:p>
         </p:txBody>
       </p:sp>
@@ -1244,12 +1106,12 @@
       </p:sp>
       <p:sp>
         <p:nvSpPr>
-          <p:cNvPr id="4" name="Slide Number Placeholder 3"/>
-          <p:cNvSpPr>
-            <a:spLocks noGrp="1"/>
-          </p:cNvSpPr>
-          <p:nvPr>
-            <p:ph type="sldNum" sz="quarter" idx="10"/>
+          <p:cNvPr id="5" name="Header Placeholder 4"/>
+          <p:cNvSpPr>
+            <a:spLocks noGrp="1"/>
+          </p:cNvSpPr>
+          <p:nvPr>
+            <p:ph type="hdr" sz="quarter" idx="11"/>
           </p:nvPr>
         </p:nvSpPr>
         <p:spPr/>
@@ -1260,25 +1122,22 @@
             <a:pPr>
               <a:defRPr/>
             </a:pPr>
-            <a:fld id="{DC3734AA-3150-D947-AC52-2F5DF48BFCD5}" type="slidenum">
+            <a:r>
               <a:rPr lang="en-US" smtClean="0"/>
-              <a:pPr>
-                <a:defRPr/>
-              </a:pPr>
-              <a:t>11</a:t>
-            </a:fld>
-            <a:endParaRPr lang="en-US" dirty="0"/>
-          </a:p>
-        </p:txBody>
-      </p:sp>
-      <p:sp>
-        <p:nvSpPr>
-          <p:cNvPr id="5" name="Header Placeholder 4"/>
-          <p:cNvSpPr>
-            <a:spLocks noGrp="1"/>
-          </p:cNvSpPr>
-          <p:nvPr>
-            <p:ph type="hdr" sz="quarter" idx="11"/>
+              <a:t>Test Driven Cookbook Development</a:t>
+            </a:r>
+            <a:endParaRPr lang="en-US"/>
+          </a:p>
+        </p:txBody>
+      </p:sp>
+      <p:sp>
+        <p:nvSpPr>
+          <p:cNvPr id="7" name="Date Placeholder 6"/>
+          <p:cNvSpPr>
+            <a:spLocks noGrp="1"/>
+          </p:cNvSpPr>
+          <p:nvPr>
+            <p:ph type="dt" idx="13"/>
           </p:nvPr>
         </p:nvSpPr>
         <p:spPr/>
@@ -1289,29 +1148,11 @@
             <a:pPr>
               <a:defRPr/>
             </a:pPr>
-            <a:endParaRPr lang="en-US"/>
-          </a:p>
-        </p:txBody>
-      </p:sp>
-      <p:sp>
-        <p:nvSpPr>
-          <p:cNvPr id="6" name="Footer Placeholder 5"/>
-          <p:cNvSpPr>
-            <a:spLocks noGrp="1"/>
-          </p:cNvSpPr>
-          <p:nvPr>
-            <p:ph type="ftr" sz="quarter" idx="12"/>
-          </p:nvPr>
-        </p:nvSpPr>
-        <p:spPr/>
-        <p:txBody>
-          <a:bodyPr/>
-          <a:lstStyle/>
-          <a:p>
-            <a:pPr>
-              <a:defRPr/>
-            </a:pPr>
-            <a:endParaRPr lang="en-US"/>
+            <a:r>
+              <a:rPr lang="en-US" smtClean="0"/>
+              <a:t>Chef Software, Inc.</a:t>
+            </a:r>
+            <a:endParaRPr lang="en-US" dirty="0"/>
           </a:p>
         </p:txBody>
       </p:sp>
@@ -1394,12 +1235,12 @@
       </p:sp>
       <p:sp>
         <p:nvSpPr>
-          <p:cNvPr id="4" name="Slide Number Placeholder 3"/>
-          <p:cNvSpPr>
-            <a:spLocks noGrp="1"/>
-          </p:cNvSpPr>
-          <p:nvPr>
-            <p:ph type="sldNum" sz="quarter" idx="10"/>
+          <p:cNvPr id="5" name="Header Placeholder 4"/>
+          <p:cNvSpPr>
+            <a:spLocks noGrp="1"/>
+          </p:cNvSpPr>
+          <p:nvPr>
+            <p:ph type="hdr" sz="quarter" idx="11"/>
           </p:nvPr>
         </p:nvSpPr>
         <p:spPr/>
@@ -1410,25 +1251,22 @@
             <a:pPr>
               <a:defRPr/>
             </a:pPr>
-            <a:fld id="{DC3734AA-3150-D947-AC52-2F5DF48BFCD5}" type="slidenum">
+            <a:r>
               <a:rPr lang="en-US" smtClean="0"/>
-              <a:pPr>
-                <a:defRPr/>
-              </a:pPr>
-              <a:t>12</a:t>
-            </a:fld>
-            <a:endParaRPr lang="en-US" dirty="0"/>
-          </a:p>
-        </p:txBody>
-      </p:sp>
-      <p:sp>
-        <p:nvSpPr>
-          <p:cNvPr id="5" name="Header Placeholder 4"/>
-          <p:cNvSpPr>
-            <a:spLocks noGrp="1"/>
-          </p:cNvSpPr>
-          <p:nvPr>
-            <p:ph type="hdr" sz="quarter" idx="11"/>
+              <a:t>Test Driven Cookbook Development</a:t>
+            </a:r>
+            <a:endParaRPr lang="en-US"/>
+          </a:p>
+        </p:txBody>
+      </p:sp>
+      <p:sp>
+        <p:nvSpPr>
+          <p:cNvPr id="7" name="Date Placeholder 6"/>
+          <p:cNvSpPr>
+            <a:spLocks noGrp="1"/>
+          </p:cNvSpPr>
+          <p:nvPr>
+            <p:ph type="dt" idx="13"/>
           </p:nvPr>
         </p:nvSpPr>
         <p:spPr/>
@@ -1439,29 +1277,11 @@
             <a:pPr>
               <a:defRPr/>
             </a:pPr>
-            <a:endParaRPr lang="en-US"/>
-          </a:p>
-        </p:txBody>
-      </p:sp>
-      <p:sp>
-        <p:nvSpPr>
-          <p:cNvPr id="6" name="Footer Placeholder 5"/>
-          <p:cNvSpPr>
-            <a:spLocks noGrp="1"/>
-          </p:cNvSpPr>
-          <p:nvPr>
-            <p:ph type="ftr" sz="quarter" idx="12"/>
-          </p:nvPr>
-        </p:nvSpPr>
-        <p:spPr/>
-        <p:txBody>
-          <a:bodyPr/>
-          <a:lstStyle/>
-          <a:p>
-            <a:pPr>
-              <a:defRPr/>
-            </a:pPr>
-            <a:endParaRPr lang="en-US"/>
+            <a:r>
+              <a:rPr lang="en-US" smtClean="0"/>
+              <a:t>Chef Software, Inc.</a:t>
+            </a:r>
+            <a:endParaRPr lang="en-US" dirty="0"/>
           </a:p>
         </p:txBody>
       </p:sp>
@@ -1536,12 +1356,12 @@
       </p:sp>
       <p:sp>
         <p:nvSpPr>
-          <p:cNvPr id="4" name="Slide Number Placeholder 3"/>
-          <p:cNvSpPr>
-            <a:spLocks noGrp="1"/>
-          </p:cNvSpPr>
-          <p:nvPr>
-            <p:ph type="sldNum" sz="quarter" idx="10"/>
+          <p:cNvPr id="5" name="Header Placeholder 4"/>
+          <p:cNvSpPr>
+            <a:spLocks noGrp="1"/>
+          </p:cNvSpPr>
+          <p:nvPr>
+            <p:ph type="hdr" sz="quarter" idx="11"/>
           </p:nvPr>
         </p:nvSpPr>
         <p:spPr/>
@@ -1552,25 +1372,22 @@
             <a:pPr>
               <a:defRPr/>
             </a:pPr>
-            <a:fld id="{DC3734AA-3150-D947-AC52-2F5DF48BFCD5}" type="slidenum">
+            <a:r>
               <a:rPr lang="en-US" smtClean="0"/>
-              <a:pPr>
-                <a:defRPr/>
-              </a:pPr>
-              <a:t>13</a:t>
-            </a:fld>
-            <a:endParaRPr lang="en-US" dirty="0"/>
-          </a:p>
-        </p:txBody>
-      </p:sp>
-      <p:sp>
-        <p:nvSpPr>
-          <p:cNvPr id="5" name="Header Placeholder 4"/>
-          <p:cNvSpPr>
-            <a:spLocks noGrp="1"/>
-          </p:cNvSpPr>
-          <p:nvPr>
-            <p:ph type="hdr" sz="quarter" idx="11"/>
+              <a:t>Test Driven Cookbook Development</a:t>
+            </a:r>
+            <a:endParaRPr lang="en-US"/>
+          </a:p>
+        </p:txBody>
+      </p:sp>
+      <p:sp>
+        <p:nvSpPr>
+          <p:cNvPr id="7" name="Date Placeholder 6"/>
+          <p:cNvSpPr>
+            <a:spLocks noGrp="1"/>
+          </p:cNvSpPr>
+          <p:nvPr>
+            <p:ph type="dt" idx="13"/>
           </p:nvPr>
         </p:nvSpPr>
         <p:spPr/>
@@ -1581,29 +1398,11 @@
             <a:pPr>
               <a:defRPr/>
             </a:pPr>
-            <a:endParaRPr lang="en-US"/>
-          </a:p>
-        </p:txBody>
-      </p:sp>
-      <p:sp>
-        <p:nvSpPr>
-          <p:cNvPr id="6" name="Footer Placeholder 5"/>
-          <p:cNvSpPr>
-            <a:spLocks noGrp="1"/>
-          </p:cNvSpPr>
-          <p:nvPr>
-            <p:ph type="ftr" sz="quarter" idx="12"/>
-          </p:nvPr>
-        </p:nvSpPr>
-        <p:spPr/>
-        <p:txBody>
-          <a:bodyPr/>
-          <a:lstStyle/>
-          <a:p>
-            <a:pPr>
-              <a:defRPr/>
-            </a:pPr>
-            <a:endParaRPr lang="en-US"/>
+            <a:r>
+              <a:rPr lang="en-US" smtClean="0"/>
+              <a:t>Chef Software, Inc.</a:t>
+            </a:r>
+            <a:endParaRPr lang="en-US" dirty="0"/>
           </a:p>
         </p:txBody>
       </p:sp>
@@ -1678,12 +1477,12 @@
       </p:sp>
       <p:sp>
         <p:nvSpPr>
-          <p:cNvPr id="4" name="Slide Number Placeholder 3"/>
-          <p:cNvSpPr>
-            <a:spLocks noGrp="1"/>
-          </p:cNvSpPr>
-          <p:nvPr>
-            <p:ph type="sldNum" sz="quarter" idx="10"/>
+          <p:cNvPr id="5" name="Header Placeholder 4"/>
+          <p:cNvSpPr>
+            <a:spLocks noGrp="1"/>
+          </p:cNvSpPr>
+          <p:nvPr>
+            <p:ph type="hdr" sz="quarter" idx="11"/>
           </p:nvPr>
         </p:nvSpPr>
         <p:spPr/>
@@ -1694,25 +1493,22 @@
             <a:pPr>
               <a:defRPr/>
             </a:pPr>
-            <a:fld id="{DC3734AA-3150-D947-AC52-2F5DF48BFCD5}" type="slidenum">
+            <a:r>
               <a:rPr lang="en-US" smtClean="0"/>
-              <a:pPr>
-                <a:defRPr/>
-              </a:pPr>
-              <a:t>14</a:t>
-            </a:fld>
-            <a:endParaRPr lang="en-US" dirty="0"/>
-          </a:p>
-        </p:txBody>
-      </p:sp>
-      <p:sp>
-        <p:nvSpPr>
-          <p:cNvPr id="5" name="Header Placeholder 4"/>
-          <p:cNvSpPr>
-            <a:spLocks noGrp="1"/>
-          </p:cNvSpPr>
-          <p:nvPr>
-            <p:ph type="hdr" sz="quarter" idx="11"/>
+              <a:t>Test Driven Cookbook Development</a:t>
+            </a:r>
+            <a:endParaRPr lang="en-US"/>
+          </a:p>
+        </p:txBody>
+      </p:sp>
+      <p:sp>
+        <p:nvSpPr>
+          <p:cNvPr id="7" name="Date Placeholder 6"/>
+          <p:cNvSpPr>
+            <a:spLocks noGrp="1"/>
+          </p:cNvSpPr>
+          <p:nvPr>
+            <p:ph type="dt" idx="13"/>
           </p:nvPr>
         </p:nvSpPr>
         <p:spPr/>
@@ -1723,29 +1519,11 @@
             <a:pPr>
               <a:defRPr/>
             </a:pPr>
-            <a:endParaRPr lang="en-US"/>
-          </a:p>
-        </p:txBody>
-      </p:sp>
-      <p:sp>
-        <p:nvSpPr>
-          <p:cNvPr id="6" name="Footer Placeholder 5"/>
-          <p:cNvSpPr>
-            <a:spLocks noGrp="1"/>
-          </p:cNvSpPr>
-          <p:nvPr>
-            <p:ph type="ftr" sz="quarter" idx="12"/>
-          </p:nvPr>
-        </p:nvSpPr>
-        <p:spPr/>
-        <p:txBody>
-          <a:bodyPr/>
-          <a:lstStyle/>
-          <a:p>
-            <a:pPr>
-              <a:defRPr/>
-            </a:pPr>
-            <a:endParaRPr lang="en-US"/>
+            <a:r>
+              <a:rPr lang="en-US" smtClean="0"/>
+              <a:t>Chef Software, Inc.</a:t>
+            </a:r>
+            <a:endParaRPr lang="en-US" dirty="0"/>
           </a:p>
         </p:txBody>
       </p:sp>
@@ -1820,12 +1598,12 @@
       </p:sp>
       <p:sp>
         <p:nvSpPr>
-          <p:cNvPr id="4" name="Slide Number Placeholder 3"/>
-          <p:cNvSpPr>
-            <a:spLocks noGrp="1"/>
-          </p:cNvSpPr>
-          <p:nvPr>
-            <p:ph type="sldNum" sz="quarter" idx="10"/>
+          <p:cNvPr id="5" name="Header Placeholder 4"/>
+          <p:cNvSpPr>
+            <a:spLocks noGrp="1"/>
+          </p:cNvSpPr>
+          <p:nvPr>
+            <p:ph type="hdr" sz="quarter" idx="11"/>
           </p:nvPr>
         </p:nvSpPr>
         <p:spPr/>
@@ -1836,25 +1614,22 @@
             <a:pPr>
               <a:defRPr/>
             </a:pPr>
-            <a:fld id="{DC3734AA-3150-D947-AC52-2F5DF48BFCD5}" type="slidenum">
+            <a:r>
               <a:rPr lang="en-US" smtClean="0"/>
-              <a:pPr>
-                <a:defRPr/>
-              </a:pPr>
-              <a:t>15</a:t>
-            </a:fld>
-            <a:endParaRPr lang="en-US" dirty="0"/>
-          </a:p>
-        </p:txBody>
-      </p:sp>
-      <p:sp>
-        <p:nvSpPr>
-          <p:cNvPr id="5" name="Header Placeholder 4"/>
-          <p:cNvSpPr>
-            <a:spLocks noGrp="1"/>
-          </p:cNvSpPr>
-          <p:nvPr>
-            <p:ph type="hdr" sz="quarter" idx="11"/>
+              <a:t>Test Driven Cookbook Development</a:t>
+            </a:r>
+            <a:endParaRPr lang="en-US"/>
+          </a:p>
+        </p:txBody>
+      </p:sp>
+      <p:sp>
+        <p:nvSpPr>
+          <p:cNvPr id="7" name="Date Placeholder 6"/>
+          <p:cNvSpPr>
+            <a:spLocks noGrp="1"/>
+          </p:cNvSpPr>
+          <p:nvPr>
+            <p:ph type="dt" idx="13"/>
           </p:nvPr>
         </p:nvSpPr>
         <p:spPr/>
@@ -1865,29 +1640,11 @@
             <a:pPr>
               <a:defRPr/>
             </a:pPr>
-            <a:endParaRPr lang="en-US"/>
-          </a:p>
-        </p:txBody>
-      </p:sp>
-      <p:sp>
-        <p:nvSpPr>
-          <p:cNvPr id="6" name="Footer Placeholder 5"/>
-          <p:cNvSpPr>
-            <a:spLocks noGrp="1"/>
-          </p:cNvSpPr>
-          <p:nvPr>
-            <p:ph type="ftr" sz="quarter" idx="12"/>
-          </p:nvPr>
-        </p:nvSpPr>
-        <p:spPr/>
-        <p:txBody>
-          <a:bodyPr/>
-          <a:lstStyle/>
-          <a:p>
-            <a:pPr>
-              <a:defRPr/>
-            </a:pPr>
-            <a:endParaRPr lang="en-US"/>
+            <a:r>
+              <a:rPr lang="en-US" smtClean="0"/>
+              <a:t>Chef Software, Inc.</a:t>
+            </a:r>
+            <a:endParaRPr lang="en-US" dirty="0"/>
           </a:p>
         </p:txBody>
       </p:sp>
@@ -1962,12 +1719,12 @@
       </p:sp>
       <p:sp>
         <p:nvSpPr>
-          <p:cNvPr id="4" name="Slide Number Placeholder 3"/>
-          <p:cNvSpPr>
-            <a:spLocks noGrp="1"/>
-          </p:cNvSpPr>
-          <p:nvPr>
-            <p:ph type="sldNum" sz="quarter" idx="10"/>
+          <p:cNvPr id="5" name="Header Placeholder 4"/>
+          <p:cNvSpPr>
+            <a:spLocks noGrp="1"/>
+          </p:cNvSpPr>
+          <p:nvPr>
+            <p:ph type="hdr" sz="quarter" idx="11"/>
           </p:nvPr>
         </p:nvSpPr>
         <p:spPr/>
@@ -1978,25 +1735,22 @@
             <a:pPr>
               <a:defRPr/>
             </a:pPr>
-            <a:fld id="{DC3734AA-3150-D947-AC52-2F5DF48BFCD5}" type="slidenum">
+            <a:r>
               <a:rPr lang="en-US" smtClean="0"/>
-              <a:pPr>
-                <a:defRPr/>
-              </a:pPr>
-              <a:t>16</a:t>
-            </a:fld>
-            <a:endParaRPr lang="en-US" dirty="0"/>
-          </a:p>
-        </p:txBody>
-      </p:sp>
-      <p:sp>
-        <p:nvSpPr>
-          <p:cNvPr id="5" name="Header Placeholder 4"/>
-          <p:cNvSpPr>
-            <a:spLocks noGrp="1"/>
-          </p:cNvSpPr>
-          <p:nvPr>
-            <p:ph type="hdr" sz="quarter" idx="11"/>
+              <a:t>Test Driven Cookbook Development</a:t>
+            </a:r>
+            <a:endParaRPr lang="en-US"/>
+          </a:p>
+        </p:txBody>
+      </p:sp>
+      <p:sp>
+        <p:nvSpPr>
+          <p:cNvPr id="7" name="Date Placeholder 6"/>
+          <p:cNvSpPr>
+            <a:spLocks noGrp="1"/>
+          </p:cNvSpPr>
+          <p:nvPr>
+            <p:ph type="dt" idx="13"/>
           </p:nvPr>
         </p:nvSpPr>
         <p:spPr/>
@@ -2007,29 +1761,11 @@
             <a:pPr>
               <a:defRPr/>
             </a:pPr>
-            <a:endParaRPr lang="en-US"/>
-          </a:p>
-        </p:txBody>
-      </p:sp>
-      <p:sp>
-        <p:nvSpPr>
-          <p:cNvPr id="6" name="Footer Placeholder 5"/>
-          <p:cNvSpPr>
-            <a:spLocks noGrp="1"/>
-          </p:cNvSpPr>
-          <p:nvPr>
-            <p:ph type="ftr" sz="quarter" idx="12"/>
-          </p:nvPr>
-        </p:nvSpPr>
-        <p:spPr/>
-        <p:txBody>
-          <a:bodyPr/>
-          <a:lstStyle/>
-          <a:p>
-            <a:pPr>
-              <a:defRPr/>
-            </a:pPr>
-            <a:endParaRPr lang="en-US"/>
+            <a:r>
+              <a:rPr lang="en-US" smtClean="0"/>
+              <a:t>Chef Software, Inc.</a:t>
+            </a:r>
+            <a:endParaRPr lang="en-US" dirty="0"/>
           </a:p>
         </p:txBody>
       </p:sp>
@@ -2104,12 +1840,12 @@
       </p:sp>
       <p:sp>
         <p:nvSpPr>
-          <p:cNvPr id="4" name="Slide Number Placeholder 3"/>
-          <p:cNvSpPr>
-            <a:spLocks noGrp="1"/>
-          </p:cNvSpPr>
-          <p:nvPr>
-            <p:ph type="sldNum" sz="quarter" idx="10"/>
+          <p:cNvPr id="5" name="Header Placeholder 4"/>
+          <p:cNvSpPr>
+            <a:spLocks noGrp="1"/>
+          </p:cNvSpPr>
+          <p:nvPr>
+            <p:ph type="hdr" sz="quarter" idx="11"/>
           </p:nvPr>
         </p:nvSpPr>
         <p:spPr/>
@@ -2120,25 +1856,22 @@
             <a:pPr>
               <a:defRPr/>
             </a:pPr>
-            <a:fld id="{DC3734AA-3150-D947-AC52-2F5DF48BFCD5}" type="slidenum">
+            <a:r>
               <a:rPr lang="en-US" smtClean="0"/>
-              <a:pPr>
-                <a:defRPr/>
-              </a:pPr>
-              <a:t>17</a:t>
-            </a:fld>
-            <a:endParaRPr lang="en-US" dirty="0"/>
-          </a:p>
-        </p:txBody>
-      </p:sp>
-      <p:sp>
-        <p:nvSpPr>
-          <p:cNvPr id="5" name="Header Placeholder 4"/>
-          <p:cNvSpPr>
-            <a:spLocks noGrp="1"/>
-          </p:cNvSpPr>
-          <p:nvPr>
-            <p:ph type="hdr" sz="quarter" idx="11"/>
+              <a:t>Test Driven Cookbook Development</a:t>
+            </a:r>
+            <a:endParaRPr lang="en-US"/>
+          </a:p>
+        </p:txBody>
+      </p:sp>
+      <p:sp>
+        <p:nvSpPr>
+          <p:cNvPr id="7" name="Date Placeholder 6"/>
+          <p:cNvSpPr>
+            <a:spLocks noGrp="1"/>
+          </p:cNvSpPr>
+          <p:nvPr>
+            <p:ph type="dt" idx="13"/>
           </p:nvPr>
         </p:nvSpPr>
         <p:spPr/>
@@ -2149,29 +1882,11 @@
             <a:pPr>
               <a:defRPr/>
             </a:pPr>
-            <a:endParaRPr lang="en-US"/>
-          </a:p>
-        </p:txBody>
-      </p:sp>
-      <p:sp>
-        <p:nvSpPr>
-          <p:cNvPr id="6" name="Footer Placeholder 5"/>
-          <p:cNvSpPr>
-            <a:spLocks noGrp="1"/>
-          </p:cNvSpPr>
-          <p:nvPr>
-            <p:ph type="ftr" sz="quarter" idx="12"/>
-          </p:nvPr>
-        </p:nvSpPr>
-        <p:spPr/>
-        <p:txBody>
-          <a:bodyPr/>
-          <a:lstStyle/>
-          <a:p>
-            <a:pPr>
-              <a:defRPr/>
-            </a:pPr>
-            <a:endParaRPr lang="en-US"/>
+            <a:r>
+              <a:rPr lang="en-US" smtClean="0"/>
+              <a:t>Chef Software, Inc.</a:t>
+            </a:r>
+            <a:endParaRPr lang="en-US" dirty="0"/>
           </a:p>
         </p:txBody>
       </p:sp>
@@ -2255,12 +1970,12 @@
       </p:sp>
       <p:sp>
         <p:nvSpPr>
-          <p:cNvPr id="4" name="Slide Number Placeholder 3"/>
-          <p:cNvSpPr>
-            <a:spLocks noGrp="1"/>
-          </p:cNvSpPr>
-          <p:nvPr>
-            <p:ph type="sldNum" sz="quarter" idx="10"/>
+          <p:cNvPr id="5" name="Header Placeholder 4"/>
+          <p:cNvSpPr>
+            <a:spLocks noGrp="1"/>
+          </p:cNvSpPr>
+          <p:nvPr>
+            <p:ph type="hdr" sz="quarter" idx="11"/>
           </p:nvPr>
         </p:nvSpPr>
         <p:spPr/>
@@ -2271,25 +1986,22 @@
             <a:pPr>
               <a:defRPr/>
             </a:pPr>
-            <a:fld id="{DC3734AA-3150-D947-AC52-2F5DF48BFCD5}" type="slidenum">
+            <a:r>
               <a:rPr lang="en-US" smtClean="0"/>
-              <a:pPr>
-                <a:defRPr/>
-              </a:pPr>
-              <a:t>18</a:t>
-            </a:fld>
-            <a:endParaRPr lang="en-US" dirty="0"/>
-          </a:p>
-        </p:txBody>
-      </p:sp>
-      <p:sp>
-        <p:nvSpPr>
-          <p:cNvPr id="5" name="Header Placeholder 4"/>
-          <p:cNvSpPr>
-            <a:spLocks noGrp="1"/>
-          </p:cNvSpPr>
-          <p:nvPr>
-            <p:ph type="hdr" sz="quarter" idx="11"/>
+              <a:t>Test Driven Cookbook Development</a:t>
+            </a:r>
+            <a:endParaRPr lang="en-US"/>
+          </a:p>
+        </p:txBody>
+      </p:sp>
+      <p:sp>
+        <p:nvSpPr>
+          <p:cNvPr id="7" name="Date Placeholder 6"/>
+          <p:cNvSpPr>
+            <a:spLocks noGrp="1"/>
+          </p:cNvSpPr>
+          <p:nvPr>
+            <p:ph type="dt" idx="13"/>
           </p:nvPr>
         </p:nvSpPr>
         <p:spPr/>
@@ -2300,29 +2012,11 @@
             <a:pPr>
               <a:defRPr/>
             </a:pPr>
-            <a:endParaRPr lang="en-US"/>
-          </a:p>
-        </p:txBody>
-      </p:sp>
-      <p:sp>
-        <p:nvSpPr>
-          <p:cNvPr id="6" name="Footer Placeholder 5"/>
-          <p:cNvSpPr>
-            <a:spLocks noGrp="1"/>
-          </p:cNvSpPr>
-          <p:nvPr>
-            <p:ph type="ftr" sz="quarter" idx="12"/>
-          </p:nvPr>
-        </p:nvSpPr>
-        <p:spPr/>
-        <p:txBody>
-          <a:bodyPr/>
-          <a:lstStyle/>
-          <a:p>
-            <a:pPr>
-              <a:defRPr/>
-            </a:pPr>
-            <a:endParaRPr lang="en-US"/>
+            <a:r>
+              <a:rPr lang="en-US" smtClean="0"/>
+              <a:t>Chef Software, Inc.</a:t>
+            </a:r>
+            <a:endParaRPr lang="en-US" dirty="0"/>
           </a:p>
         </p:txBody>
       </p:sp>
@@ -2396,12 +2090,12 @@
       </p:sp>
       <p:sp>
         <p:nvSpPr>
-          <p:cNvPr id="4" name="Slide Number Placeholder 3"/>
-          <p:cNvSpPr>
-            <a:spLocks noGrp="1"/>
-          </p:cNvSpPr>
-          <p:nvPr>
-            <p:ph type="sldNum" sz="quarter" idx="10"/>
+          <p:cNvPr id="5" name="Header Placeholder 4"/>
+          <p:cNvSpPr>
+            <a:spLocks noGrp="1"/>
+          </p:cNvSpPr>
+          <p:nvPr>
+            <p:ph type="hdr" sz="quarter" idx="11"/>
           </p:nvPr>
         </p:nvSpPr>
         <p:spPr/>
@@ -2412,25 +2106,22 @@
             <a:pPr>
               <a:defRPr/>
             </a:pPr>
-            <a:fld id="{DC3734AA-3150-D947-AC52-2F5DF48BFCD5}" type="slidenum">
+            <a:r>
               <a:rPr lang="en-US" smtClean="0"/>
-              <a:pPr>
-                <a:defRPr/>
-              </a:pPr>
-              <a:t>19</a:t>
-            </a:fld>
-            <a:endParaRPr lang="en-US" dirty="0"/>
-          </a:p>
-        </p:txBody>
-      </p:sp>
-      <p:sp>
-        <p:nvSpPr>
-          <p:cNvPr id="5" name="Header Placeholder 4"/>
-          <p:cNvSpPr>
-            <a:spLocks noGrp="1"/>
-          </p:cNvSpPr>
-          <p:nvPr>
-            <p:ph type="hdr" sz="quarter" idx="11"/>
+              <a:t>Test Driven Cookbook Development</a:t>
+            </a:r>
+            <a:endParaRPr lang="en-US"/>
+          </a:p>
+        </p:txBody>
+      </p:sp>
+      <p:sp>
+        <p:nvSpPr>
+          <p:cNvPr id="7" name="Date Placeholder 6"/>
+          <p:cNvSpPr>
+            <a:spLocks noGrp="1"/>
+          </p:cNvSpPr>
+          <p:nvPr>
+            <p:ph type="dt" idx="13"/>
           </p:nvPr>
         </p:nvSpPr>
         <p:spPr/>
@@ -2441,29 +2132,11 @@
             <a:pPr>
               <a:defRPr/>
             </a:pPr>
-            <a:endParaRPr lang="en-US"/>
-          </a:p>
-        </p:txBody>
-      </p:sp>
-      <p:sp>
-        <p:nvSpPr>
-          <p:cNvPr id="6" name="Footer Placeholder 5"/>
-          <p:cNvSpPr>
-            <a:spLocks noGrp="1"/>
-          </p:cNvSpPr>
-          <p:nvPr>
-            <p:ph type="ftr" sz="quarter" idx="12"/>
-          </p:nvPr>
-        </p:nvSpPr>
-        <p:spPr/>
-        <p:txBody>
-          <a:bodyPr/>
-          <a:lstStyle/>
-          <a:p>
-            <a:pPr>
-              <a:defRPr/>
-            </a:pPr>
-            <a:endParaRPr lang="en-US"/>
+            <a:r>
+              <a:rPr lang="en-US" smtClean="0"/>
+              <a:t>Chef Software, Inc.</a:t>
+            </a:r>
+            <a:endParaRPr lang="en-US" dirty="0"/>
           </a:p>
         </p:txBody>
       </p:sp>
@@ -2538,12 +2211,12 @@
       </p:sp>
       <p:sp>
         <p:nvSpPr>
-          <p:cNvPr id="4" name="Slide Number Placeholder 3"/>
-          <p:cNvSpPr>
-            <a:spLocks noGrp="1"/>
-          </p:cNvSpPr>
-          <p:nvPr>
-            <p:ph type="sldNum" sz="quarter" idx="10"/>
+          <p:cNvPr id="5" name="Header Placeholder 4"/>
+          <p:cNvSpPr>
+            <a:spLocks noGrp="1"/>
+          </p:cNvSpPr>
+          <p:nvPr>
+            <p:ph type="hdr" sz="quarter" idx="11"/>
           </p:nvPr>
         </p:nvSpPr>
         <p:spPr/>
@@ -2554,25 +2227,22 @@
             <a:pPr>
               <a:defRPr/>
             </a:pPr>
-            <a:fld id="{DC3734AA-3150-D947-AC52-2F5DF48BFCD5}" type="slidenum">
+            <a:r>
               <a:rPr lang="en-US" smtClean="0"/>
-              <a:pPr>
-                <a:defRPr/>
-              </a:pPr>
-              <a:t>2</a:t>
-            </a:fld>
-            <a:endParaRPr lang="en-US" dirty="0"/>
-          </a:p>
-        </p:txBody>
-      </p:sp>
-      <p:sp>
-        <p:nvSpPr>
-          <p:cNvPr id="5" name="Header Placeholder 4"/>
-          <p:cNvSpPr>
-            <a:spLocks noGrp="1"/>
-          </p:cNvSpPr>
-          <p:nvPr>
-            <p:ph type="hdr" sz="quarter" idx="11"/>
+              <a:t>Test Driven Cookbook Development</a:t>
+            </a:r>
+            <a:endParaRPr lang="en-US"/>
+          </a:p>
+        </p:txBody>
+      </p:sp>
+      <p:sp>
+        <p:nvSpPr>
+          <p:cNvPr id="7" name="Date Placeholder 6"/>
+          <p:cNvSpPr>
+            <a:spLocks noGrp="1"/>
+          </p:cNvSpPr>
+          <p:nvPr>
+            <p:ph type="dt" idx="13"/>
           </p:nvPr>
         </p:nvSpPr>
         <p:spPr/>
@@ -2583,29 +2253,11 @@
             <a:pPr>
               <a:defRPr/>
             </a:pPr>
-            <a:endParaRPr lang="en-US"/>
-          </a:p>
-        </p:txBody>
-      </p:sp>
-      <p:sp>
-        <p:nvSpPr>
-          <p:cNvPr id="6" name="Footer Placeholder 5"/>
-          <p:cNvSpPr>
-            <a:spLocks noGrp="1"/>
-          </p:cNvSpPr>
-          <p:nvPr>
-            <p:ph type="ftr" sz="quarter" idx="12"/>
-          </p:nvPr>
-        </p:nvSpPr>
-        <p:spPr/>
-        <p:txBody>
-          <a:bodyPr/>
-          <a:lstStyle/>
-          <a:p>
-            <a:pPr>
-              <a:defRPr/>
-            </a:pPr>
-            <a:endParaRPr lang="en-US"/>
+            <a:r>
+              <a:rPr lang="en-US" smtClean="0"/>
+              <a:t>Chef Software, Inc.</a:t>
+            </a:r>
+            <a:endParaRPr lang="en-US" dirty="0"/>
           </a:p>
         </p:txBody>
       </p:sp>
@@ -2698,12 +2350,12 @@
       </p:sp>
       <p:sp>
         <p:nvSpPr>
-          <p:cNvPr id="4" name="Slide Number Placeholder 3"/>
-          <p:cNvSpPr>
-            <a:spLocks noGrp="1"/>
-          </p:cNvSpPr>
-          <p:nvPr>
-            <p:ph type="sldNum" sz="quarter" idx="10"/>
+          <p:cNvPr id="5" name="Header Placeholder 4"/>
+          <p:cNvSpPr>
+            <a:spLocks noGrp="1"/>
+          </p:cNvSpPr>
+          <p:nvPr>
+            <p:ph type="hdr" sz="quarter" idx="11"/>
           </p:nvPr>
         </p:nvSpPr>
         <p:spPr/>
@@ -2714,25 +2366,22 @@
             <a:pPr>
               <a:defRPr/>
             </a:pPr>
-            <a:fld id="{DC3734AA-3150-D947-AC52-2F5DF48BFCD5}" type="slidenum">
+            <a:r>
               <a:rPr lang="en-US" smtClean="0"/>
-              <a:pPr>
-                <a:defRPr/>
-              </a:pPr>
-              <a:t>20</a:t>
-            </a:fld>
-            <a:endParaRPr lang="en-US" dirty="0"/>
-          </a:p>
-        </p:txBody>
-      </p:sp>
-      <p:sp>
-        <p:nvSpPr>
-          <p:cNvPr id="5" name="Header Placeholder 4"/>
-          <p:cNvSpPr>
-            <a:spLocks noGrp="1"/>
-          </p:cNvSpPr>
-          <p:nvPr>
-            <p:ph type="hdr" sz="quarter" idx="11"/>
+              <a:t>Test Driven Cookbook Development</a:t>
+            </a:r>
+            <a:endParaRPr lang="en-US"/>
+          </a:p>
+        </p:txBody>
+      </p:sp>
+      <p:sp>
+        <p:nvSpPr>
+          <p:cNvPr id="7" name="Date Placeholder 6"/>
+          <p:cNvSpPr>
+            <a:spLocks noGrp="1"/>
+          </p:cNvSpPr>
+          <p:nvPr>
+            <p:ph type="dt" idx="13"/>
           </p:nvPr>
         </p:nvSpPr>
         <p:spPr/>
@@ -2743,29 +2392,11 @@
             <a:pPr>
               <a:defRPr/>
             </a:pPr>
-            <a:endParaRPr lang="en-US"/>
-          </a:p>
-        </p:txBody>
-      </p:sp>
-      <p:sp>
-        <p:nvSpPr>
-          <p:cNvPr id="6" name="Footer Placeholder 5"/>
-          <p:cNvSpPr>
-            <a:spLocks noGrp="1"/>
-          </p:cNvSpPr>
-          <p:nvPr>
-            <p:ph type="ftr" sz="quarter" idx="12"/>
-          </p:nvPr>
-        </p:nvSpPr>
-        <p:spPr/>
-        <p:txBody>
-          <a:bodyPr/>
-          <a:lstStyle/>
-          <a:p>
-            <a:pPr>
-              <a:defRPr/>
-            </a:pPr>
-            <a:endParaRPr lang="en-US"/>
+            <a:r>
+              <a:rPr lang="en-US" smtClean="0"/>
+              <a:t>Chef Software, Inc.</a:t>
+            </a:r>
+            <a:endParaRPr lang="en-US" dirty="0"/>
           </a:p>
         </p:txBody>
       </p:sp>
@@ -2849,12 +2480,12 @@
       </p:sp>
       <p:sp>
         <p:nvSpPr>
-          <p:cNvPr id="4" name="Slide Number Placeholder 3"/>
-          <p:cNvSpPr>
-            <a:spLocks noGrp="1"/>
-          </p:cNvSpPr>
-          <p:nvPr>
-            <p:ph type="sldNum" sz="quarter" idx="10"/>
+          <p:cNvPr id="5" name="Header Placeholder 4"/>
+          <p:cNvSpPr>
+            <a:spLocks noGrp="1"/>
+          </p:cNvSpPr>
+          <p:nvPr>
+            <p:ph type="hdr" sz="quarter" idx="11"/>
           </p:nvPr>
         </p:nvSpPr>
         <p:spPr/>
@@ -2865,25 +2496,22 @@
             <a:pPr>
               <a:defRPr/>
             </a:pPr>
-            <a:fld id="{DC3734AA-3150-D947-AC52-2F5DF48BFCD5}" type="slidenum">
+            <a:r>
               <a:rPr lang="en-US" smtClean="0"/>
-              <a:pPr>
-                <a:defRPr/>
-              </a:pPr>
-              <a:t>21</a:t>
-            </a:fld>
-            <a:endParaRPr lang="en-US" dirty="0"/>
-          </a:p>
-        </p:txBody>
-      </p:sp>
-      <p:sp>
-        <p:nvSpPr>
-          <p:cNvPr id="5" name="Header Placeholder 4"/>
-          <p:cNvSpPr>
-            <a:spLocks noGrp="1"/>
-          </p:cNvSpPr>
-          <p:nvPr>
-            <p:ph type="hdr" sz="quarter" idx="11"/>
+              <a:t>Test Driven Cookbook Development</a:t>
+            </a:r>
+            <a:endParaRPr lang="en-US"/>
+          </a:p>
+        </p:txBody>
+      </p:sp>
+      <p:sp>
+        <p:nvSpPr>
+          <p:cNvPr id="7" name="Date Placeholder 6"/>
+          <p:cNvSpPr>
+            <a:spLocks noGrp="1"/>
+          </p:cNvSpPr>
+          <p:nvPr>
+            <p:ph type="dt" idx="13"/>
           </p:nvPr>
         </p:nvSpPr>
         <p:spPr/>
@@ -2894,29 +2522,11 @@
             <a:pPr>
               <a:defRPr/>
             </a:pPr>
-            <a:endParaRPr lang="en-US"/>
-          </a:p>
-        </p:txBody>
-      </p:sp>
-      <p:sp>
-        <p:nvSpPr>
-          <p:cNvPr id="6" name="Footer Placeholder 5"/>
-          <p:cNvSpPr>
-            <a:spLocks noGrp="1"/>
-          </p:cNvSpPr>
-          <p:nvPr>
-            <p:ph type="ftr" sz="quarter" idx="12"/>
-          </p:nvPr>
-        </p:nvSpPr>
-        <p:spPr/>
-        <p:txBody>
-          <a:bodyPr/>
-          <a:lstStyle/>
-          <a:p>
-            <a:pPr>
-              <a:defRPr/>
-            </a:pPr>
-            <a:endParaRPr lang="en-US"/>
+            <a:r>
+              <a:rPr lang="en-US" smtClean="0"/>
+              <a:t>Chef Software, Inc.</a:t>
+            </a:r>
+            <a:endParaRPr lang="en-US" dirty="0"/>
           </a:p>
         </p:txBody>
       </p:sp>
@@ -2991,12 +2601,12 @@
       </p:sp>
       <p:sp>
         <p:nvSpPr>
-          <p:cNvPr id="4" name="Slide Number Placeholder 3"/>
-          <p:cNvSpPr>
-            <a:spLocks noGrp="1"/>
-          </p:cNvSpPr>
-          <p:nvPr>
-            <p:ph type="sldNum" sz="quarter" idx="10"/>
+          <p:cNvPr id="5" name="Header Placeholder 4"/>
+          <p:cNvSpPr>
+            <a:spLocks noGrp="1"/>
+          </p:cNvSpPr>
+          <p:nvPr>
+            <p:ph type="hdr" sz="quarter" idx="11"/>
           </p:nvPr>
         </p:nvSpPr>
         <p:spPr/>
@@ -3007,25 +2617,22 @@
             <a:pPr>
               <a:defRPr/>
             </a:pPr>
-            <a:fld id="{DC3734AA-3150-D947-AC52-2F5DF48BFCD5}" type="slidenum">
+            <a:r>
               <a:rPr lang="en-US" smtClean="0"/>
-              <a:pPr>
-                <a:defRPr/>
-              </a:pPr>
-              <a:t>22</a:t>
-            </a:fld>
-            <a:endParaRPr lang="en-US" dirty="0"/>
-          </a:p>
-        </p:txBody>
-      </p:sp>
-      <p:sp>
-        <p:nvSpPr>
-          <p:cNvPr id="5" name="Header Placeholder 4"/>
-          <p:cNvSpPr>
-            <a:spLocks noGrp="1"/>
-          </p:cNvSpPr>
-          <p:nvPr>
-            <p:ph type="hdr" sz="quarter" idx="11"/>
+              <a:t>Test Driven Cookbook Development</a:t>
+            </a:r>
+            <a:endParaRPr lang="en-US"/>
+          </a:p>
+        </p:txBody>
+      </p:sp>
+      <p:sp>
+        <p:nvSpPr>
+          <p:cNvPr id="7" name="Date Placeholder 6"/>
+          <p:cNvSpPr>
+            <a:spLocks noGrp="1"/>
+          </p:cNvSpPr>
+          <p:nvPr>
+            <p:ph type="dt" idx="13"/>
           </p:nvPr>
         </p:nvSpPr>
         <p:spPr/>
@@ -3036,29 +2643,11 @@
             <a:pPr>
               <a:defRPr/>
             </a:pPr>
-            <a:endParaRPr lang="en-US"/>
-          </a:p>
-        </p:txBody>
-      </p:sp>
-      <p:sp>
-        <p:nvSpPr>
-          <p:cNvPr id="6" name="Footer Placeholder 5"/>
-          <p:cNvSpPr>
-            <a:spLocks noGrp="1"/>
-          </p:cNvSpPr>
-          <p:nvPr>
-            <p:ph type="ftr" sz="quarter" idx="12"/>
-          </p:nvPr>
-        </p:nvSpPr>
-        <p:spPr/>
-        <p:txBody>
-          <a:bodyPr/>
-          <a:lstStyle/>
-          <a:p>
-            <a:pPr>
-              <a:defRPr/>
-            </a:pPr>
-            <a:endParaRPr lang="en-US"/>
+            <a:r>
+              <a:rPr lang="en-US" smtClean="0"/>
+              <a:t>Chef Software, Inc.</a:t>
+            </a:r>
+            <a:endParaRPr lang="en-US" dirty="0"/>
           </a:p>
         </p:txBody>
       </p:sp>
@@ -3132,12 +2721,12 @@
       </p:sp>
       <p:sp>
         <p:nvSpPr>
-          <p:cNvPr id="4" name="Slide Number Placeholder 3"/>
-          <p:cNvSpPr>
-            <a:spLocks noGrp="1"/>
-          </p:cNvSpPr>
-          <p:nvPr>
-            <p:ph type="sldNum" sz="quarter" idx="10"/>
+          <p:cNvPr id="5" name="Header Placeholder 4"/>
+          <p:cNvSpPr>
+            <a:spLocks noGrp="1"/>
+          </p:cNvSpPr>
+          <p:nvPr>
+            <p:ph type="hdr" sz="quarter" idx="11"/>
           </p:nvPr>
         </p:nvSpPr>
         <p:spPr/>
@@ -3148,25 +2737,22 @@
             <a:pPr>
               <a:defRPr/>
             </a:pPr>
-            <a:fld id="{DC3734AA-3150-D947-AC52-2F5DF48BFCD5}" type="slidenum">
+            <a:r>
               <a:rPr lang="en-US" smtClean="0"/>
-              <a:pPr>
-                <a:defRPr/>
-              </a:pPr>
-              <a:t>23</a:t>
-            </a:fld>
-            <a:endParaRPr lang="en-US" dirty="0"/>
-          </a:p>
-        </p:txBody>
-      </p:sp>
-      <p:sp>
-        <p:nvSpPr>
-          <p:cNvPr id="5" name="Header Placeholder 4"/>
-          <p:cNvSpPr>
-            <a:spLocks noGrp="1"/>
-          </p:cNvSpPr>
-          <p:nvPr>
-            <p:ph type="hdr" sz="quarter" idx="11"/>
+              <a:t>Test Driven Cookbook Development</a:t>
+            </a:r>
+            <a:endParaRPr lang="en-US"/>
+          </a:p>
+        </p:txBody>
+      </p:sp>
+      <p:sp>
+        <p:nvSpPr>
+          <p:cNvPr id="7" name="Date Placeholder 6"/>
+          <p:cNvSpPr>
+            <a:spLocks noGrp="1"/>
+          </p:cNvSpPr>
+          <p:nvPr>
+            <p:ph type="dt" idx="13"/>
           </p:nvPr>
         </p:nvSpPr>
         <p:spPr/>
@@ -3177,29 +2763,11 @@
             <a:pPr>
               <a:defRPr/>
             </a:pPr>
-            <a:endParaRPr lang="en-US"/>
-          </a:p>
-        </p:txBody>
-      </p:sp>
-      <p:sp>
-        <p:nvSpPr>
-          <p:cNvPr id="6" name="Footer Placeholder 5"/>
-          <p:cNvSpPr>
-            <a:spLocks noGrp="1"/>
-          </p:cNvSpPr>
-          <p:nvPr>
-            <p:ph type="ftr" sz="quarter" idx="12"/>
-          </p:nvPr>
-        </p:nvSpPr>
-        <p:spPr/>
-        <p:txBody>
-          <a:bodyPr/>
-          <a:lstStyle/>
-          <a:p>
-            <a:pPr>
-              <a:defRPr/>
-            </a:pPr>
-            <a:endParaRPr lang="en-US"/>
+            <a:r>
+              <a:rPr lang="en-US" smtClean="0"/>
+              <a:t>Chef Software, Inc.</a:t>
+            </a:r>
+            <a:endParaRPr lang="en-US" dirty="0"/>
           </a:p>
         </p:txBody>
       </p:sp>
@@ -3291,12 +2859,12 @@
       </p:sp>
       <p:sp>
         <p:nvSpPr>
-          <p:cNvPr id="4" name="Slide Number Placeholder 3"/>
-          <p:cNvSpPr>
-            <a:spLocks noGrp="1"/>
-          </p:cNvSpPr>
-          <p:nvPr>
-            <p:ph type="sldNum" sz="quarter" idx="10"/>
+          <p:cNvPr id="5" name="Header Placeholder 4"/>
+          <p:cNvSpPr>
+            <a:spLocks noGrp="1"/>
+          </p:cNvSpPr>
+          <p:nvPr>
+            <p:ph type="hdr" sz="quarter" idx="11"/>
           </p:nvPr>
         </p:nvSpPr>
         <p:spPr/>
@@ -3307,25 +2875,22 @@
             <a:pPr>
               <a:defRPr/>
             </a:pPr>
-            <a:fld id="{DC3734AA-3150-D947-AC52-2F5DF48BFCD5}" type="slidenum">
+            <a:r>
               <a:rPr lang="en-US" smtClean="0"/>
-              <a:pPr>
-                <a:defRPr/>
-              </a:pPr>
-              <a:t>24</a:t>
-            </a:fld>
-            <a:endParaRPr lang="en-US" dirty="0"/>
-          </a:p>
-        </p:txBody>
-      </p:sp>
-      <p:sp>
-        <p:nvSpPr>
-          <p:cNvPr id="5" name="Header Placeholder 4"/>
-          <p:cNvSpPr>
-            <a:spLocks noGrp="1"/>
-          </p:cNvSpPr>
-          <p:nvPr>
-            <p:ph type="hdr" sz="quarter" idx="11"/>
+              <a:t>Test Driven Cookbook Development</a:t>
+            </a:r>
+            <a:endParaRPr lang="en-US"/>
+          </a:p>
+        </p:txBody>
+      </p:sp>
+      <p:sp>
+        <p:nvSpPr>
+          <p:cNvPr id="7" name="Date Placeholder 6"/>
+          <p:cNvSpPr>
+            <a:spLocks noGrp="1"/>
+          </p:cNvSpPr>
+          <p:nvPr>
+            <p:ph type="dt" idx="13"/>
           </p:nvPr>
         </p:nvSpPr>
         <p:spPr/>
@@ -3336,29 +2901,11 @@
             <a:pPr>
               <a:defRPr/>
             </a:pPr>
-            <a:endParaRPr lang="en-US"/>
-          </a:p>
-        </p:txBody>
-      </p:sp>
-      <p:sp>
-        <p:nvSpPr>
-          <p:cNvPr id="6" name="Footer Placeholder 5"/>
-          <p:cNvSpPr>
-            <a:spLocks noGrp="1"/>
-          </p:cNvSpPr>
-          <p:nvPr>
-            <p:ph type="ftr" sz="quarter" idx="12"/>
-          </p:nvPr>
-        </p:nvSpPr>
-        <p:spPr/>
-        <p:txBody>
-          <a:bodyPr/>
-          <a:lstStyle/>
-          <a:p>
-            <a:pPr>
-              <a:defRPr/>
-            </a:pPr>
-            <a:endParaRPr lang="en-US"/>
+            <a:r>
+              <a:rPr lang="en-US" smtClean="0"/>
+              <a:t>Chef Software, Inc.</a:t>
+            </a:r>
+            <a:endParaRPr lang="en-US" dirty="0"/>
           </a:p>
         </p:txBody>
       </p:sp>
@@ -3433,12 +2980,12 @@
       </p:sp>
       <p:sp>
         <p:nvSpPr>
-          <p:cNvPr id="4" name="Slide Number Placeholder 3"/>
-          <p:cNvSpPr>
-            <a:spLocks noGrp="1"/>
-          </p:cNvSpPr>
-          <p:nvPr>
-            <p:ph type="sldNum" sz="quarter" idx="10"/>
+          <p:cNvPr id="5" name="Header Placeholder 4"/>
+          <p:cNvSpPr>
+            <a:spLocks noGrp="1"/>
+          </p:cNvSpPr>
+          <p:nvPr>
+            <p:ph type="hdr" sz="quarter" idx="11"/>
           </p:nvPr>
         </p:nvSpPr>
         <p:spPr/>
@@ -3449,25 +2996,22 @@
             <a:pPr>
               <a:defRPr/>
             </a:pPr>
-            <a:fld id="{DC3734AA-3150-D947-AC52-2F5DF48BFCD5}" type="slidenum">
+            <a:r>
               <a:rPr lang="en-US" smtClean="0"/>
-              <a:pPr>
-                <a:defRPr/>
-              </a:pPr>
-              <a:t>25</a:t>
-            </a:fld>
-            <a:endParaRPr lang="en-US" dirty="0"/>
-          </a:p>
-        </p:txBody>
-      </p:sp>
-      <p:sp>
-        <p:nvSpPr>
-          <p:cNvPr id="5" name="Header Placeholder 4"/>
-          <p:cNvSpPr>
-            <a:spLocks noGrp="1"/>
-          </p:cNvSpPr>
-          <p:nvPr>
-            <p:ph type="hdr" sz="quarter" idx="11"/>
+              <a:t>Test Driven Cookbook Development</a:t>
+            </a:r>
+            <a:endParaRPr lang="en-US"/>
+          </a:p>
+        </p:txBody>
+      </p:sp>
+      <p:sp>
+        <p:nvSpPr>
+          <p:cNvPr id="7" name="Date Placeholder 6"/>
+          <p:cNvSpPr>
+            <a:spLocks noGrp="1"/>
+          </p:cNvSpPr>
+          <p:nvPr>
+            <p:ph type="dt" idx="13"/>
           </p:nvPr>
         </p:nvSpPr>
         <p:spPr/>
@@ -3478,29 +3022,11 @@
             <a:pPr>
               <a:defRPr/>
             </a:pPr>
-            <a:endParaRPr lang="en-US"/>
-          </a:p>
-        </p:txBody>
-      </p:sp>
-      <p:sp>
-        <p:nvSpPr>
-          <p:cNvPr id="6" name="Footer Placeholder 5"/>
-          <p:cNvSpPr>
-            <a:spLocks noGrp="1"/>
-          </p:cNvSpPr>
-          <p:nvPr>
-            <p:ph type="ftr" sz="quarter" idx="12"/>
-          </p:nvPr>
-        </p:nvSpPr>
-        <p:spPr/>
-        <p:txBody>
-          <a:bodyPr/>
-          <a:lstStyle/>
-          <a:p>
-            <a:pPr>
-              <a:defRPr/>
-            </a:pPr>
-            <a:endParaRPr lang="en-US"/>
+            <a:r>
+              <a:rPr lang="en-US" smtClean="0"/>
+              <a:t>Chef Software, Inc.</a:t>
+            </a:r>
+            <a:endParaRPr lang="en-US" dirty="0"/>
           </a:p>
         </p:txBody>
       </p:sp>
@@ -3575,12 +3101,12 @@
       </p:sp>
       <p:sp>
         <p:nvSpPr>
-          <p:cNvPr id="4" name="Slide Number Placeholder 3"/>
-          <p:cNvSpPr>
-            <a:spLocks noGrp="1"/>
-          </p:cNvSpPr>
-          <p:nvPr>
-            <p:ph type="sldNum" sz="quarter" idx="10"/>
+          <p:cNvPr id="5" name="Header Placeholder 4"/>
+          <p:cNvSpPr>
+            <a:spLocks noGrp="1"/>
+          </p:cNvSpPr>
+          <p:nvPr>
+            <p:ph type="hdr" sz="quarter" idx="11"/>
           </p:nvPr>
         </p:nvSpPr>
         <p:spPr/>
@@ -3591,25 +3117,22 @@
             <a:pPr>
               <a:defRPr/>
             </a:pPr>
-            <a:fld id="{DC3734AA-3150-D947-AC52-2F5DF48BFCD5}" type="slidenum">
+            <a:r>
               <a:rPr lang="en-US" smtClean="0"/>
-              <a:pPr>
-                <a:defRPr/>
-              </a:pPr>
-              <a:t>26</a:t>
-            </a:fld>
-            <a:endParaRPr lang="en-US" dirty="0"/>
-          </a:p>
-        </p:txBody>
-      </p:sp>
-      <p:sp>
-        <p:nvSpPr>
-          <p:cNvPr id="5" name="Header Placeholder 4"/>
-          <p:cNvSpPr>
-            <a:spLocks noGrp="1"/>
-          </p:cNvSpPr>
-          <p:nvPr>
-            <p:ph type="hdr" sz="quarter" idx="11"/>
+              <a:t>Test Driven Cookbook Development</a:t>
+            </a:r>
+            <a:endParaRPr lang="en-US"/>
+          </a:p>
+        </p:txBody>
+      </p:sp>
+      <p:sp>
+        <p:nvSpPr>
+          <p:cNvPr id="7" name="Date Placeholder 6"/>
+          <p:cNvSpPr>
+            <a:spLocks noGrp="1"/>
+          </p:cNvSpPr>
+          <p:nvPr>
+            <p:ph type="dt" idx="13"/>
           </p:nvPr>
         </p:nvSpPr>
         <p:spPr/>
@@ -3620,29 +3143,11 @@
             <a:pPr>
               <a:defRPr/>
             </a:pPr>
-            <a:endParaRPr lang="en-US"/>
-          </a:p>
-        </p:txBody>
-      </p:sp>
-      <p:sp>
-        <p:nvSpPr>
-          <p:cNvPr id="6" name="Footer Placeholder 5"/>
-          <p:cNvSpPr>
-            <a:spLocks noGrp="1"/>
-          </p:cNvSpPr>
-          <p:nvPr>
-            <p:ph type="ftr" sz="quarter" idx="12"/>
-          </p:nvPr>
-        </p:nvSpPr>
-        <p:spPr/>
-        <p:txBody>
-          <a:bodyPr/>
-          <a:lstStyle/>
-          <a:p>
-            <a:pPr>
-              <a:defRPr/>
-            </a:pPr>
-            <a:endParaRPr lang="en-US"/>
+            <a:r>
+              <a:rPr lang="en-US" smtClean="0"/>
+              <a:t>Chef Software, Inc.</a:t>
+            </a:r>
+            <a:endParaRPr lang="en-US" dirty="0"/>
           </a:p>
         </p:txBody>
       </p:sp>
@@ -3725,12 +3230,12 @@
       </p:sp>
       <p:sp>
         <p:nvSpPr>
-          <p:cNvPr id="4" name="Slide Number Placeholder 3"/>
-          <p:cNvSpPr>
-            <a:spLocks noGrp="1"/>
-          </p:cNvSpPr>
-          <p:nvPr>
-            <p:ph type="sldNum" sz="quarter" idx="10"/>
+          <p:cNvPr id="5" name="Header Placeholder 4"/>
+          <p:cNvSpPr>
+            <a:spLocks noGrp="1"/>
+          </p:cNvSpPr>
+          <p:nvPr>
+            <p:ph type="hdr" sz="quarter" idx="11"/>
           </p:nvPr>
         </p:nvSpPr>
         <p:spPr/>
@@ -3741,25 +3246,22 @@
             <a:pPr>
               <a:defRPr/>
             </a:pPr>
-            <a:fld id="{DC3734AA-3150-D947-AC52-2F5DF48BFCD5}" type="slidenum">
+            <a:r>
               <a:rPr lang="en-US" smtClean="0"/>
-              <a:pPr>
-                <a:defRPr/>
-              </a:pPr>
-              <a:t>27</a:t>
-            </a:fld>
-            <a:endParaRPr lang="en-US" dirty="0"/>
-          </a:p>
-        </p:txBody>
-      </p:sp>
-      <p:sp>
-        <p:nvSpPr>
-          <p:cNvPr id="5" name="Header Placeholder 4"/>
-          <p:cNvSpPr>
-            <a:spLocks noGrp="1"/>
-          </p:cNvSpPr>
-          <p:nvPr>
-            <p:ph type="hdr" sz="quarter" idx="11"/>
+              <a:t>Test Driven Cookbook Development</a:t>
+            </a:r>
+            <a:endParaRPr lang="en-US"/>
+          </a:p>
+        </p:txBody>
+      </p:sp>
+      <p:sp>
+        <p:nvSpPr>
+          <p:cNvPr id="7" name="Date Placeholder 6"/>
+          <p:cNvSpPr>
+            <a:spLocks noGrp="1"/>
+          </p:cNvSpPr>
+          <p:nvPr>
+            <p:ph type="dt" idx="13"/>
           </p:nvPr>
         </p:nvSpPr>
         <p:spPr/>
@@ -3770,29 +3272,11 @@
             <a:pPr>
               <a:defRPr/>
             </a:pPr>
-            <a:endParaRPr lang="en-US"/>
-          </a:p>
-        </p:txBody>
-      </p:sp>
-      <p:sp>
-        <p:nvSpPr>
-          <p:cNvPr id="6" name="Footer Placeholder 5"/>
-          <p:cNvSpPr>
-            <a:spLocks noGrp="1"/>
-          </p:cNvSpPr>
-          <p:nvPr>
-            <p:ph type="ftr" sz="quarter" idx="12"/>
-          </p:nvPr>
-        </p:nvSpPr>
-        <p:spPr/>
-        <p:txBody>
-          <a:bodyPr/>
-          <a:lstStyle/>
-          <a:p>
-            <a:pPr>
-              <a:defRPr/>
-            </a:pPr>
-            <a:endParaRPr lang="en-US"/>
+            <a:r>
+              <a:rPr lang="en-US" smtClean="0"/>
+              <a:t>Chef Software, Inc.</a:t>
+            </a:r>
+            <a:endParaRPr lang="en-US" dirty="0"/>
           </a:p>
         </p:txBody>
       </p:sp>
@@ -3876,12 +3360,12 @@
       </p:sp>
       <p:sp>
         <p:nvSpPr>
-          <p:cNvPr id="4" name="Slide Number Placeholder 3"/>
-          <p:cNvSpPr>
-            <a:spLocks noGrp="1"/>
-          </p:cNvSpPr>
-          <p:nvPr>
-            <p:ph type="sldNum" sz="quarter" idx="10"/>
+          <p:cNvPr id="5" name="Header Placeholder 4"/>
+          <p:cNvSpPr>
+            <a:spLocks noGrp="1"/>
+          </p:cNvSpPr>
+          <p:nvPr>
+            <p:ph type="hdr" sz="quarter" idx="11"/>
           </p:nvPr>
         </p:nvSpPr>
         <p:spPr/>
@@ -3892,25 +3376,22 @@
             <a:pPr>
               <a:defRPr/>
             </a:pPr>
-            <a:fld id="{DC3734AA-3150-D947-AC52-2F5DF48BFCD5}" type="slidenum">
+            <a:r>
               <a:rPr lang="en-US" smtClean="0"/>
-              <a:pPr>
-                <a:defRPr/>
-              </a:pPr>
-              <a:t>28</a:t>
-            </a:fld>
-            <a:endParaRPr lang="en-US" dirty="0"/>
-          </a:p>
-        </p:txBody>
-      </p:sp>
-      <p:sp>
-        <p:nvSpPr>
-          <p:cNvPr id="5" name="Header Placeholder 4"/>
-          <p:cNvSpPr>
-            <a:spLocks noGrp="1"/>
-          </p:cNvSpPr>
-          <p:nvPr>
-            <p:ph type="hdr" sz="quarter" idx="11"/>
+              <a:t>Test Driven Cookbook Development</a:t>
+            </a:r>
+            <a:endParaRPr lang="en-US"/>
+          </a:p>
+        </p:txBody>
+      </p:sp>
+      <p:sp>
+        <p:nvSpPr>
+          <p:cNvPr id="7" name="Date Placeholder 6"/>
+          <p:cNvSpPr>
+            <a:spLocks noGrp="1"/>
+          </p:cNvSpPr>
+          <p:nvPr>
+            <p:ph type="dt" idx="13"/>
           </p:nvPr>
         </p:nvSpPr>
         <p:spPr/>
@@ -3921,29 +3402,11 @@
             <a:pPr>
               <a:defRPr/>
             </a:pPr>
-            <a:endParaRPr lang="en-US"/>
-          </a:p>
-        </p:txBody>
-      </p:sp>
-      <p:sp>
-        <p:nvSpPr>
-          <p:cNvPr id="6" name="Footer Placeholder 5"/>
-          <p:cNvSpPr>
-            <a:spLocks noGrp="1"/>
-          </p:cNvSpPr>
-          <p:nvPr>
-            <p:ph type="ftr" sz="quarter" idx="12"/>
-          </p:nvPr>
-        </p:nvSpPr>
-        <p:spPr/>
-        <p:txBody>
-          <a:bodyPr/>
-          <a:lstStyle/>
-          <a:p>
-            <a:pPr>
-              <a:defRPr/>
-            </a:pPr>
-            <a:endParaRPr lang="en-US"/>
+            <a:r>
+              <a:rPr lang="en-US" smtClean="0"/>
+              <a:t>Chef Software, Inc.</a:t>
+            </a:r>
+            <a:endParaRPr lang="en-US" dirty="0"/>
           </a:p>
         </p:txBody>
       </p:sp>
@@ -4018,12 +3481,12 @@
       </p:sp>
       <p:sp>
         <p:nvSpPr>
-          <p:cNvPr id="4" name="Slide Number Placeholder 3"/>
-          <p:cNvSpPr>
-            <a:spLocks noGrp="1"/>
-          </p:cNvSpPr>
-          <p:nvPr>
-            <p:ph type="sldNum" sz="quarter" idx="10"/>
+          <p:cNvPr id="5" name="Header Placeholder 4"/>
+          <p:cNvSpPr>
+            <a:spLocks noGrp="1"/>
+          </p:cNvSpPr>
+          <p:nvPr>
+            <p:ph type="hdr" sz="quarter" idx="11"/>
           </p:nvPr>
         </p:nvSpPr>
         <p:spPr/>
@@ -4034,25 +3497,22 @@
             <a:pPr>
               <a:defRPr/>
             </a:pPr>
-            <a:fld id="{DC3734AA-3150-D947-AC52-2F5DF48BFCD5}" type="slidenum">
+            <a:r>
               <a:rPr lang="en-US" smtClean="0"/>
-              <a:pPr>
-                <a:defRPr/>
-              </a:pPr>
-              <a:t>29</a:t>
-            </a:fld>
-            <a:endParaRPr lang="en-US" dirty="0"/>
-          </a:p>
-        </p:txBody>
-      </p:sp>
-      <p:sp>
-        <p:nvSpPr>
-          <p:cNvPr id="5" name="Header Placeholder 4"/>
-          <p:cNvSpPr>
-            <a:spLocks noGrp="1"/>
-          </p:cNvSpPr>
-          <p:nvPr>
-            <p:ph type="hdr" sz="quarter" idx="11"/>
+              <a:t>Test Driven Cookbook Development</a:t>
+            </a:r>
+            <a:endParaRPr lang="en-US"/>
+          </a:p>
+        </p:txBody>
+      </p:sp>
+      <p:sp>
+        <p:nvSpPr>
+          <p:cNvPr id="7" name="Date Placeholder 6"/>
+          <p:cNvSpPr>
+            <a:spLocks noGrp="1"/>
+          </p:cNvSpPr>
+          <p:nvPr>
+            <p:ph type="dt" idx="13"/>
           </p:nvPr>
         </p:nvSpPr>
         <p:spPr/>
@@ -4063,29 +3523,11 @@
             <a:pPr>
               <a:defRPr/>
             </a:pPr>
-            <a:endParaRPr lang="en-US"/>
-          </a:p>
-        </p:txBody>
-      </p:sp>
-      <p:sp>
-        <p:nvSpPr>
-          <p:cNvPr id="6" name="Footer Placeholder 5"/>
-          <p:cNvSpPr>
-            <a:spLocks noGrp="1"/>
-          </p:cNvSpPr>
-          <p:nvPr>
-            <p:ph type="ftr" sz="quarter" idx="12"/>
-          </p:nvPr>
-        </p:nvSpPr>
-        <p:spPr/>
-        <p:txBody>
-          <a:bodyPr/>
-          <a:lstStyle/>
-          <a:p>
-            <a:pPr>
-              <a:defRPr/>
-            </a:pPr>
-            <a:endParaRPr lang="en-US"/>
+            <a:r>
+              <a:rPr lang="en-US" smtClean="0"/>
+              <a:t>Chef Software, Inc.</a:t>
+            </a:r>
+            <a:endParaRPr lang="en-US" dirty="0"/>
           </a:p>
         </p:txBody>
       </p:sp>
@@ -4168,12 +3610,12 @@
       </p:sp>
       <p:sp>
         <p:nvSpPr>
-          <p:cNvPr id="4" name="Slide Number Placeholder 3"/>
-          <p:cNvSpPr>
-            <a:spLocks noGrp="1"/>
-          </p:cNvSpPr>
-          <p:nvPr>
-            <p:ph type="sldNum" sz="quarter" idx="10"/>
+          <p:cNvPr id="5" name="Header Placeholder 4"/>
+          <p:cNvSpPr>
+            <a:spLocks noGrp="1"/>
+          </p:cNvSpPr>
+          <p:nvPr>
+            <p:ph type="hdr" sz="quarter" idx="11"/>
           </p:nvPr>
         </p:nvSpPr>
         <p:spPr/>
@@ -4184,25 +3626,22 @@
             <a:pPr>
               <a:defRPr/>
             </a:pPr>
-            <a:fld id="{DC3734AA-3150-D947-AC52-2F5DF48BFCD5}" type="slidenum">
+            <a:r>
               <a:rPr lang="en-US" smtClean="0"/>
-              <a:pPr>
-                <a:defRPr/>
-              </a:pPr>
-              <a:t>3</a:t>
-            </a:fld>
-            <a:endParaRPr lang="en-US" dirty="0"/>
-          </a:p>
-        </p:txBody>
-      </p:sp>
-      <p:sp>
-        <p:nvSpPr>
-          <p:cNvPr id="5" name="Header Placeholder 4"/>
-          <p:cNvSpPr>
-            <a:spLocks noGrp="1"/>
-          </p:cNvSpPr>
-          <p:nvPr>
-            <p:ph type="hdr" sz="quarter" idx="11"/>
+              <a:t>Test Driven Cookbook Development</a:t>
+            </a:r>
+            <a:endParaRPr lang="en-US"/>
+          </a:p>
+        </p:txBody>
+      </p:sp>
+      <p:sp>
+        <p:nvSpPr>
+          <p:cNvPr id="7" name="Date Placeholder 6"/>
+          <p:cNvSpPr>
+            <a:spLocks noGrp="1"/>
+          </p:cNvSpPr>
+          <p:nvPr>
+            <p:ph type="dt" idx="13"/>
           </p:nvPr>
         </p:nvSpPr>
         <p:spPr/>
@@ -4213,29 +3652,11 @@
             <a:pPr>
               <a:defRPr/>
             </a:pPr>
-            <a:endParaRPr lang="en-US"/>
-          </a:p>
-        </p:txBody>
-      </p:sp>
-      <p:sp>
-        <p:nvSpPr>
-          <p:cNvPr id="6" name="Footer Placeholder 5"/>
-          <p:cNvSpPr>
-            <a:spLocks noGrp="1"/>
-          </p:cNvSpPr>
-          <p:nvPr>
-            <p:ph type="ftr" sz="quarter" idx="12"/>
-          </p:nvPr>
-        </p:nvSpPr>
-        <p:spPr/>
-        <p:txBody>
-          <a:bodyPr/>
-          <a:lstStyle/>
-          <a:p>
-            <a:pPr>
-              <a:defRPr/>
-            </a:pPr>
-            <a:endParaRPr lang="en-US"/>
+            <a:r>
+              <a:rPr lang="en-US" smtClean="0"/>
+              <a:t>Chef Software, Inc.</a:t>
+            </a:r>
+            <a:endParaRPr lang="en-US" dirty="0"/>
           </a:p>
         </p:txBody>
       </p:sp>
@@ -4315,12 +3736,12 @@
       </p:sp>
       <p:sp>
         <p:nvSpPr>
-          <p:cNvPr id="4" name="Slide Number Placeholder 3"/>
-          <p:cNvSpPr>
-            <a:spLocks noGrp="1"/>
-          </p:cNvSpPr>
-          <p:nvPr>
-            <p:ph type="sldNum" sz="quarter" idx="10"/>
+          <p:cNvPr id="5" name="Header Placeholder 4"/>
+          <p:cNvSpPr>
+            <a:spLocks noGrp="1"/>
+          </p:cNvSpPr>
+          <p:nvPr>
+            <p:ph type="hdr" sz="quarter" idx="11"/>
           </p:nvPr>
         </p:nvSpPr>
         <p:spPr/>
@@ -4331,25 +3752,22 @@
             <a:pPr>
               <a:defRPr/>
             </a:pPr>
-            <a:fld id="{DC3734AA-3150-D947-AC52-2F5DF48BFCD5}" type="slidenum">
+            <a:r>
               <a:rPr lang="en-US" smtClean="0"/>
-              <a:pPr>
-                <a:defRPr/>
-              </a:pPr>
-              <a:t>30</a:t>
-            </a:fld>
-            <a:endParaRPr lang="en-US" dirty="0"/>
-          </a:p>
-        </p:txBody>
-      </p:sp>
-      <p:sp>
-        <p:nvSpPr>
-          <p:cNvPr id="5" name="Header Placeholder 4"/>
-          <p:cNvSpPr>
-            <a:spLocks noGrp="1"/>
-          </p:cNvSpPr>
-          <p:nvPr>
-            <p:ph type="hdr" sz="quarter" idx="11"/>
+              <a:t>Test Driven Cookbook Development</a:t>
+            </a:r>
+            <a:endParaRPr lang="en-US"/>
+          </a:p>
+        </p:txBody>
+      </p:sp>
+      <p:sp>
+        <p:nvSpPr>
+          <p:cNvPr id="7" name="Date Placeholder 6"/>
+          <p:cNvSpPr>
+            <a:spLocks noGrp="1"/>
+          </p:cNvSpPr>
+          <p:nvPr>
+            <p:ph type="dt" idx="13"/>
           </p:nvPr>
         </p:nvSpPr>
         <p:spPr/>
@@ -4360,29 +3778,11 @@
             <a:pPr>
               <a:defRPr/>
             </a:pPr>
-            <a:endParaRPr lang="en-US"/>
-          </a:p>
-        </p:txBody>
-      </p:sp>
-      <p:sp>
-        <p:nvSpPr>
-          <p:cNvPr id="6" name="Footer Placeholder 5"/>
-          <p:cNvSpPr>
-            <a:spLocks noGrp="1"/>
-          </p:cNvSpPr>
-          <p:nvPr>
-            <p:ph type="ftr" sz="quarter" idx="12"/>
-          </p:nvPr>
-        </p:nvSpPr>
-        <p:spPr/>
-        <p:txBody>
-          <a:bodyPr/>
-          <a:lstStyle/>
-          <a:p>
-            <a:pPr>
-              <a:defRPr/>
-            </a:pPr>
-            <a:endParaRPr lang="en-US"/>
+            <a:r>
+              <a:rPr lang="en-US" smtClean="0"/>
+              <a:t>Chef Software, Inc.</a:t>
+            </a:r>
+            <a:endParaRPr lang="en-US" dirty="0"/>
           </a:p>
         </p:txBody>
       </p:sp>
@@ -4481,12 +3881,12 @@
       </p:sp>
       <p:sp>
         <p:nvSpPr>
-          <p:cNvPr id="4" name="Slide Number Placeholder 3"/>
-          <p:cNvSpPr>
-            <a:spLocks noGrp="1"/>
-          </p:cNvSpPr>
-          <p:nvPr>
-            <p:ph type="sldNum" sz="quarter" idx="10"/>
+          <p:cNvPr id="5" name="Header Placeholder 4"/>
+          <p:cNvSpPr>
+            <a:spLocks noGrp="1"/>
+          </p:cNvSpPr>
+          <p:nvPr>
+            <p:ph type="hdr" sz="quarter" idx="11"/>
           </p:nvPr>
         </p:nvSpPr>
         <p:spPr/>
@@ -4497,25 +3897,22 @@
             <a:pPr>
               <a:defRPr/>
             </a:pPr>
-            <a:fld id="{DC3734AA-3150-D947-AC52-2F5DF48BFCD5}" type="slidenum">
+            <a:r>
               <a:rPr lang="en-US" smtClean="0"/>
-              <a:pPr>
-                <a:defRPr/>
-              </a:pPr>
-              <a:t>31</a:t>
-            </a:fld>
-            <a:endParaRPr lang="en-US" dirty="0"/>
-          </a:p>
-        </p:txBody>
-      </p:sp>
-      <p:sp>
-        <p:nvSpPr>
-          <p:cNvPr id="5" name="Header Placeholder 4"/>
-          <p:cNvSpPr>
-            <a:spLocks noGrp="1"/>
-          </p:cNvSpPr>
-          <p:nvPr>
-            <p:ph type="hdr" sz="quarter" idx="11"/>
+              <a:t>Test Driven Cookbook Development</a:t>
+            </a:r>
+            <a:endParaRPr lang="en-US"/>
+          </a:p>
+        </p:txBody>
+      </p:sp>
+      <p:sp>
+        <p:nvSpPr>
+          <p:cNvPr id="7" name="Date Placeholder 6"/>
+          <p:cNvSpPr>
+            <a:spLocks noGrp="1"/>
+          </p:cNvSpPr>
+          <p:nvPr>
+            <p:ph type="dt" idx="13"/>
           </p:nvPr>
         </p:nvSpPr>
         <p:spPr/>
@@ -4526,29 +3923,11 @@
             <a:pPr>
               <a:defRPr/>
             </a:pPr>
-            <a:endParaRPr lang="en-US"/>
-          </a:p>
-        </p:txBody>
-      </p:sp>
-      <p:sp>
-        <p:nvSpPr>
-          <p:cNvPr id="6" name="Footer Placeholder 5"/>
-          <p:cNvSpPr>
-            <a:spLocks noGrp="1"/>
-          </p:cNvSpPr>
-          <p:nvPr>
-            <p:ph type="ftr" sz="quarter" idx="12"/>
-          </p:nvPr>
-        </p:nvSpPr>
-        <p:spPr/>
-        <p:txBody>
-          <a:bodyPr/>
-          <a:lstStyle/>
-          <a:p>
-            <a:pPr>
-              <a:defRPr/>
-            </a:pPr>
-            <a:endParaRPr lang="en-US"/>
+            <a:r>
+              <a:rPr lang="en-US" smtClean="0"/>
+              <a:t>Chef Software, Inc.</a:t>
+            </a:r>
+            <a:endParaRPr lang="en-US" dirty="0"/>
           </a:p>
         </p:txBody>
       </p:sp>
@@ -4623,12 +4002,12 @@
       </p:sp>
       <p:sp>
         <p:nvSpPr>
-          <p:cNvPr id="4" name="Slide Number Placeholder 3"/>
-          <p:cNvSpPr>
-            <a:spLocks noGrp="1"/>
-          </p:cNvSpPr>
-          <p:nvPr>
-            <p:ph type="sldNum" sz="quarter" idx="10"/>
+          <p:cNvPr id="5" name="Header Placeholder 4"/>
+          <p:cNvSpPr>
+            <a:spLocks noGrp="1"/>
+          </p:cNvSpPr>
+          <p:nvPr>
+            <p:ph type="hdr" sz="quarter" idx="11"/>
           </p:nvPr>
         </p:nvSpPr>
         <p:spPr/>
@@ -4639,25 +4018,22 @@
             <a:pPr>
               <a:defRPr/>
             </a:pPr>
-            <a:fld id="{DC3734AA-3150-D947-AC52-2F5DF48BFCD5}" type="slidenum">
+            <a:r>
               <a:rPr lang="en-US" smtClean="0"/>
-              <a:pPr>
-                <a:defRPr/>
-              </a:pPr>
-              <a:t>32</a:t>
-            </a:fld>
-            <a:endParaRPr lang="en-US" dirty="0"/>
-          </a:p>
-        </p:txBody>
-      </p:sp>
-      <p:sp>
-        <p:nvSpPr>
-          <p:cNvPr id="5" name="Header Placeholder 4"/>
-          <p:cNvSpPr>
-            <a:spLocks noGrp="1"/>
-          </p:cNvSpPr>
-          <p:nvPr>
-            <p:ph type="hdr" sz="quarter" idx="11"/>
+              <a:t>Test Driven Cookbook Development</a:t>
+            </a:r>
+            <a:endParaRPr lang="en-US"/>
+          </a:p>
+        </p:txBody>
+      </p:sp>
+      <p:sp>
+        <p:nvSpPr>
+          <p:cNvPr id="7" name="Date Placeholder 6"/>
+          <p:cNvSpPr>
+            <a:spLocks noGrp="1"/>
+          </p:cNvSpPr>
+          <p:nvPr>
+            <p:ph type="dt" idx="13"/>
           </p:nvPr>
         </p:nvSpPr>
         <p:spPr/>
@@ -4668,29 +4044,11 @@
             <a:pPr>
               <a:defRPr/>
             </a:pPr>
-            <a:endParaRPr lang="en-US"/>
-          </a:p>
-        </p:txBody>
-      </p:sp>
-      <p:sp>
-        <p:nvSpPr>
-          <p:cNvPr id="6" name="Footer Placeholder 5"/>
-          <p:cNvSpPr>
-            <a:spLocks noGrp="1"/>
-          </p:cNvSpPr>
-          <p:nvPr>
-            <p:ph type="ftr" sz="quarter" idx="12"/>
-          </p:nvPr>
-        </p:nvSpPr>
-        <p:spPr/>
-        <p:txBody>
-          <a:bodyPr/>
-          <a:lstStyle/>
-          <a:p>
-            <a:pPr>
-              <a:defRPr/>
-            </a:pPr>
-            <a:endParaRPr lang="en-US"/>
+            <a:r>
+              <a:rPr lang="en-US" smtClean="0"/>
+              <a:t>Chef Software, Inc.</a:t>
+            </a:r>
+            <a:endParaRPr lang="en-US" dirty="0"/>
           </a:p>
         </p:txBody>
       </p:sp>
@@ -4764,12 +4122,12 @@
       </p:sp>
       <p:sp>
         <p:nvSpPr>
-          <p:cNvPr id="4" name="Slide Number Placeholder 3"/>
-          <p:cNvSpPr>
-            <a:spLocks noGrp="1"/>
-          </p:cNvSpPr>
-          <p:nvPr>
-            <p:ph type="sldNum" sz="quarter" idx="10"/>
+          <p:cNvPr id="5" name="Header Placeholder 4"/>
+          <p:cNvSpPr>
+            <a:spLocks noGrp="1"/>
+          </p:cNvSpPr>
+          <p:nvPr>
+            <p:ph type="hdr" sz="quarter" idx="11"/>
           </p:nvPr>
         </p:nvSpPr>
         <p:spPr/>
@@ -4780,25 +4138,22 @@
             <a:pPr>
               <a:defRPr/>
             </a:pPr>
-            <a:fld id="{DC3734AA-3150-D947-AC52-2F5DF48BFCD5}" type="slidenum">
+            <a:r>
               <a:rPr lang="en-US" smtClean="0"/>
-              <a:pPr>
-                <a:defRPr/>
-              </a:pPr>
-              <a:t>34</a:t>
-            </a:fld>
-            <a:endParaRPr lang="en-US" dirty="0"/>
-          </a:p>
-        </p:txBody>
-      </p:sp>
-      <p:sp>
-        <p:nvSpPr>
-          <p:cNvPr id="5" name="Header Placeholder 4"/>
-          <p:cNvSpPr>
-            <a:spLocks noGrp="1"/>
-          </p:cNvSpPr>
-          <p:nvPr>
-            <p:ph type="hdr" sz="quarter" idx="11"/>
+              <a:t>Test Driven Cookbook Development</a:t>
+            </a:r>
+            <a:endParaRPr lang="en-US"/>
+          </a:p>
+        </p:txBody>
+      </p:sp>
+      <p:sp>
+        <p:nvSpPr>
+          <p:cNvPr id="7" name="Date Placeholder 6"/>
+          <p:cNvSpPr>
+            <a:spLocks noGrp="1"/>
+          </p:cNvSpPr>
+          <p:nvPr>
+            <p:ph type="dt" idx="13"/>
           </p:nvPr>
         </p:nvSpPr>
         <p:spPr/>
@@ -4809,29 +4164,11 @@
             <a:pPr>
               <a:defRPr/>
             </a:pPr>
-            <a:endParaRPr lang="en-US"/>
-          </a:p>
-        </p:txBody>
-      </p:sp>
-      <p:sp>
-        <p:nvSpPr>
-          <p:cNvPr id="6" name="Footer Placeholder 5"/>
-          <p:cNvSpPr>
-            <a:spLocks noGrp="1"/>
-          </p:cNvSpPr>
-          <p:nvPr>
-            <p:ph type="ftr" sz="quarter" idx="12"/>
-          </p:nvPr>
-        </p:nvSpPr>
-        <p:spPr/>
-        <p:txBody>
-          <a:bodyPr/>
-          <a:lstStyle/>
-          <a:p>
-            <a:pPr>
-              <a:defRPr/>
-            </a:pPr>
-            <a:endParaRPr lang="en-US"/>
+            <a:r>
+              <a:rPr lang="en-US" smtClean="0"/>
+              <a:t>Chef Software, Inc.</a:t>
+            </a:r>
+            <a:endParaRPr lang="en-US" dirty="0"/>
           </a:p>
         </p:txBody>
       </p:sp>
@@ -4906,12 +4243,12 @@
       </p:sp>
       <p:sp>
         <p:nvSpPr>
-          <p:cNvPr id="4" name="Slide Number Placeholder 3"/>
-          <p:cNvSpPr>
-            <a:spLocks noGrp="1"/>
-          </p:cNvSpPr>
-          <p:nvPr>
-            <p:ph type="sldNum" sz="quarter" idx="10"/>
+          <p:cNvPr id="5" name="Header Placeholder 4"/>
+          <p:cNvSpPr>
+            <a:spLocks noGrp="1"/>
+          </p:cNvSpPr>
+          <p:nvPr>
+            <p:ph type="hdr" sz="quarter" idx="11"/>
           </p:nvPr>
         </p:nvSpPr>
         <p:spPr/>
@@ -4922,25 +4259,22 @@
             <a:pPr>
               <a:defRPr/>
             </a:pPr>
-            <a:fld id="{DC3734AA-3150-D947-AC52-2F5DF48BFCD5}" type="slidenum">
+            <a:r>
               <a:rPr lang="en-US" smtClean="0"/>
-              <a:pPr>
-                <a:defRPr/>
-              </a:pPr>
-              <a:t>35</a:t>
-            </a:fld>
-            <a:endParaRPr lang="en-US" dirty="0"/>
-          </a:p>
-        </p:txBody>
-      </p:sp>
-      <p:sp>
-        <p:nvSpPr>
-          <p:cNvPr id="5" name="Header Placeholder 4"/>
-          <p:cNvSpPr>
-            <a:spLocks noGrp="1"/>
-          </p:cNvSpPr>
-          <p:nvPr>
-            <p:ph type="hdr" sz="quarter" idx="11"/>
+              <a:t>Test Driven Cookbook Development</a:t>
+            </a:r>
+            <a:endParaRPr lang="en-US"/>
+          </a:p>
+        </p:txBody>
+      </p:sp>
+      <p:sp>
+        <p:nvSpPr>
+          <p:cNvPr id="7" name="Date Placeholder 6"/>
+          <p:cNvSpPr>
+            <a:spLocks noGrp="1"/>
+          </p:cNvSpPr>
+          <p:nvPr>
+            <p:ph type="dt" idx="13"/>
           </p:nvPr>
         </p:nvSpPr>
         <p:spPr/>
@@ -4951,29 +4285,11 @@
             <a:pPr>
               <a:defRPr/>
             </a:pPr>
-            <a:endParaRPr lang="en-US"/>
-          </a:p>
-        </p:txBody>
-      </p:sp>
-      <p:sp>
-        <p:nvSpPr>
-          <p:cNvPr id="6" name="Footer Placeholder 5"/>
-          <p:cNvSpPr>
-            <a:spLocks noGrp="1"/>
-          </p:cNvSpPr>
-          <p:nvPr>
-            <p:ph type="ftr" sz="quarter" idx="12"/>
-          </p:nvPr>
-        </p:nvSpPr>
-        <p:spPr/>
-        <p:txBody>
-          <a:bodyPr/>
-          <a:lstStyle/>
-          <a:p>
-            <a:pPr>
-              <a:defRPr/>
-            </a:pPr>
-            <a:endParaRPr lang="en-US"/>
+            <a:r>
+              <a:rPr lang="en-US" smtClean="0"/>
+              <a:t>Chef Software, Inc.</a:t>
+            </a:r>
+            <a:endParaRPr lang="en-US" dirty="0"/>
           </a:p>
         </p:txBody>
       </p:sp>
@@ -5058,12 +4374,12 @@
       </p:sp>
       <p:sp>
         <p:nvSpPr>
-          <p:cNvPr id="4" name="Slide Number Placeholder 3"/>
-          <p:cNvSpPr>
-            <a:spLocks noGrp="1"/>
-          </p:cNvSpPr>
-          <p:nvPr>
-            <p:ph type="sldNum" sz="quarter" idx="10"/>
+          <p:cNvPr id="5" name="Header Placeholder 4"/>
+          <p:cNvSpPr>
+            <a:spLocks noGrp="1"/>
+          </p:cNvSpPr>
+          <p:nvPr>
+            <p:ph type="hdr" sz="quarter" idx="11"/>
           </p:nvPr>
         </p:nvSpPr>
         <p:spPr/>
@@ -5074,25 +4390,22 @@
             <a:pPr>
               <a:defRPr/>
             </a:pPr>
-            <a:fld id="{DC3734AA-3150-D947-AC52-2F5DF48BFCD5}" type="slidenum">
+            <a:r>
               <a:rPr lang="en-US" smtClean="0"/>
-              <a:pPr>
-                <a:defRPr/>
-              </a:pPr>
-              <a:t>36</a:t>
-            </a:fld>
-            <a:endParaRPr lang="en-US" dirty="0"/>
-          </a:p>
-        </p:txBody>
-      </p:sp>
-      <p:sp>
-        <p:nvSpPr>
-          <p:cNvPr id="5" name="Header Placeholder 4"/>
-          <p:cNvSpPr>
-            <a:spLocks noGrp="1"/>
-          </p:cNvSpPr>
-          <p:nvPr>
-            <p:ph type="hdr" sz="quarter" idx="11"/>
+              <a:t>Test Driven Cookbook Development</a:t>
+            </a:r>
+            <a:endParaRPr lang="en-US"/>
+          </a:p>
+        </p:txBody>
+      </p:sp>
+      <p:sp>
+        <p:nvSpPr>
+          <p:cNvPr id="7" name="Date Placeholder 6"/>
+          <p:cNvSpPr>
+            <a:spLocks noGrp="1"/>
+          </p:cNvSpPr>
+          <p:nvPr>
+            <p:ph type="dt" idx="13"/>
           </p:nvPr>
         </p:nvSpPr>
         <p:spPr/>
@@ -5103,29 +4416,11 @@
             <a:pPr>
               <a:defRPr/>
             </a:pPr>
-            <a:endParaRPr lang="en-US"/>
-          </a:p>
-        </p:txBody>
-      </p:sp>
-      <p:sp>
-        <p:nvSpPr>
-          <p:cNvPr id="6" name="Footer Placeholder 5"/>
-          <p:cNvSpPr>
-            <a:spLocks noGrp="1"/>
-          </p:cNvSpPr>
-          <p:nvPr>
-            <p:ph type="ftr" sz="quarter" idx="12"/>
-          </p:nvPr>
-        </p:nvSpPr>
-        <p:spPr/>
-        <p:txBody>
-          <a:bodyPr/>
-          <a:lstStyle/>
-          <a:p>
-            <a:pPr>
-              <a:defRPr/>
-            </a:pPr>
-            <a:endParaRPr lang="en-US"/>
+            <a:r>
+              <a:rPr lang="en-US" smtClean="0"/>
+              <a:t>Chef Software, Inc.</a:t>
+            </a:r>
+            <a:endParaRPr lang="en-US" dirty="0"/>
           </a:p>
         </p:txBody>
       </p:sp>
@@ -5200,12 +4495,12 @@
       </p:sp>
       <p:sp>
         <p:nvSpPr>
-          <p:cNvPr id="4" name="Slide Number Placeholder 3"/>
-          <p:cNvSpPr>
-            <a:spLocks noGrp="1"/>
-          </p:cNvSpPr>
-          <p:nvPr>
-            <p:ph type="sldNum" sz="quarter" idx="10"/>
+          <p:cNvPr id="5" name="Header Placeholder 4"/>
+          <p:cNvSpPr>
+            <a:spLocks noGrp="1"/>
+          </p:cNvSpPr>
+          <p:nvPr>
+            <p:ph type="hdr" sz="quarter" idx="11"/>
           </p:nvPr>
         </p:nvSpPr>
         <p:spPr/>
@@ -5216,25 +4511,22 @@
             <a:pPr>
               <a:defRPr/>
             </a:pPr>
-            <a:fld id="{DC3734AA-3150-D947-AC52-2F5DF48BFCD5}" type="slidenum">
+            <a:r>
               <a:rPr lang="en-US" smtClean="0"/>
-              <a:pPr>
-                <a:defRPr/>
-              </a:pPr>
-              <a:t>37</a:t>
-            </a:fld>
-            <a:endParaRPr lang="en-US" dirty="0"/>
-          </a:p>
-        </p:txBody>
-      </p:sp>
-      <p:sp>
-        <p:nvSpPr>
-          <p:cNvPr id="5" name="Header Placeholder 4"/>
-          <p:cNvSpPr>
-            <a:spLocks noGrp="1"/>
-          </p:cNvSpPr>
-          <p:nvPr>
-            <p:ph type="hdr" sz="quarter" idx="11"/>
+              <a:t>Test Driven Cookbook Development</a:t>
+            </a:r>
+            <a:endParaRPr lang="en-US"/>
+          </a:p>
+        </p:txBody>
+      </p:sp>
+      <p:sp>
+        <p:nvSpPr>
+          <p:cNvPr id="7" name="Date Placeholder 6"/>
+          <p:cNvSpPr>
+            <a:spLocks noGrp="1"/>
+          </p:cNvSpPr>
+          <p:nvPr>
+            <p:ph type="dt" idx="13"/>
           </p:nvPr>
         </p:nvSpPr>
         <p:spPr/>
@@ -5245,29 +4537,11 @@
             <a:pPr>
               <a:defRPr/>
             </a:pPr>
-            <a:endParaRPr lang="en-US"/>
-          </a:p>
-        </p:txBody>
-      </p:sp>
-      <p:sp>
-        <p:nvSpPr>
-          <p:cNvPr id="6" name="Footer Placeholder 5"/>
-          <p:cNvSpPr>
-            <a:spLocks noGrp="1"/>
-          </p:cNvSpPr>
-          <p:nvPr>
-            <p:ph type="ftr" sz="quarter" idx="12"/>
-          </p:nvPr>
-        </p:nvSpPr>
-        <p:spPr/>
-        <p:txBody>
-          <a:bodyPr/>
-          <a:lstStyle/>
-          <a:p>
-            <a:pPr>
-              <a:defRPr/>
-            </a:pPr>
-            <a:endParaRPr lang="en-US"/>
+            <a:r>
+              <a:rPr lang="en-US" smtClean="0"/>
+              <a:t>Chef Software, Inc.</a:t>
+            </a:r>
+            <a:endParaRPr lang="en-US" dirty="0"/>
           </a:p>
         </p:txBody>
       </p:sp>
@@ -5342,12 +4616,12 @@
       </p:sp>
       <p:sp>
         <p:nvSpPr>
-          <p:cNvPr id="4" name="Slide Number Placeholder 3"/>
-          <p:cNvSpPr>
-            <a:spLocks noGrp="1"/>
-          </p:cNvSpPr>
-          <p:nvPr>
-            <p:ph type="sldNum" sz="quarter" idx="10"/>
+          <p:cNvPr id="5" name="Header Placeholder 4"/>
+          <p:cNvSpPr>
+            <a:spLocks noGrp="1"/>
+          </p:cNvSpPr>
+          <p:nvPr>
+            <p:ph type="hdr" sz="quarter" idx="11"/>
           </p:nvPr>
         </p:nvSpPr>
         <p:spPr/>
@@ -5358,25 +4632,22 @@
             <a:pPr>
               <a:defRPr/>
             </a:pPr>
-            <a:fld id="{DC3734AA-3150-D947-AC52-2F5DF48BFCD5}" type="slidenum">
+            <a:r>
               <a:rPr lang="en-US" smtClean="0"/>
-              <a:pPr>
-                <a:defRPr/>
-              </a:pPr>
-              <a:t>38</a:t>
-            </a:fld>
-            <a:endParaRPr lang="en-US" dirty="0"/>
-          </a:p>
-        </p:txBody>
-      </p:sp>
-      <p:sp>
-        <p:nvSpPr>
-          <p:cNvPr id="5" name="Header Placeholder 4"/>
-          <p:cNvSpPr>
-            <a:spLocks noGrp="1"/>
-          </p:cNvSpPr>
-          <p:nvPr>
-            <p:ph type="hdr" sz="quarter" idx="11"/>
+              <a:t>Test Driven Cookbook Development</a:t>
+            </a:r>
+            <a:endParaRPr lang="en-US"/>
+          </a:p>
+        </p:txBody>
+      </p:sp>
+      <p:sp>
+        <p:nvSpPr>
+          <p:cNvPr id="7" name="Date Placeholder 6"/>
+          <p:cNvSpPr>
+            <a:spLocks noGrp="1"/>
+          </p:cNvSpPr>
+          <p:nvPr>
+            <p:ph type="dt" idx="13"/>
           </p:nvPr>
         </p:nvSpPr>
         <p:spPr/>
@@ -5387,29 +4658,11 @@
             <a:pPr>
               <a:defRPr/>
             </a:pPr>
-            <a:endParaRPr lang="en-US"/>
-          </a:p>
-        </p:txBody>
-      </p:sp>
-      <p:sp>
-        <p:nvSpPr>
-          <p:cNvPr id="6" name="Footer Placeholder 5"/>
-          <p:cNvSpPr>
-            <a:spLocks noGrp="1"/>
-          </p:cNvSpPr>
-          <p:nvPr>
-            <p:ph type="ftr" sz="quarter" idx="12"/>
-          </p:nvPr>
-        </p:nvSpPr>
-        <p:spPr/>
-        <p:txBody>
-          <a:bodyPr/>
-          <a:lstStyle/>
-          <a:p>
-            <a:pPr>
-              <a:defRPr/>
-            </a:pPr>
-            <a:endParaRPr lang="en-US"/>
+            <a:r>
+              <a:rPr lang="en-US" smtClean="0"/>
+              <a:t>Chef Software, Inc.</a:t>
+            </a:r>
+            <a:endParaRPr lang="en-US" dirty="0"/>
           </a:p>
         </p:txBody>
       </p:sp>
@@ -5484,12 +4737,12 @@
       </p:sp>
       <p:sp>
         <p:nvSpPr>
-          <p:cNvPr id="4" name="Slide Number Placeholder 3"/>
-          <p:cNvSpPr>
-            <a:spLocks noGrp="1"/>
-          </p:cNvSpPr>
-          <p:nvPr>
-            <p:ph type="sldNum" sz="quarter" idx="10"/>
+          <p:cNvPr id="5" name="Header Placeholder 4"/>
+          <p:cNvSpPr>
+            <a:spLocks noGrp="1"/>
+          </p:cNvSpPr>
+          <p:nvPr>
+            <p:ph type="hdr" sz="quarter" idx="11"/>
           </p:nvPr>
         </p:nvSpPr>
         <p:spPr/>
@@ -5500,25 +4753,22 @@
             <a:pPr>
               <a:defRPr/>
             </a:pPr>
-            <a:fld id="{DC3734AA-3150-D947-AC52-2F5DF48BFCD5}" type="slidenum">
+            <a:r>
               <a:rPr lang="en-US" smtClean="0"/>
-              <a:pPr>
-                <a:defRPr/>
-              </a:pPr>
-              <a:t>39</a:t>
-            </a:fld>
-            <a:endParaRPr lang="en-US" dirty="0"/>
-          </a:p>
-        </p:txBody>
-      </p:sp>
-      <p:sp>
-        <p:nvSpPr>
-          <p:cNvPr id="5" name="Header Placeholder 4"/>
-          <p:cNvSpPr>
-            <a:spLocks noGrp="1"/>
-          </p:cNvSpPr>
-          <p:nvPr>
-            <p:ph type="hdr" sz="quarter" idx="11"/>
+              <a:t>Test Driven Cookbook Development</a:t>
+            </a:r>
+            <a:endParaRPr lang="en-US"/>
+          </a:p>
+        </p:txBody>
+      </p:sp>
+      <p:sp>
+        <p:nvSpPr>
+          <p:cNvPr id="7" name="Date Placeholder 6"/>
+          <p:cNvSpPr>
+            <a:spLocks noGrp="1"/>
+          </p:cNvSpPr>
+          <p:nvPr>
+            <p:ph type="dt" idx="13"/>
           </p:nvPr>
         </p:nvSpPr>
         <p:spPr/>
@@ -5529,29 +4779,11 @@
             <a:pPr>
               <a:defRPr/>
             </a:pPr>
-            <a:endParaRPr lang="en-US"/>
-          </a:p>
-        </p:txBody>
-      </p:sp>
-      <p:sp>
-        <p:nvSpPr>
-          <p:cNvPr id="6" name="Footer Placeholder 5"/>
-          <p:cNvSpPr>
-            <a:spLocks noGrp="1"/>
-          </p:cNvSpPr>
-          <p:nvPr>
-            <p:ph type="ftr" sz="quarter" idx="12"/>
-          </p:nvPr>
-        </p:nvSpPr>
-        <p:spPr/>
-        <p:txBody>
-          <a:bodyPr/>
-          <a:lstStyle/>
-          <a:p>
-            <a:pPr>
-              <a:defRPr/>
-            </a:pPr>
-            <a:endParaRPr lang="en-US"/>
+            <a:r>
+              <a:rPr lang="en-US" smtClean="0"/>
+              <a:t>Chef Software, Inc.</a:t>
+            </a:r>
+            <a:endParaRPr lang="en-US" dirty="0"/>
           </a:p>
         </p:txBody>
       </p:sp>
@@ -5626,12 +4858,12 @@
       </p:sp>
       <p:sp>
         <p:nvSpPr>
-          <p:cNvPr id="4" name="Slide Number Placeholder 3"/>
-          <p:cNvSpPr>
-            <a:spLocks noGrp="1"/>
-          </p:cNvSpPr>
-          <p:nvPr>
-            <p:ph type="sldNum" sz="quarter" idx="10"/>
+          <p:cNvPr id="5" name="Header Placeholder 4"/>
+          <p:cNvSpPr>
+            <a:spLocks noGrp="1"/>
+          </p:cNvSpPr>
+          <p:nvPr>
+            <p:ph type="hdr" sz="quarter" idx="11"/>
           </p:nvPr>
         </p:nvSpPr>
         <p:spPr/>
@@ -5642,25 +4874,22 @@
             <a:pPr>
               <a:defRPr/>
             </a:pPr>
-            <a:fld id="{DC3734AA-3150-D947-AC52-2F5DF48BFCD5}" type="slidenum">
+            <a:r>
               <a:rPr lang="en-US" smtClean="0"/>
-              <a:pPr>
-                <a:defRPr/>
-              </a:pPr>
-              <a:t>40</a:t>
-            </a:fld>
-            <a:endParaRPr lang="en-US" dirty="0"/>
-          </a:p>
-        </p:txBody>
-      </p:sp>
-      <p:sp>
-        <p:nvSpPr>
-          <p:cNvPr id="5" name="Header Placeholder 4"/>
-          <p:cNvSpPr>
-            <a:spLocks noGrp="1"/>
-          </p:cNvSpPr>
-          <p:nvPr>
-            <p:ph type="hdr" sz="quarter" idx="11"/>
+              <a:t>Test Driven Cookbook Development</a:t>
+            </a:r>
+            <a:endParaRPr lang="en-US"/>
+          </a:p>
+        </p:txBody>
+      </p:sp>
+      <p:sp>
+        <p:nvSpPr>
+          <p:cNvPr id="7" name="Date Placeholder 6"/>
+          <p:cNvSpPr>
+            <a:spLocks noGrp="1"/>
+          </p:cNvSpPr>
+          <p:nvPr>
+            <p:ph type="dt" idx="13"/>
           </p:nvPr>
         </p:nvSpPr>
         <p:spPr/>
@@ -5671,29 +4900,11 @@
             <a:pPr>
               <a:defRPr/>
             </a:pPr>
-            <a:endParaRPr lang="en-US"/>
-          </a:p>
-        </p:txBody>
-      </p:sp>
-      <p:sp>
-        <p:nvSpPr>
-          <p:cNvPr id="6" name="Footer Placeholder 5"/>
-          <p:cNvSpPr>
-            <a:spLocks noGrp="1"/>
-          </p:cNvSpPr>
-          <p:nvPr>
-            <p:ph type="ftr" sz="quarter" idx="12"/>
-          </p:nvPr>
-        </p:nvSpPr>
-        <p:spPr/>
-        <p:txBody>
-          <a:bodyPr/>
-          <a:lstStyle/>
-          <a:p>
-            <a:pPr>
-              <a:defRPr/>
-            </a:pPr>
-            <a:endParaRPr lang="en-US"/>
+            <a:r>
+              <a:rPr lang="en-US" smtClean="0"/>
+              <a:t>Chef Software, Inc.</a:t>
+            </a:r>
+            <a:endParaRPr lang="en-US" dirty="0"/>
           </a:p>
         </p:txBody>
       </p:sp>
@@ -5772,12 +4983,12 @@
       </p:sp>
       <p:sp>
         <p:nvSpPr>
-          <p:cNvPr id="4" name="Slide Number Placeholder 3"/>
-          <p:cNvSpPr>
-            <a:spLocks noGrp="1"/>
-          </p:cNvSpPr>
-          <p:nvPr>
-            <p:ph type="sldNum" sz="quarter" idx="10"/>
+          <p:cNvPr id="5" name="Header Placeholder 4"/>
+          <p:cNvSpPr>
+            <a:spLocks noGrp="1"/>
+          </p:cNvSpPr>
+          <p:nvPr>
+            <p:ph type="hdr" sz="quarter" idx="11"/>
           </p:nvPr>
         </p:nvSpPr>
         <p:spPr/>
@@ -5788,25 +4999,22 @@
             <a:pPr>
               <a:defRPr/>
             </a:pPr>
-            <a:fld id="{DC3734AA-3150-D947-AC52-2F5DF48BFCD5}" type="slidenum">
+            <a:r>
               <a:rPr lang="en-US" smtClean="0"/>
-              <a:pPr>
-                <a:defRPr/>
-              </a:pPr>
-              <a:t>4</a:t>
-            </a:fld>
-            <a:endParaRPr lang="en-US" dirty="0"/>
-          </a:p>
-        </p:txBody>
-      </p:sp>
-      <p:sp>
-        <p:nvSpPr>
-          <p:cNvPr id="5" name="Header Placeholder 4"/>
-          <p:cNvSpPr>
-            <a:spLocks noGrp="1"/>
-          </p:cNvSpPr>
-          <p:nvPr>
-            <p:ph type="hdr" sz="quarter" idx="11"/>
+              <a:t>Test Driven Cookbook Development</a:t>
+            </a:r>
+            <a:endParaRPr lang="en-US"/>
+          </a:p>
+        </p:txBody>
+      </p:sp>
+      <p:sp>
+        <p:nvSpPr>
+          <p:cNvPr id="7" name="Date Placeholder 6"/>
+          <p:cNvSpPr>
+            <a:spLocks noGrp="1"/>
+          </p:cNvSpPr>
+          <p:nvPr>
+            <p:ph type="dt" idx="13"/>
           </p:nvPr>
         </p:nvSpPr>
         <p:spPr/>
@@ -5817,29 +5025,11 @@
             <a:pPr>
               <a:defRPr/>
             </a:pPr>
-            <a:endParaRPr lang="en-US"/>
-          </a:p>
-        </p:txBody>
-      </p:sp>
-      <p:sp>
-        <p:nvSpPr>
-          <p:cNvPr id="6" name="Footer Placeholder 5"/>
-          <p:cNvSpPr>
-            <a:spLocks noGrp="1"/>
-          </p:cNvSpPr>
-          <p:nvPr>
-            <p:ph type="ftr" sz="quarter" idx="12"/>
-          </p:nvPr>
-        </p:nvSpPr>
-        <p:spPr/>
-        <p:txBody>
-          <a:bodyPr/>
-          <a:lstStyle/>
-          <a:p>
-            <a:pPr>
-              <a:defRPr/>
-            </a:pPr>
-            <a:endParaRPr lang="en-US"/>
+            <a:r>
+              <a:rPr lang="en-US" smtClean="0"/>
+              <a:t>Chef Software, Inc.</a:t>
+            </a:r>
+            <a:endParaRPr lang="en-US" dirty="0"/>
           </a:p>
         </p:txBody>
       </p:sp>
@@ -5932,12 +5122,12 @@
       </p:sp>
       <p:sp>
         <p:nvSpPr>
-          <p:cNvPr id="4" name="Slide Number Placeholder 3"/>
-          <p:cNvSpPr>
-            <a:spLocks noGrp="1"/>
-          </p:cNvSpPr>
-          <p:nvPr>
-            <p:ph type="sldNum" sz="quarter" idx="10"/>
+          <p:cNvPr id="5" name="Header Placeholder 4"/>
+          <p:cNvSpPr>
+            <a:spLocks noGrp="1"/>
+          </p:cNvSpPr>
+          <p:nvPr>
+            <p:ph type="hdr" sz="quarter" idx="11"/>
           </p:nvPr>
         </p:nvSpPr>
         <p:spPr/>
@@ -5948,25 +5138,22 @@
             <a:pPr>
               <a:defRPr/>
             </a:pPr>
-            <a:fld id="{DC3734AA-3150-D947-AC52-2F5DF48BFCD5}" type="slidenum">
+            <a:r>
               <a:rPr lang="en-US" smtClean="0"/>
-              <a:pPr>
-                <a:defRPr/>
-              </a:pPr>
-              <a:t>41</a:t>
-            </a:fld>
-            <a:endParaRPr lang="en-US" dirty="0"/>
-          </a:p>
-        </p:txBody>
-      </p:sp>
-      <p:sp>
-        <p:nvSpPr>
-          <p:cNvPr id="5" name="Header Placeholder 4"/>
-          <p:cNvSpPr>
-            <a:spLocks noGrp="1"/>
-          </p:cNvSpPr>
-          <p:nvPr>
-            <p:ph type="hdr" sz="quarter" idx="11"/>
+              <a:t>Test Driven Cookbook Development</a:t>
+            </a:r>
+            <a:endParaRPr lang="en-US"/>
+          </a:p>
+        </p:txBody>
+      </p:sp>
+      <p:sp>
+        <p:nvSpPr>
+          <p:cNvPr id="7" name="Date Placeholder 6"/>
+          <p:cNvSpPr>
+            <a:spLocks noGrp="1"/>
+          </p:cNvSpPr>
+          <p:nvPr>
+            <p:ph type="dt" idx="13"/>
           </p:nvPr>
         </p:nvSpPr>
         <p:spPr/>
@@ -5977,29 +5164,11 @@
             <a:pPr>
               <a:defRPr/>
             </a:pPr>
-            <a:endParaRPr lang="en-US"/>
-          </a:p>
-        </p:txBody>
-      </p:sp>
-      <p:sp>
-        <p:nvSpPr>
-          <p:cNvPr id="6" name="Footer Placeholder 5"/>
-          <p:cNvSpPr>
-            <a:spLocks noGrp="1"/>
-          </p:cNvSpPr>
-          <p:nvPr>
-            <p:ph type="ftr" sz="quarter" idx="12"/>
-          </p:nvPr>
-        </p:nvSpPr>
-        <p:spPr/>
-        <p:txBody>
-          <a:bodyPr/>
-          <a:lstStyle/>
-          <a:p>
-            <a:pPr>
-              <a:defRPr/>
-            </a:pPr>
-            <a:endParaRPr lang="en-US"/>
+            <a:r>
+              <a:rPr lang="en-US" smtClean="0"/>
+              <a:t>Chef Software, Inc.</a:t>
+            </a:r>
+            <a:endParaRPr lang="en-US" dirty="0"/>
           </a:p>
         </p:txBody>
       </p:sp>
@@ -6087,12 +5256,12 @@
       </p:sp>
       <p:sp>
         <p:nvSpPr>
-          <p:cNvPr id="4" name="Slide Number Placeholder 3"/>
-          <p:cNvSpPr>
-            <a:spLocks noGrp="1"/>
-          </p:cNvSpPr>
-          <p:nvPr>
-            <p:ph type="sldNum" sz="quarter" idx="10"/>
+          <p:cNvPr id="5" name="Header Placeholder 4"/>
+          <p:cNvSpPr>
+            <a:spLocks noGrp="1"/>
+          </p:cNvSpPr>
+          <p:nvPr>
+            <p:ph type="hdr" sz="quarter" idx="11"/>
           </p:nvPr>
         </p:nvSpPr>
         <p:spPr/>
@@ -6103,25 +5272,22 @@
             <a:pPr>
               <a:defRPr/>
             </a:pPr>
-            <a:fld id="{DC3734AA-3150-D947-AC52-2F5DF48BFCD5}" type="slidenum">
+            <a:r>
               <a:rPr lang="en-US" smtClean="0"/>
-              <a:pPr>
-                <a:defRPr/>
-              </a:pPr>
-              <a:t>42</a:t>
-            </a:fld>
-            <a:endParaRPr lang="en-US" dirty="0"/>
-          </a:p>
-        </p:txBody>
-      </p:sp>
-      <p:sp>
-        <p:nvSpPr>
-          <p:cNvPr id="5" name="Header Placeholder 4"/>
-          <p:cNvSpPr>
-            <a:spLocks noGrp="1"/>
-          </p:cNvSpPr>
-          <p:nvPr>
-            <p:ph type="hdr" sz="quarter" idx="11"/>
+              <a:t>Test Driven Cookbook Development</a:t>
+            </a:r>
+            <a:endParaRPr lang="en-US"/>
+          </a:p>
+        </p:txBody>
+      </p:sp>
+      <p:sp>
+        <p:nvSpPr>
+          <p:cNvPr id="7" name="Date Placeholder 6"/>
+          <p:cNvSpPr>
+            <a:spLocks noGrp="1"/>
+          </p:cNvSpPr>
+          <p:nvPr>
+            <p:ph type="dt" idx="13"/>
           </p:nvPr>
         </p:nvSpPr>
         <p:spPr/>
@@ -6132,29 +5298,11 @@
             <a:pPr>
               <a:defRPr/>
             </a:pPr>
-            <a:endParaRPr lang="en-US"/>
-          </a:p>
-        </p:txBody>
-      </p:sp>
-      <p:sp>
-        <p:nvSpPr>
-          <p:cNvPr id="6" name="Footer Placeholder 5"/>
-          <p:cNvSpPr>
-            <a:spLocks noGrp="1"/>
-          </p:cNvSpPr>
-          <p:nvPr>
-            <p:ph type="ftr" sz="quarter" idx="12"/>
-          </p:nvPr>
-        </p:nvSpPr>
-        <p:spPr/>
-        <p:txBody>
-          <a:bodyPr/>
-          <a:lstStyle/>
-          <a:p>
-            <a:pPr>
-              <a:defRPr/>
-            </a:pPr>
-            <a:endParaRPr lang="en-US"/>
+            <a:r>
+              <a:rPr lang="en-US" smtClean="0"/>
+              <a:t>Chef Software, Inc.</a:t>
+            </a:r>
+            <a:endParaRPr lang="en-US" dirty="0"/>
           </a:p>
         </p:txBody>
       </p:sp>
@@ -6249,12 +5397,12 @@
       </p:sp>
       <p:sp>
         <p:nvSpPr>
-          <p:cNvPr id="4" name="Slide Number Placeholder 3"/>
-          <p:cNvSpPr>
-            <a:spLocks noGrp="1"/>
-          </p:cNvSpPr>
-          <p:nvPr>
-            <p:ph type="sldNum" sz="quarter" idx="10"/>
+          <p:cNvPr id="5" name="Header Placeholder 4"/>
+          <p:cNvSpPr>
+            <a:spLocks noGrp="1"/>
+          </p:cNvSpPr>
+          <p:nvPr>
+            <p:ph type="hdr" sz="quarter" idx="11"/>
           </p:nvPr>
         </p:nvSpPr>
         <p:spPr/>
@@ -6265,25 +5413,22 @@
             <a:pPr>
               <a:defRPr/>
             </a:pPr>
-            <a:fld id="{DC3734AA-3150-D947-AC52-2F5DF48BFCD5}" type="slidenum">
+            <a:r>
               <a:rPr lang="en-US" smtClean="0"/>
-              <a:pPr>
-                <a:defRPr/>
-              </a:pPr>
-              <a:t>43</a:t>
-            </a:fld>
-            <a:endParaRPr lang="en-US" dirty="0"/>
-          </a:p>
-        </p:txBody>
-      </p:sp>
-      <p:sp>
-        <p:nvSpPr>
-          <p:cNvPr id="5" name="Header Placeholder 4"/>
-          <p:cNvSpPr>
-            <a:spLocks noGrp="1"/>
-          </p:cNvSpPr>
-          <p:nvPr>
-            <p:ph type="hdr" sz="quarter" idx="11"/>
+              <a:t>Test Driven Cookbook Development</a:t>
+            </a:r>
+            <a:endParaRPr lang="en-US"/>
+          </a:p>
+        </p:txBody>
+      </p:sp>
+      <p:sp>
+        <p:nvSpPr>
+          <p:cNvPr id="7" name="Date Placeholder 6"/>
+          <p:cNvSpPr>
+            <a:spLocks noGrp="1"/>
+          </p:cNvSpPr>
+          <p:nvPr>
+            <p:ph type="dt" idx="13"/>
           </p:nvPr>
         </p:nvSpPr>
         <p:spPr/>
@@ -6294,29 +5439,11 @@
             <a:pPr>
               <a:defRPr/>
             </a:pPr>
-            <a:endParaRPr lang="en-US"/>
-          </a:p>
-        </p:txBody>
-      </p:sp>
-      <p:sp>
-        <p:nvSpPr>
-          <p:cNvPr id="6" name="Footer Placeholder 5"/>
-          <p:cNvSpPr>
-            <a:spLocks noGrp="1"/>
-          </p:cNvSpPr>
-          <p:nvPr>
-            <p:ph type="ftr" sz="quarter" idx="12"/>
-          </p:nvPr>
-        </p:nvSpPr>
-        <p:spPr/>
-        <p:txBody>
-          <a:bodyPr/>
-          <a:lstStyle/>
-          <a:p>
-            <a:pPr>
-              <a:defRPr/>
-            </a:pPr>
-            <a:endParaRPr lang="en-US"/>
+            <a:r>
+              <a:rPr lang="en-US" smtClean="0"/>
+              <a:t>Chef Software, Inc.</a:t>
+            </a:r>
+            <a:endParaRPr lang="en-US" dirty="0"/>
           </a:p>
         </p:txBody>
       </p:sp>
@@ -6403,12 +5530,12 @@
       </p:sp>
       <p:sp>
         <p:nvSpPr>
-          <p:cNvPr id="4" name="Slide Number Placeholder 3"/>
-          <p:cNvSpPr>
-            <a:spLocks noGrp="1"/>
-          </p:cNvSpPr>
-          <p:nvPr>
-            <p:ph type="sldNum" sz="quarter" idx="10"/>
+          <p:cNvPr id="5" name="Header Placeholder 4"/>
+          <p:cNvSpPr>
+            <a:spLocks noGrp="1"/>
+          </p:cNvSpPr>
+          <p:nvPr>
+            <p:ph type="hdr" sz="quarter" idx="11"/>
           </p:nvPr>
         </p:nvSpPr>
         <p:spPr/>
@@ -6419,25 +5546,22 @@
             <a:pPr>
               <a:defRPr/>
             </a:pPr>
-            <a:fld id="{DC3734AA-3150-D947-AC52-2F5DF48BFCD5}" type="slidenum">
+            <a:r>
               <a:rPr lang="en-US" smtClean="0"/>
-              <a:pPr>
-                <a:defRPr/>
-              </a:pPr>
-              <a:t>44</a:t>
-            </a:fld>
-            <a:endParaRPr lang="en-US" dirty="0"/>
-          </a:p>
-        </p:txBody>
-      </p:sp>
-      <p:sp>
-        <p:nvSpPr>
-          <p:cNvPr id="5" name="Header Placeholder 4"/>
-          <p:cNvSpPr>
-            <a:spLocks noGrp="1"/>
-          </p:cNvSpPr>
-          <p:nvPr>
-            <p:ph type="hdr" sz="quarter" idx="11"/>
+              <a:t>Test Driven Cookbook Development</a:t>
+            </a:r>
+            <a:endParaRPr lang="en-US"/>
+          </a:p>
+        </p:txBody>
+      </p:sp>
+      <p:sp>
+        <p:nvSpPr>
+          <p:cNvPr id="7" name="Date Placeholder 6"/>
+          <p:cNvSpPr>
+            <a:spLocks noGrp="1"/>
+          </p:cNvSpPr>
+          <p:nvPr>
+            <p:ph type="dt" idx="13"/>
           </p:nvPr>
         </p:nvSpPr>
         <p:spPr/>
@@ -6448,29 +5572,11 @@
             <a:pPr>
               <a:defRPr/>
             </a:pPr>
-            <a:endParaRPr lang="en-US"/>
-          </a:p>
-        </p:txBody>
-      </p:sp>
-      <p:sp>
-        <p:nvSpPr>
-          <p:cNvPr id="6" name="Footer Placeholder 5"/>
-          <p:cNvSpPr>
-            <a:spLocks noGrp="1"/>
-          </p:cNvSpPr>
-          <p:nvPr>
-            <p:ph type="ftr" sz="quarter" idx="12"/>
-          </p:nvPr>
-        </p:nvSpPr>
-        <p:spPr/>
-        <p:txBody>
-          <a:bodyPr/>
-          <a:lstStyle/>
-          <a:p>
-            <a:pPr>
-              <a:defRPr/>
-            </a:pPr>
-            <a:endParaRPr lang="en-US"/>
+            <a:r>
+              <a:rPr lang="en-US" smtClean="0"/>
+              <a:t>Chef Software, Inc.</a:t>
+            </a:r>
+            <a:endParaRPr lang="en-US" dirty="0"/>
           </a:p>
         </p:txBody>
       </p:sp>
@@ -6569,12 +5675,12 @@
       </p:sp>
       <p:sp>
         <p:nvSpPr>
-          <p:cNvPr id="4" name="Slide Number Placeholder 3"/>
-          <p:cNvSpPr>
-            <a:spLocks noGrp="1"/>
-          </p:cNvSpPr>
-          <p:nvPr>
-            <p:ph type="sldNum" sz="quarter" idx="10"/>
+          <p:cNvPr id="5" name="Header Placeholder 4"/>
+          <p:cNvSpPr>
+            <a:spLocks noGrp="1"/>
+          </p:cNvSpPr>
+          <p:nvPr>
+            <p:ph type="hdr" sz="quarter" idx="11"/>
           </p:nvPr>
         </p:nvSpPr>
         <p:spPr/>
@@ -6585,25 +5691,22 @@
             <a:pPr>
               <a:defRPr/>
             </a:pPr>
-            <a:fld id="{DC3734AA-3150-D947-AC52-2F5DF48BFCD5}" type="slidenum">
+            <a:r>
               <a:rPr lang="en-US" smtClean="0"/>
-              <a:pPr>
-                <a:defRPr/>
-              </a:pPr>
-              <a:t>5</a:t>
-            </a:fld>
-            <a:endParaRPr lang="en-US" dirty="0"/>
-          </a:p>
-        </p:txBody>
-      </p:sp>
-      <p:sp>
-        <p:nvSpPr>
-          <p:cNvPr id="5" name="Header Placeholder 4"/>
-          <p:cNvSpPr>
-            <a:spLocks noGrp="1"/>
-          </p:cNvSpPr>
-          <p:nvPr>
-            <p:ph type="hdr" sz="quarter" idx="11"/>
+              <a:t>Test Driven Cookbook Development</a:t>
+            </a:r>
+            <a:endParaRPr lang="en-US"/>
+          </a:p>
+        </p:txBody>
+      </p:sp>
+      <p:sp>
+        <p:nvSpPr>
+          <p:cNvPr id="7" name="Date Placeholder 6"/>
+          <p:cNvSpPr>
+            <a:spLocks noGrp="1"/>
+          </p:cNvSpPr>
+          <p:nvPr>
+            <p:ph type="dt" idx="13"/>
           </p:nvPr>
         </p:nvSpPr>
         <p:spPr/>
@@ -6614,29 +5717,11 @@
             <a:pPr>
               <a:defRPr/>
             </a:pPr>
-            <a:endParaRPr lang="en-US"/>
-          </a:p>
-        </p:txBody>
-      </p:sp>
-      <p:sp>
-        <p:nvSpPr>
-          <p:cNvPr id="6" name="Footer Placeholder 5"/>
-          <p:cNvSpPr>
-            <a:spLocks noGrp="1"/>
-          </p:cNvSpPr>
-          <p:nvPr>
-            <p:ph type="ftr" sz="quarter" idx="12"/>
-          </p:nvPr>
-        </p:nvSpPr>
-        <p:spPr/>
-        <p:txBody>
-          <a:bodyPr/>
-          <a:lstStyle/>
-          <a:p>
-            <a:pPr>
-              <a:defRPr/>
-            </a:pPr>
-            <a:endParaRPr lang="en-US"/>
+            <a:r>
+              <a:rPr lang="en-US" smtClean="0"/>
+              <a:t>Chef Software, Inc.</a:t>
+            </a:r>
+            <a:endParaRPr lang="en-US" dirty="0"/>
           </a:p>
         </p:txBody>
       </p:sp>
@@ -6711,12 +5796,12 @@
       </p:sp>
       <p:sp>
         <p:nvSpPr>
-          <p:cNvPr id="4" name="Slide Number Placeholder 3"/>
-          <p:cNvSpPr>
-            <a:spLocks noGrp="1"/>
-          </p:cNvSpPr>
-          <p:nvPr>
-            <p:ph type="sldNum" sz="quarter" idx="10"/>
+          <p:cNvPr id="5" name="Header Placeholder 4"/>
+          <p:cNvSpPr>
+            <a:spLocks noGrp="1"/>
+          </p:cNvSpPr>
+          <p:nvPr>
+            <p:ph type="hdr" sz="quarter" idx="11"/>
           </p:nvPr>
         </p:nvSpPr>
         <p:spPr/>
@@ -6727,25 +5812,22 @@
             <a:pPr>
               <a:defRPr/>
             </a:pPr>
-            <a:fld id="{DC3734AA-3150-D947-AC52-2F5DF48BFCD5}" type="slidenum">
+            <a:r>
               <a:rPr lang="en-US" smtClean="0"/>
-              <a:pPr>
-                <a:defRPr/>
-              </a:pPr>
-              <a:t>6</a:t>
-            </a:fld>
-            <a:endParaRPr lang="en-US" dirty="0"/>
-          </a:p>
-        </p:txBody>
-      </p:sp>
-      <p:sp>
-        <p:nvSpPr>
-          <p:cNvPr id="5" name="Header Placeholder 4"/>
-          <p:cNvSpPr>
-            <a:spLocks noGrp="1"/>
-          </p:cNvSpPr>
-          <p:nvPr>
-            <p:ph type="hdr" sz="quarter" idx="11"/>
+              <a:t>Test Driven Cookbook Development</a:t>
+            </a:r>
+            <a:endParaRPr lang="en-US"/>
+          </a:p>
+        </p:txBody>
+      </p:sp>
+      <p:sp>
+        <p:nvSpPr>
+          <p:cNvPr id="7" name="Date Placeholder 6"/>
+          <p:cNvSpPr>
+            <a:spLocks noGrp="1"/>
+          </p:cNvSpPr>
+          <p:nvPr>
+            <p:ph type="dt" idx="13"/>
           </p:nvPr>
         </p:nvSpPr>
         <p:spPr/>
@@ -6756,29 +5838,11 @@
             <a:pPr>
               <a:defRPr/>
             </a:pPr>
-            <a:endParaRPr lang="en-US"/>
-          </a:p>
-        </p:txBody>
-      </p:sp>
-      <p:sp>
-        <p:nvSpPr>
-          <p:cNvPr id="6" name="Footer Placeholder 5"/>
-          <p:cNvSpPr>
-            <a:spLocks noGrp="1"/>
-          </p:cNvSpPr>
-          <p:nvPr>
-            <p:ph type="ftr" sz="quarter" idx="12"/>
-          </p:nvPr>
-        </p:nvSpPr>
-        <p:spPr/>
-        <p:txBody>
-          <a:bodyPr/>
-          <a:lstStyle/>
-          <a:p>
-            <a:pPr>
-              <a:defRPr/>
-            </a:pPr>
-            <a:endParaRPr lang="en-US"/>
+            <a:r>
+              <a:rPr lang="en-US" smtClean="0"/>
+              <a:t>Chef Software, Inc.</a:t>
+            </a:r>
+            <a:endParaRPr lang="en-US" dirty="0"/>
           </a:p>
         </p:txBody>
       </p:sp>
@@ -6852,12 +5916,12 @@
       </p:sp>
       <p:sp>
         <p:nvSpPr>
-          <p:cNvPr id="4" name="Slide Number Placeholder 3"/>
-          <p:cNvSpPr>
-            <a:spLocks noGrp="1"/>
-          </p:cNvSpPr>
-          <p:nvPr>
-            <p:ph type="sldNum" sz="quarter" idx="10"/>
+          <p:cNvPr id="5" name="Header Placeholder 4"/>
+          <p:cNvSpPr>
+            <a:spLocks noGrp="1"/>
+          </p:cNvSpPr>
+          <p:nvPr>
+            <p:ph type="hdr" sz="quarter" idx="11"/>
           </p:nvPr>
         </p:nvSpPr>
         <p:spPr/>
@@ -6868,25 +5932,22 @@
             <a:pPr>
               <a:defRPr/>
             </a:pPr>
-            <a:fld id="{DC3734AA-3150-D947-AC52-2F5DF48BFCD5}" type="slidenum">
+            <a:r>
               <a:rPr lang="en-US" smtClean="0"/>
-              <a:pPr>
-                <a:defRPr/>
-              </a:pPr>
-              <a:t>7</a:t>
-            </a:fld>
-            <a:endParaRPr lang="en-US" dirty="0"/>
-          </a:p>
-        </p:txBody>
-      </p:sp>
-      <p:sp>
-        <p:nvSpPr>
-          <p:cNvPr id="5" name="Header Placeholder 4"/>
-          <p:cNvSpPr>
-            <a:spLocks noGrp="1"/>
-          </p:cNvSpPr>
-          <p:nvPr>
-            <p:ph type="hdr" sz="quarter" idx="11"/>
+              <a:t>Test Driven Cookbook Development</a:t>
+            </a:r>
+            <a:endParaRPr lang="en-US"/>
+          </a:p>
+        </p:txBody>
+      </p:sp>
+      <p:sp>
+        <p:nvSpPr>
+          <p:cNvPr id="7" name="Date Placeholder 6"/>
+          <p:cNvSpPr>
+            <a:spLocks noGrp="1"/>
+          </p:cNvSpPr>
+          <p:nvPr>
+            <p:ph type="dt" idx="13"/>
           </p:nvPr>
         </p:nvSpPr>
         <p:spPr/>
@@ -6897,29 +5958,11 @@
             <a:pPr>
               <a:defRPr/>
             </a:pPr>
-            <a:endParaRPr lang="en-US"/>
-          </a:p>
-        </p:txBody>
-      </p:sp>
-      <p:sp>
-        <p:nvSpPr>
-          <p:cNvPr id="6" name="Footer Placeholder 5"/>
-          <p:cNvSpPr>
-            <a:spLocks noGrp="1"/>
-          </p:cNvSpPr>
-          <p:nvPr>
-            <p:ph type="ftr" sz="quarter" idx="12"/>
-          </p:nvPr>
-        </p:nvSpPr>
-        <p:spPr/>
-        <p:txBody>
-          <a:bodyPr/>
-          <a:lstStyle/>
-          <a:p>
-            <a:pPr>
-              <a:defRPr/>
-            </a:pPr>
-            <a:endParaRPr lang="en-US"/>
+            <a:r>
+              <a:rPr lang="en-US" smtClean="0"/>
+              <a:t>Chef Software, Inc.</a:t>
+            </a:r>
+            <a:endParaRPr lang="en-US" dirty="0"/>
           </a:p>
         </p:txBody>
       </p:sp>
@@ -7002,12 +6045,12 @@
       </p:sp>
       <p:sp>
         <p:nvSpPr>
-          <p:cNvPr id="4" name="Slide Number Placeholder 3"/>
-          <p:cNvSpPr>
-            <a:spLocks noGrp="1"/>
-          </p:cNvSpPr>
-          <p:nvPr>
-            <p:ph type="sldNum" sz="quarter" idx="10"/>
+          <p:cNvPr id="5" name="Header Placeholder 4"/>
+          <p:cNvSpPr>
+            <a:spLocks noGrp="1"/>
+          </p:cNvSpPr>
+          <p:nvPr>
+            <p:ph type="hdr" sz="quarter" idx="11"/>
           </p:nvPr>
         </p:nvSpPr>
         <p:spPr/>
@@ -7018,25 +6061,22 @@
             <a:pPr>
               <a:defRPr/>
             </a:pPr>
-            <a:fld id="{DC3734AA-3150-D947-AC52-2F5DF48BFCD5}" type="slidenum">
+            <a:r>
               <a:rPr lang="en-US" smtClean="0"/>
-              <a:pPr>
-                <a:defRPr/>
-              </a:pPr>
-              <a:t>8</a:t>
-            </a:fld>
-            <a:endParaRPr lang="en-US" dirty="0"/>
-          </a:p>
-        </p:txBody>
-      </p:sp>
-      <p:sp>
-        <p:nvSpPr>
-          <p:cNvPr id="5" name="Header Placeholder 4"/>
-          <p:cNvSpPr>
-            <a:spLocks noGrp="1"/>
-          </p:cNvSpPr>
-          <p:nvPr>
-            <p:ph type="hdr" sz="quarter" idx="11"/>
+              <a:t>Test Driven Cookbook Development</a:t>
+            </a:r>
+            <a:endParaRPr lang="en-US"/>
+          </a:p>
+        </p:txBody>
+      </p:sp>
+      <p:sp>
+        <p:nvSpPr>
+          <p:cNvPr id="7" name="Date Placeholder 6"/>
+          <p:cNvSpPr>
+            <a:spLocks noGrp="1"/>
+          </p:cNvSpPr>
+          <p:nvPr>
+            <p:ph type="dt" idx="13"/>
           </p:nvPr>
         </p:nvSpPr>
         <p:spPr/>
@@ -7047,29 +6087,11 @@
             <a:pPr>
               <a:defRPr/>
             </a:pPr>
-            <a:endParaRPr lang="en-US"/>
-          </a:p>
-        </p:txBody>
-      </p:sp>
-      <p:sp>
-        <p:nvSpPr>
-          <p:cNvPr id="6" name="Footer Placeholder 5"/>
-          <p:cNvSpPr>
-            <a:spLocks noGrp="1"/>
-          </p:cNvSpPr>
-          <p:nvPr>
-            <p:ph type="ftr" sz="quarter" idx="12"/>
-          </p:nvPr>
-        </p:nvSpPr>
-        <p:spPr/>
-        <p:txBody>
-          <a:bodyPr/>
-          <a:lstStyle/>
-          <a:p>
-            <a:pPr>
-              <a:defRPr/>
-            </a:pPr>
-            <a:endParaRPr lang="en-US"/>
+            <a:r>
+              <a:rPr lang="en-US" smtClean="0"/>
+              <a:t>Chef Software, Inc.</a:t>
+            </a:r>
+            <a:endParaRPr lang="en-US" dirty="0"/>
           </a:p>
         </p:txBody>
       </p:sp>
@@ -7152,12 +6174,12 @@
       </p:sp>
       <p:sp>
         <p:nvSpPr>
-          <p:cNvPr id="4" name="Slide Number Placeholder 3"/>
-          <p:cNvSpPr>
-            <a:spLocks noGrp="1"/>
-          </p:cNvSpPr>
-          <p:nvPr>
-            <p:ph type="sldNum" sz="quarter" idx="10"/>
+          <p:cNvPr id="5" name="Header Placeholder 4"/>
+          <p:cNvSpPr>
+            <a:spLocks noGrp="1"/>
+          </p:cNvSpPr>
+          <p:nvPr>
+            <p:ph type="hdr" sz="quarter" idx="11"/>
           </p:nvPr>
         </p:nvSpPr>
         <p:spPr/>
@@ -7168,25 +6190,22 @@
             <a:pPr>
               <a:defRPr/>
             </a:pPr>
-            <a:fld id="{DC3734AA-3150-D947-AC52-2F5DF48BFCD5}" type="slidenum">
+            <a:r>
               <a:rPr lang="en-US" smtClean="0"/>
-              <a:pPr>
-                <a:defRPr/>
-              </a:pPr>
-              <a:t>9</a:t>
-            </a:fld>
-            <a:endParaRPr lang="en-US" dirty="0"/>
-          </a:p>
-        </p:txBody>
-      </p:sp>
-      <p:sp>
-        <p:nvSpPr>
-          <p:cNvPr id="5" name="Header Placeholder 4"/>
-          <p:cNvSpPr>
-            <a:spLocks noGrp="1"/>
-          </p:cNvSpPr>
-          <p:nvPr>
-            <p:ph type="hdr" sz="quarter" idx="11"/>
+              <a:t>Test Driven Cookbook Development</a:t>
+            </a:r>
+            <a:endParaRPr lang="en-US"/>
+          </a:p>
+        </p:txBody>
+      </p:sp>
+      <p:sp>
+        <p:nvSpPr>
+          <p:cNvPr id="7" name="Date Placeholder 6"/>
+          <p:cNvSpPr>
+            <a:spLocks noGrp="1"/>
+          </p:cNvSpPr>
+          <p:nvPr>
+            <p:ph type="dt" idx="13"/>
           </p:nvPr>
         </p:nvSpPr>
         <p:spPr/>
@@ -7197,29 +6216,11 @@
             <a:pPr>
               <a:defRPr/>
             </a:pPr>
-            <a:endParaRPr lang="en-US"/>
-          </a:p>
-        </p:txBody>
-      </p:sp>
-      <p:sp>
-        <p:nvSpPr>
-          <p:cNvPr id="6" name="Footer Placeholder 5"/>
-          <p:cNvSpPr>
-            <a:spLocks noGrp="1"/>
-          </p:cNvSpPr>
-          <p:nvPr>
-            <p:ph type="ftr" sz="quarter" idx="12"/>
-          </p:nvPr>
-        </p:nvSpPr>
-        <p:spPr/>
-        <p:txBody>
-          <a:bodyPr/>
-          <a:lstStyle/>
-          <a:p>
-            <a:pPr>
-              <a:defRPr/>
-            </a:pPr>
-            <a:endParaRPr lang="en-US"/>
+            <a:r>
+              <a:rPr lang="en-US" smtClean="0"/>
+              <a:t>Chef Software, Inc.</a:t>
+            </a:r>
+            <a:endParaRPr lang="en-US" dirty="0"/>
           </a:p>
         </p:txBody>
       </p:sp>
@@ -7373,7 +6374,7 @@
   <p:clrMapOvr>
     <a:masterClrMapping/>
   </p:clrMapOvr>
-  <p:transition xmlns:p14="http://schemas.microsoft.com/office/powerpoint/2010/main" spd="med">
+  <p:transition spd="med">
     <p:fade/>
   </p:transition>
 </p:sldLayout>
@@ -7668,7 +6669,7 @@
   <p:clrMapOvr>
     <a:overrideClrMapping bg1="lt1" tx1="dk1" bg2="lt2" tx2="dk2" accent1="accent1" accent2="accent2" accent3="accent3" accent4="accent4" accent5="accent5" accent6="accent6" hlink="hlink" folHlink="folHlink"/>
   </p:clrMapOvr>
-  <p:transition xmlns:p14="http://schemas.microsoft.com/office/powerpoint/2010/main" spd="med">
+  <p:transition spd="med">
     <p:fade/>
   </p:transition>
 </p:sldLayout>
@@ -7801,14 +6802,14 @@
           </a:ln>
           <a:extLst>
             <a:ext uri="{909E8E84-426E-40dd-AFC4-6F175D3DCCD1}">
-              <a14:hiddenFill xmlns:a14="http://schemas.microsoft.com/office/drawing/2010/main">
+              <a14:hiddenFill xmlns:a14="http://schemas.microsoft.com/office/drawing/2010/main" xmlns="">
                 <a:solidFill>
                   <a:srgbClr val="FFFFFF"/>
                 </a:solidFill>
               </a14:hiddenFill>
             </a:ext>
             <a:ext uri="{91240B29-F687-4f45-9708-019B960494DF}">
-              <a14:hiddenLine xmlns:a14="http://schemas.microsoft.com/office/drawing/2010/main" w="9525">
+              <a14:hiddenLine xmlns:a14="http://schemas.microsoft.com/office/drawing/2010/main" xmlns="" w="9525">
                 <a:solidFill>
                   <a:srgbClr val="000000"/>
                 </a:solidFill>
@@ -7956,14 +6957,14 @@
           </a:ln>
           <a:extLst>
             <a:ext uri="{909E8E84-426E-40dd-AFC4-6F175D3DCCD1}">
-              <a14:hiddenFill xmlns:a14="http://schemas.microsoft.com/office/drawing/2010/main">
+              <a14:hiddenFill xmlns:a14="http://schemas.microsoft.com/office/drawing/2010/main" xmlns="">
                 <a:solidFill>
                   <a:srgbClr val="FFFFFF"/>
                 </a:solidFill>
               </a14:hiddenFill>
             </a:ext>
             <a:ext uri="{91240B29-F687-4f45-9708-019B960494DF}">
-              <a14:hiddenLine xmlns:a14="http://schemas.microsoft.com/office/drawing/2010/main" w="9525">
+              <a14:hiddenLine xmlns:a14="http://schemas.microsoft.com/office/drawing/2010/main" xmlns="" w="9525">
                 <a:solidFill>
                   <a:srgbClr val="000000"/>
                 </a:solidFill>
@@ -8361,7 +7362,7 @@
   <p:clrMapOvr>
     <a:overrideClrMapping bg1="lt1" tx1="dk1" bg2="lt2" tx2="dk2" accent1="accent1" accent2="accent2" accent3="accent3" accent4="accent4" accent5="accent5" accent6="accent6" hlink="hlink" folHlink="folHlink"/>
   </p:clrMapOvr>
-  <p:transition xmlns:p14="http://schemas.microsoft.com/office/powerpoint/2010/main" spd="med">
+  <p:transition spd="med">
     <p:fade/>
   </p:transition>
 </p:sldLayout>
@@ -8454,14 +7455,14 @@
           </a:ln>
           <a:extLst>
             <a:ext uri="{909E8E84-426E-40dd-AFC4-6F175D3DCCD1}">
-              <a14:hiddenFill xmlns:a14="http://schemas.microsoft.com/office/drawing/2010/main">
+              <a14:hiddenFill xmlns:a14="http://schemas.microsoft.com/office/drawing/2010/main" xmlns="">
                 <a:solidFill>
                   <a:srgbClr val="FFFFFF"/>
                 </a:solidFill>
               </a14:hiddenFill>
             </a:ext>
             <a:ext uri="{91240B29-F687-4f45-9708-019B960494DF}">
-              <a14:hiddenLine xmlns:a14="http://schemas.microsoft.com/office/drawing/2010/main" w="9525">
+              <a14:hiddenLine xmlns:a14="http://schemas.microsoft.com/office/drawing/2010/main" xmlns="" w="9525">
                 <a:solidFill>
                   <a:srgbClr val="000000"/>
                 </a:solidFill>
@@ -8483,7 +7484,7 @@
   <p:clrMapOvr>
     <a:masterClrMapping/>
   </p:clrMapOvr>
-  <p:transition xmlns:p14="http://schemas.microsoft.com/office/powerpoint/2010/main" spd="med">
+  <p:transition spd="med">
     <p:fade/>
   </p:transition>
 </p:sldLayout>
@@ -8770,7 +7771,7 @@
   <p:clrMapOvr>
     <a:masterClrMapping/>
   </p:clrMapOvr>
-  <p:transition xmlns:p14="http://schemas.microsoft.com/office/powerpoint/2010/main" spd="med">
+  <p:transition spd="med">
     <p:fade/>
   </p:transition>
 </p:sldLayout>
@@ -9057,7 +8058,7 @@
   <p:clrMapOvr>
     <a:masterClrMapping/>
   </p:clrMapOvr>
-  <p:transition xmlns:p14="http://schemas.microsoft.com/office/powerpoint/2010/main" spd="med">
+  <p:transition spd="med">
     <p:fade/>
   </p:transition>
 </p:sldLayout>
@@ -9406,7 +8407,7 @@
   <p:clrMapOvr>
     <a:masterClrMapping/>
   </p:clrMapOvr>
-  <p:transition xmlns:p14="http://schemas.microsoft.com/office/powerpoint/2010/main" spd="med">
+  <p:transition spd="med">
     <p:fade/>
   </p:transition>
 </p:sldLayout>
@@ -9693,7 +8694,7 @@
   <p:clrMapOvr>
     <a:masterClrMapping/>
   </p:clrMapOvr>
-  <p:transition xmlns:p14="http://schemas.microsoft.com/office/powerpoint/2010/main" spd="med">
+  <p:transition spd="med">
     <p:fade/>
   </p:transition>
 </p:sldLayout>
@@ -9910,14 +8911,14 @@
           </a:ln>
           <a:extLst>
             <a:ext uri="{909E8E84-426E-40dd-AFC4-6F175D3DCCD1}">
-              <a14:hiddenFill xmlns:a14="http://schemas.microsoft.com/office/drawing/2010/main">
+              <a14:hiddenFill xmlns:a14="http://schemas.microsoft.com/office/drawing/2010/main" xmlns="">
                 <a:solidFill>
                   <a:srgbClr val="FFFFFF"/>
                 </a:solidFill>
               </a14:hiddenFill>
             </a:ext>
             <a:ext uri="{91240B29-F687-4f45-9708-019B960494DF}">
-              <a14:hiddenLine xmlns:a14="http://schemas.microsoft.com/office/drawing/2010/main" w="9525">
+              <a14:hiddenLine xmlns:a14="http://schemas.microsoft.com/office/drawing/2010/main" xmlns="" w="9525">
                 <a:solidFill>
                   <a:srgbClr val="000000"/>
                 </a:solidFill>
@@ -10114,7 +9115,7 @@
   <p:clrMapOvr>
     <a:masterClrMapping/>
   </p:clrMapOvr>
-  <p:transition xmlns:p14="http://schemas.microsoft.com/office/powerpoint/2010/main" spd="med">
+  <p:transition spd="med">
     <p:fade/>
   </p:transition>
 </p:sldLayout>
@@ -10402,7 +9403,7 @@
   <p:clrMapOvr>
     <a:masterClrMapping/>
   </p:clrMapOvr>
-  <p:transition xmlns:p14="http://schemas.microsoft.com/office/powerpoint/2010/main" spd="med">
+  <p:transition spd="med">
     <p:fade/>
   </p:transition>
 </p:sldLayout>
@@ -10714,7 +9715,7 @@
   <p:clrMapOvr>
     <a:masterClrMapping/>
   </p:clrMapOvr>
-  <p:transition xmlns:p14="http://schemas.microsoft.com/office/powerpoint/2010/main" spd="med">
+  <p:transition spd="med">
     <p:fade/>
   </p:transition>
 </p:sldLayout>
@@ -10891,7 +9892,7 @@
   <p:clrMapOvr>
     <a:masterClrMapping/>
   </p:clrMapOvr>
-  <p:transition xmlns:p14="http://schemas.microsoft.com/office/powerpoint/2010/main" spd="med">
+  <p:transition spd="med">
     <p:fade/>
   </p:transition>
 </p:sldLayout>
@@ -11195,7 +10196,7 @@
   <p:clrMapOvr>
     <a:masterClrMapping/>
   </p:clrMapOvr>
-  <p:transition xmlns:p14="http://schemas.microsoft.com/office/powerpoint/2010/main" spd="med">
+  <p:transition spd="med">
     <p:fade/>
   </p:transition>
 </p:sldLayout>
@@ -11271,14 +10272,14 @@
           </a:ln>
           <a:extLst>
             <a:ext uri="{909E8E84-426E-40dd-AFC4-6F175D3DCCD1}">
-              <a14:hiddenFill xmlns:a14="http://schemas.microsoft.com/office/drawing/2010/main">
+              <a14:hiddenFill xmlns:a14="http://schemas.microsoft.com/office/drawing/2010/main" xmlns="">
                 <a:solidFill>
                   <a:srgbClr val="FFFFFF"/>
                 </a:solidFill>
               </a14:hiddenFill>
             </a:ext>
             <a:ext uri="{91240B29-F687-4f45-9708-019B960494DF}">
-              <a14:hiddenLine xmlns:a14="http://schemas.microsoft.com/office/drawing/2010/main" w="9525">
+              <a14:hiddenLine xmlns:a14="http://schemas.microsoft.com/office/drawing/2010/main" xmlns="" w="9525">
                 <a:solidFill>
                   <a:srgbClr val="000000"/>
                 </a:solidFill>
@@ -11554,7 +10555,7 @@
   <p:clrMapOvr>
     <a:overrideClrMapping bg1="lt1" tx1="dk1" bg2="lt2" tx2="dk2" accent1="accent1" accent2="accent2" accent3="accent3" accent4="accent4" accent5="accent5" accent6="accent6" hlink="hlink" folHlink="folHlink"/>
   </p:clrMapOvr>
-  <p:transition xmlns:p14="http://schemas.microsoft.com/office/powerpoint/2010/main" spd="med">
+  <p:transition spd="med">
     <p:fade/>
   </p:transition>
 </p:sldLayout>
@@ -11760,7 +10761,7 @@
   <p:clrMapOvr>
     <a:overrideClrMapping bg1="lt1" tx1="dk1" bg2="lt2" tx2="dk2" accent1="accent1" accent2="accent2" accent3="accent3" accent4="accent4" accent5="accent5" accent6="accent6" hlink="hlink" folHlink="folHlink"/>
   </p:clrMapOvr>
-  <p:transition xmlns:p14="http://schemas.microsoft.com/office/powerpoint/2010/main" spd="med">
+  <p:transition spd="med">
     <p:fade/>
   </p:transition>
 </p:sldLayout>
@@ -11836,14 +10837,14 @@
           </a:ln>
           <a:extLst>
             <a:ext uri="{909E8E84-426E-40dd-AFC4-6F175D3DCCD1}">
-              <a14:hiddenFill xmlns:a14="http://schemas.microsoft.com/office/drawing/2010/main">
+              <a14:hiddenFill xmlns:a14="http://schemas.microsoft.com/office/drawing/2010/main" xmlns="">
                 <a:solidFill>
                   <a:srgbClr val="FFFFFF"/>
                 </a:solidFill>
               </a14:hiddenFill>
             </a:ext>
             <a:ext uri="{91240B29-F687-4f45-9708-019B960494DF}">
-              <a14:hiddenLine xmlns:a14="http://schemas.microsoft.com/office/drawing/2010/main" w="9525">
+              <a14:hiddenLine xmlns:a14="http://schemas.microsoft.com/office/drawing/2010/main" xmlns="" w="9525">
                 <a:solidFill>
                   <a:srgbClr val="000000"/>
                 </a:solidFill>
@@ -12126,7 +11127,7 @@
   <p:clrMapOvr>
     <a:overrideClrMapping bg1="lt1" tx1="dk1" bg2="lt2" tx2="dk2" accent1="accent1" accent2="accent2" accent3="accent3" accent4="accent4" accent5="accent5" accent6="accent6" hlink="hlink" folHlink="folHlink"/>
   </p:clrMapOvr>
-  <p:transition xmlns:p14="http://schemas.microsoft.com/office/powerpoint/2010/main" spd="med">
+  <p:transition spd="med">
     <p:fade/>
   </p:transition>
 </p:sldLayout>
@@ -12334,7 +11335,7 @@
   <p:clrMapOvr>
     <a:overrideClrMapping bg1="lt1" tx1="dk1" bg2="lt2" tx2="dk2" accent1="accent1" accent2="accent2" accent3="accent3" accent4="accent4" accent5="accent5" accent6="accent6" hlink="hlink" folHlink="folHlink"/>
   </p:clrMapOvr>
-  <p:transition xmlns:p14="http://schemas.microsoft.com/office/powerpoint/2010/main" spd="med">
+  <p:transition spd="med">
     <p:fade/>
   </p:transition>
 </p:sldLayout>
@@ -12410,14 +11411,14 @@
           </a:ln>
           <a:extLst>
             <a:ext uri="{909E8E84-426E-40dd-AFC4-6F175D3DCCD1}">
-              <a14:hiddenFill xmlns:a14="http://schemas.microsoft.com/office/drawing/2010/main">
+              <a14:hiddenFill xmlns:a14="http://schemas.microsoft.com/office/drawing/2010/main" xmlns="">
                 <a:solidFill>
                   <a:srgbClr val="FFFFFF"/>
                 </a:solidFill>
               </a14:hiddenFill>
             </a:ext>
             <a:ext uri="{91240B29-F687-4f45-9708-019B960494DF}">
-              <a14:hiddenLine xmlns:a14="http://schemas.microsoft.com/office/drawing/2010/main" w="9525">
+              <a14:hiddenLine xmlns:a14="http://schemas.microsoft.com/office/drawing/2010/main" xmlns="" w="9525">
                 <a:solidFill>
                   <a:srgbClr val="000000"/>
                 </a:solidFill>
@@ -12685,7 +11686,7 @@
   <p:clrMapOvr>
     <a:overrideClrMapping bg1="lt1" tx1="dk1" bg2="lt2" tx2="dk2" accent1="accent1" accent2="accent2" accent3="accent3" accent4="accent4" accent5="accent5" accent6="accent6" hlink="hlink" folHlink="folHlink"/>
   </p:clrMapOvr>
-  <p:transition xmlns:p14="http://schemas.microsoft.com/office/powerpoint/2010/main" spd="med">
+  <p:transition spd="med">
     <p:fade/>
   </p:transition>
 </p:sldLayout>
@@ -12913,7 +11914,7 @@
   <p:clrMapOvr>
     <a:overrideClrMapping bg1="lt1" tx1="dk1" bg2="lt2" tx2="dk2" accent1="accent1" accent2="accent2" accent3="accent3" accent4="accent4" accent5="accent5" accent6="accent6" hlink="hlink" folHlink="folHlink"/>
   </p:clrMapOvr>
-  <p:transition xmlns:p14="http://schemas.microsoft.com/office/powerpoint/2010/main" spd="med">
+  <p:transition spd="med">
     <p:fade/>
   </p:transition>
 </p:sldLayout>
@@ -13201,7 +12202,7 @@
   <p:clrMapOvr>
     <a:overrideClrMapping bg1="lt1" tx1="dk1" bg2="lt2" tx2="dk2" accent1="accent1" accent2="accent2" accent3="accent3" accent4="accent4" accent5="accent5" accent6="accent6" hlink="hlink" folHlink="folHlink"/>
   </p:clrMapOvr>
-  <p:transition xmlns:p14="http://schemas.microsoft.com/office/powerpoint/2010/main" spd="med">
+  <p:transition spd="med">
     <p:fade/>
   </p:transition>
 </p:sldLayout>
@@ -13357,14 +12358,14 @@
           </a:ln>
           <a:extLst>
             <a:ext uri="{909E8E84-426E-40dd-AFC4-6F175D3DCCD1}">
-              <a14:hiddenFill xmlns:a14="http://schemas.microsoft.com/office/drawing/2010/main">
+              <a14:hiddenFill xmlns:a14="http://schemas.microsoft.com/office/drawing/2010/main" xmlns="">
                 <a:solidFill>
                   <a:srgbClr val="FFFFFF"/>
                 </a:solidFill>
               </a14:hiddenFill>
             </a:ext>
             <a:ext uri="{91240B29-F687-4f45-9708-019B960494DF}">
-              <a14:hiddenLine xmlns:a14="http://schemas.microsoft.com/office/drawing/2010/main" w="9525">
+              <a14:hiddenLine xmlns:a14="http://schemas.microsoft.com/office/drawing/2010/main" xmlns="" w="9525">
                 <a:solidFill>
                   <a:srgbClr val="000000"/>
                 </a:solidFill>
@@ -13463,7 +12464,7 @@
                 <a:ea typeface="+mn-ea"/>
                 <a:cs typeface="+mn-cs"/>
               </a:rPr>
-              <a:t>2016</a:t>
+              <a:t>2017</a:t>
             </a:r>
             <a:r>
               <a:rPr lang="en-US" dirty="0" smtClean="0">
@@ -13614,13 +12615,13 @@
     <p:sldLayoutId id="2147483841" r:id="rId11"/>
     <p:sldLayoutId id="2147483843" r:id="rId12"/>
   </p:sldLayoutIdLst>
-  <p:transition xmlns:p14="http://schemas.microsoft.com/office/powerpoint/2010/main" spd="med">
+  <p:transition spd="med">
     <p:fade/>
   </p:transition>
   <p:timing>
     <p:tnLst>
       <p:par>
-        <p:cTn xmlns:p14="http://schemas.microsoft.com/office/powerpoint/2010/main" id="1" dur="indefinite" restart="never" nodeType="tmRoot"/>
+        <p:cTn id="1" dur="indefinite" restart="never" nodeType="tmRoot"/>
       </p:par>
     </p:tnLst>
   </p:timing>
@@ -14148,14 +13149,14 @@
           </a:ln>
           <a:extLst>
             <a:ext uri="{909E8E84-426E-40dd-AFC4-6F175D3DCCD1}">
-              <a14:hiddenFill xmlns:a14="http://schemas.microsoft.com/office/drawing/2010/main">
+              <a14:hiddenFill xmlns:a14="http://schemas.microsoft.com/office/drawing/2010/main" xmlns="">
                 <a:solidFill>
                   <a:srgbClr val="FFFFFF"/>
                 </a:solidFill>
               </a14:hiddenFill>
             </a:ext>
             <a:ext uri="{91240B29-F687-4f45-9708-019B960494DF}">
-              <a14:hiddenLine xmlns:a14="http://schemas.microsoft.com/office/drawing/2010/main" w="9525">
+              <a14:hiddenLine xmlns:a14="http://schemas.microsoft.com/office/drawing/2010/main" xmlns="" w="9525">
                 <a:solidFill>
                   <a:srgbClr val="000000"/>
                 </a:solidFill>
@@ -14254,7 +13255,7 @@
                 <a:ea typeface="+mn-ea"/>
                 <a:cs typeface="+mn-cs"/>
               </a:rPr>
-              <a:t>2016</a:t>
+              <a:t>2017</a:t>
             </a:r>
             <a:r>
               <a:rPr lang="en-US" dirty="0" smtClean="0">
@@ -14476,13 +13477,13 @@
     <p:sldLayoutId id="2147483856" r:id="rId7"/>
     <p:sldLayoutId id="2147483866" r:id="rId8"/>
   </p:sldLayoutIdLst>
-  <p:transition xmlns:p14="http://schemas.microsoft.com/office/powerpoint/2010/main" spd="med">
+  <p:transition spd="med">
     <p:fade/>
   </p:transition>
   <p:timing>
     <p:tnLst>
       <p:par>
-        <p:cTn xmlns:p14="http://schemas.microsoft.com/office/powerpoint/2010/main" id="1" dur="indefinite" restart="never" nodeType="tmRoot"/>
+        <p:cTn id="1" dur="indefinite" restart="never" nodeType="tmRoot"/>
       </p:par>
     </p:tnLst>
   </p:timing>
@@ -15035,13 +14036,13 @@
   <p:clrMapOvr>
     <a:masterClrMapping/>
   </p:clrMapOvr>
-  <p:transition xmlns:p14="http://schemas.microsoft.com/office/powerpoint/2010/main" spd="med">
+  <p:transition spd="med">
     <p:fade/>
   </p:transition>
   <p:timing>
     <p:tnLst>
       <p:par>
-        <p:cTn xmlns:p14="http://schemas.microsoft.com/office/powerpoint/2010/main" id="1" dur="indefinite" restart="never" nodeType="tmRoot"/>
+        <p:cTn id="1" dur="indefinite" restart="never" nodeType="tmRoot"/>
       </p:par>
     </p:tnLst>
   </p:timing>
@@ -15179,13 +14180,13 @@
   <p:clrMapOvr>
     <a:masterClrMapping/>
   </p:clrMapOvr>
-  <p:transition xmlns:p14="http://schemas.microsoft.com/office/powerpoint/2010/main" spd="med">
+  <p:transition spd="med">
     <p:fade/>
   </p:transition>
   <p:timing>
     <p:tnLst>
       <p:par>
-        <p:cTn xmlns:p14="http://schemas.microsoft.com/office/powerpoint/2010/main" id="1" dur="indefinite" restart="never" nodeType="tmRoot"/>
+        <p:cTn id="1" dur="indefinite" restart="never" nodeType="tmRoot"/>
       </p:par>
     </p:tnLst>
   </p:timing>
@@ -15398,13 +14399,13 @@
   <p:clrMapOvr>
     <a:masterClrMapping/>
   </p:clrMapOvr>
-  <p:transition xmlns:p14="http://schemas.microsoft.com/office/powerpoint/2010/main" spd="med">
+  <p:transition spd="med">
     <p:fade/>
   </p:transition>
   <p:timing>
     <p:tnLst>
       <p:par>
-        <p:cTn xmlns:p14="http://schemas.microsoft.com/office/powerpoint/2010/main" id="1" dur="indefinite" restart="never" nodeType="tmRoot"/>
+        <p:cTn id="1" dur="indefinite" restart="never" nodeType="tmRoot"/>
       </p:par>
     </p:tnLst>
   </p:timing>
@@ -15651,13 +14652,13 @@
   <p:clrMapOvr>
     <a:masterClrMapping/>
   </p:clrMapOvr>
-  <p:transition xmlns:p14="http://schemas.microsoft.com/office/powerpoint/2010/main" spd="med">
+  <p:transition spd="med">
     <p:fade/>
   </p:transition>
   <p:timing>
     <p:tnLst>
       <p:par>
-        <p:cTn xmlns:p14="http://schemas.microsoft.com/office/powerpoint/2010/main" id="1" dur="indefinite" restart="never" nodeType="tmRoot"/>
+        <p:cTn id="1" dur="indefinite" restart="never" nodeType="tmRoot"/>
       </p:par>
     </p:tnLst>
   </p:timing>
@@ -15803,13 +14804,13 @@
   <p:clrMapOvr>
     <a:masterClrMapping/>
   </p:clrMapOvr>
-  <p:transition xmlns:p14="http://schemas.microsoft.com/office/powerpoint/2010/main" spd="med">
+  <p:transition spd="med">
     <p:fade/>
   </p:transition>
   <p:timing>
     <p:tnLst>
       <p:par>
-        <p:cTn xmlns:p14="http://schemas.microsoft.com/office/powerpoint/2010/main" id="1" dur="indefinite" restart="never" nodeType="tmRoot"/>
+        <p:cTn id="1" dur="indefinite" restart="never" nodeType="tmRoot"/>
       </p:par>
     </p:tnLst>
   </p:timing>
@@ -15972,13 +14973,13 @@
   <p:clrMapOvr>
     <a:masterClrMapping/>
   </p:clrMapOvr>
-  <p:transition xmlns:p14="http://schemas.microsoft.com/office/powerpoint/2010/main" spd="med">
+  <p:transition spd="med">
     <p:fade/>
   </p:transition>
   <p:timing>
     <p:tnLst>
       <p:par>
-        <p:cTn xmlns:p14="http://schemas.microsoft.com/office/powerpoint/2010/main" id="1" dur="indefinite" restart="never" nodeType="tmRoot"/>
+        <p:cTn id="1" dur="indefinite" restart="never" nodeType="tmRoot"/>
       </p:par>
     </p:tnLst>
   </p:timing>
@@ -16116,13 +15117,13 @@
   <p:clrMapOvr>
     <a:masterClrMapping/>
   </p:clrMapOvr>
-  <p:transition xmlns:p14="http://schemas.microsoft.com/office/powerpoint/2010/main" spd="med">
+  <p:transition spd="med">
     <p:fade/>
   </p:transition>
   <p:timing>
     <p:tnLst>
       <p:par>
-        <p:cTn xmlns:p14="http://schemas.microsoft.com/office/powerpoint/2010/main" id="1" dur="indefinite" restart="never" nodeType="tmRoot"/>
+        <p:cTn id="1" dur="indefinite" restart="never" nodeType="tmRoot"/>
       </p:par>
     </p:tnLst>
   </p:timing>
@@ -16276,13 +15277,13 @@
   <p:clrMapOvr>
     <a:masterClrMapping/>
   </p:clrMapOvr>
-  <p:transition xmlns:p14="http://schemas.microsoft.com/office/powerpoint/2010/main" spd="med">
+  <p:transition spd="med">
     <p:fade/>
   </p:transition>
   <p:timing>
     <p:tnLst>
       <p:par>
-        <p:cTn xmlns:p14="http://schemas.microsoft.com/office/powerpoint/2010/main" id="1" dur="indefinite" restart="never" nodeType="tmRoot"/>
+        <p:cTn id="1" dur="indefinite" restart="never" nodeType="tmRoot"/>
       </p:par>
     </p:tnLst>
   </p:timing>
@@ -16420,13 +15421,13 @@
   <p:clrMapOvr>
     <a:masterClrMapping/>
   </p:clrMapOvr>
-  <p:transition xmlns:p14="http://schemas.microsoft.com/office/powerpoint/2010/main" spd="med">
+  <p:transition spd="med">
     <p:fade/>
   </p:transition>
   <p:timing>
     <p:tnLst>
       <p:par>
-        <p:cTn xmlns:p14="http://schemas.microsoft.com/office/powerpoint/2010/main" id="1" dur="indefinite" restart="never" nodeType="tmRoot"/>
+        <p:cTn id="1" dur="indefinite" restart="never" nodeType="tmRoot"/>
       </p:par>
     </p:tnLst>
   </p:timing>
@@ -16512,13 +15513,13 @@
   <p:clrMapOvr>
     <a:masterClrMapping/>
   </p:clrMapOvr>
-  <p:transition xmlns:p14="http://schemas.microsoft.com/office/powerpoint/2010/main" spd="med">
+  <p:transition spd="med">
     <p:fade/>
   </p:transition>
   <p:timing>
     <p:tnLst>
       <p:par>
-        <p:cTn xmlns:p14="http://schemas.microsoft.com/office/powerpoint/2010/main" id="1" dur="indefinite" restart="never" nodeType="tmRoot"/>
+        <p:cTn id="1" dur="indefinite" restart="never" nodeType="tmRoot"/>
       </p:par>
     </p:tnLst>
   </p:timing>
@@ -16699,13 +15700,13 @@
   <p:clrMapOvr>
     <a:masterClrMapping/>
   </p:clrMapOvr>
-  <p:transition xmlns:p14="http://schemas.microsoft.com/office/powerpoint/2010/main" spd="med">
+  <p:transition spd="med">
     <p:fade/>
   </p:transition>
   <p:timing>
     <p:tnLst>
       <p:par>
-        <p:cTn xmlns:p14="http://schemas.microsoft.com/office/powerpoint/2010/main" id="1" dur="indefinite" restart="never" nodeType="tmRoot"/>
+        <p:cTn id="1" dur="indefinite" restart="never" nodeType="tmRoot"/>
       </p:par>
     </p:tnLst>
   </p:timing>
@@ -16818,13 +15819,13 @@
   <p:clrMapOvr>
     <a:masterClrMapping/>
   </p:clrMapOvr>
-  <p:transition xmlns:p14="http://schemas.microsoft.com/office/powerpoint/2010/main" spd="med">
+  <p:transition spd="med">
     <p:fade/>
   </p:transition>
   <p:timing>
     <p:tnLst>
       <p:par>
-        <p:cTn xmlns:p14="http://schemas.microsoft.com/office/powerpoint/2010/main" id="1" dur="indefinite" restart="never" nodeType="tmRoot"/>
+        <p:cTn id="1" dur="indefinite" restart="never" nodeType="tmRoot"/>
       </p:par>
     </p:tnLst>
   </p:timing>
@@ -16906,13 +15907,13 @@
   <p:clrMapOvr>
     <a:masterClrMapping/>
   </p:clrMapOvr>
-  <p:transition xmlns:p14="http://schemas.microsoft.com/office/powerpoint/2010/main" spd="med">
+  <p:transition spd="med">
     <p:fade/>
   </p:transition>
   <p:timing>
     <p:tnLst>
       <p:par>
-        <p:cTn xmlns:p14="http://schemas.microsoft.com/office/powerpoint/2010/main" id="1" dur="indefinite" restart="never" nodeType="tmRoot"/>
+        <p:cTn id="1" dur="indefinite" restart="never" nodeType="tmRoot"/>
       </p:par>
     </p:tnLst>
   </p:timing>
@@ -17031,13 +16032,13 @@
   <p:clrMapOvr>
     <a:masterClrMapping/>
   </p:clrMapOvr>
-  <p:transition xmlns:p14="http://schemas.microsoft.com/office/powerpoint/2010/main" spd="med">
+  <p:transition spd="med">
     <p:fade/>
   </p:transition>
   <p:timing>
     <p:tnLst>
       <p:par>
-        <p:cTn xmlns:p14="http://schemas.microsoft.com/office/powerpoint/2010/main" id="1" dur="indefinite" restart="never" nodeType="tmRoot"/>
+        <p:cTn id="1" dur="indefinite" restart="never" nodeType="tmRoot"/>
       </p:par>
     </p:tnLst>
   </p:timing>
@@ -17174,13 +16175,13 @@
   <p:clrMapOvr>
     <a:masterClrMapping/>
   </p:clrMapOvr>
-  <p:transition xmlns:p14="http://schemas.microsoft.com/office/powerpoint/2010/main" spd="med">
+  <p:transition spd="med">
     <p:fade/>
   </p:transition>
   <p:timing>
     <p:tnLst>
       <p:par>
-        <p:cTn xmlns:p14="http://schemas.microsoft.com/office/powerpoint/2010/main" id="1" dur="indefinite" restart="never" nodeType="tmRoot"/>
+        <p:cTn id="1" dur="indefinite" restart="never" nodeType="tmRoot"/>
       </p:par>
     </p:tnLst>
   </p:timing>
@@ -17361,13 +16362,13 @@
   <p:clrMapOvr>
     <a:masterClrMapping/>
   </p:clrMapOvr>
-  <p:transition xmlns:p14="http://schemas.microsoft.com/office/powerpoint/2010/main" spd="med">
+  <p:transition spd="med">
     <p:fade/>
   </p:transition>
   <p:timing>
     <p:tnLst>
       <p:par>
-        <p:cTn xmlns:p14="http://schemas.microsoft.com/office/powerpoint/2010/main" id="1" dur="indefinite" restart="never" nodeType="tmRoot"/>
+        <p:cTn id="1" dur="indefinite" restart="never" nodeType="tmRoot"/>
       </p:par>
     </p:tnLst>
   </p:timing>
@@ -17464,7 +16465,7 @@
             </a:r>
             <a:r>
               <a:rPr lang="is-IS" dirty="0" smtClean="0"/>
-              <a:t>2016</a:t>
+              <a:t>2017</a:t>
             </a:r>
             <a:r>
               <a:rPr lang="en-US" dirty="0" smtClean="0"/>
@@ -17592,13 +16593,13 @@
   <p:clrMapOvr>
     <a:masterClrMapping/>
   </p:clrMapOvr>
-  <p:transition xmlns:p14="http://schemas.microsoft.com/office/powerpoint/2010/main" spd="med">
+  <p:transition spd="med">
     <p:fade/>
   </p:transition>
   <p:timing>
     <p:tnLst>
       <p:par>
-        <p:cTn xmlns:p14="http://schemas.microsoft.com/office/powerpoint/2010/main" id="1" dur="indefinite" restart="never" nodeType="tmRoot"/>
+        <p:cTn id="1" dur="indefinite" restart="never" nodeType="tmRoot"/>
       </p:par>
     </p:tnLst>
   </p:timing>
@@ -17735,13 +16736,13 @@
   <p:clrMapOvr>
     <a:masterClrMapping/>
   </p:clrMapOvr>
-  <p:transition xmlns:p14="http://schemas.microsoft.com/office/powerpoint/2010/main" spd="med">
+  <p:transition spd="med">
     <p:fade/>
   </p:transition>
   <p:timing>
     <p:tnLst>
       <p:par>
-        <p:cTn xmlns:p14="http://schemas.microsoft.com/office/powerpoint/2010/main" id="1" dur="indefinite" restart="never" nodeType="tmRoot"/>
+        <p:cTn id="1" dur="indefinite" restart="never" nodeType="tmRoot"/>
       </p:par>
     </p:tnLst>
   </p:timing>
@@ -17798,7 +16799,7 @@
             </a:r>
             <a:r>
               <a:rPr lang="is-IS" sz="2400" dirty="0" smtClean="0"/>
-              <a:t>2016</a:t>
+              <a:t>2017</a:t>
             </a:r>
             <a:r>
               <a:rPr lang="en-US" sz="2400" dirty="0" smtClean="0"/>
@@ -17874,7 +16875,7 @@
             </a:r>
             <a:r>
               <a:rPr lang="is-IS" sz="2400" dirty="0" smtClean="0"/>
-              <a:t>2016</a:t>
+              <a:t>2017</a:t>
             </a:r>
             <a:r>
               <a:rPr lang="en-US" sz="2400" dirty="0" smtClean="0"/>
@@ -18039,13 +17040,13 @@
   <p:clrMapOvr>
     <a:masterClrMapping/>
   </p:clrMapOvr>
-  <p:transition xmlns:p14="http://schemas.microsoft.com/office/powerpoint/2010/main" spd="med">
+  <p:transition spd="med">
     <p:fade/>
   </p:transition>
   <p:timing>
     <p:tnLst>
       <p:par>
-        <p:cTn xmlns:p14="http://schemas.microsoft.com/office/powerpoint/2010/main" id="1" dur="indefinite" restart="never" nodeType="tmRoot"/>
+        <p:cTn id="1" dur="indefinite" restart="never" nodeType="tmRoot"/>
       </p:par>
     </p:tnLst>
   </p:timing>
@@ -18112,7 +17113,7 @@
             </a:r>
             <a:r>
               <a:rPr lang="is-IS" sz="2400" dirty="0" smtClean="0"/>
-              <a:t>2016</a:t>
+              <a:t>2017</a:t>
             </a:r>
             <a:r>
               <a:rPr lang="en-US" sz="2400" dirty="0" smtClean="0"/>
@@ -18275,13 +17276,13 @@
   <p:clrMapOvr>
     <a:masterClrMapping/>
   </p:clrMapOvr>
-  <p:transition xmlns:p14="http://schemas.microsoft.com/office/powerpoint/2010/main" spd="med">
+  <p:transition spd="med">
     <p:fade/>
   </p:transition>
   <p:timing>
     <p:tnLst>
       <p:par>
-        <p:cTn xmlns:p14="http://schemas.microsoft.com/office/powerpoint/2010/main" id="1" dur="indefinite" restart="never" nodeType="tmRoot"/>
+        <p:cTn id="1" dur="indefinite" restart="never" nodeType="tmRoot"/>
       </p:par>
     </p:tnLst>
   </p:timing>
@@ -18542,7 +17543,7 @@
                   <a:schemeClr val="bg1"/>
                 </a:solidFill>
               </a:rPr>
-              <a:t> :q</a:t>
+              <a:t> q</a:t>
             </a:r>
           </a:p>
         </p:txBody>
@@ -18557,13 +17558,13 @@
   <p:clrMapOvr>
     <a:masterClrMapping/>
   </p:clrMapOvr>
-  <p:transition xmlns:p14="http://schemas.microsoft.com/office/powerpoint/2010/main" spd="med">
+  <p:transition spd="med">
     <p:fade/>
   </p:transition>
   <p:timing>
     <p:tnLst>
       <p:par>
-        <p:cTn xmlns:p14="http://schemas.microsoft.com/office/powerpoint/2010/main" id="1" dur="indefinite" restart="never" nodeType="tmRoot"/>
+        <p:cTn id="1" dur="indefinite" restart="never" nodeType="tmRoot"/>
       </p:par>
     </p:tnLst>
   </p:timing>
@@ -18684,13 +17685,13 @@
   <p:clrMapOvr>
     <a:masterClrMapping/>
   </p:clrMapOvr>
-  <p:transition xmlns:p14="http://schemas.microsoft.com/office/powerpoint/2010/main" spd="med">
+  <p:transition spd="med">
     <p:fade/>
   </p:transition>
   <p:timing>
     <p:tnLst>
       <p:par>
-        <p:cTn xmlns:p14="http://schemas.microsoft.com/office/powerpoint/2010/main" id="1" dur="indefinite" restart="never" nodeType="tmRoot"/>
+        <p:cTn id="1" dur="indefinite" restart="never" nodeType="tmRoot"/>
       </p:par>
     </p:tnLst>
   </p:timing>
@@ -19926,13 +18927,13 @@
   <p:clrMapOvr>
     <a:masterClrMapping/>
   </p:clrMapOvr>
-  <p:transition xmlns:p14="http://schemas.microsoft.com/office/powerpoint/2010/main" spd="med">
+  <p:transition spd="med">
     <p:fade/>
   </p:transition>
   <p:timing>
     <p:tnLst>
       <p:par>
-        <p:cTn xmlns:p14="http://schemas.microsoft.com/office/powerpoint/2010/main" id="1" dur="indefinite" restart="never" nodeType="tmRoot"/>
+        <p:cTn id="1" dur="indefinite" restart="never" nodeType="tmRoot"/>
       </p:par>
     </p:tnLst>
   </p:timing>
@@ -20066,13 +19067,13 @@
   <p:clrMapOvr>
     <a:masterClrMapping/>
   </p:clrMapOvr>
-  <p:transition xmlns:p14="http://schemas.microsoft.com/office/powerpoint/2010/main" spd="med">
+  <p:transition spd="med">
     <p:fade/>
   </p:transition>
   <p:timing>
     <p:tnLst>
       <p:par>
-        <p:cTn xmlns:p14="http://schemas.microsoft.com/office/powerpoint/2010/main" id="1" dur="indefinite" restart="never" nodeType="tmRoot"/>
+        <p:cTn id="1" dur="indefinite" restart="never" nodeType="tmRoot"/>
       </p:par>
     </p:tnLst>
   </p:timing>
@@ -20179,13 +19180,13 @@
   <p:clrMapOvr>
     <a:masterClrMapping/>
   </p:clrMapOvr>
-  <p:transition xmlns:p14="http://schemas.microsoft.com/office/powerpoint/2010/main" spd="med">
+  <p:transition spd="med">
     <p:fade/>
   </p:transition>
   <p:timing>
     <p:tnLst>
       <p:par>
-        <p:cTn xmlns:p14="http://schemas.microsoft.com/office/powerpoint/2010/main" id="1" dur="indefinite" restart="never" nodeType="tmRoot"/>
+        <p:cTn id="1" dur="indefinite" restart="never" nodeType="tmRoot"/>
       </p:par>
     </p:tnLst>
   </p:timing>
@@ -20323,13 +19324,13 @@
   <p:clrMapOvr>
     <a:masterClrMapping/>
   </p:clrMapOvr>
-  <p:transition xmlns:p14="http://schemas.microsoft.com/office/powerpoint/2010/main" spd="med">
+  <p:transition spd="med">
     <p:fade/>
   </p:transition>
   <p:timing>
     <p:tnLst>
       <p:par>
-        <p:cTn xmlns:p14="http://schemas.microsoft.com/office/powerpoint/2010/main" id="1" dur="indefinite" restart="never" nodeType="tmRoot"/>
+        <p:cTn id="1" dur="indefinite" restart="never" nodeType="tmRoot"/>
       </p:par>
     </p:tnLst>
   </p:timing>
@@ -20426,7 +19427,7 @@
             </a:r>
             <a:r>
               <a:rPr lang="is-IS" dirty="0" smtClean="0"/>
-              <a:t>2016</a:t>
+              <a:t>2017</a:t>
             </a:r>
             <a:r>
               <a:rPr lang="en-US" dirty="0" smtClean="0"/>
@@ -20552,13 +19553,13 @@
   <p:clrMapOvr>
     <a:masterClrMapping/>
   </p:clrMapOvr>
-  <p:transition xmlns:p14="http://schemas.microsoft.com/office/powerpoint/2010/main" spd="med">
+  <p:transition spd="med">
     <p:fade/>
   </p:transition>
   <p:timing>
     <p:tnLst>
       <p:par>
-        <p:cTn xmlns:p14="http://schemas.microsoft.com/office/powerpoint/2010/main" id="1" dur="indefinite" restart="never" nodeType="tmRoot"/>
+        <p:cTn id="1" dur="indefinite" restart="never" nodeType="tmRoot"/>
       </p:par>
     </p:tnLst>
   </p:timing>
@@ -20732,13 +19733,13 @@
   <p:clrMapOvr>
     <a:masterClrMapping/>
   </p:clrMapOvr>
-  <p:transition xmlns:p14="http://schemas.microsoft.com/office/powerpoint/2010/main" spd="med">
+  <p:transition spd="med">
     <p:fade/>
   </p:transition>
   <p:timing>
     <p:tnLst>
       <p:par>
-        <p:cTn xmlns:p14="http://schemas.microsoft.com/office/powerpoint/2010/main" id="1" dur="indefinite" restart="never" nodeType="tmRoot"/>
+        <p:cTn id="1" dur="indefinite" restart="never" nodeType="tmRoot"/>
       </p:par>
     </p:tnLst>
   </p:timing>
@@ -20872,13 +19873,13 @@
   <p:clrMapOvr>
     <a:masterClrMapping/>
   </p:clrMapOvr>
-  <p:transition xmlns:p14="http://schemas.microsoft.com/office/powerpoint/2010/main" spd="med">
+  <p:transition spd="med">
     <p:fade/>
   </p:transition>
   <p:timing>
     <p:tnLst>
       <p:par>
-        <p:cTn xmlns:p14="http://schemas.microsoft.com/office/powerpoint/2010/main" id="1" dur="indefinite" restart="never" nodeType="tmRoot"/>
+        <p:cTn id="1" dur="indefinite" restart="never" nodeType="tmRoot"/>
       </p:par>
     </p:tnLst>
   </p:timing>
@@ -21077,13 +20078,13 @@
   <p:clrMapOvr>
     <a:masterClrMapping/>
   </p:clrMapOvr>
-  <p:transition xmlns:p14="http://schemas.microsoft.com/office/powerpoint/2010/main" spd="med">
+  <p:transition spd="med">
     <p:fade/>
   </p:transition>
   <p:timing>
     <p:tnLst>
       <p:par>
-        <p:cTn xmlns:p14="http://schemas.microsoft.com/office/powerpoint/2010/main" id="1" dur="indefinite" restart="never" nodeType="tmRoot"/>
+        <p:cTn id="1" dur="indefinite" restart="never" nodeType="tmRoot"/>
       </p:par>
     </p:tnLst>
   </p:timing>
@@ -21182,7 +20183,7 @@
             </a:r>
             <a:r>
               <a:rPr lang="is-IS" dirty="0" smtClean="0"/>
-              <a:t>2016</a:t>
+              <a:t>2017</a:t>
             </a:r>
             <a:r>
               <a:rPr lang="en-US" dirty="0" smtClean="0"/>
@@ -21302,13 +20303,13 @@
   <p:clrMapOvr>
     <a:masterClrMapping/>
   </p:clrMapOvr>
-  <p:transition xmlns:p14="http://schemas.microsoft.com/office/powerpoint/2010/main" spd="med">
+  <p:transition spd="med">
     <p:fade/>
   </p:transition>
   <p:timing>
     <p:tnLst>
       <p:par>
-        <p:cTn xmlns:p14="http://schemas.microsoft.com/office/powerpoint/2010/main" id="1" dur="indefinite" restart="never" nodeType="tmRoot"/>
+        <p:cTn id="1" dur="indefinite" restart="never" nodeType="tmRoot"/>
       </p:par>
     </p:tnLst>
   </p:timing>
@@ -21450,7 +20451,7 @@
             </a:r>
             <a:r>
               <a:rPr lang="is-IS" sz="2400" dirty="0" smtClean="0"/>
-              <a:t>2016</a:t>
+              <a:t>2017</a:t>
             </a:r>
             <a:r>
               <a:rPr lang="en-US" sz="2400" dirty="0" smtClean="0"/>
@@ -21572,13 +20573,13 @@
   <p:clrMapOvr>
     <a:masterClrMapping/>
   </p:clrMapOvr>
-  <p:transition xmlns:p14="http://schemas.microsoft.com/office/powerpoint/2010/main" spd="med">
+  <p:transition spd="med">
     <p:fade/>
   </p:transition>
   <p:timing>
     <p:tnLst>
       <p:par>
-        <p:cTn xmlns:p14="http://schemas.microsoft.com/office/powerpoint/2010/main" id="1" dur="indefinite" restart="never" nodeType="tmRoot"/>
+        <p:cTn id="1" dur="indefinite" restart="never" nodeType="tmRoot"/>
       </p:par>
     </p:tnLst>
   </p:timing>
@@ -21781,13 +20782,13 @@
   <p:clrMapOvr>
     <a:masterClrMapping/>
   </p:clrMapOvr>
-  <p:transition xmlns:p14="http://schemas.microsoft.com/office/powerpoint/2010/main" spd="med">
+  <p:transition spd="med">
     <p:fade/>
   </p:transition>
   <p:timing>
     <p:tnLst>
       <p:par>
-        <p:cTn xmlns:p14="http://schemas.microsoft.com/office/powerpoint/2010/main" id="1" dur="indefinite" restart="never" nodeType="tmRoot"/>
+        <p:cTn id="1" dur="indefinite" restart="never" nodeType="tmRoot"/>
       </p:par>
     </p:tnLst>
   </p:timing>
@@ -23178,13 +22179,13 @@
   <p:clrMapOvr>
     <a:masterClrMapping/>
   </p:clrMapOvr>
-  <p:transition xmlns:p14="http://schemas.microsoft.com/office/powerpoint/2010/main" spd="med">
+  <p:transition spd="med">
     <p:fade/>
   </p:transition>
   <p:timing>
     <p:tnLst>
       <p:par>
-        <p:cTn xmlns:p14="http://schemas.microsoft.com/office/powerpoint/2010/main" id="1" dur="indefinite" restart="never" nodeType="tmRoot"/>
+        <p:cTn id="1" dur="indefinite" restart="never" nodeType="tmRoot"/>
       </p:par>
     </p:tnLst>
   </p:timing>
@@ -23341,13 +22342,13 @@
   <p:clrMapOvr>
     <a:masterClrMapping/>
   </p:clrMapOvr>
-  <p:transition xmlns:p14="http://schemas.microsoft.com/office/powerpoint/2010/main" spd="med">
+  <p:transition spd="med">
     <p:fade/>
   </p:transition>
   <p:timing>
     <p:tnLst>
       <p:par>
-        <p:cTn xmlns:p14="http://schemas.microsoft.com/office/powerpoint/2010/main" id="1" dur="indefinite" restart="never" nodeType="tmRoot"/>
+        <p:cTn id="1" dur="indefinite" restart="never" nodeType="tmRoot"/>
       </p:par>
     </p:tnLst>
   </p:timing>
@@ -23566,13 +22567,13 @@
   <p:clrMapOvr>
     <a:masterClrMapping/>
   </p:clrMapOvr>
-  <p:transition xmlns:p14="http://schemas.microsoft.com/office/powerpoint/2010/main" spd="med">
+  <p:transition spd="med">
     <p:fade/>
   </p:transition>
   <p:timing>
     <p:tnLst>
       <p:par>
-        <p:cTn xmlns:p14="http://schemas.microsoft.com/office/powerpoint/2010/main" id="1" dur="indefinite" restart="never" nodeType="tmRoot"/>
+        <p:cTn id="1" dur="indefinite" restart="never" nodeType="tmRoot"/>
       </p:par>
     </p:tnLst>
   </p:timing>
@@ -23667,13 +22668,13 @@
   <p:clrMapOvr>
     <a:masterClrMapping/>
   </p:clrMapOvr>
-  <p:transition xmlns:p14="http://schemas.microsoft.com/office/powerpoint/2010/main" spd="med">
+  <p:transition spd="med">
     <p:fade/>
   </p:transition>
   <p:timing>
     <p:tnLst>
       <p:par>
-        <p:cTn xmlns:p14="http://schemas.microsoft.com/office/powerpoint/2010/main" id="1" dur="indefinite" restart="never" nodeType="tmRoot"/>
+        <p:cTn id="1" dur="indefinite" restart="never" nodeType="tmRoot"/>
       </p:par>
     </p:tnLst>
   </p:timing>
@@ -23759,13 +22760,13 @@
   <p:clrMapOvr>
     <a:masterClrMapping/>
   </p:clrMapOvr>
-  <p:transition xmlns:p14="http://schemas.microsoft.com/office/powerpoint/2010/main" spd="med">
+  <p:transition spd="med">
     <p:fade/>
   </p:transition>
   <p:timing>
     <p:tnLst>
       <p:par>
-        <p:cTn xmlns:p14="http://schemas.microsoft.com/office/powerpoint/2010/main" id="1" dur="indefinite" restart="never" nodeType="tmRoot"/>
+        <p:cTn id="1" dur="indefinite" restart="never" nodeType="tmRoot"/>
       </p:par>
     </p:tnLst>
   </p:timing>
@@ -23929,13 +22930,13 @@
   <p:clrMapOvr>
     <a:masterClrMapping/>
   </p:clrMapOvr>
-  <p:transition xmlns:p14="http://schemas.microsoft.com/office/powerpoint/2010/main" spd="med">
+  <p:transition spd="med">
     <p:fade/>
   </p:transition>
   <p:timing>
     <p:tnLst>
       <p:par>
-        <p:cTn xmlns:p14="http://schemas.microsoft.com/office/powerpoint/2010/main" id="1" dur="indefinite" restart="never" nodeType="tmRoot"/>
+        <p:cTn id="1" dur="indefinite" restart="never" nodeType="tmRoot"/>
       </p:par>
     </p:tnLst>
   </p:timing>
@@ -23969,13 +22970,13 @@
   <p:clrMapOvr>
     <a:masterClrMapping/>
   </p:clrMapOvr>
-  <p:transition xmlns:p14="http://schemas.microsoft.com/office/powerpoint/2010/main" spd="med">
+  <p:transition spd="med">
     <p:fade/>
   </p:transition>
   <p:timing>
     <p:tnLst>
       <p:par>
-        <p:cTn xmlns:p14="http://schemas.microsoft.com/office/powerpoint/2010/main" id="1" dur="indefinite" restart="never" nodeType="tmRoot"/>
+        <p:cTn id="1" dur="indefinite" restart="never" nodeType="tmRoot"/>
       </p:par>
     </p:tnLst>
   </p:timing>
@@ -25011,13 +24012,13 @@
   <p:clrMapOvr>
     <a:masterClrMapping/>
   </p:clrMapOvr>
-  <p:transition xmlns:p14="http://schemas.microsoft.com/office/powerpoint/2010/main" spd="med">
+  <p:transition spd="med">
     <p:fade/>
   </p:transition>
   <p:timing>
     <p:tnLst>
       <p:par>
-        <p:cTn xmlns:p14="http://schemas.microsoft.com/office/powerpoint/2010/main" id="1" dur="indefinite" restart="never" nodeType="tmRoot"/>
+        <p:cTn id="1" dur="indefinite" restart="never" nodeType="tmRoot"/>
       </p:par>
     </p:tnLst>
   </p:timing>
@@ -25156,13 +24157,13 @@
   <p:clrMapOvr>
     <a:masterClrMapping/>
   </p:clrMapOvr>
-  <p:transition xmlns:p14="http://schemas.microsoft.com/office/powerpoint/2010/main" spd="med">
+  <p:transition spd="med">
     <p:fade/>
   </p:transition>
   <p:timing>
     <p:tnLst>
       <p:par>
-        <p:cTn xmlns:p14="http://schemas.microsoft.com/office/powerpoint/2010/main" id="1" dur="indefinite" restart="never" nodeType="tmRoot"/>
+        <p:cTn id="1" dur="indefinite" restart="never" nodeType="tmRoot"/>
       </p:par>
     </p:tnLst>
   </p:timing>
@@ -25259,7 +24260,7 @@
             </a:r>
             <a:r>
               <a:rPr lang="is-IS" dirty="0" smtClean="0"/>
-              <a:t>2016</a:t>
+              <a:t>2017</a:t>
             </a:r>
             <a:r>
               <a:rPr lang="en-US" dirty="0" smtClean="0"/>
@@ -25364,13 +24365,13 @@
   <p:clrMapOvr>
     <a:masterClrMapping/>
   </p:clrMapOvr>
-  <p:transition xmlns:p14="http://schemas.microsoft.com/office/powerpoint/2010/main" spd="med">
+  <p:transition spd="med">
     <p:fade/>
   </p:transition>
   <p:timing>
     <p:tnLst>
       <p:par>
-        <p:cTn xmlns:p14="http://schemas.microsoft.com/office/powerpoint/2010/main" id="1" dur="indefinite" restart="never" nodeType="tmRoot"/>
+        <p:cTn id="1" dur="indefinite" restart="never" nodeType="tmRoot"/>
       </p:par>
     </p:tnLst>
   </p:timing>
@@ -25508,13 +24509,13 @@
   <p:clrMapOvr>
     <a:masterClrMapping/>
   </p:clrMapOvr>
-  <p:transition xmlns:p14="http://schemas.microsoft.com/office/powerpoint/2010/main" spd="med">
+  <p:transition spd="med">
     <p:fade/>
   </p:transition>
   <p:timing>
     <p:tnLst>
       <p:par>
-        <p:cTn xmlns:p14="http://schemas.microsoft.com/office/powerpoint/2010/main" id="1" dur="indefinite" restart="never" nodeType="tmRoot"/>
+        <p:cTn id="1" dur="indefinite" restart="never" nodeType="tmRoot"/>
       </p:par>
     </p:tnLst>
   </p:timing>
@@ -25660,7 +24661,7 @@
             </a:r>
             <a:r>
               <a:rPr lang="is-IS" dirty="0" smtClean="0"/>
-              <a:t>2016</a:t>
+              <a:t>2017</a:t>
             </a:r>
             <a:r>
               <a:rPr lang="en-US" dirty="0" smtClean="0"/>
@@ -25774,13 +24775,13 @@
   <p:clrMapOvr>
     <a:masterClrMapping/>
   </p:clrMapOvr>
-  <p:transition xmlns:p14="http://schemas.microsoft.com/office/powerpoint/2010/main" spd="med">
+  <p:transition spd="med">
     <p:fade/>
   </p:transition>
   <p:timing>
     <p:tnLst>
       <p:par>
-        <p:cTn xmlns:p14="http://schemas.microsoft.com/office/powerpoint/2010/main" id="1" dur="indefinite" restart="never" nodeType="tmRoot"/>
+        <p:cTn id="1" dur="indefinite" restart="never" nodeType="tmRoot"/>
       </p:par>
     </p:tnLst>
   </p:timing>
@@ -26163,7 +25164,7 @@
   <a:extraClrSchemeLst/>
   <a:extLst>
     <a:ext uri="{05A4C25C-085E-4340-85A3-A5531E510DB2}">
-      <thm15:themeFamily xmlns:thm15="http://schemas.microsoft.com/office/thememl/2012/main" xmlns="" name="Chef-TemplateComps_v09-16x9-Light.potx" id="{078CEFDB-FA7A-4E36-9964-13EF367585CB}" vid="{8B87B0F3-7308-43D5-8388-E1B49EA02652}"/>
+      <thm15:themeFamily xmlns:thm15="http://schemas.microsoft.com/office/thememl/2012/main" name="Chef-TemplateComps_v09-16x9-Light.potx" id="{078CEFDB-FA7A-4E36-9964-13EF367585CB}" vid="{8B87B0F3-7308-43D5-8388-E1B49EA02652}"/>
     </a:ext>
   </a:extLst>
 </a:theme>
@@ -26545,7 +25546,7 @@
   <a:extraClrSchemeLst/>
   <a:extLst>
     <a:ext uri="{05A4C25C-085E-4340-85A3-A5531E510DB2}">
-      <thm15:themeFamily xmlns:thm15="http://schemas.microsoft.com/office/thememl/2012/main" xmlns="" name="Chef-TemplateComps_v09-16x9-Light.potx" id="{078CEFDB-FA7A-4E36-9964-13EF367585CB}" vid="{8B87B0F3-7308-43D5-8388-E1B49EA02652}"/>
+      <thm15:themeFamily xmlns:thm15="http://schemas.microsoft.com/office/thememl/2012/main" name="Chef-TemplateComps_v09-16x9-Light.potx" id="{078CEFDB-FA7A-4E36-9964-13EF367585CB}" vid="{8B87B0F3-7308-43D5-8388-E1B49EA02652}"/>
     </a:ext>
   </a:extLst>
 </a:theme>
